--- a/Presentation/Presentation.pptx
+++ b/Presentation/Presentation.pptx
@@ -5,19 +5,21 @@
     <p:sldMasterId id="2147483657" r:id="rId4"/>
   </p:sldMasterIdLst>
   <p:notesMasterIdLst>
-    <p:notesMasterId r:id="rId12"/>
+    <p:notesMasterId r:id="rId14"/>
   </p:notesMasterIdLst>
   <p:handoutMasterIdLst>
-    <p:handoutMasterId r:id="rId13"/>
+    <p:handoutMasterId r:id="rId15"/>
   </p:handoutMasterIdLst>
   <p:sldIdLst>
     <p:sldId id="346" r:id="rId5"/>
-    <p:sldId id="333" r:id="rId6"/>
-    <p:sldId id="263" r:id="rId7"/>
-    <p:sldId id="335" r:id="rId8"/>
-    <p:sldId id="349" r:id="rId9"/>
-    <p:sldId id="347" r:id="rId10"/>
-    <p:sldId id="348" r:id="rId11"/>
+    <p:sldId id="347" r:id="rId6"/>
+    <p:sldId id="350" r:id="rId7"/>
+    <p:sldId id="352" r:id="rId8"/>
+    <p:sldId id="353" r:id="rId9"/>
+    <p:sldId id="354" r:id="rId10"/>
+    <p:sldId id="355" r:id="rId11"/>
+    <p:sldId id="356" r:id="rId12"/>
+    <p:sldId id="333" r:id="rId13"/>
   </p:sldIdLst>
   <p:sldSz cx="12192000" cy="6858000"/>
   <p:notesSz cx="6858000" cy="9144000"/>
@@ -194,12 +196,14 @@
         <p14:section name="Standardabschnitt" id="{9152458D-D975-4659-9756-A6BAF0E2F024}">
           <p14:sldIdLst>
             <p14:sldId id="346"/>
+            <p14:sldId id="347"/>
+            <p14:sldId id="350"/>
+            <p14:sldId id="352"/>
+            <p14:sldId id="353"/>
+            <p14:sldId id="354"/>
+            <p14:sldId id="355"/>
+            <p14:sldId id="356"/>
             <p14:sldId id="333"/>
-            <p14:sldId id="263"/>
-            <p14:sldId id="335"/>
-            <p14:sldId id="349"/>
-            <p14:sldId id="347"/>
-            <p14:sldId id="348"/>
           </p14:sldIdLst>
         </p14:section>
       </p14:sectionLst>
@@ -424,7 +428,7 @@
           <a:p>
             <a:fld id="{EEC665CA-D682-48EC-95D2-126FD6449D65}" type="datetime1">
               <a:rPr lang="de-CH" sz="900" smtClean="0"/>
-              <a:t>12.11.2024</a:t>
+              <a:t>18.11.2024</a:t>
             </a:fld>
             <a:endParaRPr lang="de-CH" sz="900"/>
           </a:p>
@@ -726,7 +730,7 @@
           <a:p>
             <a:fld id="{A17AAF7D-4283-4014-80F4-26E915FEACF8}" type="datetime1">
               <a:rPr lang="de-CH" smtClean="0"/>
-              <a:t>12.11.2024</a:t>
+              <a:t>18.11.2024</a:t>
             </a:fld>
             <a:endParaRPr lang="de-CH" dirty="0"/>
           </a:p>
@@ -913,7 +917,7 @@
       </p:grpSpPr>
       <p:sp>
         <p:nvSpPr>
-          <p:cNvPr id="2" name="Folienbildplatzhalter 1"/>
+          <p:cNvPr id="2" name="Zástupný symbol pro obrázek snímku 1"/>
           <p:cNvSpPr>
             <a:spLocks noGrp="1" noRot="1" noChangeAspect="1"/>
           </p:cNvSpPr>
@@ -923,14 +927,14 @@
         </p:nvSpPr>
         <p:spPr>
           <a:xfrm>
-            <a:off x="773113" y="1246188"/>
-            <a:ext cx="5561012" cy="3127375"/>
-          </a:xfrm>
-        </p:spPr>
-      </p:sp>
-      <p:sp>
-        <p:nvSpPr>
-          <p:cNvPr id="3" name="Notizenplatzhalter 2"/>
+            <a:off x="765175" y="900113"/>
+            <a:ext cx="5559425" cy="3127375"/>
+          </a:xfrm>
+        </p:spPr>
+      </p:sp>
+      <p:sp>
+        <p:nvSpPr>
+          <p:cNvPr id="3" name="Zástupný symbol pro poznámky 2"/>
           <p:cNvSpPr>
             <a:spLocks noGrp="1"/>
           </p:cNvSpPr>
@@ -943,13 +947,13 @@
           <a:bodyPr/>
           <a:lstStyle/>
           <a:p>
-            <a:endParaRPr lang="de-CH"/>
-          </a:p>
-        </p:txBody>
-      </p:sp>
-      <p:sp>
-        <p:nvSpPr>
-          <p:cNvPr id="4" name="Foliennummernplatzhalter 3"/>
+            <a:endParaRPr lang="en-US" dirty="0"/>
+          </a:p>
+        </p:txBody>
+      </p:sp>
+      <p:sp>
+        <p:nvSpPr>
+          <p:cNvPr id="4" name="Zástupný symbol pro číslo snímku 3"/>
           <p:cNvSpPr>
             <a:spLocks noGrp="1"/>
           </p:cNvSpPr>
@@ -965,7 +969,7 @@
             <a:fld id="{83C81C81-E364-4366-A610-2DB15FF98538}" type="slidenum">
               <a:rPr lang="de-CH" smtClean="0"/>
               <a:pPr/>
-              <a:t>3</a:t>
+              <a:t>9</a:t>
             </a:fld>
             <a:endParaRPr lang="de-CH" dirty="0"/>
           </a:p>
@@ -974,7 +978,7 @@
     </p:spTree>
     <p:extLst>
       <p:ext uri="{BB962C8B-B14F-4D97-AF65-F5344CB8AC3E}">
-        <p14:creationId xmlns:p14="http://schemas.microsoft.com/office/powerpoint/2010/main" val="1175500654"/>
+        <p14:creationId xmlns:p14="http://schemas.microsoft.com/office/powerpoint/2010/main" val="1773918336"/>
       </p:ext>
     </p:extLst>
   </p:cSld>
@@ -1086,7 +1090,7 @@
             <a:fld id="{DEC16BC5-71A3-4EAA-B734-0870A4D7F723}" type="datetime1">
               <a:rPr lang="en-GB" noProof="0" smtClean="0"/>
               <a:pPr/>
-              <a:t>12/11/2024</a:t>
+              <a:t>18/11/2024</a:t>
             </a:fld>
             <a:endParaRPr lang="en-GB" noProof="0" dirty="0"/>
           </a:p>
@@ -1443,7 +1447,7 @@
           <a:p>
             <a:fld id="{39AB9864-0552-4F44-B494-D03F4683B094}" type="datetime1">
               <a:rPr lang="en-GB" noProof="0" smtClean="0"/>
-              <a:t>12/11/2024</a:t>
+              <a:t>18/11/2024</a:t>
             </a:fld>
             <a:endParaRPr lang="en-GB" noProof="0" dirty="0"/>
           </a:p>
@@ -1811,7 +1815,7 @@
           <a:p>
             <a:fld id="{FF8592F2-A22B-4129-BF43-10974110EFE1}" type="datetime1">
               <a:rPr lang="en-GB" noProof="0" smtClean="0"/>
-              <a:t>12/11/2024</a:t>
+              <a:t>18/11/2024</a:t>
             </a:fld>
             <a:endParaRPr lang="en-GB" noProof="0" dirty="0"/>
           </a:p>
@@ -3192,7 +3196,7 @@
           <a:p>
             <a:fld id="{DC01D08B-BC87-4A6B-BAB6-A8ACF5B160B4}" type="datetime1">
               <a:rPr lang="en-GB" noProof="0" smtClean="0"/>
-              <a:t>12/11/2024</a:t>
+              <a:t>18/11/2024</a:t>
             </a:fld>
             <a:endParaRPr lang="en-GB" noProof="0" dirty="0"/>
           </a:p>
@@ -3639,7 +3643,7 @@
           <a:p>
             <a:fld id="{94B49354-1A46-41EB-9B56-F72C8C8A693E}" type="datetime1">
               <a:rPr lang="en-GB" noProof="0" smtClean="0"/>
-              <a:t>12/11/2024</a:t>
+              <a:t>18/11/2024</a:t>
             </a:fld>
             <a:endParaRPr lang="en-GB" noProof="0" dirty="0"/>
           </a:p>
@@ -4515,7 +4519,7 @@
           <a:p>
             <a:fld id="{9E05F214-4AD4-4D89-AE61-CF34C7806923}" type="datetime1">
               <a:rPr lang="de-CH" noProof="0" smtClean="0"/>
-              <a:t>12.11.2024</a:t>
+              <a:t>18.11.2024</a:t>
             </a:fld>
             <a:endParaRPr lang="de-CH" noProof="0"/>
           </a:p>
@@ -4707,7 +4711,7 @@
           <a:p>
             <a:fld id="{AE2C0931-09B0-4B39-995C-BB4BD36DB6C3}" type="datetime1">
               <a:rPr lang="en-GB" noProof="0" smtClean="0"/>
-              <a:t>12/11/2024</a:t>
+              <a:t>18/11/2024</a:t>
             </a:fld>
             <a:endParaRPr lang="en-GB" noProof="0" dirty="0"/>
           </a:p>
@@ -4982,7 +4986,7 @@
           <a:p>
             <a:fld id="{7EF33BA8-25F9-4DC4-8DF6-71C6AEBB6E7E}" type="datetime1">
               <a:rPr lang="en-GB" noProof="0" smtClean="0"/>
-              <a:t>12/11/2024</a:t>
+              <a:t>18/11/2024</a:t>
             </a:fld>
             <a:endParaRPr lang="en-GB" noProof="0" dirty="0"/>
           </a:p>
@@ -5514,7 +5518,7 @@
           <a:p>
             <a:fld id="{FD440920-B1A2-4FB0-981D-DAC5A3A0DBB6}" type="datetime1">
               <a:rPr lang="en-GB" noProof="0" smtClean="0"/>
-              <a:t>12/11/2024</a:t>
+              <a:t>18/11/2024</a:t>
             </a:fld>
             <a:endParaRPr lang="en-GB" noProof="0" dirty="0"/>
           </a:p>
@@ -6070,7 +6074,7 @@
           <a:p>
             <a:fld id="{7E36D67C-8BF7-4CBC-9036-CC970B8B4F9A}" type="datetime1">
               <a:rPr lang="de-CH" noProof="0" smtClean="0"/>
-              <a:t>12.11.2024</a:t>
+              <a:t>18.11.2024</a:t>
             </a:fld>
             <a:endParaRPr lang="de-CH" noProof="0"/>
           </a:p>
@@ -6362,7 +6366,7 @@
           <a:p>
             <a:fld id="{07BF17AC-F94E-4589-8B72-E87890D6CDE5}" type="datetime1">
               <a:rPr lang="en-GB" noProof="0" smtClean="0"/>
-              <a:t>12/11/2024</a:t>
+              <a:t>18/11/2024</a:t>
             </a:fld>
             <a:endParaRPr lang="en-GB" noProof="0" dirty="0"/>
           </a:p>
@@ -7239,7 +7243,7 @@
           <a:p>
             <a:fld id="{3ED9C5BA-5AED-43BC-9A9A-FB3281926248}" type="datetime1">
               <a:rPr lang="en-GB" noProof="0" smtClean="0"/>
-              <a:t>12/11/2024</a:t>
+              <a:t>18/11/2024</a:t>
             </a:fld>
             <a:endParaRPr lang="en-GB" noProof="0" dirty="0"/>
           </a:p>
@@ -8062,7 +8066,7 @@
           <a:p>
             <a:fld id="{4ECD36C8-6692-4A3B-AF59-90068E97C16E}" type="datetime1">
               <a:rPr lang="en-GB" noProof="0" smtClean="0"/>
-              <a:t>12/11/2024</a:t>
+              <a:t>18/11/2024</a:t>
             </a:fld>
             <a:endParaRPr lang="en-GB" noProof="0" dirty="0"/>
           </a:p>
@@ -8845,7 +8849,7 @@
           <a:p>
             <a:fld id="{2470702A-C9B2-4860-8B3C-A907C6233FF6}" type="datetime1">
               <a:rPr lang="en-GB" noProof="0" smtClean="0"/>
-              <a:t>12/11/2024</a:t>
+              <a:t>18/11/2024</a:t>
             </a:fld>
             <a:endParaRPr lang="en-GB" noProof="0" dirty="0"/>
           </a:p>
@@ -9548,7 +9552,7 @@
           <a:p>
             <a:fld id="{A814411A-45D1-40D1-847C-9669B869F877}" type="datetime1">
               <a:rPr lang="en-GB" noProof="0" smtClean="0"/>
-              <a:t>12/11/2024</a:t>
+              <a:t>18/11/2024</a:t>
             </a:fld>
             <a:endParaRPr lang="en-GB" noProof="0" dirty="0"/>
           </a:p>
@@ -9937,7 +9941,7 @@
           <a:p>
             <a:fld id="{F7165B26-D0E7-45C6-8559-103B96E0CE32}" type="datetime1">
               <a:rPr lang="en-GB" noProof="0" smtClean="0"/>
-              <a:t>12/11/2024</a:t>
+              <a:t>18/11/2024</a:t>
             </a:fld>
             <a:endParaRPr lang="en-GB" noProof="0" dirty="0"/>
           </a:p>
@@ -10516,7 +10520,7 @@
           <a:p>
             <a:fld id="{71872B78-8581-4912-BA0F-1C6D591F65FF}" type="datetime1">
               <a:rPr lang="en-GB" noProof="0" smtClean="0"/>
-              <a:t>12/11/2024</a:t>
+              <a:t>18/11/2024</a:t>
             </a:fld>
             <a:endParaRPr lang="en-GB" noProof="0" dirty="0"/>
           </a:p>
@@ -11330,7 +11334,7 @@
           <a:p>
             <a:fld id="{281737CF-8F93-45D3-893D-73CFB042EFB1}" type="datetime1">
               <a:rPr lang="en-GB" noProof="0" smtClean="0"/>
-              <a:t>12/11/2024</a:t>
+              <a:t>18/11/2024</a:t>
             </a:fld>
             <a:endParaRPr lang="en-GB" noProof="0" dirty="0"/>
           </a:p>
@@ -12432,7 +12436,7 @@
           <a:p>
             <a:fld id="{D364BFF4-CB62-460B-A7FD-029BF9AAE804}" type="datetime1">
               <a:rPr lang="en-GB" noProof="0" smtClean="0"/>
-              <a:t>12/11/2024</a:t>
+              <a:t>18/11/2024</a:t>
             </a:fld>
             <a:endParaRPr lang="en-GB" noProof="0" dirty="0"/>
           </a:p>
@@ -13508,7 +13512,7 @@
           <a:p>
             <a:fld id="{7893DB96-315B-4AA8-A4DA-A62A76E1325B}" type="datetime1">
               <a:rPr lang="en-GB" noProof="0" smtClean="0"/>
-              <a:t>12/11/2024</a:t>
+              <a:t>18/11/2024</a:t>
             </a:fld>
             <a:endParaRPr lang="en-GB" noProof="0" dirty="0"/>
           </a:p>
@@ -15551,7 +15555,7 @@
           <a:p>
             <a:fld id="{6C66F239-114E-41F3-ADA1-C32B874D6A23}" type="datetime1">
               <a:rPr lang="en-GB" noProof="0" smtClean="0"/>
-              <a:t>12/11/2024</a:t>
+              <a:t>18/11/2024</a:t>
             </a:fld>
             <a:endParaRPr lang="en-GB" noProof="0" dirty="0"/>
           </a:p>
@@ -17605,7 +17609,7 @@
             <a:fld id="{BD061571-B72C-4959-8C35-E56835C2C064}" type="datetime1">
               <a:rPr lang="en-GB" noProof="0" smtClean="0"/>
               <a:pPr/>
-              <a:t>12/11/2024</a:t>
+              <a:t>18/11/2024</a:t>
             </a:fld>
             <a:endParaRPr lang="en-GB" noProof="0" dirty="0"/>
           </a:p>
@@ -18195,7 +18199,7 @@
           <a:p>
             <a:fld id="{C6467BEA-AF39-4053-8C8B-8653C5BC591E}" type="datetime1">
               <a:rPr lang="de-CH" noProof="0" smtClean="0"/>
-              <a:t>12.11.2024</a:t>
+              <a:t>18.11.2024</a:t>
             </a:fld>
             <a:endParaRPr lang="de-CH" noProof="0"/>
           </a:p>
@@ -18374,7 +18378,7 @@
           <a:p>
             <a:fld id="{F9BD07B5-74CD-47EC-B72A-E80BB2270DE0}" type="datetime1">
               <a:rPr lang="en-GB" noProof="0" smtClean="0"/>
-              <a:t>12/11/2024</a:t>
+              <a:t>18/11/2024</a:t>
             </a:fld>
             <a:r>
               <a:rPr lang="en-GB" noProof="0"/>
@@ -19927,7 +19931,7 @@
           <a:p>
             <a:fld id="{4754300B-5269-490A-96A1-03AC057EC226}" type="datetime1">
               <a:rPr lang="en-GB" noProof="0" smtClean="0"/>
-              <a:t>12/11/2024</a:t>
+              <a:t>18/11/2024</a:t>
             </a:fld>
             <a:endParaRPr lang="en-GB" noProof="0" dirty="0"/>
           </a:p>
@@ -20684,7 +20688,7 @@
           <a:p>
             <a:fld id="{FFD4C537-AB5E-47C4-AB3E-3777FE214FF5}" type="datetime1">
               <a:rPr lang="en-GB" noProof="0" smtClean="0"/>
-              <a:t>12/11/2024</a:t>
+              <a:t>18/11/2024</a:t>
             </a:fld>
             <a:endParaRPr lang="en-GB" noProof="0" dirty="0"/>
           </a:p>
@@ -21047,7 +21051,7 @@
           <a:p>
             <a:fld id="{AB22F66A-66E1-4C97-A693-2A7CC6DC44C1}" type="datetime1">
               <a:rPr lang="en-GB" noProof="0" smtClean="0"/>
-              <a:t>12/11/2024</a:t>
+              <a:t>18/11/2024</a:t>
             </a:fld>
             <a:endParaRPr lang="en-GB" noProof="0" dirty="0"/>
           </a:p>
@@ -21164,7 +21168,7 @@
           <a:p>
             <a:fld id="{A366CB46-63BD-4B03-B625-BCA1E3E3FF3C}" type="datetime1">
               <a:rPr lang="en-GB" noProof="0" smtClean="0"/>
-              <a:t>12/11/2024</a:t>
+              <a:t>18/11/2024</a:t>
             </a:fld>
             <a:endParaRPr lang="en-GB" noProof="0" dirty="0"/>
           </a:p>
@@ -21329,7 +21333,7 @@
           <a:p>
             <a:fld id="{2F7DDFE4-29E1-462D-9CCC-A725922B2A90}" type="datetime1">
               <a:rPr lang="en-GB" noProof="0" smtClean="0"/>
-              <a:t>12/11/2024</a:t>
+              <a:t>18/11/2024</a:t>
             </a:fld>
             <a:endParaRPr lang="en-GB" noProof="0" dirty="0"/>
           </a:p>
@@ -21611,7 +21615,7 @@
           <a:p>
             <a:fld id="{9EAA94FD-9F5E-4526-A59D-32E4C3E4561F}" type="datetime1">
               <a:rPr lang="en-GB" noProof="0" smtClean="0"/>
-              <a:t>12/11/2024</a:t>
+              <a:t>18/11/2024</a:t>
             </a:fld>
             <a:endParaRPr lang="en-GB" noProof="0" dirty="0"/>
           </a:p>
@@ -21933,7 +21937,7 @@
           <a:p>
             <a:fld id="{AC22425B-D5B6-4FA7-A09E-3FB28EC05106}" type="datetime1">
               <a:rPr lang="de-CH" smtClean="0"/>
-              <a:t>12.11.2024</a:t>
+              <a:t>18.11.2024</a:t>
             </a:fld>
             <a:endParaRPr lang="de-CH" dirty="0"/>
           </a:p>
@@ -22186,7 +22190,7 @@
           <a:p>
             <a:fld id="{1169CF04-5ADD-46B4-A33A-958F168A45EF}" type="datetime1">
               <a:rPr lang="en-GB" noProof="0" smtClean="0"/>
-              <a:t>12/11/2024</a:t>
+              <a:t>18/11/2024</a:t>
             </a:fld>
             <a:endParaRPr lang="en-GB" noProof="0" dirty="0"/>
           </a:p>
@@ -22458,7 +22462,7 @@
           <a:p>
             <a:fld id="{D28B2B53-C25B-47AA-BE55-7AE6543E5E6C}" type="datetime1">
               <a:rPr lang="en-GB" noProof="0" smtClean="0"/>
-              <a:t>12/11/2024</a:t>
+              <a:t>18/11/2024</a:t>
             </a:fld>
             <a:endParaRPr lang="en-GB" noProof="0" dirty="0"/>
           </a:p>
@@ -22678,7 +22682,7 @@
           <a:p>
             <a:fld id="{05AA103E-E046-4633-82BC-9D6A840CE35D}" type="datetime1">
               <a:rPr lang="en-GB" noProof="0" smtClean="0"/>
-              <a:t>12/11/2024</a:t>
+              <a:t>18/11/2024</a:t>
             </a:fld>
             <a:endParaRPr lang="en-GB" noProof="0" dirty="0"/>
           </a:p>
@@ -23037,7 +23041,7 @@
           <a:p>
             <a:fld id="{33A7A4C0-ACCA-4150-8BEE-4343F5184661}" type="datetime1">
               <a:rPr lang="de-CH" noProof="0" smtClean="0"/>
-              <a:t>12.11.2024</a:t>
+              <a:t>18.11.2024</a:t>
             </a:fld>
             <a:endParaRPr lang="en-GB" noProof="0" dirty="0"/>
           </a:p>
@@ -23834,11 +23838,14 @@
             <a:br>
               <a:rPr lang="en-US" noProof="0" dirty="0"/>
             </a:br>
-            <a:fld id="{E48C020E-B3C2-4469-B56B-34864AB95564}" type="datetime4">
-              <a:rPr lang="en-US" smtClean="0"/>
-              <a:pPr lvl="2"/>
-              <a:t>November 12, 2024</a:t>
-            </a:fld>
+            <a:r>
+              <a:rPr lang="en-US" dirty="0"/>
+              <a:t>November</a:t>
+            </a:r>
+            <a:r>
+              <a:rPr lang="cs-CZ" dirty="0"/>
+              <a:t> 20, 2024</a:t>
+            </a:r>
             <a:endParaRPr lang="en-US" noProof="0" dirty="0"/>
           </a:p>
         </p:txBody>
@@ -23873,143 +23880,1325 @@
           <a:chExt cx="0" cy="0"/>
         </a:xfrm>
       </p:grpSpPr>
-      <p:sp>
-        <p:nvSpPr>
-          <p:cNvPr id="2" name="Datumsplatzhalter 1">
-            <a:extLst>
-              <a:ext uri="{FF2B5EF4-FFF2-40B4-BE49-F238E27FC236}">
-                <a16:creationId xmlns:a16="http://schemas.microsoft.com/office/drawing/2014/main" id="{D17EB32C-05DE-6DAA-0EB6-AF614286B5BD}"/>
-              </a:ext>
-            </a:extLst>
-          </p:cNvPr>
-          <p:cNvSpPr>
-            <a:spLocks noGrp="1"/>
-          </p:cNvSpPr>
-          <p:nvPr>
-            <p:ph type="dt" sz="half" idx="10"/>
-          </p:nvPr>
-        </p:nvSpPr>
-        <p:spPr>
-          <a:xfrm>
-            <a:off x="10416480" y="6523057"/>
-            <a:ext cx="1189348" cy="45719"/>
-          </a:xfrm>
-        </p:spPr>
+      <p:pic>
+        <p:nvPicPr>
+          <p:cNvPr id="11" name="Obrázek 10" descr="Obsah obrázku Lidská tvář, košile/tričko, oblečení, osoba&#10;&#10;Popis byl vytvořen automaticky">
+            <a:extLst>
+              <a:ext uri="{FF2B5EF4-FFF2-40B4-BE49-F238E27FC236}">
+                <a16:creationId xmlns:a16="http://schemas.microsoft.com/office/drawing/2014/main" id="{F8B87018-C28F-EF4B-7C3D-CCE9ED45F9E5}"/>
+              </a:ext>
+            </a:extLst>
+          </p:cNvPr>
+          <p:cNvPicPr>
+            <a:picLocks noChangeAspect="1"/>
+          </p:cNvPicPr>
+          <p:nvPr/>
+        </p:nvPicPr>
+        <p:blipFill>
+          <a:blip r:embed="rId2"/>
+          <a:stretch>
+            <a:fillRect/>
+          </a:stretch>
+        </p:blipFill>
+        <p:spPr>
+          <a:xfrm>
+            <a:off x="6096000" y="404664"/>
+            <a:ext cx="5088768" cy="3180480"/>
+          </a:xfrm>
+          <a:prstGeom prst="rect">
+            <a:avLst/>
+          </a:prstGeom>
+        </p:spPr>
+      </p:pic>
+      <p:sp>
+        <p:nvSpPr>
+          <p:cNvPr id="2" name="Titel 1">
+            <a:extLst>
+              <a:ext uri="{FF2B5EF4-FFF2-40B4-BE49-F238E27FC236}">
+                <a16:creationId xmlns:a16="http://schemas.microsoft.com/office/drawing/2014/main" id="{26ED8586-A048-DF64-CBE2-ABF87C3D7B10}"/>
+              </a:ext>
+            </a:extLst>
+          </p:cNvPr>
+          <p:cNvSpPr>
+            <a:spLocks noGrp="1"/>
+          </p:cNvSpPr>
+          <p:nvPr>
+            <p:ph type="title"/>
+          </p:nvPr>
+        </p:nvSpPr>
+        <p:spPr/>
         <p:txBody>
           <a:bodyPr/>
           <a:lstStyle/>
           <a:p>
-            <a:fld id="{F00B6C72-573A-41E4-82FE-015F0E156332}" type="datetime1">
-              <a:rPr lang="en-GB" smtClean="0"/>
-              <a:t>12/11/2024</a:t>
-            </a:fld>
-            <a:endParaRPr lang="en-GB" dirty="0"/>
-          </a:p>
-        </p:txBody>
-      </p:sp>
-      <p:sp>
-        <p:nvSpPr>
-          <p:cNvPr id="4" name="Foliennummernplatzhalter 3">
-            <a:extLst>
-              <a:ext uri="{FF2B5EF4-FFF2-40B4-BE49-F238E27FC236}">
-                <a16:creationId xmlns:a16="http://schemas.microsoft.com/office/drawing/2014/main" id="{ACB2287A-DDB7-9BA7-CE0D-DDE936908D80}"/>
-              </a:ext>
-            </a:extLst>
-          </p:cNvPr>
-          <p:cNvSpPr>
-            <a:spLocks noGrp="1"/>
-          </p:cNvSpPr>
-          <p:nvPr>
-            <p:ph type="sldNum" sz="quarter" idx="12"/>
-          </p:nvPr>
-        </p:nvSpPr>
-        <p:spPr>
-          <a:xfrm>
-            <a:off x="11712624" y="6523057"/>
-            <a:ext cx="209500" cy="45719"/>
+            <a:r>
+              <a:rPr lang="en-US" sz="2800" dirty="0"/>
+              <a:t>About me – Jiří Novák</a:t>
+            </a:r>
+          </a:p>
+        </p:txBody>
+      </p:sp>
+      <p:sp>
+        <p:nvSpPr>
+          <p:cNvPr id="3" name="Inhaltsplatzhalter 2">
+            <a:extLst>
+              <a:ext uri="{FF2B5EF4-FFF2-40B4-BE49-F238E27FC236}">
+                <a16:creationId xmlns:a16="http://schemas.microsoft.com/office/drawing/2014/main" id="{81251D0E-B65F-53B4-138A-80F7C75C74A6}"/>
+              </a:ext>
+            </a:extLst>
+          </p:cNvPr>
+          <p:cNvSpPr>
+            <a:spLocks noGrp="1"/>
+          </p:cNvSpPr>
+          <p:nvPr>
+            <p:ph idx="1"/>
+          </p:nvPr>
+        </p:nvSpPr>
+        <p:spPr>
+          <a:xfrm>
+            <a:off x="271461" y="870744"/>
+            <a:ext cx="11081123" cy="5870624"/>
           </a:xfrm>
         </p:spPr>
         <p:txBody>
           <a:bodyPr/>
           <a:lstStyle/>
           <a:p>
+            <a:pPr lvl="1"/>
+            <a:r>
+              <a:rPr lang="en-US" sz="2400" dirty="0"/>
+              <a:t>From Czech Republic, Prague</a:t>
+            </a:r>
+          </a:p>
+          <a:p>
+            <a:pPr lvl="1"/>
+            <a:r>
+              <a:rPr lang="en-US" sz="2400" dirty="0"/>
+              <a:t>Master's and PhD in Statistics</a:t>
+            </a:r>
+          </a:p>
+          <a:p>
+            <a:pPr lvl="1"/>
+            <a:r>
+              <a:rPr lang="en-US" sz="2400" dirty="0"/>
+              <a:t>Research topic</a:t>
+            </a:r>
+          </a:p>
+          <a:p>
+            <a:pPr lvl="2"/>
+            <a:r>
+              <a:rPr lang="en-US" sz="2400" dirty="0"/>
+              <a:t>Data privacy  and data anonymization</a:t>
+            </a:r>
+          </a:p>
+          <a:p>
+            <a:pPr lvl="2"/>
+            <a:r>
+              <a:rPr lang="en-US" sz="2400" dirty="0"/>
+              <a:t>Statistical disclosure control</a:t>
+            </a:r>
+          </a:p>
+          <a:p>
+            <a:pPr marL="428400" lvl="2" indent="0">
+              <a:buNone/>
+            </a:pPr>
+            <a:endParaRPr lang="en-US" sz="2400" dirty="0"/>
+          </a:p>
+          <a:p>
+            <a:pPr lvl="1"/>
+            <a:r>
+              <a:rPr lang="en-US" sz="2400" dirty="0"/>
+              <a:t>At Czech Statistical Office responsible for data confidentiality of Czech Census 2021</a:t>
+            </a:r>
+          </a:p>
+          <a:p>
+            <a:pPr lvl="1"/>
+            <a:r>
+              <a:rPr lang="en-US" sz="2400" dirty="0"/>
+              <a:t>Currently working at FHNW on a SNF project: </a:t>
+            </a:r>
+            <a:r>
+              <a:rPr lang="en-US" sz="2400" i="1" dirty="0"/>
+              <a:t>Harnessing event and longitudinal data in industry and health sector through privacy preserving technologies</a:t>
+            </a:r>
+          </a:p>
+          <a:p>
+            <a:pPr lvl="1"/>
+            <a:r>
+              <a:rPr lang="en-US" sz="2400" dirty="0"/>
+              <a:t>PhD student of Carolin Strobl with topic</a:t>
+            </a:r>
+            <a:r>
+              <a:rPr lang="en-US" sz="2400" i="1" dirty="0"/>
+              <a:t>: Data anonymization of longitudinal psychological data </a:t>
+            </a:r>
+          </a:p>
+          <a:p>
+            <a:pPr marL="0" lvl="1" indent="0" algn="ctr">
+              <a:buNone/>
+            </a:pPr>
+            <a:r>
+              <a:rPr lang="en-US" sz="2400" dirty="0">
+                <a:solidFill>
+                  <a:schemeClr val="accent1"/>
+                </a:solidFill>
+                <a:hlinkClick r:id="rId3">
+                  <a:extLst>
+                    <a:ext uri="{A12FA001-AC4F-418D-AE19-62706E023703}">
+                      <ahyp:hlinkClr xmlns:ahyp="http://schemas.microsoft.com/office/drawing/2018/hyperlinkcolor" val="tx"/>
+                    </a:ext>
+                  </a:extLst>
+                </a:hlinkClick>
+              </a:rPr>
+              <a:t>https://www.linkedin.com/in/jiri-novak-8b748718/</a:t>
+            </a:r>
+            <a:endParaRPr lang="en-US" sz="2400" dirty="0">
+              <a:solidFill>
+                <a:schemeClr val="accent1"/>
+              </a:solidFill>
+            </a:endParaRPr>
+          </a:p>
+          <a:p>
+            <a:endParaRPr lang="en-US" sz="2000" dirty="0"/>
+          </a:p>
+        </p:txBody>
+      </p:sp>
+      <p:sp>
+        <p:nvSpPr>
+          <p:cNvPr id="6" name="Foliennummernplatzhalter 5">
+            <a:extLst>
+              <a:ext uri="{FF2B5EF4-FFF2-40B4-BE49-F238E27FC236}">
+                <a16:creationId xmlns:a16="http://schemas.microsoft.com/office/drawing/2014/main" id="{5523505E-C6EB-DD6A-DE02-BA418DA94286}"/>
+              </a:ext>
+            </a:extLst>
+          </p:cNvPr>
+          <p:cNvSpPr>
+            <a:spLocks noGrp="1"/>
+          </p:cNvSpPr>
+          <p:nvPr>
+            <p:ph type="sldNum" sz="quarter" idx="12"/>
+          </p:nvPr>
+        </p:nvSpPr>
+        <p:spPr/>
+        <p:txBody>
+          <a:bodyPr/>
+          <a:lstStyle/>
+          <a:p>
             <a:fld id="{442AD375-037F-43D0-B059-5172DA06796A}" type="slidenum">
-              <a:rPr lang="en-GB" smtClean="0"/>
+              <a:rPr lang="en-GB" noProof="0" smtClean="0"/>
               <a:pPr/>
               <a:t>2</a:t>
             </a:fld>
-            <a:endParaRPr lang="en-GB" dirty="0"/>
-          </a:p>
-        </p:txBody>
-      </p:sp>
-      <p:sp>
-        <p:nvSpPr>
-          <p:cNvPr id="5" name="Inhaltsplatzhalter 4">
-            <a:extLst>
-              <a:ext uri="{FF2B5EF4-FFF2-40B4-BE49-F238E27FC236}">
-                <a16:creationId xmlns:a16="http://schemas.microsoft.com/office/drawing/2014/main" id="{68BB988A-D779-21AB-3719-6F5F83F98849}"/>
-              </a:ext>
-            </a:extLst>
-          </p:cNvPr>
-          <p:cNvSpPr>
-            <a:spLocks noGrp="1"/>
-          </p:cNvSpPr>
-          <p:nvPr>
-            <p:ph idx="22"/>
-          </p:nvPr>
-        </p:nvSpPr>
-        <p:spPr>
-          <a:xfrm>
-            <a:off x="270582" y="5157192"/>
-            <a:ext cx="2778003" cy="1067396"/>
-          </a:xfrm>
-        </p:spPr>
+            <a:endParaRPr lang="en-GB" noProof="0" dirty="0"/>
+          </a:p>
+        </p:txBody>
+      </p:sp>
+    </p:spTree>
+    <p:extLst>
+      <p:ext uri="{BB962C8B-B14F-4D97-AF65-F5344CB8AC3E}">
+        <p14:creationId xmlns:p14="http://schemas.microsoft.com/office/powerpoint/2010/main" val="3967224830"/>
+      </p:ext>
+    </p:extLst>
+  </p:cSld>
+  <p:clrMapOvr>
+    <a:masterClrMapping/>
+  </p:clrMapOvr>
+</p:sld>
+</file>
+
+<file path=ppt/slides/slide3.xml><?xml version="1.0" encoding="utf-8"?>
+<p:sld xmlns:a="http://schemas.openxmlformats.org/drawingml/2006/main" xmlns:r="http://schemas.openxmlformats.org/officeDocument/2006/relationships" xmlns:p="http://schemas.openxmlformats.org/presentationml/2006/main">
+  <p:cSld>
+    <p:spTree>
+      <p:nvGrpSpPr>
+        <p:cNvPr id="1" name="">
+          <a:extLst>
+            <a:ext uri="{FF2B5EF4-FFF2-40B4-BE49-F238E27FC236}">
+              <a16:creationId xmlns:a16="http://schemas.microsoft.com/office/drawing/2014/main" id="{21F541FF-A1F5-625E-68AF-4BD0BC941CD0}"/>
+            </a:ext>
+          </a:extLst>
+        </p:cNvPr>
+        <p:cNvGrpSpPr/>
+        <p:nvPr/>
+      </p:nvGrpSpPr>
+      <p:grpSpPr>
+        <a:xfrm>
+          <a:off x="0" y="0"/>
+          <a:ext cx="0" cy="0"/>
+          <a:chOff x="0" y="0"/>
+          <a:chExt cx="0" cy="0"/>
+        </a:xfrm>
+      </p:grpSpPr>
+      <p:sp>
+        <p:nvSpPr>
+          <p:cNvPr id="2" name="Titel 1">
+            <a:extLst>
+              <a:ext uri="{FF2B5EF4-FFF2-40B4-BE49-F238E27FC236}">
+                <a16:creationId xmlns:a16="http://schemas.microsoft.com/office/drawing/2014/main" id="{34CE8C71-D3B6-F6F3-8B6D-9B5E0791D7D1}"/>
+              </a:ext>
+            </a:extLst>
+          </p:cNvPr>
+          <p:cNvSpPr>
+            <a:spLocks noGrp="1"/>
+          </p:cNvSpPr>
+          <p:nvPr>
+            <p:ph type="title"/>
+          </p:nvPr>
+        </p:nvSpPr>
+        <p:spPr/>
         <p:txBody>
           <a:bodyPr/>
           <a:lstStyle/>
           <a:p>
             <a:r>
-              <a:rPr lang="en-GB" b="1" dirty="0"/>
-              <a:t>Contact</a:t>
-            </a:r>
-          </a:p>
-          <a:p>
-            <a:r>
-              <a:rPr lang="cs-CZ" dirty="0"/>
-              <a:t>Jiří Novák</a:t>
-            </a:r>
-            <a:endParaRPr lang="en-GB" dirty="0"/>
-          </a:p>
-          <a:p>
-            <a:r>
-              <a:rPr lang="cs-CZ" dirty="0"/>
-              <a:t>PhD student</a:t>
-            </a:r>
-            <a:endParaRPr lang="en-GB" dirty="0"/>
-          </a:p>
-          <a:p>
-            <a:r>
-              <a:rPr lang="en-GB" dirty="0">
-                <a:hlinkClick r:id="rId2"/>
+              <a:rPr lang="en-US" sz="2800" dirty="0"/>
+              <a:t>Data anonymization</a:t>
+            </a:r>
+            <a:endParaRPr lang="en-US" dirty="0"/>
+          </a:p>
+        </p:txBody>
+      </p:sp>
+      <p:sp>
+        <p:nvSpPr>
+          <p:cNvPr id="3" name="Inhaltsplatzhalter 2">
+            <a:extLst>
+              <a:ext uri="{FF2B5EF4-FFF2-40B4-BE49-F238E27FC236}">
+                <a16:creationId xmlns:a16="http://schemas.microsoft.com/office/drawing/2014/main" id="{427A1835-6346-DE68-E25E-2FCD43DF41F1}"/>
+              </a:ext>
+            </a:extLst>
+          </p:cNvPr>
+          <p:cNvSpPr>
+            <a:spLocks noGrp="1"/>
+          </p:cNvSpPr>
+          <p:nvPr>
+            <p:ph idx="1"/>
+          </p:nvPr>
+        </p:nvSpPr>
+        <p:spPr/>
+        <p:txBody>
+          <a:bodyPr/>
+          <a:lstStyle/>
+          <a:p>
+            <a:pPr algn="l"/>
+            <a:r>
+              <a:rPr lang="en-US" sz="2000" dirty="0"/>
+              <a:t>My work is </a:t>
+            </a:r>
+            <a:r>
+              <a:rPr lang="en-US" sz="2000" i="1" dirty="0"/>
+              <a:t>Data Anonymization </a:t>
+            </a:r>
+            <a:r>
+              <a:rPr lang="en-US" sz="2000" dirty="0"/>
+              <a:t>in the context of the field of </a:t>
+            </a:r>
+            <a:r>
+              <a:rPr lang="en-US" sz="2000" b="1" dirty="0"/>
+              <a:t>Statistical Disclosure Control </a:t>
+            </a:r>
+            <a:r>
+              <a:rPr lang="en-US" sz="2000" dirty="0"/>
+              <a:t>(SDC)</a:t>
+            </a:r>
+            <a:endParaRPr lang="cs-CZ" sz="2000" dirty="0"/>
+          </a:p>
+          <a:p>
+            <a:pPr algn="l"/>
+            <a:endParaRPr lang="en-US" sz="2000" dirty="0"/>
+          </a:p>
+          <a:p>
+            <a:r>
+              <a:rPr lang="en-US" sz="2000" b="1" dirty="0"/>
+              <a:t>Statistical Disclosure Control </a:t>
+            </a:r>
+            <a:r>
+              <a:rPr lang="en-US" sz="2000" dirty="0"/>
+              <a:t>seeks to protect statistical data in such a way that they can be released without giving away confidential information that can be linked to specific individuals or entities.</a:t>
+            </a:r>
+            <a:endParaRPr lang="cs-CZ" sz="2000" dirty="0"/>
+          </a:p>
+          <a:p>
+            <a:endParaRPr lang="cs-CZ" sz="2000" dirty="0"/>
+          </a:p>
+          <a:p>
+            <a:endParaRPr lang="cs-CZ" sz="2000" dirty="0"/>
+          </a:p>
+          <a:p>
+            <a:r>
+              <a:rPr lang="en-US" sz="2000" dirty="0"/>
+              <a:t>Importance of Data Anonymization</a:t>
+            </a:r>
+            <a:endParaRPr lang="cs-CZ" sz="2000" dirty="0"/>
+          </a:p>
+          <a:p>
+            <a:pPr lvl="2"/>
+            <a:r>
+              <a:rPr lang="en-US" sz="2000" dirty="0"/>
+              <a:t>1. </a:t>
+            </a:r>
+            <a:r>
+              <a:rPr lang="en-US" sz="2000" b="1" dirty="0"/>
+              <a:t>Principle</a:t>
+            </a:r>
+            <a:r>
+              <a:rPr lang="en-US" sz="2000" dirty="0"/>
+              <a:t> </a:t>
+            </a:r>
+            <a:r>
+              <a:rPr lang="en-US" sz="1800" dirty="0"/>
+              <a:t>It is a fundamental principle of Official Statistics that the statistical</a:t>
+            </a:r>
+            <a:r>
+              <a:rPr lang="cs-CZ" sz="1800" dirty="0"/>
+              <a:t> </a:t>
+            </a:r>
+            <a:r>
+              <a:rPr lang="en-US" sz="1800" dirty="0"/>
+              <a:t>records of individual persons, businesses, or events used to produce Official</a:t>
+            </a:r>
+            <a:r>
+              <a:rPr lang="cs-CZ" sz="1800" dirty="0"/>
+              <a:t> </a:t>
+            </a:r>
+            <a:r>
+              <a:rPr lang="en-US" sz="1800" dirty="0"/>
+              <a:t>Statistics are strictly confidential and to be used only for statistical purposes.</a:t>
+            </a:r>
+          </a:p>
+          <a:p>
+            <a:pPr lvl="2"/>
+            <a:r>
+              <a:rPr lang="en-US" sz="2000" dirty="0"/>
+              <a:t>2. </a:t>
+            </a:r>
+            <a:r>
+              <a:rPr lang="en-US" sz="2000" b="1" dirty="0"/>
+              <a:t>Legal</a:t>
+            </a:r>
+            <a:r>
+              <a:rPr lang="en-US" sz="2000" dirty="0"/>
+              <a:t> </a:t>
+            </a:r>
+            <a:r>
+              <a:rPr lang="en-US" sz="1800" dirty="0"/>
+              <a:t>Legislation imposes a legal obligation to protect individual business and</a:t>
+            </a:r>
+            <a:r>
+              <a:rPr lang="cs-CZ" sz="1800" dirty="0"/>
+              <a:t> </a:t>
+            </a:r>
+            <a:r>
+              <a:rPr lang="en-US" sz="1800" dirty="0"/>
+              <a:t>personal data. Legal frameworks regulate what is allowed and what is not allowed</a:t>
+            </a:r>
+            <a:r>
+              <a:rPr lang="cs-CZ" sz="1800" dirty="0"/>
+              <a:t> </a:t>
+            </a:r>
+            <a:r>
+              <a:rPr lang="en-US" sz="1800" dirty="0"/>
+              <a:t>regarding the publication of private information.</a:t>
+            </a:r>
+          </a:p>
+          <a:p>
+            <a:pPr lvl="2"/>
+            <a:r>
+              <a:rPr lang="en-US" sz="2000" dirty="0"/>
+              <a:t>3. </a:t>
+            </a:r>
+            <a:r>
+              <a:rPr lang="en-US" sz="2000" b="1" dirty="0"/>
+              <a:t>Quality</a:t>
+            </a:r>
+            <a:r>
+              <a:rPr lang="en-US" sz="2000" dirty="0"/>
+              <a:t> </a:t>
+            </a:r>
+            <a:r>
+              <a:rPr lang="en-US" sz="1800" dirty="0"/>
+              <a:t>Respondents need confidence in the preservation of the confidentiality of</a:t>
+            </a:r>
+            <a:r>
+              <a:rPr lang="cs-CZ" sz="1800" dirty="0"/>
+              <a:t> </a:t>
+            </a:r>
+            <a:r>
+              <a:rPr lang="en-US" sz="1800" dirty="0"/>
+              <a:t>individual information. If they do not trust the confidentiality of the data, they</a:t>
+            </a:r>
+            <a:r>
+              <a:rPr lang="cs-CZ" sz="1800" dirty="0"/>
+              <a:t> </a:t>
+            </a:r>
+            <a:r>
+              <a:rPr lang="en-US" sz="1800" dirty="0"/>
+              <a:t>may not provide accurate information.</a:t>
+            </a:r>
+          </a:p>
+          <a:p>
+            <a:pPr lvl="2"/>
+            <a:r>
+              <a:rPr lang="en-US" sz="2000" dirty="0"/>
+              <a:t>4. </a:t>
+            </a:r>
+            <a:r>
+              <a:rPr lang="en-US" sz="2000" b="1" dirty="0"/>
+              <a:t>Ethical</a:t>
+            </a:r>
+            <a:r>
+              <a:rPr lang="en-US" sz="2000" dirty="0"/>
+              <a:t> </a:t>
+            </a:r>
+            <a:r>
+              <a:rPr lang="en-US" sz="1800" dirty="0"/>
+              <a:t>Disclosing information that can be linked to specific individuals or entities</a:t>
+            </a:r>
+            <a:r>
+              <a:rPr lang="cs-CZ" sz="1800" dirty="0"/>
+              <a:t> </a:t>
+            </a:r>
+            <a:r>
+              <a:rPr lang="en-US" sz="1800" dirty="0"/>
+              <a:t>is unethical.</a:t>
+            </a:r>
+            <a:endParaRPr lang="cs-CZ" sz="1800" dirty="0"/>
+          </a:p>
+        </p:txBody>
+      </p:sp>
+      <p:sp>
+        <p:nvSpPr>
+          <p:cNvPr id="6" name="Foliennummernplatzhalter 5">
+            <a:extLst>
+              <a:ext uri="{FF2B5EF4-FFF2-40B4-BE49-F238E27FC236}">
+                <a16:creationId xmlns:a16="http://schemas.microsoft.com/office/drawing/2014/main" id="{F0700AC8-DDB0-4613-562A-57C7EBDC9F84}"/>
+              </a:ext>
+            </a:extLst>
+          </p:cNvPr>
+          <p:cNvSpPr>
+            <a:spLocks noGrp="1"/>
+          </p:cNvSpPr>
+          <p:nvPr>
+            <p:ph type="sldNum" sz="quarter" idx="12"/>
+          </p:nvPr>
+        </p:nvSpPr>
+        <p:spPr/>
+        <p:txBody>
+          <a:bodyPr/>
+          <a:lstStyle/>
+          <a:p>
+            <a:fld id="{442AD375-037F-43D0-B059-5172DA06796A}" type="slidenum">
+              <a:rPr lang="en-GB" noProof="0" smtClean="0"/>
+              <a:pPr/>
+              <a:t>3</a:t>
+            </a:fld>
+            <a:endParaRPr lang="en-GB" noProof="0" dirty="0"/>
+          </a:p>
+        </p:txBody>
+      </p:sp>
+    </p:spTree>
+    <p:extLst>
+      <p:ext uri="{BB962C8B-B14F-4D97-AF65-F5344CB8AC3E}">
+        <p14:creationId xmlns:p14="http://schemas.microsoft.com/office/powerpoint/2010/main" val="4107326556"/>
+      </p:ext>
+    </p:extLst>
+  </p:cSld>
+  <p:clrMapOvr>
+    <a:masterClrMapping/>
+  </p:clrMapOvr>
+</p:sld>
+</file>
+
+<file path=ppt/slides/slide4.xml><?xml version="1.0" encoding="utf-8"?>
+<p:sld xmlns:a="http://schemas.openxmlformats.org/drawingml/2006/main" xmlns:r="http://schemas.openxmlformats.org/officeDocument/2006/relationships" xmlns:p="http://schemas.openxmlformats.org/presentationml/2006/main">
+  <p:cSld>
+    <p:spTree>
+      <p:nvGrpSpPr>
+        <p:cNvPr id="1" name="">
+          <a:extLst>
+            <a:ext uri="{FF2B5EF4-FFF2-40B4-BE49-F238E27FC236}">
+              <a16:creationId xmlns:a16="http://schemas.microsoft.com/office/drawing/2014/main" id="{346E7D53-C838-FD85-21EA-691FB6E8C915}"/>
+            </a:ext>
+          </a:extLst>
+        </p:cNvPr>
+        <p:cNvGrpSpPr/>
+        <p:nvPr/>
+      </p:nvGrpSpPr>
+      <p:grpSpPr>
+        <a:xfrm>
+          <a:off x="0" y="0"/>
+          <a:ext cx="0" cy="0"/>
+          <a:chOff x="0" y="0"/>
+          <a:chExt cx="0" cy="0"/>
+        </a:xfrm>
+      </p:grpSpPr>
+      <p:sp>
+        <p:nvSpPr>
+          <p:cNvPr id="2" name="Titel 1">
+            <a:extLst>
+              <a:ext uri="{FF2B5EF4-FFF2-40B4-BE49-F238E27FC236}">
+                <a16:creationId xmlns:a16="http://schemas.microsoft.com/office/drawing/2014/main" id="{C2E1EB7F-6FF7-D90C-3366-FF3B10FABEC6}"/>
+              </a:ext>
+            </a:extLst>
+          </p:cNvPr>
+          <p:cNvSpPr>
+            <a:spLocks noGrp="1"/>
+          </p:cNvSpPr>
+          <p:nvPr>
+            <p:ph type="title"/>
+          </p:nvPr>
+        </p:nvSpPr>
+        <p:spPr/>
+        <p:txBody>
+          <a:bodyPr/>
+          <a:lstStyle/>
+          <a:p>
+            <a:r>
+              <a:rPr lang="en-US" sz="2800" dirty="0"/>
+              <a:t>Relevance to Open Science</a:t>
+            </a:r>
+            <a:endParaRPr lang="en-US" dirty="0"/>
+          </a:p>
+        </p:txBody>
+      </p:sp>
+      <p:sp>
+        <p:nvSpPr>
+          <p:cNvPr id="3" name="Inhaltsplatzhalter 2">
+            <a:extLst>
+              <a:ext uri="{FF2B5EF4-FFF2-40B4-BE49-F238E27FC236}">
+                <a16:creationId xmlns:a16="http://schemas.microsoft.com/office/drawing/2014/main" id="{556E08A4-1F71-662D-74FD-2F7FD7AFF59A}"/>
+              </a:ext>
+            </a:extLst>
+          </p:cNvPr>
+          <p:cNvSpPr>
+            <a:spLocks noGrp="1"/>
+          </p:cNvSpPr>
+          <p:nvPr>
+            <p:ph idx="1"/>
+          </p:nvPr>
+        </p:nvSpPr>
+        <p:spPr/>
+        <p:txBody>
+          <a:bodyPr/>
+          <a:lstStyle/>
+          <a:p>
+            <a:pPr algn="l"/>
+            <a:r>
+              <a:rPr lang="en-US" sz="2000" b="1" dirty="0"/>
+              <a:t>Open Science, Open Access, Open Data </a:t>
+            </a:r>
+            <a:r>
+              <a:rPr lang="en-US" sz="2000" dirty="0"/>
+              <a:t>are important trends in the scientific</a:t>
+            </a:r>
+            <a:r>
+              <a:rPr lang="cs-CZ" sz="2000" dirty="0"/>
+              <a:t> </a:t>
+            </a:r>
+            <a:r>
+              <a:rPr lang="en-US" sz="2000" dirty="0"/>
+              <a:t>community.</a:t>
+            </a:r>
+            <a:endParaRPr lang="cs-CZ" sz="2000" dirty="0"/>
+          </a:p>
+          <a:p>
+            <a:pPr algn="l"/>
+            <a:endParaRPr lang="en-US" sz="2000" dirty="0"/>
+          </a:p>
+          <a:p>
+            <a:pPr algn="l"/>
+            <a:r>
+              <a:rPr lang="en-US" sz="2000" dirty="0"/>
+              <a:t>Research data that results from publicly funded research should be FAIR:</a:t>
+            </a:r>
+          </a:p>
+          <a:p>
+            <a:pPr algn="ctr"/>
+            <a:r>
+              <a:rPr lang="en-US" sz="2000" b="1" dirty="0"/>
+              <a:t>findable, accessible, interoperable, reusable</a:t>
+            </a:r>
+            <a:endParaRPr lang="cs-CZ" sz="2000" b="1" dirty="0"/>
+          </a:p>
+          <a:p>
+            <a:endParaRPr lang="cs-CZ" sz="2000" dirty="0"/>
+          </a:p>
+          <a:p>
+            <a:endParaRPr lang="cs-CZ" sz="2000" dirty="0"/>
+          </a:p>
+          <a:p>
+            <a:pPr lvl="2"/>
+            <a:r>
+              <a:rPr lang="en-US" sz="2000" dirty="0"/>
+              <a:t> therefore replicable, transparent, trustworthy, verifiable and accountable</a:t>
+            </a:r>
+          </a:p>
+          <a:p>
+            <a:pPr lvl="2"/>
+            <a:r>
+              <a:rPr lang="en-US" sz="2000" dirty="0"/>
+              <a:t> Principle: </a:t>
+            </a:r>
+            <a:r>
+              <a:rPr lang="en-US" sz="2000" b="1" dirty="0"/>
+              <a:t>As open as possible, as closed as necessary</a:t>
+            </a:r>
+          </a:p>
+          <a:p>
+            <a:pPr lvl="2"/>
+            <a:r>
+              <a:rPr lang="en-US" sz="2000" dirty="0"/>
+              <a:t> Enables data sharing and collaboration</a:t>
+            </a:r>
+          </a:p>
+          <a:p>
+            <a:pPr lvl="2"/>
+            <a:r>
+              <a:rPr lang="cs-CZ" sz="2000" dirty="0"/>
+              <a:t> </a:t>
+            </a:r>
+            <a:r>
+              <a:rPr lang="en-US" sz="2000" dirty="0"/>
+              <a:t>Facilitates reproducible research</a:t>
+            </a:r>
+          </a:p>
+          <a:p>
+            <a:pPr lvl="2"/>
+            <a:r>
+              <a:rPr lang="en-US" sz="2000" dirty="0"/>
+              <a:t> Balances transparency with privacy</a:t>
+            </a:r>
+            <a:endParaRPr lang="cs-CZ" sz="2000" dirty="0"/>
+          </a:p>
+          <a:p>
+            <a:pPr marL="428400" lvl="2" indent="0">
+              <a:buNone/>
+            </a:pPr>
+            <a:endParaRPr lang="cs-CZ" sz="2000" dirty="0"/>
+          </a:p>
+          <a:p>
+            <a:pPr marL="428400" lvl="2" indent="0">
+              <a:buNone/>
+            </a:pPr>
+            <a:r>
+              <a:rPr lang="en-US" sz="2000" dirty="0">
+                <a:solidFill>
+                  <a:schemeClr val="accent1"/>
+                </a:solidFill>
+                <a:hlinkClick r:id="rId2">
+                  <a:extLst>
+                    <a:ext uri="{A12FA001-AC4F-418D-AE19-62706E023703}">
+                      <ahyp:hlinkClr xmlns:ahyp="http://schemas.microsoft.com/office/drawing/2018/hyperlinkcolor" val="tx"/>
+                    </a:ext>
+                  </a:extLst>
+                </a:hlinkClick>
               </a:rPr>
-              <a:t>jiri.novak@uzh.ch</a:t>
-            </a:r>
-            <a:endParaRPr lang="cs-CZ" dirty="0"/>
-          </a:p>
-          <a:p>
-            <a:endParaRPr lang="cs-CZ" dirty="0"/>
-          </a:p>
-          <a:p>
-            <a:endParaRPr lang="en-GB" dirty="0"/>
-          </a:p>
-        </p:txBody>
-      </p:sp>
-      <p:sp>
-        <p:nvSpPr>
-          <p:cNvPr id="3" name="TextBox 2">
-            <a:extLst>
-              <a:ext uri="{FF2B5EF4-FFF2-40B4-BE49-F238E27FC236}">
-                <a16:creationId xmlns:a16="http://schemas.microsoft.com/office/drawing/2014/main" id="{D0FFD564-7E1B-770B-E194-DCE615961262}"/>
+              <a:t>Commission Recommendation (EU) 2018/790 on access to and preservation</a:t>
+            </a:r>
+            <a:r>
+              <a:rPr lang="cs-CZ" sz="2000" dirty="0">
+                <a:solidFill>
+                  <a:schemeClr val="accent1"/>
+                </a:solidFill>
+                <a:hlinkClick r:id="rId2">
+                  <a:extLst>
+                    <a:ext uri="{A12FA001-AC4F-418D-AE19-62706E023703}">
+                      <ahyp:hlinkClr xmlns:ahyp="http://schemas.microsoft.com/office/drawing/2018/hyperlinkcolor" val="tx"/>
+                    </a:ext>
+                  </a:extLst>
+                </a:hlinkClick>
+              </a:rPr>
+              <a:t> </a:t>
+            </a:r>
+            <a:r>
+              <a:rPr lang="en-US" sz="2000" dirty="0">
+                <a:solidFill>
+                  <a:schemeClr val="accent1"/>
+                </a:solidFill>
+                <a:hlinkClick r:id="rId2">
+                  <a:extLst>
+                    <a:ext uri="{A12FA001-AC4F-418D-AE19-62706E023703}">
+                      <ahyp:hlinkClr xmlns:ahyp="http://schemas.microsoft.com/office/drawing/2018/hyperlinkcolor" val="tx"/>
+                    </a:ext>
+                  </a:extLst>
+                </a:hlinkClick>
+              </a:rPr>
+              <a:t>of scientific information</a:t>
+            </a:r>
+            <a:endParaRPr lang="cs-CZ" sz="2000" dirty="0">
+              <a:solidFill>
+                <a:schemeClr val="accent1"/>
+              </a:solidFill>
+            </a:endParaRPr>
+          </a:p>
+        </p:txBody>
+      </p:sp>
+      <p:sp>
+        <p:nvSpPr>
+          <p:cNvPr id="6" name="Foliennummernplatzhalter 5">
+            <a:extLst>
+              <a:ext uri="{FF2B5EF4-FFF2-40B4-BE49-F238E27FC236}">
+                <a16:creationId xmlns:a16="http://schemas.microsoft.com/office/drawing/2014/main" id="{9D5D99C4-7E83-82E2-EADD-0A85FD789569}"/>
+              </a:ext>
+            </a:extLst>
+          </p:cNvPr>
+          <p:cNvSpPr>
+            <a:spLocks noGrp="1"/>
+          </p:cNvSpPr>
+          <p:nvPr>
+            <p:ph type="sldNum" sz="quarter" idx="12"/>
+          </p:nvPr>
+        </p:nvSpPr>
+        <p:spPr/>
+        <p:txBody>
+          <a:bodyPr/>
+          <a:lstStyle/>
+          <a:p>
+            <a:fld id="{442AD375-037F-43D0-B059-5172DA06796A}" type="slidenum">
+              <a:rPr lang="en-GB" noProof="0" smtClean="0"/>
+              <a:pPr/>
+              <a:t>4</a:t>
+            </a:fld>
+            <a:endParaRPr lang="en-GB" noProof="0" dirty="0"/>
+          </a:p>
+        </p:txBody>
+      </p:sp>
+    </p:spTree>
+    <p:extLst>
+      <p:ext uri="{BB962C8B-B14F-4D97-AF65-F5344CB8AC3E}">
+        <p14:creationId xmlns:p14="http://schemas.microsoft.com/office/powerpoint/2010/main" val="1157324767"/>
+      </p:ext>
+    </p:extLst>
+  </p:cSld>
+  <p:clrMapOvr>
+    <a:masterClrMapping/>
+  </p:clrMapOvr>
+</p:sld>
+</file>
+
+<file path=ppt/slides/slide5.xml><?xml version="1.0" encoding="utf-8"?>
+<p:sld xmlns:a="http://schemas.openxmlformats.org/drawingml/2006/main" xmlns:r="http://schemas.openxmlformats.org/officeDocument/2006/relationships" xmlns:p="http://schemas.openxmlformats.org/presentationml/2006/main">
+  <p:cSld>
+    <p:spTree>
+      <p:nvGrpSpPr>
+        <p:cNvPr id="1" name="">
+          <a:extLst>
+            <a:ext uri="{FF2B5EF4-FFF2-40B4-BE49-F238E27FC236}">
+              <a16:creationId xmlns:a16="http://schemas.microsoft.com/office/drawing/2014/main" id="{18277918-EA82-938A-5AE8-3339F73EA55E}"/>
+            </a:ext>
+          </a:extLst>
+        </p:cNvPr>
+        <p:cNvGrpSpPr/>
+        <p:nvPr/>
+      </p:nvGrpSpPr>
+      <p:grpSpPr>
+        <a:xfrm>
+          <a:off x="0" y="0"/>
+          <a:ext cx="0" cy="0"/>
+          <a:chOff x="0" y="0"/>
+          <a:chExt cx="0" cy="0"/>
+        </a:xfrm>
+      </p:grpSpPr>
+      <p:sp>
+        <p:nvSpPr>
+          <p:cNvPr id="2" name="Titel 1">
+            <a:extLst>
+              <a:ext uri="{FF2B5EF4-FFF2-40B4-BE49-F238E27FC236}">
+                <a16:creationId xmlns:a16="http://schemas.microsoft.com/office/drawing/2014/main" id="{59BACCA5-955D-BFE5-D4F0-F015513F1BB9}"/>
+              </a:ext>
+            </a:extLst>
+          </p:cNvPr>
+          <p:cNvSpPr>
+            <a:spLocks noGrp="1"/>
+          </p:cNvSpPr>
+          <p:nvPr>
+            <p:ph type="title"/>
+          </p:nvPr>
+        </p:nvSpPr>
+        <p:spPr/>
+        <p:txBody>
+          <a:bodyPr/>
+          <a:lstStyle/>
+          <a:p>
+            <a:r>
+              <a:rPr lang="en-US" sz="2800" dirty="0"/>
+              <a:t>Key Concepts</a:t>
+            </a:r>
+            <a:r>
+              <a:rPr lang="cs-CZ" sz="2800" dirty="0"/>
+              <a:t> </a:t>
+            </a:r>
+            <a:endParaRPr lang="en-US" dirty="0"/>
+          </a:p>
+        </p:txBody>
+      </p:sp>
+      <p:sp>
+        <p:nvSpPr>
+          <p:cNvPr id="3" name="Inhaltsplatzhalter 2">
+            <a:extLst>
+              <a:ext uri="{FF2B5EF4-FFF2-40B4-BE49-F238E27FC236}">
+                <a16:creationId xmlns:a16="http://schemas.microsoft.com/office/drawing/2014/main" id="{E352CCDE-7E4F-9E90-879D-204FB75A49AF}"/>
+              </a:ext>
+            </a:extLst>
+          </p:cNvPr>
+          <p:cNvSpPr>
+            <a:spLocks noGrp="1"/>
+          </p:cNvSpPr>
+          <p:nvPr>
+            <p:ph idx="1"/>
+          </p:nvPr>
+        </p:nvSpPr>
+        <p:spPr/>
+        <p:txBody>
+          <a:bodyPr/>
+          <a:lstStyle/>
+          <a:p>
+            <a:pPr algn="l"/>
+            <a:r>
+              <a:rPr lang="en-US" sz="2000" b="1" dirty="0"/>
+              <a:t>Disclosure</a:t>
+            </a:r>
+            <a:endParaRPr lang="en-US" sz="2000" dirty="0"/>
+          </a:p>
+          <a:p>
+            <a:pPr lvl="2"/>
+            <a:r>
+              <a:rPr lang="en-US" sz="2000" dirty="0"/>
+              <a:t> A disclosure occurs when a person or an </a:t>
+            </a:r>
+            <a:r>
+              <a:rPr lang="en-US" sz="2000" dirty="0" err="1"/>
+              <a:t>organisation</a:t>
+            </a:r>
+            <a:r>
+              <a:rPr lang="en-US" sz="2000" dirty="0"/>
+              <a:t> </a:t>
+            </a:r>
+            <a:r>
+              <a:rPr lang="en-US" sz="2000" dirty="0" err="1"/>
+              <a:t>recognises</a:t>
+            </a:r>
+            <a:r>
+              <a:rPr lang="en-US" sz="2000" dirty="0"/>
+              <a:t> or learns something that they did not know already about another person or </a:t>
+            </a:r>
+            <a:r>
+              <a:rPr lang="en-US" sz="2000" dirty="0" err="1"/>
+              <a:t>organisation</a:t>
+            </a:r>
+            <a:r>
+              <a:rPr lang="en-US" sz="2000" dirty="0"/>
+              <a:t>, via released data.</a:t>
+            </a:r>
+          </a:p>
+          <a:p>
+            <a:pPr lvl="2"/>
+            <a:r>
+              <a:rPr lang="en-US" sz="2000" dirty="0"/>
+              <a:t>(1) </a:t>
+            </a:r>
+            <a:r>
+              <a:rPr lang="en-US" sz="2000" b="1" dirty="0"/>
+              <a:t>Identity disclosure</a:t>
+            </a:r>
+            <a:r>
+              <a:rPr lang="en-US" sz="2000" dirty="0"/>
+              <a:t>: Revealing the identity of an individual.</a:t>
+            </a:r>
+          </a:p>
+          <a:p>
+            <a:pPr lvl="2"/>
+            <a:r>
+              <a:rPr lang="en-US" sz="2000" dirty="0"/>
+              <a:t>(2) </a:t>
+            </a:r>
+            <a:r>
+              <a:rPr lang="en-US" sz="2000" b="1" dirty="0"/>
+              <a:t>Attribute disclosure</a:t>
+            </a:r>
+            <a:r>
+              <a:rPr lang="en-US" sz="2000" dirty="0"/>
+              <a:t>:</a:t>
+            </a:r>
+            <a:r>
+              <a:rPr lang="en-US" sz="2000" b="1" dirty="0"/>
+              <a:t> </a:t>
+            </a:r>
+            <a:r>
+              <a:rPr lang="en-US" sz="2000" dirty="0"/>
+              <a:t>Revealing sensitive attributes of an individual.</a:t>
+            </a:r>
+          </a:p>
+          <a:p>
+            <a:pPr lvl="2"/>
+            <a:r>
+              <a:rPr lang="en-US" sz="2000" dirty="0"/>
+              <a:t>(3) </a:t>
+            </a:r>
+            <a:r>
+              <a:rPr lang="en-US" sz="2000" b="1" dirty="0"/>
+              <a:t>Inferential disclosure</a:t>
+            </a:r>
+            <a:r>
+              <a:rPr lang="en-US" sz="2000" dirty="0"/>
+              <a:t>: Making inferences about an individual based on the released data.</a:t>
+            </a:r>
+          </a:p>
+          <a:p>
+            <a:pPr lvl="2"/>
+            <a:r>
+              <a:rPr lang="en-US" sz="2000" dirty="0"/>
+              <a:t>(4) </a:t>
+            </a:r>
+            <a:r>
+              <a:rPr lang="en-US" sz="2000" b="1" dirty="0"/>
+              <a:t>Membership disclosure</a:t>
+            </a:r>
+            <a:r>
+              <a:rPr lang="en-US" sz="2000" dirty="0"/>
+              <a:t>: Determining whether a specific individual is included in a dataset</a:t>
+            </a:r>
+          </a:p>
+          <a:p>
+            <a:pPr lvl="2"/>
+            <a:endParaRPr lang="en-US" sz="2000" dirty="0"/>
+          </a:p>
+          <a:p>
+            <a:pPr marL="0" lvl="2" indent="0">
+              <a:spcBef>
+                <a:spcPts val="0"/>
+              </a:spcBef>
+              <a:buNone/>
+            </a:pPr>
+            <a:r>
+              <a:rPr lang="en-US" sz="2000" b="1" dirty="0"/>
+              <a:t>Re-identification risk</a:t>
+            </a:r>
+          </a:p>
+          <a:p>
+            <a:pPr lvl="2"/>
+            <a:r>
+              <a:rPr lang="en-US" sz="2000" dirty="0"/>
+              <a:t>Re-identification risk is the risk that an intruder can link a record in the released data to a specific individual in the population.</a:t>
+            </a:r>
+          </a:p>
+          <a:p>
+            <a:pPr lvl="2"/>
+            <a:endParaRPr lang="en-US" sz="2000" dirty="0"/>
+          </a:p>
+          <a:p>
+            <a:pPr marL="0" lvl="2" indent="0">
+              <a:spcBef>
+                <a:spcPts val="0"/>
+              </a:spcBef>
+              <a:buNone/>
+            </a:pPr>
+            <a:r>
+              <a:rPr lang="en-US" sz="2000" b="1" dirty="0"/>
+              <a:t>Data utility</a:t>
+            </a:r>
+          </a:p>
+          <a:p>
+            <a:pPr lvl="2"/>
+            <a:r>
+              <a:rPr lang="en-US" sz="2000" dirty="0"/>
+              <a:t>Data utility is the usefulness of the data for the intended purpose.</a:t>
+            </a:r>
+          </a:p>
+        </p:txBody>
+      </p:sp>
+      <p:sp>
+        <p:nvSpPr>
+          <p:cNvPr id="6" name="Foliennummernplatzhalter 5">
+            <a:extLst>
+              <a:ext uri="{FF2B5EF4-FFF2-40B4-BE49-F238E27FC236}">
+                <a16:creationId xmlns:a16="http://schemas.microsoft.com/office/drawing/2014/main" id="{E537CCB0-6DC9-A9F8-496E-7A8D17395280}"/>
+              </a:ext>
+            </a:extLst>
+          </p:cNvPr>
+          <p:cNvSpPr>
+            <a:spLocks noGrp="1"/>
+          </p:cNvSpPr>
+          <p:nvPr>
+            <p:ph type="sldNum" sz="quarter" idx="12"/>
+          </p:nvPr>
+        </p:nvSpPr>
+        <p:spPr/>
+        <p:txBody>
+          <a:bodyPr/>
+          <a:lstStyle/>
+          <a:p>
+            <a:fld id="{442AD375-037F-43D0-B059-5172DA06796A}" type="slidenum">
+              <a:rPr lang="en-GB" noProof="0" smtClean="0"/>
+              <a:pPr/>
+              <a:t>5</a:t>
+            </a:fld>
+            <a:endParaRPr lang="en-GB" noProof="0" dirty="0"/>
+          </a:p>
+        </p:txBody>
+      </p:sp>
+    </p:spTree>
+    <p:extLst>
+      <p:ext uri="{BB962C8B-B14F-4D97-AF65-F5344CB8AC3E}">
+        <p14:creationId xmlns:p14="http://schemas.microsoft.com/office/powerpoint/2010/main" val="2352502011"/>
+      </p:ext>
+    </p:extLst>
+  </p:cSld>
+  <p:clrMapOvr>
+    <a:masterClrMapping/>
+  </p:clrMapOvr>
+</p:sld>
+</file>
+
+<file path=ppt/slides/slide6.xml><?xml version="1.0" encoding="utf-8"?>
+<p:sld xmlns:a="http://schemas.openxmlformats.org/drawingml/2006/main" xmlns:r="http://schemas.openxmlformats.org/officeDocument/2006/relationships" xmlns:p="http://schemas.openxmlformats.org/presentationml/2006/main">
+  <p:cSld>
+    <p:spTree>
+      <p:nvGrpSpPr>
+        <p:cNvPr id="1" name="">
+          <a:extLst>
+            <a:ext uri="{FF2B5EF4-FFF2-40B4-BE49-F238E27FC236}">
+              <a16:creationId xmlns:a16="http://schemas.microsoft.com/office/drawing/2014/main" id="{D345B9AB-6800-3941-1EDD-C50044D3FF80}"/>
+            </a:ext>
+          </a:extLst>
+        </p:cNvPr>
+        <p:cNvGrpSpPr/>
+        <p:nvPr/>
+      </p:nvGrpSpPr>
+      <p:grpSpPr>
+        <a:xfrm>
+          <a:off x="0" y="0"/>
+          <a:ext cx="0" cy="0"/>
+          <a:chOff x="0" y="0"/>
+          <a:chExt cx="0" cy="0"/>
+        </a:xfrm>
+      </p:grpSpPr>
+      <p:pic>
+        <p:nvPicPr>
+          <p:cNvPr id="5" name="Obrázek 4" descr="Obsah obrázku text, snímek obrazovky, diagram, řada/pruh&#10;&#10;Popis byl vytvořen automaticky">
+            <a:extLst>
+              <a:ext uri="{FF2B5EF4-FFF2-40B4-BE49-F238E27FC236}">
+                <a16:creationId xmlns:a16="http://schemas.microsoft.com/office/drawing/2014/main" id="{A26588E5-4B77-ED34-94BE-FBECA597B1BB}"/>
+              </a:ext>
+            </a:extLst>
+          </p:cNvPr>
+          <p:cNvPicPr>
+            <a:picLocks noChangeAspect="1"/>
+          </p:cNvPicPr>
+          <p:nvPr/>
+        </p:nvPicPr>
+        <p:blipFill>
+          <a:blip r:embed="rId2">
+            <a:extLst>
+              <a:ext uri="{28A0092B-C50C-407E-A947-70E740481C1C}">
+                <a14:useLocalDpi xmlns:a14="http://schemas.microsoft.com/office/drawing/2010/main" val="0"/>
+              </a:ext>
+            </a:extLst>
+          </a:blip>
+          <a:stretch>
+            <a:fillRect/>
+          </a:stretch>
+        </p:blipFill>
+        <p:spPr>
+          <a:xfrm>
+            <a:off x="6224315" y="902767"/>
+            <a:ext cx="5688632" cy="4656290"/>
+          </a:xfrm>
+          <a:prstGeom prst="rect">
+            <a:avLst/>
+          </a:prstGeom>
+        </p:spPr>
+      </p:pic>
+      <p:sp>
+        <p:nvSpPr>
+          <p:cNvPr id="2" name="Titel 1">
+            <a:extLst>
+              <a:ext uri="{FF2B5EF4-FFF2-40B4-BE49-F238E27FC236}">
+                <a16:creationId xmlns:a16="http://schemas.microsoft.com/office/drawing/2014/main" id="{A432E69C-D288-FEB9-92D3-C3A1A05D46D1}"/>
+              </a:ext>
+            </a:extLst>
+          </p:cNvPr>
+          <p:cNvSpPr>
+            <a:spLocks noGrp="1"/>
+          </p:cNvSpPr>
+          <p:nvPr>
+            <p:ph type="title"/>
+          </p:nvPr>
+        </p:nvSpPr>
+        <p:spPr/>
+        <p:txBody>
+          <a:bodyPr/>
+          <a:lstStyle/>
+          <a:p>
+            <a:r>
+              <a:rPr lang="en-US" sz="2800" dirty="0"/>
+              <a:t>Risk and utility</a:t>
+            </a:r>
+            <a:r>
+              <a:rPr lang="cs-CZ" sz="2800" dirty="0"/>
+              <a:t> </a:t>
+            </a:r>
+            <a:endParaRPr lang="en-US" dirty="0"/>
+          </a:p>
+        </p:txBody>
+      </p:sp>
+      <p:sp>
+        <p:nvSpPr>
+          <p:cNvPr id="3" name="Inhaltsplatzhalter 2">
+            <a:extLst>
+              <a:ext uri="{FF2B5EF4-FFF2-40B4-BE49-F238E27FC236}">
+                <a16:creationId xmlns:a16="http://schemas.microsoft.com/office/drawing/2014/main" id="{40343688-FEC1-3826-A71A-EBC8BB165E4B}"/>
+              </a:ext>
+            </a:extLst>
+          </p:cNvPr>
+          <p:cNvSpPr>
+            <a:spLocks noGrp="1"/>
+          </p:cNvSpPr>
+          <p:nvPr>
+            <p:ph idx="1"/>
+          </p:nvPr>
+        </p:nvSpPr>
+        <p:spPr>
+          <a:xfrm>
+            <a:off x="271461" y="870744"/>
+            <a:ext cx="5941539" cy="5150545"/>
+          </a:xfrm>
+        </p:spPr>
+        <p:txBody>
+          <a:bodyPr/>
+          <a:lstStyle/>
+          <a:p>
+            <a:pPr algn="l"/>
+            <a:r>
+              <a:rPr lang="en-US" sz="2000" dirty="0"/>
+              <a:t>SDC seeks to </a:t>
+            </a:r>
+            <a:r>
+              <a:rPr lang="en-US" sz="2000" dirty="0" err="1"/>
+              <a:t>optimise</a:t>
+            </a:r>
+            <a:r>
+              <a:rPr lang="en-US" sz="2000" dirty="0"/>
+              <a:t> the trade-off between the disclosure risk and the utility of the</a:t>
+            </a:r>
+          </a:p>
+          <a:p>
+            <a:pPr algn="l"/>
+            <a:r>
+              <a:rPr lang="en-US" sz="2000" dirty="0"/>
+              <a:t>protected released data.</a:t>
+            </a:r>
+          </a:p>
+          <a:p>
+            <a:pPr lvl="2"/>
+            <a:r>
+              <a:rPr lang="en-US" sz="2000" b="1" dirty="0"/>
+              <a:t>Risk</a:t>
+            </a:r>
+            <a:r>
+              <a:rPr lang="en-US" sz="2000" dirty="0"/>
+              <a:t>: the probability of a disclosure event occurring.</a:t>
+            </a:r>
+          </a:p>
+          <a:p>
+            <a:pPr lvl="2"/>
+            <a:r>
+              <a:rPr lang="en-US" sz="2000" b="1" dirty="0"/>
+              <a:t>Utility</a:t>
+            </a:r>
+            <a:r>
+              <a:rPr lang="en-US" sz="2000" dirty="0"/>
+              <a:t>: the usefulness of the data for the intended purpose.</a:t>
+            </a:r>
+            <a:endParaRPr lang="cs-CZ" sz="2000" dirty="0"/>
+          </a:p>
+          <a:p>
+            <a:pPr lvl="2"/>
+            <a:endParaRPr lang="cs-CZ" sz="2000" dirty="0"/>
+          </a:p>
+          <a:p>
+            <a:pPr marL="0" lvl="2" indent="0">
+              <a:spcBef>
+                <a:spcPts val="0"/>
+              </a:spcBef>
+              <a:buNone/>
+            </a:pPr>
+            <a:r>
+              <a:rPr lang="en-US" sz="2000" dirty="0"/>
+              <a:t>The goal is to find a balance between risk and utility, </a:t>
+            </a:r>
+            <a:endParaRPr lang="cs-CZ" sz="2000" dirty="0"/>
+          </a:p>
+          <a:p>
+            <a:pPr marL="0" lvl="2" indent="0">
+              <a:spcBef>
+                <a:spcPts val="0"/>
+              </a:spcBef>
+              <a:buNone/>
+            </a:pPr>
+            <a:r>
+              <a:rPr lang="en-US" sz="2000" dirty="0"/>
+              <a:t>so there is a </a:t>
+            </a:r>
+            <a:r>
+              <a:rPr lang="en-US" sz="2000" b="1" dirty="0"/>
+              <a:t>risk-utility</a:t>
+            </a:r>
+            <a:r>
+              <a:rPr lang="cs-CZ" sz="2000" b="1" dirty="0"/>
+              <a:t> </a:t>
+            </a:r>
+            <a:r>
+              <a:rPr lang="en-US" sz="2000" b="1" dirty="0"/>
+              <a:t>trade-off</a:t>
+            </a:r>
+            <a:r>
+              <a:rPr lang="en-US" sz="2000" dirty="0"/>
+              <a:t>.</a:t>
+            </a:r>
+            <a:endParaRPr lang="cs-CZ" sz="2000" dirty="0"/>
+          </a:p>
+          <a:p>
+            <a:pPr lvl="2"/>
+            <a:endParaRPr lang="en-US" sz="2000" dirty="0"/>
+          </a:p>
+        </p:txBody>
+      </p:sp>
+      <p:sp>
+        <p:nvSpPr>
+          <p:cNvPr id="6" name="Foliennummernplatzhalter 5">
+            <a:extLst>
+              <a:ext uri="{FF2B5EF4-FFF2-40B4-BE49-F238E27FC236}">
+                <a16:creationId xmlns:a16="http://schemas.microsoft.com/office/drawing/2014/main" id="{14A15C47-B574-5D35-E6DD-0EF91BB74995}"/>
+              </a:ext>
+            </a:extLst>
+          </p:cNvPr>
+          <p:cNvSpPr>
+            <a:spLocks noGrp="1"/>
+          </p:cNvSpPr>
+          <p:nvPr>
+            <p:ph type="sldNum" sz="quarter" idx="12"/>
+          </p:nvPr>
+        </p:nvSpPr>
+        <p:spPr/>
+        <p:txBody>
+          <a:bodyPr/>
+          <a:lstStyle/>
+          <a:p>
+            <a:fld id="{442AD375-037F-43D0-B059-5172DA06796A}" type="slidenum">
+              <a:rPr lang="en-GB" noProof="0" smtClean="0"/>
+              <a:pPr/>
+              <a:t>6</a:t>
+            </a:fld>
+            <a:endParaRPr lang="en-GB" noProof="0" dirty="0"/>
+          </a:p>
+        </p:txBody>
+      </p:sp>
+      <p:sp>
+        <p:nvSpPr>
+          <p:cNvPr id="7" name="TextovéPole 6">
+            <a:extLst>
+              <a:ext uri="{FF2B5EF4-FFF2-40B4-BE49-F238E27FC236}">
+                <a16:creationId xmlns:a16="http://schemas.microsoft.com/office/drawing/2014/main" id="{3687F6A4-0893-F188-58A2-8BA1E965CF0B}"/>
               </a:ext>
             </a:extLst>
           </p:cNvPr>
@@ -24018,8 +25207,8 @@
         </p:nvSpPr>
         <p:spPr>
           <a:xfrm>
-            <a:off x="2243572" y="1981232"/>
-            <a:ext cx="7704856" cy="2171620"/>
+            <a:off x="6876975" y="5955233"/>
+            <a:ext cx="4824536" cy="271485"/>
           </a:xfrm>
           <a:prstGeom prst="rect">
             <a:avLst/>
@@ -24032,6 +25221,821 @@
           </a:bodyPr>
           <a:lstStyle/>
           <a:p>
+            <a:r>
+              <a:rPr lang="en-US" sz="1800" b="0" i="0" u="none" strike="noStrike" baseline="0" dirty="0">
+                <a:solidFill>
+                  <a:schemeClr val="accent1"/>
+                </a:solidFill>
+                <a:latin typeface="CMSS10"/>
+                <a:hlinkClick r:id="rId3">
+                  <a:extLst>
+                    <a:ext uri="{A12FA001-AC4F-418D-AE19-62706E023703}">
+                      <ahyp:hlinkClr xmlns:ahyp="http://schemas.microsoft.com/office/drawing/2018/hyperlinkcolor" val="tx"/>
+                    </a:ext>
+                  </a:extLst>
+                </a:hlinkClick>
+              </a:rPr>
+              <a:t>R-U confidentiality map (Duncan et al.,2001)</a:t>
+            </a:r>
+            <a:endParaRPr lang="en-US" dirty="0">
+              <a:solidFill>
+                <a:schemeClr val="accent1"/>
+              </a:solidFill>
+            </a:endParaRPr>
+          </a:p>
+        </p:txBody>
+      </p:sp>
+    </p:spTree>
+    <p:extLst>
+      <p:ext uri="{BB962C8B-B14F-4D97-AF65-F5344CB8AC3E}">
+        <p14:creationId xmlns:p14="http://schemas.microsoft.com/office/powerpoint/2010/main" val="4123565300"/>
+      </p:ext>
+    </p:extLst>
+  </p:cSld>
+  <p:clrMapOvr>
+    <a:masterClrMapping/>
+  </p:clrMapOvr>
+</p:sld>
+</file>
+
+<file path=ppt/slides/slide7.xml><?xml version="1.0" encoding="utf-8"?>
+<p:sld xmlns:a="http://schemas.openxmlformats.org/drawingml/2006/main" xmlns:r="http://schemas.openxmlformats.org/officeDocument/2006/relationships" xmlns:p="http://schemas.openxmlformats.org/presentationml/2006/main">
+  <p:cSld>
+    <p:spTree>
+      <p:nvGrpSpPr>
+        <p:cNvPr id="1" name="">
+          <a:extLst>
+            <a:ext uri="{FF2B5EF4-FFF2-40B4-BE49-F238E27FC236}">
+              <a16:creationId xmlns:a16="http://schemas.microsoft.com/office/drawing/2014/main" id="{23C9D3DB-2E21-2638-703E-3426914AF7F1}"/>
+            </a:ext>
+          </a:extLst>
+        </p:cNvPr>
+        <p:cNvGrpSpPr/>
+        <p:nvPr/>
+      </p:nvGrpSpPr>
+      <p:grpSpPr>
+        <a:xfrm>
+          <a:off x="0" y="0"/>
+          <a:ext cx="0" cy="0"/>
+          <a:chOff x="0" y="0"/>
+          <a:chExt cx="0" cy="0"/>
+        </a:xfrm>
+      </p:grpSpPr>
+      <p:sp>
+        <p:nvSpPr>
+          <p:cNvPr id="2" name="Titel 1">
+            <a:extLst>
+              <a:ext uri="{FF2B5EF4-FFF2-40B4-BE49-F238E27FC236}">
+                <a16:creationId xmlns:a16="http://schemas.microsoft.com/office/drawing/2014/main" id="{86A79602-8888-36BE-3320-37F682A75113}"/>
+              </a:ext>
+            </a:extLst>
+          </p:cNvPr>
+          <p:cNvSpPr>
+            <a:spLocks noGrp="1"/>
+          </p:cNvSpPr>
+          <p:nvPr>
+            <p:ph type="title"/>
+          </p:nvPr>
+        </p:nvSpPr>
+        <p:spPr/>
+        <p:txBody>
+          <a:bodyPr/>
+          <a:lstStyle/>
+          <a:p>
+            <a:r>
+              <a:rPr lang="en-US" sz="2800" dirty="0"/>
+              <a:t>Disclosure control methods</a:t>
+            </a:r>
+            <a:r>
+              <a:rPr lang="cs-CZ" sz="2800" dirty="0"/>
+              <a:t> </a:t>
+            </a:r>
+            <a:endParaRPr lang="en-US" dirty="0"/>
+          </a:p>
+        </p:txBody>
+      </p:sp>
+      <p:sp>
+        <p:nvSpPr>
+          <p:cNvPr id="3" name="Inhaltsplatzhalter 2">
+            <a:extLst>
+              <a:ext uri="{FF2B5EF4-FFF2-40B4-BE49-F238E27FC236}">
+                <a16:creationId xmlns:a16="http://schemas.microsoft.com/office/drawing/2014/main" id="{05D03A0C-CB49-19BB-1D72-38EDDF4A1B85}"/>
+              </a:ext>
+            </a:extLst>
+          </p:cNvPr>
+          <p:cNvSpPr>
+            <a:spLocks noGrp="1"/>
+          </p:cNvSpPr>
+          <p:nvPr>
+            <p:ph idx="1"/>
+          </p:nvPr>
+        </p:nvSpPr>
+        <p:spPr/>
+        <p:txBody>
+          <a:bodyPr/>
+          <a:lstStyle/>
+          <a:p>
+            <a:pPr marL="457200" indent="-457200" algn="l">
+              <a:buFont typeface="+mj-lt"/>
+              <a:buAutoNum type="alphaLcParenR"/>
+            </a:pPr>
+            <a:r>
+              <a:rPr lang="en-US" sz="2000" b="1" dirty="0"/>
+              <a:t>Masking original data</a:t>
+            </a:r>
+            <a:endParaRPr lang="cs-CZ" sz="2000" b="1" dirty="0"/>
+          </a:p>
+          <a:p>
+            <a:pPr marL="684000" lvl="1" indent="-457200">
+              <a:buFont typeface="+mj-lt"/>
+              <a:buAutoNum type="alphaLcParenR"/>
+            </a:pPr>
+            <a:r>
+              <a:rPr lang="en-US" sz="2000" b="1" dirty="0"/>
+              <a:t>Non-perturbative masking </a:t>
+            </a:r>
+            <a:r>
+              <a:rPr lang="en-US" sz="2000" dirty="0"/>
+              <a:t>- Methods that alter data to hide identities without</a:t>
+            </a:r>
+            <a:r>
+              <a:rPr lang="cs-CZ" sz="2000" dirty="0"/>
+              <a:t> </a:t>
+            </a:r>
+            <a:r>
+              <a:rPr lang="en-US" sz="2000" dirty="0"/>
+              <a:t>changing its actual values</a:t>
+            </a:r>
+          </a:p>
+          <a:p>
+            <a:pPr marL="684000" lvl="1" indent="-457200">
+              <a:buFont typeface="+mj-lt"/>
+              <a:buAutoNum type="alphaLcParenR"/>
+            </a:pPr>
+            <a:r>
+              <a:rPr lang="en-US" sz="2000" b="1" dirty="0"/>
+              <a:t>Perturbative masking </a:t>
+            </a:r>
+            <a:r>
+              <a:rPr lang="en-US" sz="2000" dirty="0"/>
+              <a:t>- Methods that add noise or alter data values to prevent</a:t>
+            </a:r>
+            <a:r>
+              <a:rPr lang="cs-CZ" sz="2000" dirty="0"/>
+              <a:t> i</a:t>
+            </a:r>
+            <a:r>
+              <a:rPr lang="en-US" sz="2000" dirty="0"/>
+              <a:t>dentification</a:t>
+            </a:r>
+            <a:endParaRPr lang="cs-CZ" sz="2000" dirty="0"/>
+          </a:p>
+          <a:p>
+            <a:pPr marL="457200" indent="-457200" algn="l">
+              <a:buFont typeface="+mj-lt"/>
+              <a:buAutoNum type="alphaLcParenR"/>
+            </a:pPr>
+            <a:endParaRPr lang="cs-CZ" sz="2000" b="1" dirty="0"/>
+          </a:p>
+          <a:p>
+            <a:pPr marL="457200" indent="-457200" algn="l">
+              <a:buFont typeface="+mj-lt"/>
+              <a:buAutoNum type="alphaLcParenR"/>
+            </a:pPr>
+            <a:r>
+              <a:rPr lang="en-US" sz="2000" b="1" dirty="0"/>
+              <a:t>Generating synthetic data</a:t>
+            </a:r>
+            <a:endParaRPr lang="cs-CZ" sz="2000" b="1" dirty="0"/>
+          </a:p>
+          <a:p>
+            <a:pPr marL="684000" lvl="1" indent="-457200">
+              <a:buFont typeface="+mj-lt"/>
+              <a:buAutoNum type="alphaLcParenR"/>
+            </a:pPr>
+            <a:r>
+              <a:rPr lang="en-US" sz="2000" b="1" dirty="0"/>
+              <a:t>Parametric methods </a:t>
+            </a:r>
+            <a:r>
+              <a:rPr lang="en-US" sz="2000" dirty="0"/>
+              <a:t>-</a:t>
+            </a:r>
+            <a:r>
+              <a:rPr lang="en-US" sz="2000" b="1" dirty="0"/>
+              <a:t> </a:t>
+            </a:r>
+            <a:r>
+              <a:rPr lang="en-US" sz="2000" dirty="0"/>
+              <a:t>Techniques that use statistical models based on the data’s</a:t>
+            </a:r>
+            <a:r>
+              <a:rPr lang="cs-CZ" sz="2000" dirty="0"/>
+              <a:t> </a:t>
+            </a:r>
+            <a:r>
+              <a:rPr lang="en-US" sz="2000" dirty="0"/>
+              <a:t>distribution to generate synthetic data.</a:t>
+            </a:r>
+          </a:p>
+          <a:p>
+            <a:pPr marL="684000" lvl="1" indent="-457200">
+              <a:buFont typeface="+mj-lt"/>
+              <a:buAutoNum type="alphaLcParenR"/>
+            </a:pPr>
+            <a:r>
+              <a:rPr lang="en-US" sz="2000" b="1" dirty="0"/>
+              <a:t>Non-parametric methods</a:t>
+            </a:r>
+            <a:r>
+              <a:rPr lang="cs-CZ" sz="2000" b="1" dirty="0"/>
+              <a:t> </a:t>
+            </a:r>
+            <a:r>
+              <a:rPr lang="en-US" sz="2000" dirty="0"/>
+              <a:t>-</a:t>
+            </a:r>
+            <a:r>
+              <a:rPr lang="en-US" sz="2000" b="1" dirty="0"/>
+              <a:t> </a:t>
+            </a:r>
+            <a:r>
+              <a:rPr lang="en-US" sz="2000" dirty="0"/>
+              <a:t>Techniques that do not assume an underlying</a:t>
+            </a:r>
+            <a:r>
+              <a:rPr lang="cs-CZ" sz="2000" dirty="0"/>
+              <a:t> </a:t>
+            </a:r>
+            <a:r>
+              <a:rPr lang="en-US" sz="2000" dirty="0"/>
+              <a:t>distribution, using methods like bootstrapping to generate synthetic data.</a:t>
+            </a:r>
+          </a:p>
+          <a:p>
+            <a:pPr marL="684000" lvl="1" indent="-457200">
+              <a:buFont typeface="+mj-lt"/>
+              <a:buAutoNum type="alphaLcParenR"/>
+            </a:pPr>
+            <a:r>
+              <a:rPr lang="en-US" sz="2000" b="1" dirty="0"/>
+              <a:t>Generative Adversarial Networks (GANs)</a:t>
+            </a:r>
+            <a:r>
+              <a:rPr lang="cs-CZ" sz="2000" b="1" dirty="0"/>
+              <a:t> </a:t>
+            </a:r>
+            <a:r>
+              <a:rPr lang="en-US" sz="2000" dirty="0"/>
+              <a:t>-</a:t>
+            </a:r>
+            <a:r>
+              <a:rPr lang="en-US" sz="2000" b="1" dirty="0"/>
+              <a:t> </a:t>
+            </a:r>
+            <a:r>
+              <a:rPr lang="en-US" sz="2000" dirty="0"/>
+              <a:t>Advanced machine learning models</a:t>
+            </a:r>
+            <a:r>
+              <a:rPr lang="cs-CZ" sz="2000" dirty="0"/>
+              <a:t> </a:t>
+            </a:r>
+            <a:r>
+              <a:rPr lang="en-US" sz="2000" dirty="0"/>
+              <a:t>that generate highly realistic synthetic data by training two neural networks in</a:t>
+            </a:r>
+            <a:r>
+              <a:rPr lang="cs-CZ" sz="2000" dirty="0"/>
+              <a:t> </a:t>
+            </a:r>
+            <a:r>
+              <a:rPr lang="en-US" sz="2000" dirty="0"/>
+              <a:t>tandem.</a:t>
+            </a:r>
+          </a:p>
+        </p:txBody>
+      </p:sp>
+      <p:sp>
+        <p:nvSpPr>
+          <p:cNvPr id="6" name="Foliennummernplatzhalter 5">
+            <a:extLst>
+              <a:ext uri="{FF2B5EF4-FFF2-40B4-BE49-F238E27FC236}">
+                <a16:creationId xmlns:a16="http://schemas.microsoft.com/office/drawing/2014/main" id="{E27D2B7E-0891-8B72-4040-4800ED6C8BD2}"/>
+              </a:ext>
+            </a:extLst>
+          </p:cNvPr>
+          <p:cNvSpPr>
+            <a:spLocks noGrp="1"/>
+          </p:cNvSpPr>
+          <p:nvPr>
+            <p:ph type="sldNum" sz="quarter" idx="12"/>
+          </p:nvPr>
+        </p:nvSpPr>
+        <p:spPr/>
+        <p:txBody>
+          <a:bodyPr/>
+          <a:lstStyle/>
+          <a:p>
+            <a:fld id="{442AD375-037F-43D0-B059-5172DA06796A}" type="slidenum">
+              <a:rPr lang="en-GB" noProof="0" smtClean="0"/>
+              <a:pPr/>
+              <a:t>7</a:t>
+            </a:fld>
+            <a:endParaRPr lang="en-GB" noProof="0" dirty="0"/>
+          </a:p>
+        </p:txBody>
+      </p:sp>
+    </p:spTree>
+    <p:extLst>
+      <p:ext uri="{BB962C8B-B14F-4D97-AF65-F5344CB8AC3E}">
+        <p14:creationId xmlns:p14="http://schemas.microsoft.com/office/powerpoint/2010/main" val="3763976533"/>
+      </p:ext>
+    </p:extLst>
+  </p:cSld>
+  <p:clrMapOvr>
+    <a:masterClrMapping/>
+  </p:clrMapOvr>
+</p:sld>
+</file>
+
+<file path=ppt/slides/slide8.xml><?xml version="1.0" encoding="utf-8"?>
+<p:sld xmlns:a="http://schemas.openxmlformats.org/drawingml/2006/main" xmlns:r="http://schemas.openxmlformats.org/officeDocument/2006/relationships" xmlns:p="http://schemas.openxmlformats.org/presentationml/2006/main">
+  <p:cSld>
+    <p:spTree>
+      <p:nvGrpSpPr>
+        <p:cNvPr id="1" name="">
+          <a:extLst>
+            <a:ext uri="{FF2B5EF4-FFF2-40B4-BE49-F238E27FC236}">
+              <a16:creationId xmlns:a16="http://schemas.microsoft.com/office/drawing/2014/main" id="{A80B99F6-7AD3-E979-A6B3-1875B0549FA8}"/>
+            </a:ext>
+          </a:extLst>
+        </p:cNvPr>
+        <p:cNvGrpSpPr/>
+        <p:nvPr/>
+      </p:nvGrpSpPr>
+      <p:grpSpPr>
+        <a:xfrm>
+          <a:off x="0" y="0"/>
+          <a:ext cx="0" cy="0"/>
+          <a:chOff x="0" y="0"/>
+          <a:chExt cx="0" cy="0"/>
+        </a:xfrm>
+      </p:grpSpPr>
+      <p:sp>
+        <p:nvSpPr>
+          <p:cNvPr id="2" name="Titel 1">
+            <a:extLst>
+              <a:ext uri="{FF2B5EF4-FFF2-40B4-BE49-F238E27FC236}">
+                <a16:creationId xmlns:a16="http://schemas.microsoft.com/office/drawing/2014/main" id="{8EEF8AC4-D673-57B1-1097-6E204025CB7F}"/>
+              </a:ext>
+            </a:extLst>
+          </p:cNvPr>
+          <p:cNvSpPr>
+            <a:spLocks noGrp="1"/>
+          </p:cNvSpPr>
+          <p:nvPr>
+            <p:ph type="title"/>
+          </p:nvPr>
+        </p:nvSpPr>
+        <p:spPr/>
+        <p:txBody>
+          <a:bodyPr/>
+          <a:lstStyle/>
+          <a:p>
+            <a:r>
+              <a:rPr lang="en-US" sz="2800" dirty="0"/>
+              <a:t>Disclosure control methods</a:t>
+            </a:r>
+            <a:r>
+              <a:rPr lang="cs-CZ" sz="2800" dirty="0"/>
+              <a:t> </a:t>
+            </a:r>
+            <a:endParaRPr lang="en-US" dirty="0"/>
+          </a:p>
+        </p:txBody>
+      </p:sp>
+      <p:sp>
+        <p:nvSpPr>
+          <p:cNvPr id="3" name="Inhaltsplatzhalter 2">
+            <a:extLst>
+              <a:ext uri="{FF2B5EF4-FFF2-40B4-BE49-F238E27FC236}">
+                <a16:creationId xmlns:a16="http://schemas.microsoft.com/office/drawing/2014/main" id="{156B9EDA-78DC-11D6-E071-89D79A3E6058}"/>
+              </a:ext>
+            </a:extLst>
+          </p:cNvPr>
+          <p:cNvSpPr>
+            <a:spLocks noGrp="1"/>
+          </p:cNvSpPr>
+          <p:nvPr>
+            <p:ph idx="1"/>
+          </p:nvPr>
+        </p:nvSpPr>
+        <p:spPr/>
+        <p:txBody>
+          <a:bodyPr/>
+          <a:lstStyle/>
+          <a:p>
+            <a:pPr marL="457200" indent="-457200" algn="l">
+              <a:buFont typeface="+mj-lt"/>
+              <a:buAutoNum type="alphaLcParenR"/>
+            </a:pPr>
+            <a:r>
+              <a:rPr lang="en-US" sz="2000" b="1" dirty="0"/>
+              <a:t>Masking original data</a:t>
+            </a:r>
+            <a:endParaRPr lang="cs-CZ" sz="2000" b="1" dirty="0"/>
+          </a:p>
+          <a:p>
+            <a:pPr marL="684000" lvl="1" indent="-457200">
+              <a:buFont typeface="+mj-lt"/>
+              <a:buAutoNum type="alphaLcParenR"/>
+            </a:pPr>
+            <a:r>
+              <a:rPr lang="en-US" sz="2000" b="1" dirty="0"/>
+              <a:t>Non-perturbative masking </a:t>
+            </a:r>
+            <a:r>
+              <a:rPr lang="en-US" sz="2000" dirty="0"/>
+              <a:t>- Methods that alter data to hide identities without</a:t>
+            </a:r>
+            <a:r>
+              <a:rPr lang="cs-CZ" sz="2000" dirty="0"/>
+              <a:t> </a:t>
+            </a:r>
+            <a:r>
+              <a:rPr lang="en-US" sz="2000" dirty="0"/>
+              <a:t>changing its actual values</a:t>
+            </a:r>
+          </a:p>
+          <a:p>
+            <a:pPr marL="684000" lvl="1" indent="-457200">
+              <a:buFont typeface="+mj-lt"/>
+              <a:buAutoNum type="alphaLcParenR"/>
+            </a:pPr>
+            <a:r>
+              <a:rPr lang="en-US" sz="2000" b="1" dirty="0"/>
+              <a:t>Perturbative masking </a:t>
+            </a:r>
+            <a:r>
+              <a:rPr lang="en-US" sz="2000" dirty="0"/>
+              <a:t>- Methods that add noise or alter data values to prevent</a:t>
+            </a:r>
+            <a:r>
+              <a:rPr lang="cs-CZ" sz="2000" dirty="0"/>
+              <a:t> i</a:t>
+            </a:r>
+            <a:r>
+              <a:rPr lang="en-US" sz="2000" dirty="0"/>
+              <a:t>dentification</a:t>
+            </a:r>
+            <a:endParaRPr lang="cs-CZ" sz="2000" dirty="0"/>
+          </a:p>
+          <a:p>
+            <a:pPr marL="457200" indent="-457200" algn="l">
+              <a:buFont typeface="+mj-lt"/>
+              <a:buAutoNum type="alphaLcParenR"/>
+            </a:pPr>
+            <a:endParaRPr lang="cs-CZ" sz="2000" b="1" dirty="0"/>
+          </a:p>
+          <a:p>
+            <a:pPr marL="457200" indent="-457200" algn="l">
+              <a:buFont typeface="+mj-lt"/>
+              <a:buAutoNum type="alphaLcParenR"/>
+            </a:pPr>
+            <a:r>
+              <a:rPr lang="en-US" sz="2000" b="1" dirty="0"/>
+              <a:t>Generating synthetic data</a:t>
+            </a:r>
+            <a:endParaRPr lang="cs-CZ" sz="2000" b="1" dirty="0"/>
+          </a:p>
+          <a:p>
+            <a:pPr marL="684000" lvl="1" indent="-457200">
+              <a:buFont typeface="+mj-lt"/>
+              <a:buAutoNum type="alphaLcParenR"/>
+            </a:pPr>
+            <a:r>
+              <a:rPr lang="en-US" sz="2000" b="1" dirty="0"/>
+              <a:t>Parametric methods </a:t>
+            </a:r>
+            <a:r>
+              <a:rPr lang="en-US" sz="2000" dirty="0"/>
+              <a:t>-</a:t>
+            </a:r>
+            <a:r>
+              <a:rPr lang="en-US" sz="2000" b="1" dirty="0"/>
+              <a:t> </a:t>
+            </a:r>
+            <a:r>
+              <a:rPr lang="en-US" sz="2000" dirty="0"/>
+              <a:t>Techniques that use statistical models based on the data’s</a:t>
+            </a:r>
+            <a:r>
+              <a:rPr lang="cs-CZ" sz="2000" dirty="0"/>
+              <a:t> </a:t>
+            </a:r>
+            <a:r>
+              <a:rPr lang="en-US" sz="2000" dirty="0"/>
+              <a:t>distribution to generate synthetic data.</a:t>
+            </a:r>
+          </a:p>
+          <a:p>
+            <a:pPr marL="684000" lvl="1" indent="-457200">
+              <a:buFont typeface="+mj-lt"/>
+              <a:buAutoNum type="alphaLcParenR"/>
+            </a:pPr>
+            <a:r>
+              <a:rPr lang="en-US" sz="2000" b="1" dirty="0"/>
+              <a:t>Non-parametric methods</a:t>
+            </a:r>
+            <a:r>
+              <a:rPr lang="cs-CZ" sz="2000" b="1" dirty="0"/>
+              <a:t> </a:t>
+            </a:r>
+            <a:r>
+              <a:rPr lang="en-US" sz="2000" dirty="0"/>
+              <a:t>-</a:t>
+            </a:r>
+            <a:r>
+              <a:rPr lang="en-US" sz="2000" b="1" dirty="0"/>
+              <a:t> </a:t>
+            </a:r>
+            <a:r>
+              <a:rPr lang="en-US" sz="2000" dirty="0"/>
+              <a:t>Techniques that do not assume an underlying</a:t>
+            </a:r>
+            <a:r>
+              <a:rPr lang="cs-CZ" sz="2000" dirty="0"/>
+              <a:t> </a:t>
+            </a:r>
+            <a:r>
+              <a:rPr lang="en-US" sz="2000" dirty="0"/>
+              <a:t>distribution, using methods like bootstrapping to generate synthetic data.</a:t>
+            </a:r>
+          </a:p>
+          <a:p>
+            <a:pPr marL="684000" lvl="1" indent="-457200">
+              <a:buFont typeface="+mj-lt"/>
+              <a:buAutoNum type="alphaLcParenR"/>
+            </a:pPr>
+            <a:r>
+              <a:rPr lang="en-US" sz="2000" b="1" dirty="0"/>
+              <a:t>Generative Adversarial Networks (GANs)</a:t>
+            </a:r>
+            <a:r>
+              <a:rPr lang="cs-CZ" sz="2000" b="1" dirty="0"/>
+              <a:t> </a:t>
+            </a:r>
+            <a:r>
+              <a:rPr lang="en-US" sz="2000" dirty="0"/>
+              <a:t>-</a:t>
+            </a:r>
+            <a:r>
+              <a:rPr lang="en-US" sz="2000" b="1" dirty="0"/>
+              <a:t> </a:t>
+            </a:r>
+            <a:r>
+              <a:rPr lang="en-US" sz="2000" dirty="0"/>
+              <a:t>Advanced machine learning models</a:t>
+            </a:r>
+            <a:r>
+              <a:rPr lang="cs-CZ" sz="2000" dirty="0"/>
+              <a:t> </a:t>
+            </a:r>
+            <a:r>
+              <a:rPr lang="en-US" sz="2000" dirty="0"/>
+              <a:t>that generate highly realistic synthetic data by training two neural networks in</a:t>
+            </a:r>
+            <a:r>
+              <a:rPr lang="cs-CZ" sz="2000" dirty="0"/>
+              <a:t> </a:t>
+            </a:r>
+            <a:r>
+              <a:rPr lang="en-US" sz="2000" dirty="0"/>
+              <a:t>tandem.</a:t>
+            </a:r>
+          </a:p>
+        </p:txBody>
+      </p:sp>
+      <p:sp>
+        <p:nvSpPr>
+          <p:cNvPr id="6" name="Foliennummernplatzhalter 5">
+            <a:extLst>
+              <a:ext uri="{FF2B5EF4-FFF2-40B4-BE49-F238E27FC236}">
+                <a16:creationId xmlns:a16="http://schemas.microsoft.com/office/drawing/2014/main" id="{75BF577B-3E4B-3924-D241-72DD286FD2F6}"/>
+              </a:ext>
+            </a:extLst>
+          </p:cNvPr>
+          <p:cNvSpPr>
+            <a:spLocks noGrp="1"/>
+          </p:cNvSpPr>
+          <p:nvPr>
+            <p:ph type="sldNum" sz="quarter" idx="12"/>
+          </p:nvPr>
+        </p:nvSpPr>
+        <p:spPr/>
+        <p:txBody>
+          <a:bodyPr/>
+          <a:lstStyle/>
+          <a:p>
+            <a:fld id="{442AD375-037F-43D0-B059-5172DA06796A}" type="slidenum">
+              <a:rPr lang="en-GB" noProof="0" smtClean="0"/>
+              <a:pPr/>
+              <a:t>8</a:t>
+            </a:fld>
+            <a:endParaRPr lang="en-GB" noProof="0" dirty="0"/>
+          </a:p>
+        </p:txBody>
+      </p:sp>
+    </p:spTree>
+    <p:extLst>
+      <p:ext uri="{BB962C8B-B14F-4D97-AF65-F5344CB8AC3E}">
+        <p14:creationId xmlns:p14="http://schemas.microsoft.com/office/powerpoint/2010/main" val="2368037813"/>
+      </p:ext>
+    </p:extLst>
+  </p:cSld>
+  <p:clrMapOvr>
+    <a:masterClrMapping/>
+  </p:clrMapOvr>
+</p:sld>
+</file>
+
+<file path=ppt/slides/slide9.xml><?xml version="1.0" encoding="utf-8"?>
+<p:sld xmlns:a="http://schemas.openxmlformats.org/drawingml/2006/main" xmlns:r="http://schemas.openxmlformats.org/officeDocument/2006/relationships" xmlns:p="http://schemas.openxmlformats.org/presentationml/2006/main">
+  <p:cSld>
+    <p:spTree>
+      <p:nvGrpSpPr>
+        <p:cNvPr id="1" name=""/>
+        <p:cNvGrpSpPr/>
+        <p:nvPr/>
+      </p:nvGrpSpPr>
+      <p:grpSpPr>
+        <a:xfrm>
+          <a:off x="0" y="0"/>
+          <a:ext cx="0" cy="0"/>
+          <a:chOff x="0" y="0"/>
+          <a:chExt cx="0" cy="0"/>
+        </a:xfrm>
+      </p:grpSpPr>
+      <p:sp>
+        <p:nvSpPr>
+          <p:cNvPr id="2" name="Datumsplatzhalter 1">
+            <a:extLst>
+              <a:ext uri="{FF2B5EF4-FFF2-40B4-BE49-F238E27FC236}">
+                <a16:creationId xmlns:a16="http://schemas.microsoft.com/office/drawing/2014/main" id="{D17EB32C-05DE-6DAA-0EB6-AF614286B5BD}"/>
+              </a:ext>
+            </a:extLst>
+          </p:cNvPr>
+          <p:cNvSpPr>
+            <a:spLocks noGrp="1"/>
+          </p:cNvSpPr>
+          <p:nvPr>
+            <p:ph type="dt" sz="half" idx="10"/>
+          </p:nvPr>
+        </p:nvSpPr>
+        <p:spPr>
+          <a:xfrm>
+            <a:off x="10416480" y="6523057"/>
+            <a:ext cx="1189348" cy="45719"/>
+          </a:xfrm>
+        </p:spPr>
+        <p:txBody>
+          <a:bodyPr/>
+          <a:lstStyle/>
+          <a:p>
+            <a:fld id="{F00B6C72-573A-41E4-82FE-015F0E156332}" type="datetime1">
+              <a:rPr lang="en-GB" smtClean="0"/>
+              <a:t>18/11/2024</a:t>
+            </a:fld>
+            <a:endParaRPr lang="en-GB" dirty="0"/>
+          </a:p>
+        </p:txBody>
+      </p:sp>
+      <p:sp>
+        <p:nvSpPr>
+          <p:cNvPr id="4" name="Foliennummernplatzhalter 3">
+            <a:extLst>
+              <a:ext uri="{FF2B5EF4-FFF2-40B4-BE49-F238E27FC236}">
+                <a16:creationId xmlns:a16="http://schemas.microsoft.com/office/drawing/2014/main" id="{ACB2287A-DDB7-9BA7-CE0D-DDE936908D80}"/>
+              </a:ext>
+            </a:extLst>
+          </p:cNvPr>
+          <p:cNvSpPr>
+            <a:spLocks noGrp="1"/>
+          </p:cNvSpPr>
+          <p:nvPr>
+            <p:ph type="sldNum" sz="quarter" idx="12"/>
+          </p:nvPr>
+        </p:nvSpPr>
+        <p:spPr>
+          <a:xfrm>
+            <a:off x="11712624" y="6523057"/>
+            <a:ext cx="209500" cy="45719"/>
+          </a:xfrm>
+        </p:spPr>
+        <p:txBody>
+          <a:bodyPr/>
+          <a:lstStyle/>
+          <a:p>
+            <a:fld id="{442AD375-037F-43D0-B059-5172DA06796A}" type="slidenum">
+              <a:rPr lang="en-GB" smtClean="0"/>
+              <a:pPr/>
+              <a:t>9</a:t>
+            </a:fld>
+            <a:endParaRPr lang="en-GB" dirty="0"/>
+          </a:p>
+        </p:txBody>
+      </p:sp>
+      <p:sp>
+        <p:nvSpPr>
+          <p:cNvPr id="5" name="Inhaltsplatzhalter 4">
+            <a:extLst>
+              <a:ext uri="{FF2B5EF4-FFF2-40B4-BE49-F238E27FC236}">
+                <a16:creationId xmlns:a16="http://schemas.microsoft.com/office/drawing/2014/main" id="{68BB988A-D779-21AB-3719-6F5F83F98849}"/>
+              </a:ext>
+            </a:extLst>
+          </p:cNvPr>
+          <p:cNvSpPr>
+            <a:spLocks noGrp="1"/>
+          </p:cNvSpPr>
+          <p:nvPr>
+            <p:ph idx="22"/>
+          </p:nvPr>
+        </p:nvSpPr>
+        <p:spPr>
+          <a:xfrm>
+            <a:off x="270582" y="5157192"/>
+            <a:ext cx="2778003" cy="1067396"/>
+          </a:xfrm>
+        </p:spPr>
+        <p:txBody>
+          <a:bodyPr/>
+          <a:lstStyle/>
+          <a:p>
+            <a:r>
+              <a:rPr lang="en-GB" b="1" dirty="0"/>
+              <a:t>Contact</a:t>
+            </a:r>
+          </a:p>
+          <a:p>
+            <a:r>
+              <a:rPr lang="cs-CZ" dirty="0"/>
+              <a:t>Jiří Novák</a:t>
+            </a:r>
+            <a:endParaRPr lang="en-GB" dirty="0"/>
+          </a:p>
+          <a:p>
+            <a:r>
+              <a:rPr lang="cs-CZ" dirty="0"/>
+              <a:t>PhD student</a:t>
+            </a:r>
+            <a:endParaRPr lang="en-GB" dirty="0"/>
+          </a:p>
+          <a:p>
+            <a:r>
+              <a:rPr lang="en-GB" dirty="0">
+                <a:hlinkClick r:id="rId3"/>
+              </a:rPr>
+              <a:t>jiri.novak@uzh.ch</a:t>
+            </a:r>
+            <a:endParaRPr lang="cs-CZ" dirty="0"/>
+          </a:p>
+          <a:p>
+            <a:endParaRPr lang="cs-CZ" dirty="0"/>
+          </a:p>
+          <a:p>
+            <a:endParaRPr lang="en-GB" dirty="0"/>
+          </a:p>
+        </p:txBody>
+      </p:sp>
+      <p:sp>
+        <p:nvSpPr>
+          <p:cNvPr id="3" name="TextBox 2">
+            <a:extLst>
+              <a:ext uri="{FF2B5EF4-FFF2-40B4-BE49-F238E27FC236}">
+                <a16:creationId xmlns:a16="http://schemas.microsoft.com/office/drawing/2014/main" id="{D0FFD564-7E1B-770B-E194-DCE615961262}"/>
+              </a:ext>
+            </a:extLst>
+          </p:cNvPr>
+          <p:cNvSpPr txBox="1"/>
+          <p:nvPr/>
+        </p:nvSpPr>
+        <p:spPr>
+          <a:xfrm>
+            <a:off x="2243572" y="1309309"/>
+            <a:ext cx="7704856" cy="2171620"/>
+          </a:xfrm>
+          <a:prstGeom prst="rect">
+            <a:avLst/>
+          </a:prstGeom>
+          <a:noFill/>
+        </p:spPr>
+        <p:txBody>
+          <a:bodyPr wrap="square" lIns="0" tIns="0" rIns="0" bIns="0" rtlCol="0">
+            <a:spAutoFit/>
+          </a:bodyPr>
+          <a:lstStyle/>
+          <a:p>
             <a:pPr algn="ctr"/>
             <a:r>
               <a:rPr lang="en-US" sz="7200" dirty="0"/>
@@ -24062,8 +26066,8 @@
         </p:nvSpPr>
         <p:spPr>
           <a:xfrm>
-            <a:off x="270582" y="2420888"/>
-            <a:ext cx="2801082" cy="144016"/>
+            <a:off x="270582" y="2395119"/>
+            <a:ext cx="2778003" cy="576064"/>
           </a:xfrm>
           <a:prstGeom prst="rect">
             <a:avLst/>
@@ -24100,606 +26104,232 @@
           </a:p>
         </p:txBody>
       </p:sp>
-    </p:spTree>
-    <p:extLst>
-      <p:ext uri="{BB962C8B-B14F-4D97-AF65-F5344CB8AC3E}">
-        <p14:creationId xmlns:p14="http://schemas.microsoft.com/office/powerpoint/2010/main" val="3299559963"/>
-      </p:ext>
-    </p:extLst>
-  </p:cSld>
-  <p:clrMapOvr>
-    <a:masterClrMapping/>
-  </p:clrMapOvr>
-</p:sld>
-</file>
-
-<file path=ppt/slides/slide3.xml><?xml version="1.0" encoding="utf-8"?>
-<p:sld xmlns:a="http://schemas.openxmlformats.org/drawingml/2006/main" xmlns:r="http://schemas.openxmlformats.org/officeDocument/2006/relationships" xmlns:p="http://schemas.openxmlformats.org/presentationml/2006/main">
-  <p:cSld>
-    <p:spTree>
-      <p:nvGrpSpPr>
-        <p:cNvPr id="1" name=""/>
-        <p:cNvGrpSpPr/>
-        <p:nvPr/>
-      </p:nvGrpSpPr>
-      <p:grpSpPr>
-        <a:xfrm>
-          <a:off x="0" y="0"/>
-          <a:ext cx="0" cy="0"/>
-          <a:chOff x="0" y="0"/>
-          <a:chExt cx="0" cy="0"/>
-        </a:xfrm>
-      </p:grpSpPr>
-      <p:sp>
-        <p:nvSpPr>
-          <p:cNvPr id="3" name="Inhaltsplatzhalter 2">
-            <a:extLst>
-              <a:ext uri="{FF2B5EF4-FFF2-40B4-BE49-F238E27FC236}">
-                <a16:creationId xmlns:a16="http://schemas.microsoft.com/office/drawing/2014/main" id="{291BB038-ED1F-4F80-A77D-FB609B5E0DD3}"/>
-              </a:ext>
-            </a:extLst>
-          </p:cNvPr>
-          <p:cNvSpPr>
-            <a:spLocks noGrp="1"/>
-          </p:cNvSpPr>
-          <p:nvPr>
-            <p:ph sz="half" idx="1"/>
-          </p:nvPr>
-        </p:nvSpPr>
-        <p:spPr/>
+      <p:sp>
+        <p:nvSpPr>
+          <p:cNvPr id="6" name="Inhaltsplatzhalter 2">
+            <a:extLst>
+              <a:ext uri="{FF2B5EF4-FFF2-40B4-BE49-F238E27FC236}">
+                <a16:creationId xmlns:a16="http://schemas.microsoft.com/office/drawing/2014/main" id="{26B5F72B-F4A0-5D99-EA0D-A84791081AC7}"/>
+              </a:ext>
+            </a:extLst>
+          </p:cNvPr>
+          <p:cNvSpPr txBox="1">
+            <a:spLocks/>
+          </p:cNvSpPr>
+          <p:nvPr/>
+        </p:nvSpPr>
+        <p:spPr>
+          <a:xfrm>
+            <a:off x="271461" y="5331497"/>
+            <a:ext cx="11650663" cy="689792"/>
+          </a:xfrm>
+          <a:prstGeom prst="rect">
+            <a:avLst/>
+          </a:prstGeom>
+        </p:spPr>
         <p:txBody>
           <a:bodyPr/>
-          <a:lstStyle/>
-          <a:p>
-            <a:r>
-              <a:rPr lang="de-CH" b="1" noProof="0" dirty="0" err="1"/>
-              <a:t>Formatting</a:t>
-            </a:r>
-            <a:r>
-              <a:rPr lang="de-CH" b="1" noProof="0" dirty="0"/>
-              <a:t> </a:t>
-            </a:r>
-            <a:r>
-              <a:rPr lang="de-CH" b="1" noProof="0" dirty="0" err="1"/>
-              <a:t>enumerations</a:t>
-            </a:r>
-            <a:endParaRPr lang="de-CH" b="1" noProof="0" dirty="0"/>
-          </a:p>
-          <a:p>
-            <a:endParaRPr lang="de-CH" dirty="0"/>
-          </a:p>
-          <a:p>
-            <a:r>
-              <a:rPr lang="en-GB" noProof="0" dirty="0"/>
-              <a:t>To create bullet lists please use the List Level function instead of the Bullet button.</a:t>
-            </a:r>
-          </a:p>
-          <a:p>
-            <a:r>
-              <a:rPr lang="en-GB" noProof="0" dirty="0"/>
-              <a:t>Bullet levels can be defined by using the </a:t>
-            </a:r>
-            <a:r>
-              <a:rPr lang="de-CH" b="1" dirty="0">
+          <a:lstStyle>
+            <a:lvl1pPr marL="0" indent="0" algn="l" defTabSz="914400" rtl="0" eaLnBrk="1" latinLnBrk="0" hangingPunct="1">
+              <a:lnSpc>
+                <a:spcPct val="103000"/>
+              </a:lnSpc>
+              <a:spcBef>
+                <a:spcPts val="0"/>
+              </a:spcBef>
+              <a:buFont typeface="+mj-lt"/>
+              <a:buNone/>
+              <a:defRPr sz="1600" kern="1200" spc="0" baseline="0">
                 <a:solidFill>
-                  <a:schemeClr val="accent1"/>
+                  <a:schemeClr val="tx1"/>
                 </a:solidFill>
+                <a:latin typeface="+mn-lt"/>
+                <a:ea typeface="+mn-ea"/>
+                <a:cs typeface="+mn-cs"/>
+              </a:defRPr>
+            </a:lvl1pPr>
+            <a:lvl2pPr marL="226800" indent="-226800" algn="l" defTabSz="914400" rtl="0" eaLnBrk="1" latinLnBrk="0" hangingPunct="1">
+              <a:lnSpc>
+                <a:spcPct val="103000"/>
+              </a:lnSpc>
+              <a:spcBef>
+                <a:spcPts val="1000"/>
+              </a:spcBef>
+              <a:buFont typeface="Source Sans Pro" panose="020B0503030403020204" pitchFamily="34" charset="0"/>
+              <a:buChar char="―"/>
+              <a:defRPr sz="1600" kern="1200" spc="0" baseline="0">
+                <a:solidFill>
+                  <a:schemeClr val="tx1"/>
+                </a:solidFill>
+                <a:latin typeface="+mn-lt"/>
+                <a:ea typeface="+mn-ea"/>
+                <a:cs typeface="+mn-cs"/>
+              </a:defRPr>
+            </a:lvl2pPr>
+            <a:lvl3pPr marL="658800" indent="-226800" algn="l" defTabSz="914400" rtl="0" eaLnBrk="1" latinLnBrk="0" hangingPunct="1">
+              <a:lnSpc>
+                <a:spcPct val="103000"/>
+              </a:lnSpc>
+              <a:spcBef>
+                <a:spcPts val="1000"/>
+              </a:spcBef>
+              <a:buFont typeface="Source Sans Pro" panose="020B0503030403020204" pitchFamily="34" charset="0"/>
+              <a:buChar char="―"/>
+              <a:defRPr sz="1600" kern="1200" spc="0" baseline="0">
+                <a:solidFill>
+                  <a:schemeClr val="tx1"/>
+                </a:solidFill>
+                <a:latin typeface="+mn-lt"/>
+                <a:ea typeface="+mn-ea"/>
+                <a:cs typeface="+mn-cs"/>
+              </a:defRPr>
+            </a:lvl3pPr>
+            <a:lvl4pPr marL="1090800" indent="-226800" algn="l" defTabSz="914400" rtl="0" eaLnBrk="1" latinLnBrk="0" hangingPunct="1">
+              <a:lnSpc>
+                <a:spcPct val="103000"/>
+              </a:lnSpc>
+              <a:spcBef>
+                <a:spcPts val="1000"/>
+              </a:spcBef>
+              <a:buFont typeface="Source Sans Pro" panose="020B0503030403020204" pitchFamily="34" charset="0"/>
+              <a:buChar char="―"/>
+              <a:defRPr sz="1600" kern="1200" spc="0" baseline="0">
+                <a:solidFill>
+                  <a:schemeClr val="tx1"/>
+                </a:solidFill>
+                <a:latin typeface="+mn-lt"/>
+                <a:ea typeface="+mn-ea"/>
+                <a:cs typeface="+mn-cs"/>
+              </a:defRPr>
+            </a:lvl4pPr>
+            <a:lvl5pPr marL="1522800" indent="-226800" algn="l" defTabSz="914400" rtl="0" eaLnBrk="1" latinLnBrk="0" hangingPunct="1">
+              <a:lnSpc>
+                <a:spcPct val="103000"/>
+              </a:lnSpc>
+              <a:spcBef>
+                <a:spcPts val="1000"/>
+              </a:spcBef>
+              <a:buFont typeface="Source Sans Pro" panose="020B0503030403020204" pitchFamily="34" charset="0"/>
+              <a:buChar char="―"/>
+              <a:defRPr sz="1600" kern="1200" spc="0" baseline="0">
+                <a:solidFill>
+                  <a:schemeClr val="tx1"/>
+                </a:solidFill>
+                <a:latin typeface="+mn-lt"/>
+                <a:ea typeface="+mn-ea"/>
+                <a:cs typeface="+mn-cs"/>
+              </a:defRPr>
+            </a:lvl5pPr>
+            <a:lvl6pPr marL="2514600" indent="-228600" algn="l" defTabSz="914400" rtl="0" eaLnBrk="1" latinLnBrk="0" hangingPunct="1">
+              <a:lnSpc>
+                <a:spcPct val="90000"/>
+              </a:lnSpc>
+              <a:spcBef>
+                <a:spcPts val="500"/>
+              </a:spcBef>
+              <a:buFont typeface="Arial" panose="020B0604020202020204" pitchFamily="34" charset="0"/>
+              <a:buChar char="•"/>
+              <a:defRPr sz="1800" kern="1200">
+                <a:solidFill>
+                  <a:schemeClr val="tx1"/>
+                </a:solidFill>
+                <a:latin typeface="+mn-lt"/>
+                <a:ea typeface="+mn-ea"/>
+                <a:cs typeface="+mn-cs"/>
+              </a:defRPr>
+            </a:lvl6pPr>
+            <a:lvl7pPr marL="2971800" indent="-228600" algn="l" defTabSz="914400" rtl="0" eaLnBrk="1" latinLnBrk="0" hangingPunct="1">
+              <a:lnSpc>
+                <a:spcPct val="90000"/>
+              </a:lnSpc>
+              <a:spcBef>
+                <a:spcPts val="500"/>
+              </a:spcBef>
+              <a:buFont typeface="Arial" panose="020B0604020202020204" pitchFamily="34" charset="0"/>
+              <a:buChar char="•"/>
+              <a:defRPr sz="1800" kern="1200">
+                <a:solidFill>
+                  <a:schemeClr val="tx1"/>
+                </a:solidFill>
+                <a:latin typeface="+mn-lt"/>
+                <a:ea typeface="+mn-ea"/>
+                <a:cs typeface="+mn-cs"/>
+              </a:defRPr>
+            </a:lvl7pPr>
+            <a:lvl8pPr marL="3429000" indent="-228600" algn="l" defTabSz="914400" rtl="0" eaLnBrk="1" latinLnBrk="0" hangingPunct="1">
+              <a:lnSpc>
+                <a:spcPct val="90000"/>
+              </a:lnSpc>
+              <a:spcBef>
+                <a:spcPts val="500"/>
+              </a:spcBef>
+              <a:buFont typeface="Arial" panose="020B0604020202020204" pitchFamily="34" charset="0"/>
+              <a:buChar char="•"/>
+              <a:defRPr sz="1800" kern="1200">
+                <a:solidFill>
+                  <a:schemeClr val="tx1"/>
+                </a:solidFill>
+                <a:latin typeface="+mn-lt"/>
+                <a:ea typeface="+mn-ea"/>
+                <a:cs typeface="+mn-cs"/>
+              </a:defRPr>
+            </a:lvl8pPr>
+            <a:lvl9pPr marL="3886200" indent="-228600" algn="l" defTabSz="914400" rtl="0" eaLnBrk="1" latinLnBrk="0" hangingPunct="1">
+              <a:lnSpc>
+                <a:spcPct val="90000"/>
+              </a:lnSpc>
+              <a:spcBef>
+                <a:spcPts val="500"/>
+              </a:spcBef>
+              <a:buFont typeface="Arial" panose="020B0604020202020204" pitchFamily="34" charset="0"/>
+              <a:buChar char="•"/>
+              <a:defRPr sz="1800" kern="1200">
+                <a:solidFill>
+                  <a:schemeClr val="tx1"/>
+                </a:solidFill>
+                <a:latin typeface="+mn-lt"/>
+                <a:ea typeface="+mn-ea"/>
+                <a:cs typeface="+mn-cs"/>
+              </a:defRPr>
+            </a:lvl9pPr>
+          </a:lstStyle>
+          <a:p>
+            <a:pPr algn="ctr"/>
+            <a:r>
+              <a:rPr lang="en-US" sz="1800" b="0" i="0" u="none" strike="noStrike" baseline="0" dirty="0">
+                <a:latin typeface="CMSS12"/>
               </a:rPr>
-              <a:t>"</a:t>
-            </a:r>
-            <a:r>
-              <a:rPr lang="de-CH" b="1" dirty="0" err="1">
+              <a:t>Swiss Data Anonymization Competence Center</a:t>
+            </a:r>
+            <a:endParaRPr lang="cs-CZ" sz="1800" b="0" i="0" u="none" strike="noStrike" baseline="0" dirty="0">
+              <a:latin typeface="CMSS12"/>
+            </a:endParaRPr>
+          </a:p>
+          <a:p>
+            <a:pPr algn="ctr"/>
+            <a:r>
+              <a:rPr lang="en-US" sz="1800" b="0" i="0" u="none" strike="noStrike" baseline="0" dirty="0">
                 <a:solidFill>
-                  <a:schemeClr val="accent1"/>
+                  <a:srgbClr val="0000FF"/>
                 </a:solidFill>
+                <a:latin typeface="CMSS12"/>
               </a:rPr>
-              <a:t>Increase</a:t>
-            </a:r>
-            <a:r>
-              <a:rPr lang="de-CH" b="1" dirty="0">
-                <a:solidFill>
-                  <a:schemeClr val="accent1"/>
-                </a:solidFill>
-              </a:rPr>
-              <a:t> </a:t>
-            </a:r>
-            <a:r>
-              <a:rPr lang="de-CH" b="1" dirty="0" err="1">
-                <a:solidFill>
-                  <a:schemeClr val="accent1"/>
-                </a:solidFill>
-              </a:rPr>
-              <a:t>list</a:t>
-            </a:r>
-            <a:r>
-              <a:rPr lang="de-CH" b="1" dirty="0">
-                <a:solidFill>
-                  <a:schemeClr val="accent1"/>
-                </a:solidFill>
-              </a:rPr>
-              <a:t> </a:t>
-            </a:r>
-            <a:r>
-              <a:rPr lang="de-CH" b="1" dirty="0" err="1">
-                <a:solidFill>
-                  <a:schemeClr val="accent1"/>
-                </a:solidFill>
-              </a:rPr>
-              <a:t>level</a:t>
-            </a:r>
-            <a:r>
-              <a:rPr lang="de-CH" b="1" dirty="0">
-                <a:solidFill>
-                  <a:schemeClr val="accent1"/>
-                </a:solidFill>
-              </a:rPr>
-              <a:t>" / "</a:t>
-            </a:r>
-            <a:r>
-              <a:rPr lang="de-CH" b="1" dirty="0" err="1">
-                <a:solidFill>
-                  <a:schemeClr val="accent1"/>
-                </a:solidFill>
-              </a:rPr>
-              <a:t>Decrease</a:t>
-            </a:r>
-            <a:r>
-              <a:rPr lang="de-CH" b="1" dirty="0">
-                <a:solidFill>
-                  <a:schemeClr val="accent1"/>
-                </a:solidFill>
-              </a:rPr>
-              <a:t> </a:t>
-            </a:r>
-            <a:r>
-              <a:rPr lang="de-CH" b="1" dirty="0" err="1">
-                <a:solidFill>
-                  <a:schemeClr val="accent1"/>
-                </a:solidFill>
-              </a:rPr>
-              <a:t>list</a:t>
-            </a:r>
-            <a:r>
-              <a:rPr lang="de-CH" b="1" dirty="0">
-                <a:solidFill>
-                  <a:schemeClr val="accent1"/>
-                </a:solidFill>
-              </a:rPr>
-              <a:t> </a:t>
-            </a:r>
-            <a:r>
-              <a:rPr lang="de-CH" b="1" dirty="0" err="1">
-                <a:solidFill>
-                  <a:schemeClr val="accent1"/>
-                </a:solidFill>
-              </a:rPr>
-              <a:t>level</a:t>
-            </a:r>
-            <a:r>
-              <a:rPr lang="de-CH" b="1" dirty="0">
-                <a:solidFill>
-                  <a:schemeClr val="accent1"/>
-                </a:solidFill>
-              </a:rPr>
-              <a:t>"</a:t>
-            </a:r>
-            <a:r>
-              <a:rPr lang="en-GB" b="1" noProof="0" dirty="0">
-                <a:solidFill>
-                  <a:schemeClr val="accent1"/>
-                </a:solidFill>
-              </a:rPr>
-              <a:t> </a:t>
-            </a:r>
-            <a:r>
-              <a:rPr lang="en-GB" noProof="0" dirty="0"/>
-              <a:t>buttons</a:t>
-            </a:r>
-            <a:r>
-              <a:rPr lang="en-GB" noProof="0" dirty="0">
-                <a:solidFill>
-                  <a:schemeClr val="accent3"/>
-                </a:solidFill>
-              </a:rPr>
-              <a:t> </a:t>
-            </a:r>
-            <a:r>
-              <a:rPr lang="en-GB" noProof="0" dirty="0"/>
-              <a:t>in the Menu ribbon.</a:t>
-            </a:r>
-          </a:p>
-          <a:p>
-            <a:endParaRPr lang="de-CH" noProof="0" dirty="0"/>
-          </a:p>
-          <a:p>
-            <a:endParaRPr lang="de-CH" noProof="0" dirty="0"/>
-          </a:p>
-          <a:p>
-            <a:endParaRPr lang="de-CH" dirty="0"/>
-          </a:p>
-          <a:p>
-            <a:endParaRPr lang="de-CH" noProof="0" dirty="0"/>
-          </a:p>
-          <a:p>
-            <a:endParaRPr lang="de-CH" noProof="0" dirty="0"/>
-          </a:p>
-          <a:p>
-            <a:endParaRPr lang="de-CH" dirty="0"/>
-          </a:p>
-          <a:p>
-            <a:endParaRPr lang="de-CH" dirty="0"/>
-          </a:p>
-          <a:p>
-            <a:r>
-              <a:rPr lang="en-GB" noProof="0" dirty="0"/>
-              <a:t>Level 1</a:t>
-            </a:r>
-          </a:p>
-          <a:p>
-            <a:pPr lvl="1"/>
-            <a:r>
-              <a:rPr lang="en-GB" noProof="0" dirty="0"/>
-              <a:t>Level 2</a:t>
-            </a:r>
-          </a:p>
-          <a:p>
-            <a:pPr lvl="2"/>
-            <a:r>
-              <a:rPr lang="en-GB" noProof="0" dirty="0"/>
-              <a:t>Level 3</a:t>
-            </a:r>
-          </a:p>
-          <a:p>
-            <a:endParaRPr lang="en-GB" noProof="0" dirty="0"/>
-          </a:p>
-        </p:txBody>
-      </p:sp>
-      <p:sp>
-        <p:nvSpPr>
-          <p:cNvPr id="2" name="Titel 1">
-            <a:extLst>
-              <a:ext uri="{FF2B5EF4-FFF2-40B4-BE49-F238E27FC236}">
-                <a16:creationId xmlns:a16="http://schemas.microsoft.com/office/drawing/2014/main" id="{BDC62361-F653-4144-9423-98C78FA595C8}"/>
-              </a:ext>
-            </a:extLst>
-          </p:cNvPr>
-          <p:cNvSpPr>
-            <a:spLocks noGrp="1"/>
-          </p:cNvSpPr>
-          <p:nvPr>
-            <p:ph type="title"/>
-          </p:nvPr>
-        </p:nvSpPr>
-        <p:spPr/>
-        <p:txBody>
-          <a:bodyPr/>
-          <a:lstStyle/>
-          <a:p>
-            <a:r>
-              <a:rPr lang="en-GB" noProof="0" dirty="0"/>
-              <a:t>Notes on text formatting</a:t>
-            </a:r>
-          </a:p>
-        </p:txBody>
-      </p:sp>
-      <p:sp>
-        <p:nvSpPr>
-          <p:cNvPr id="4" name="Datumsplatzhalter 3">
-            <a:extLst>
-              <a:ext uri="{FF2B5EF4-FFF2-40B4-BE49-F238E27FC236}">
-                <a16:creationId xmlns:a16="http://schemas.microsoft.com/office/drawing/2014/main" id="{58E9CA5B-C387-463C-AC81-58AF0AEF0B92}"/>
-              </a:ext>
-            </a:extLst>
-          </p:cNvPr>
-          <p:cNvSpPr>
-            <a:spLocks noGrp="1"/>
-          </p:cNvSpPr>
-          <p:nvPr>
-            <p:ph type="dt" sz="half" idx="10"/>
-          </p:nvPr>
-        </p:nvSpPr>
-        <p:spPr/>
-        <p:txBody>
-          <a:bodyPr/>
-          <a:lstStyle/>
-          <a:p>
-            <a:fld id="{799E0992-E2C0-491E-A8C2-0A04038DBC30}" type="datetime1">
-              <a:rPr lang="en-GB" smtClean="0"/>
-              <a:t>12/11/2024</a:t>
-            </a:fld>
-            <a:endParaRPr lang="en-GB" dirty="0"/>
-          </a:p>
-        </p:txBody>
-      </p:sp>
-      <p:sp>
-        <p:nvSpPr>
-          <p:cNvPr id="5" name="Fußzeilenplatzhalter 4">
-            <a:extLst>
-              <a:ext uri="{FF2B5EF4-FFF2-40B4-BE49-F238E27FC236}">
-                <a16:creationId xmlns:a16="http://schemas.microsoft.com/office/drawing/2014/main" id="{52A44A14-C242-4BEE-AB7B-A4DF74E158B3}"/>
-              </a:ext>
-            </a:extLst>
-          </p:cNvPr>
-          <p:cNvSpPr>
-            <a:spLocks noGrp="1"/>
-          </p:cNvSpPr>
-          <p:nvPr>
-            <p:ph type="ftr" sz="quarter" idx="11"/>
-          </p:nvPr>
-        </p:nvSpPr>
-        <p:spPr/>
-        <p:txBody>
-          <a:bodyPr/>
-          <a:lstStyle/>
-          <a:p>
-            <a:r>
-              <a:rPr lang="en-GB" dirty="0"/>
-              <a:t>Footer (Edit via "Insert &gt; Header and Footer")</a:t>
-            </a:r>
-          </a:p>
-        </p:txBody>
-      </p:sp>
-      <p:sp>
-        <p:nvSpPr>
-          <p:cNvPr id="6" name="Foliennummernplatzhalter 5">
-            <a:extLst>
-              <a:ext uri="{FF2B5EF4-FFF2-40B4-BE49-F238E27FC236}">
-                <a16:creationId xmlns:a16="http://schemas.microsoft.com/office/drawing/2014/main" id="{186C7291-FDC8-47D0-BD58-C55860767B15}"/>
-              </a:ext>
-            </a:extLst>
-          </p:cNvPr>
-          <p:cNvSpPr>
-            <a:spLocks noGrp="1"/>
-          </p:cNvSpPr>
-          <p:nvPr>
-            <p:ph type="sldNum" sz="quarter" idx="12"/>
-          </p:nvPr>
-        </p:nvSpPr>
-        <p:spPr/>
-        <p:txBody>
-          <a:bodyPr/>
-          <a:lstStyle/>
-          <a:p>
-            <a:fld id="{442AD375-037F-43D0-B059-5172DA06796A}" type="slidenum">
-              <a:rPr lang="en-GB" smtClean="0"/>
-              <a:pPr/>
-              <a:t>3</a:t>
-            </a:fld>
-            <a:endParaRPr lang="en-GB" dirty="0"/>
-          </a:p>
-        </p:txBody>
-      </p:sp>
-      <p:sp>
-        <p:nvSpPr>
-          <p:cNvPr id="17" name="Inhaltsplatzhalter 16">
-            <a:extLst>
-              <a:ext uri="{FF2B5EF4-FFF2-40B4-BE49-F238E27FC236}">
-                <a16:creationId xmlns:a16="http://schemas.microsoft.com/office/drawing/2014/main" id="{75438DD1-928B-A268-524C-5F547C24A4E7}"/>
-              </a:ext>
-            </a:extLst>
-          </p:cNvPr>
-          <p:cNvSpPr>
-            <a:spLocks noGrp="1"/>
-          </p:cNvSpPr>
-          <p:nvPr>
-            <p:ph sz="half" idx="13"/>
-          </p:nvPr>
-        </p:nvSpPr>
-        <p:spPr>
-          <a:xfrm>
-            <a:off x="6197600" y="866774"/>
-            <a:ext cx="5722937" cy="5357814"/>
-          </a:xfrm>
-        </p:spPr>
-        <p:txBody>
-          <a:bodyPr/>
-          <a:lstStyle/>
-          <a:p>
-            <a:r>
-              <a:rPr lang="de-CH" b="1" dirty="0" err="1"/>
-              <a:t>Formatting</a:t>
-            </a:r>
-            <a:r>
-              <a:rPr lang="de-CH" b="1" dirty="0"/>
-              <a:t> title </a:t>
-            </a:r>
-            <a:r>
-              <a:rPr lang="de-CH" b="1" dirty="0" err="1"/>
-              <a:t>slides</a:t>
-            </a:r>
-            <a:endParaRPr lang="de-CH" b="1" dirty="0"/>
-          </a:p>
-          <a:p>
-            <a:endParaRPr lang="de-CH" dirty="0"/>
-          </a:p>
-          <a:p>
-            <a:r>
-              <a:rPr lang="de-CH" dirty="0"/>
-              <a:t>The </a:t>
-            </a:r>
-            <a:r>
-              <a:rPr lang="de-CH" dirty="0" err="1"/>
-              <a:t>texts</a:t>
-            </a:r>
-            <a:r>
-              <a:rPr lang="de-CH" dirty="0"/>
-              <a:t> on </a:t>
-            </a:r>
-            <a:r>
-              <a:rPr lang="de-CH" dirty="0" err="1"/>
-              <a:t>the</a:t>
-            </a:r>
-            <a:r>
-              <a:rPr lang="de-CH" dirty="0"/>
-              <a:t> title </a:t>
-            </a:r>
-            <a:r>
-              <a:rPr lang="de-CH" dirty="0" err="1"/>
-              <a:t>slide</a:t>
-            </a:r>
-            <a:r>
-              <a:rPr lang="de-CH" dirty="0"/>
-              <a:t> </a:t>
-            </a:r>
-            <a:r>
-              <a:rPr lang="de-CH" dirty="0" err="1"/>
-              <a:t>are</a:t>
-            </a:r>
-            <a:r>
-              <a:rPr lang="de-CH" dirty="0"/>
-              <a:t> also </a:t>
-            </a:r>
-            <a:r>
-              <a:rPr lang="de-CH" dirty="0" err="1"/>
-              <a:t>formatted</a:t>
-            </a:r>
-            <a:r>
-              <a:rPr lang="de-CH" dirty="0"/>
-              <a:t> </a:t>
-            </a:r>
-            <a:r>
-              <a:rPr lang="de-CH" dirty="0" err="1"/>
-              <a:t>using</a:t>
-            </a:r>
-            <a:r>
-              <a:rPr lang="de-CH" dirty="0"/>
-              <a:t> </a:t>
-            </a:r>
-            <a:r>
-              <a:rPr lang="de-CH" dirty="0" err="1"/>
-              <a:t>the</a:t>
-            </a:r>
-            <a:r>
-              <a:rPr lang="de-CH" dirty="0"/>
-              <a:t> </a:t>
-            </a:r>
-            <a:r>
-              <a:rPr lang="de-CH" b="1" dirty="0">
-                <a:solidFill>
-                  <a:schemeClr val="accent1"/>
-                </a:solidFill>
-              </a:rPr>
-              <a:t>"</a:t>
-            </a:r>
-            <a:r>
-              <a:rPr lang="de-CH" b="1" dirty="0" err="1">
-                <a:solidFill>
-                  <a:schemeClr val="accent1"/>
-                </a:solidFill>
-              </a:rPr>
-              <a:t>Increase</a:t>
-            </a:r>
-            <a:r>
-              <a:rPr lang="de-CH" b="1" dirty="0">
-                <a:solidFill>
-                  <a:schemeClr val="accent1"/>
-                </a:solidFill>
-              </a:rPr>
-              <a:t> </a:t>
-            </a:r>
-            <a:r>
-              <a:rPr lang="de-CH" b="1" dirty="0" err="1">
-                <a:solidFill>
-                  <a:schemeClr val="accent1"/>
-                </a:solidFill>
-              </a:rPr>
-              <a:t>list</a:t>
-            </a:r>
-            <a:r>
-              <a:rPr lang="de-CH" b="1" dirty="0">
-                <a:solidFill>
-                  <a:schemeClr val="accent1"/>
-                </a:solidFill>
-              </a:rPr>
-              <a:t> </a:t>
-            </a:r>
-            <a:r>
-              <a:rPr lang="de-CH" b="1" dirty="0" err="1">
-                <a:solidFill>
-                  <a:schemeClr val="accent1"/>
-                </a:solidFill>
-              </a:rPr>
-              <a:t>level</a:t>
-            </a:r>
-            <a:r>
-              <a:rPr lang="de-CH" b="1" dirty="0">
-                <a:solidFill>
-                  <a:schemeClr val="accent1"/>
-                </a:solidFill>
-              </a:rPr>
-              <a:t>" / "</a:t>
-            </a:r>
-            <a:r>
-              <a:rPr lang="de-CH" b="1" dirty="0" err="1">
-                <a:solidFill>
-                  <a:schemeClr val="accent1"/>
-                </a:solidFill>
-              </a:rPr>
-              <a:t>Decrease</a:t>
-            </a:r>
-            <a:r>
-              <a:rPr lang="de-CH" b="1" dirty="0">
-                <a:solidFill>
-                  <a:schemeClr val="accent1"/>
-                </a:solidFill>
-              </a:rPr>
-              <a:t> </a:t>
-            </a:r>
-            <a:r>
-              <a:rPr lang="de-CH" b="1" dirty="0" err="1">
-                <a:solidFill>
-                  <a:schemeClr val="accent1"/>
-                </a:solidFill>
-              </a:rPr>
-              <a:t>list</a:t>
-            </a:r>
-            <a:r>
-              <a:rPr lang="de-CH" b="1" dirty="0">
-                <a:solidFill>
-                  <a:schemeClr val="accent1"/>
-                </a:solidFill>
-              </a:rPr>
-              <a:t> </a:t>
-            </a:r>
-            <a:r>
-              <a:rPr lang="de-CH" b="1" dirty="0" err="1">
-                <a:solidFill>
-                  <a:schemeClr val="accent1"/>
-                </a:solidFill>
-              </a:rPr>
-              <a:t>level</a:t>
-            </a:r>
-            <a:r>
-              <a:rPr lang="de-CH" b="1" dirty="0">
-                <a:solidFill>
-                  <a:schemeClr val="accent1"/>
-                </a:solidFill>
-              </a:rPr>
-              <a:t>" </a:t>
-            </a:r>
-            <a:r>
-              <a:rPr lang="de-CH" dirty="0" err="1"/>
-              <a:t>function</a:t>
-            </a:r>
-            <a:r>
-              <a:rPr lang="de-CH" dirty="0"/>
-              <a:t>.</a:t>
-            </a:r>
-          </a:p>
-          <a:p>
-            <a:endParaRPr lang="de-CH" dirty="0"/>
-          </a:p>
-          <a:p>
-            <a:endParaRPr lang="de-CH" dirty="0"/>
+              <a:t>https://swissanon.ch</a:t>
+            </a:r>
+            <a:endParaRPr lang="cs-CZ" sz="2000" dirty="0">
+              <a:solidFill>
+                <a:schemeClr val="accent1"/>
+              </a:solidFill>
+            </a:endParaRPr>
           </a:p>
         </p:txBody>
       </p:sp>
       <p:pic>
         <p:nvPicPr>
-          <p:cNvPr id="20" name="Grafik 19">
-            <a:extLst>
-              <a:ext uri="{FF2B5EF4-FFF2-40B4-BE49-F238E27FC236}">
-                <a16:creationId xmlns:a16="http://schemas.microsoft.com/office/drawing/2014/main" id="{074D5C45-FF1B-4927-1576-7AFA8AB5E152}"/>
+          <p:cNvPr id="9" name="Obrázek 8" descr="Obsah obrázku Písmo, Grafika, logo, symbol&#10;&#10;Popis byl vytvořen automaticky">
+            <a:extLst>
+              <a:ext uri="{FF2B5EF4-FFF2-40B4-BE49-F238E27FC236}">
+                <a16:creationId xmlns:a16="http://schemas.microsoft.com/office/drawing/2014/main" id="{73D35328-650F-F660-1B55-502832556B01}"/>
               </a:ext>
             </a:extLst>
           </p:cNvPr>
@@ -24709,2172 +26339,31 @@
           <p:nvPr/>
         </p:nvPicPr>
         <p:blipFill>
-          <a:blip r:embed="rId3"/>
+          <a:blip r:embed="rId4" cstate="print">
+            <a:extLst>
+              <a:ext uri="{28A0092B-C50C-407E-A947-70E740481C1C}">
+                <a14:useLocalDpi xmlns:a14="http://schemas.microsoft.com/office/drawing/2010/main" val="0"/>
+              </a:ext>
+            </a:extLst>
+          </a:blip>
           <a:stretch>
             <a:fillRect/>
           </a:stretch>
         </p:blipFill>
         <p:spPr>
           <a:xfrm>
-            <a:off x="6195463" y="2584115"/>
-            <a:ext cx="5695605" cy="3203778"/>
+            <a:off x="4020108" y="3757713"/>
+            <a:ext cx="4151784" cy="1676307"/>
           </a:xfrm>
           <a:prstGeom prst="rect">
             <a:avLst/>
           </a:prstGeom>
-          <a:ln>
-            <a:solidFill>
-              <a:schemeClr val="tx2"/>
-            </a:solidFill>
-          </a:ln>
         </p:spPr>
       </p:pic>
-      <p:grpSp>
-        <p:nvGrpSpPr>
-          <p:cNvPr id="9" name="Gruppo 45">
-            <a:extLst>
-              <a:ext uri="{FF2B5EF4-FFF2-40B4-BE49-F238E27FC236}">
-                <a16:creationId xmlns:a16="http://schemas.microsoft.com/office/drawing/2014/main" id="{59D8F8DA-1081-A87C-017F-6A106F540FE1}"/>
-              </a:ext>
-            </a:extLst>
-          </p:cNvPr>
-          <p:cNvGrpSpPr/>
-          <p:nvPr/>
-        </p:nvGrpSpPr>
-        <p:grpSpPr>
-          <a:xfrm>
-            <a:off x="271463" y="2580937"/>
-            <a:ext cx="4306935" cy="1177229"/>
-            <a:chOff x="3370828" y="4007344"/>
-            <a:chExt cx="2897561" cy="792000"/>
-          </a:xfrm>
-        </p:grpSpPr>
-        <p:pic>
-          <p:nvPicPr>
-            <p:cNvPr id="10" name="Picture 20" descr="Graphical user interface, application, Word&#10;&#10;Description automatically generated">
-              <a:extLst>
-                <a:ext uri="{FF2B5EF4-FFF2-40B4-BE49-F238E27FC236}">
-                  <a16:creationId xmlns:a16="http://schemas.microsoft.com/office/drawing/2014/main" id="{B5D44D7A-70EE-87D0-6A6F-04C2FD69F308}"/>
-                </a:ext>
-              </a:extLst>
-            </p:cNvPr>
-            <p:cNvPicPr>
-              <a:picLocks noChangeAspect="1"/>
-            </p:cNvPicPr>
-            <p:nvPr/>
-          </p:nvPicPr>
-          <p:blipFill>
-            <a:blip r:embed="rId4">
-              <a:extLst>
-                <a:ext uri="{28A0092B-C50C-407E-A947-70E740481C1C}">
-                  <a14:useLocalDpi xmlns:a14="http://schemas.microsoft.com/office/drawing/2010/main" val="0"/>
-                </a:ext>
-              </a:extLst>
-            </a:blip>
-            <a:stretch>
-              <a:fillRect/>
-            </a:stretch>
-          </p:blipFill>
-          <p:spPr>
-            <a:xfrm>
-              <a:off x="3370828" y="4007344"/>
-              <a:ext cx="2897561" cy="792000"/>
-            </a:xfrm>
-            <a:prstGeom prst="rect">
-              <a:avLst/>
-            </a:prstGeom>
-            <a:ln>
-              <a:solidFill>
-                <a:schemeClr val="bg1">
-                  <a:lumMod val="75000"/>
-                </a:schemeClr>
-              </a:solidFill>
-            </a:ln>
-          </p:spPr>
-        </p:pic>
-        <p:grpSp>
-          <p:nvGrpSpPr>
-            <p:cNvPr id="11" name="Gruppo 29">
-              <a:extLst>
-                <a:ext uri="{FF2B5EF4-FFF2-40B4-BE49-F238E27FC236}">
-                  <a16:creationId xmlns:a16="http://schemas.microsoft.com/office/drawing/2014/main" id="{89767854-300B-49F1-DE72-573A8BDBF637}"/>
-                </a:ext>
-              </a:extLst>
-            </p:cNvPr>
-            <p:cNvGrpSpPr/>
-            <p:nvPr/>
-          </p:nvGrpSpPr>
-          <p:grpSpPr>
-            <a:xfrm>
-              <a:off x="3480353" y="4063737"/>
-              <a:ext cx="1175487" cy="245732"/>
-              <a:chOff x="3480353" y="4063737"/>
-              <a:chExt cx="1175487" cy="245732"/>
-            </a:xfrm>
-          </p:grpSpPr>
-          <p:sp>
-            <p:nvSpPr>
-              <p:cNvPr id="12" name="Rechteck 12">
-                <a:extLst>
-                  <a:ext uri="{FF2B5EF4-FFF2-40B4-BE49-F238E27FC236}">
-                    <a16:creationId xmlns:a16="http://schemas.microsoft.com/office/drawing/2014/main" id="{9A3C881D-9530-B44C-D1F4-B0583CA41C30}"/>
-                  </a:ext>
-                </a:extLst>
-              </p:cNvPr>
-              <p:cNvSpPr/>
-              <p:nvPr/>
-            </p:nvSpPr>
-            <p:spPr>
-              <a:xfrm>
-                <a:off x="4123746" y="4063737"/>
-                <a:ext cx="532094" cy="245732"/>
-              </a:xfrm>
-              <a:prstGeom prst="rect">
-                <a:avLst/>
-              </a:prstGeom>
-              <a:noFill/>
-              <a:ln w="19050">
-                <a:solidFill>
-                  <a:schemeClr val="accent1"/>
-                </a:solidFill>
-              </a:ln>
-              <a:effectLst/>
-            </p:spPr>
-            <p:style>
-              <a:lnRef idx="1">
-                <a:schemeClr val="accent1"/>
-              </a:lnRef>
-              <a:fillRef idx="3">
-                <a:schemeClr val="accent1"/>
-              </a:fillRef>
-              <a:effectRef idx="2">
-                <a:schemeClr val="accent1"/>
-              </a:effectRef>
-              <a:fontRef idx="minor">
-                <a:schemeClr val="lt1"/>
-              </a:fontRef>
-            </p:style>
-            <p:txBody>
-              <a:bodyPr rtlCol="0" anchor="ctr"/>
-              <a:lstStyle/>
-              <a:p>
-                <a:pPr algn="ctr"/>
-                <a:endParaRPr lang="de-CH"/>
-              </a:p>
-            </p:txBody>
-          </p:sp>
-          <p:grpSp>
-            <p:nvGrpSpPr>
-              <p:cNvPr id="13" name="Gruppieren 8">
-                <a:extLst>
-                  <a:ext uri="{FF2B5EF4-FFF2-40B4-BE49-F238E27FC236}">
-                    <a16:creationId xmlns:a16="http://schemas.microsoft.com/office/drawing/2014/main" id="{47AF6074-0797-D27D-1DED-B9F615DDE860}"/>
-                  </a:ext>
-                </a:extLst>
-              </p:cNvPr>
-              <p:cNvGrpSpPr/>
-              <p:nvPr/>
-            </p:nvGrpSpPr>
-            <p:grpSpPr>
-              <a:xfrm>
-                <a:off x="3480353" y="4085471"/>
-                <a:ext cx="216024" cy="216024"/>
-                <a:chOff x="6096000" y="1892966"/>
-                <a:chExt cx="216024" cy="216024"/>
-              </a:xfrm>
-            </p:grpSpPr>
-            <p:cxnSp>
-              <p:nvCxnSpPr>
-                <p:cNvPr id="14" name="Gerader Verbinder 9">
-                  <a:extLst>
-                    <a:ext uri="{FF2B5EF4-FFF2-40B4-BE49-F238E27FC236}">
-                      <a16:creationId xmlns:a16="http://schemas.microsoft.com/office/drawing/2014/main" id="{FBEA7A6D-FD39-46DA-7D57-745984767AAF}"/>
-                    </a:ext>
-                  </a:extLst>
-                </p:cNvPr>
-                <p:cNvCxnSpPr/>
-                <p:nvPr/>
-              </p:nvCxnSpPr>
-              <p:spPr>
-                <a:xfrm flipH="1">
-                  <a:off x="6096000" y="1892966"/>
-                  <a:ext cx="216024" cy="216024"/>
-                </a:xfrm>
-                <a:prstGeom prst="line">
-                  <a:avLst/>
-                </a:prstGeom>
-                <a:ln w="28575">
-                  <a:solidFill>
-                    <a:schemeClr val="accent6"/>
-                  </a:solidFill>
-                </a:ln>
-              </p:spPr>
-              <p:style>
-                <a:lnRef idx="1">
-                  <a:schemeClr val="accent1"/>
-                </a:lnRef>
-                <a:fillRef idx="0">
-                  <a:schemeClr val="accent1"/>
-                </a:fillRef>
-                <a:effectRef idx="0">
-                  <a:schemeClr val="accent1"/>
-                </a:effectRef>
-                <a:fontRef idx="minor">
-                  <a:schemeClr val="tx1"/>
-                </a:fontRef>
-              </p:style>
-            </p:cxnSp>
-            <p:cxnSp>
-              <p:nvCxnSpPr>
-                <p:cNvPr id="15" name="Gerader Verbinder 10">
-                  <a:extLst>
-                    <a:ext uri="{FF2B5EF4-FFF2-40B4-BE49-F238E27FC236}">
-                      <a16:creationId xmlns:a16="http://schemas.microsoft.com/office/drawing/2014/main" id="{C6462066-9F80-E2AF-586E-9DB629DB6E01}"/>
-                    </a:ext>
-                  </a:extLst>
-                </p:cNvPr>
-                <p:cNvCxnSpPr>
-                  <a:cxnSpLocks/>
-                </p:cNvCxnSpPr>
-                <p:nvPr/>
-              </p:nvCxnSpPr>
-              <p:spPr>
-                <a:xfrm>
-                  <a:off x="6096000" y="1892966"/>
-                  <a:ext cx="216024" cy="216024"/>
-                </a:xfrm>
-                <a:prstGeom prst="line">
-                  <a:avLst/>
-                </a:prstGeom>
-                <a:ln w="28575">
-                  <a:solidFill>
-                    <a:schemeClr val="accent6"/>
-                  </a:solidFill>
-                </a:ln>
-              </p:spPr>
-              <p:style>
-                <a:lnRef idx="1">
-                  <a:schemeClr val="accent1"/>
-                </a:lnRef>
-                <a:fillRef idx="0">
-                  <a:schemeClr val="accent1"/>
-                </a:fillRef>
-                <a:effectRef idx="0">
-                  <a:schemeClr val="accent1"/>
-                </a:effectRef>
-                <a:fontRef idx="minor">
-                  <a:schemeClr val="tx1"/>
-                </a:fontRef>
-              </p:style>
-            </p:cxnSp>
-          </p:grpSp>
-        </p:grpSp>
-      </p:grpSp>
-      <p:sp>
-        <p:nvSpPr>
-          <p:cNvPr id="23" name="Rechteck 22">
-            <a:extLst>
-              <a:ext uri="{FF2B5EF4-FFF2-40B4-BE49-F238E27FC236}">
-                <a16:creationId xmlns:a16="http://schemas.microsoft.com/office/drawing/2014/main" id="{2A26F190-810F-42DD-35F5-96E909252540}"/>
-              </a:ext>
-            </a:extLst>
-          </p:cNvPr>
-          <p:cNvSpPr/>
-          <p:nvPr/>
-        </p:nvSpPr>
-        <p:spPr>
-          <a:xfrm>
-            <a:off x="269875" y="4077072"/>
-            <a:ext cx="2332149" cy="1177229"/>
-          </a:xfrm>
-          <a:prstGeom prst="rect">
-            <a:avLst/>
-          </a:prstGeom>
-          <a:solidFill>
-            <a:schemeClr val="accent1">
-              <a:lumMod val="20000"/>
-              <a:lumOff val="80000"/>
-              <a:alpha val="30196"/>
-            </a:schemeClr>
-          </a:solidFill>
-          <a:ln>
-            <a:noFill/>
-          </a:ln>
-        </p:spPr>
-        <p:style>
-          <a:lnRef idx="2">
-            <a:schemeClr val="accent1">
-              <a:shade val="50000"/>
-            </a:schemeClr>
-          </a:lnRef>
-          <a:fillRef idx="1">
-            <a:schemeClr val="accent1"/>
-          </a:fillRef>
-          <a:effectRef idx="0">
-            <a:schemeClr val="accent1"/>
-          </a:effectRef>
-          <a:fontRef idx="minor">
-            <a:schemeClr val="lt1"/>
-          </a:fontRef>
-        </p:style>
-        <p:txBody>
-          <a:bodyPr rtlCol="0" anchor="ctr"/>
-          <a:lstStyle/>
-          <a:p>
-            <a:pPr algn="ctr"/>
-            <a:endParaRPr lang="de-CH"/>
-          </a:p>
-        </p:txBody>
-      </p:sp>
-      <p:sp>
-        <p:nvSpPr>
-          <p:cNvPr id="24" name="Rechteck 23">
-            <a:extLst>
-              <a:ext uri="{FF2B5EF4-FFF2-40B4-BE49-F238E27FC236}">
-                <a16:creationId xmlns:a16="http://schemas.microsoft.com/office/drawing/2014/main" id="{E03AB674-6B11-62D3-8E04-9AE9BF896B1A}"/>
-              </a:ext>
-            </a:extLst>
-          </p:cNvPr>
-          <p:cNvSpPr/>
-          <p:nvPr/>
-        </p:nvSpPr>
-        <p:spPr>
-          <a:xfrm>
-            <a:off x="5879976" y="3691931"/>
-            <a:ext cx="2592288" cy="1177229"/>
-          </a:xfrm>
-          <a:prstGeom prst="rect">
-            <a:avLst/>
-          </a:prstGeom>
-          <a:solidFill>
-            <a:schemeClr val="accent1">
-              <a:lumMod val="20000"/>
-              <a:lumOff val="80000"/>
-              <a:alpha val="30196"/>
-            </a:schemeClr>
-          </a:solidFill>
-          <a:ln>
-            <a:noFill/>
-          </a:ln>
-        </p:spPr>
-        <p:style>
-          <a:lnRef idx="2">
-            <a:schemeClr val="accent1">
-              <a:shade val="50000"/>
-            </a:schemeClr>
-          </a:lnRef>
-          <a:fillRef idx="1">
-            <a:schemeClr val="accent1"/>
-          </a:fillRef>
-          <a:effectRef idx="0">
-            <a:schemeClr val="accent1"/>
-          </a:effectRef>
-          <a:fontRef idx="minor">
-            <a:schemeClr val="lt1"/>
-          </a:fontRef>
-        </p:style>
-        <p:txBody>
-          <a:bodyPr rtlCol="0" anchor="ctr"/>
-          <a:lstStyle/>
-          <a:p>
-            <a:pPr algn="ctr"/>
-            <a:endParaRPr lang="de-CH"/>
-          </a:p>
-        </p:txBody>
-      </p:sp>
     </p:spTree>
     <p:extLst>
       <p:ext uri="{BB962C8B-B14F-4D97-AF65-F5344CB8AC3E}">
-        <p14:creationId xmlns:p14="http://schemas.microsoft.com/office/powerpoint/2010/main" val="877286049"/>
-      </p:ext>
-    </p:extLst>
-  </p:cSld>
-  <p:clrMapOvr>
-    <a:masterClrMapping/>
-  </p:clrMapOvr>
-</p:sld>
-</file>
-
-<file path=ppt/slides/slide4.xml><?xml version="1.0" encoding="utf-8"?>
-<p:sld xmlns:a="http://schemas.openxmlformats.org/drawingml/2006/main" xmlns:r="http://schemas.openxmlformats.org/officeDocument/2006/relationships" xmlns:p="http://schemas.openxmlformats.org/presentationml/2006/main">
-  <p:cSld>
-    <p:spTree>
-      <p:nvGrpSpPr>
-        <p:cNvPr id="1" name=""/>
-        <p:cNvGrpSpPr/>
-        <p:nvPr/>
-      </p:nvGrpSpPr>
-      <p:grpSpPr>
-        <a:xfrm>
-          <a:off x="0" y="0"/>
-          <a:ext cx="0" cy="0"/>
-          <a:chOff x="0" y="0"/>
-          <a:chExt cx="0" cy="0"/>
-        </a:xfrm>
-      </p:grpSpPr>
-      <p:sp>
-        <p:nvSpPr>
-          <p:cNvPr id="2" name="Titel 1">
-            <a:extLst>
-              <a:ext uri="{FF2B5EF4-FFF2-40B4-BE49-F238E27FC236}">
-                <a16:creationId xmlns:a16="http://schemas.microsoft.com/office/drawing/2014/main" id="{B2B64101-747A-FDF3-6216-556138BEE44E}"/>
-              </a:ext>
-            </a:extLst>
-          </p:cNvPr>
-          <p:cNvSpPr>
-            <a:spLocks noGrp="1"/>
-          </p:cNvSpPr>
-          <p:nvPr>
-            <p:ph type="title"/>
-          </p:nvPr>
-        </p:nvSpPr>
-        <p:spPr/>
-        <p:txBody>
-          <a:bodyPr/>
-          <a:lstStyle/>
-          <a:p>
-            <a:r>
-              <a:rPr lang="en-GB" dirty="0"/>
-              <a:t>Content</a:t>
-            </a:r>
-            <a:br>
-              <a:rPr lang="en-GB" dirty="0"/>
-            </a:br>
-            <a:r>
-              <a:rPr lang="en-GB" dirty="0"/>
-              <a:t>Title 24 Pt</a:t>
-            </a:r>
-          </a:p>
-        </p:txBody>
-      </p:sp>
-      <p:sp>
-        <p:nvSpPr>
-          <p:cNvPr id="3" name="Inhaltsplatzhalter 2">
-            <a:extLst>
-              <a:ext uri="{FF2B5EF4-FFF2-40B4-BE49-F238E27FC236}">
-                <a16:creationId xmlns:a16="http://schemas.microsoft.com/office/drawing/2014/main" id="{458B8A1A-625F-F704-C74E-FA936EF6B511}"/>
-              </a:ext>
-            </a:extLst>
-          </p:cNvPr>
-          <p:cNvSpPr>
-            <a:spLocks noGrp="1"/>
-          </p:cNvSpPr>
-          <p:nvPr>
-            <p:ph idx="1"/>
-          </p:nvPr>
-        </p:nvSpPr>
-        <p:spPr>
-          <a:xfrm>
-            <a:off x="271461" y="1371600"/>
-            <a:ext cx="11650663" cy="4731221"/>
-          </a:xfrm>
-        </p:spPr>
-        <p:txBody>
-          <a:bodyPr/>
-          <a:lstStyle/>
-          <a:p>
-            <a:r>
-              <a:rPr lang="en-GB" b="1" dirty="0"/>
-              <a:t>Subtitle, 16 Pt, bold</a:t>
-            </a:r>
-          </a:p>
-          <a:p>
-            <a:r>
-              <a:rPr lang="en-GB" dirty="0"/>
-              <a:t>Text, 16 Pt, Lorem ipsum </a:t>
-            </a:r>
-            <a:r>
-              <a:rPr lang="en-GB" dirty="0" err="1"/>
-              <a:t>dolor</a:t>
-            </a:r>
-            <a:r>
-              <a:rPr lang="en-GB" dirty="0"/>
-              <a:t> sit </a:t>
-            </a:r>
-          </a:p>
-          <a:p>
-            <a:r>
-              <a:rPr lang="en-GB" dirty="0" err="1"/>
-              <a:t>amet</a:t>
-            </a:r>
-            <a:r>
-              <a:rPr lang="en-GB" dirty="0"/>
-              <a:t>, </a:t>
-            </a:r>
-            <a:r>
-              <a:rPr lang="en-GB" dirty="0" err="1"/>
-              <a:t>consectetuer</a:t>
-            </a:r>
-            <a:r>
-              <a:rPr lang="en-GB" dirty="0"/>
-              <a:t> </a:t>
-            </a:r>
-            <a:r>
-              <a:rPr lang="en-GB" dirty="0" err="1"/>
-              <a:t>adipiscing</a:t>
-            </a:r>
-            <a:r>
-              <a:rPr lang="en-GB" dirty="0"/>
-              <a:t> </a:t>
-            </a:r>
-            <a:r>
-              <a:rPr lang="en-GB" dirty="0" err="1"/>
-              <a:t>elit</a:t>
-            </a:r>
-            <a:r>
-              <a:rPr lang="en-GB" dirty="0"/>
-              <a:t>. </a:t>
-            </a:r>
-          </a:p>
-          <a:p>
-            <a:endParaRPr lang="en-GB" dirty="0"/>
-          </a:p>
-          <a:p>
-            <a:r>
-              <a:rPr lang="en-GB" b="1" dirty="0"/>
-              <a:t>Subtitle, 16 Pt,  bold</a:t>
-            </a:r>
-          </a:p>
-          <a:p>
-            <a:r>
-              <a:rPr lang="en-GB" dirty="0"/>
-              <a:t>Text, 16 Pt, Lorem ipsum </a:t>
-            </a:r>
-            <a:r>
-              <a:rPr lang="en-GB" dirty="0" err="1"/>
-              <a:t>dolor</a:t>
-            </a:r>
-            <a:r>
-              <a:rPr lang="en-GB" dirty="0"/>
-              <a:t> sit </a:t>
-            </a:r>
-          </a:p>
-          <a:p>
-            <a:r>
-              <a:rPr lang="en-GB" dirty="0" err="1"/>
-              <a:t>amet</a:t>
-            </a:r>
-            <a:r>
-              <a:rPr lang="en-GB" dirty="0"/>
-              <a:t>, </a:t>
-            </a:r>
-            <a:r>
-              <a:rPr lang="en-GB" dirty="0" err="1"/>
-              <a:t>consectetuer</a:t>
-            </a:r>
-            <a:r>
-              <a:rPr lang="en-GB" dirty="0"/>
-              <a:t> </a:t>
-            </a:r>
-            <a:r>
-              <a:rPr lang="en-GB" dirty="0" err="1"/>
-              <a:t>adipiscing</a:t>
-            </a:r>
-            <a:r>
-              <a:rPr lang="en-GB" dirty="0"/>
-              <a:t> </a:t>
-            </a:r>
-            <a:r>
-              <a:rPr lang="en-GB" dirty="0" err="1"/>
-              <a:t>elit</a:t>
-            </a:r>
-            <a:r>
-              <a:rPr lang="en-GB" dirty="0"/>
-              <a:t>. </a:t>
-            </a:r>
-          </a:p>
-          <a:p>
-            <a:endParaRPr lang="en-GB" dirty="0"/>
-          </a:p>
-          <a:p>
-            <a:r>
-              <a:rPr lang="en-GB" b="1" dirty="0"/>
-              <a:t>Subtitle, 16 Pt,  bold</a:t>
-            </a:r>
-          </a:p>
-          <a:p>
-            <a:r>
-              <a:rPr lang="en-GB" dirty="0"/>
-              <a:t>Text, 16 Pt, Lorem ipsum </a:t>
-            </a:r>
-            <a:r>
-              <a:rPr lang="en-GB" dirty="0" err="1"/>
-              <a:t>dolor</a:t>
-            </a:r>
-            <a:r>
-              <a:rPr lang="en-GB" dirty="0"/>
-              <a:t> sit </a:t>
-            </a:r>
-          </a:p>
-          <a:p>
-            <a:r>
-              <a:rPr lang="en-GB" dirty="0" err="1"/>
-              <a:t>amet</a:t>
-            </a:r>
-            <a:r>
-              <a:rPr lang="en-GB" dirty="0"/>
-              <a:t>, </a:t>
-            </a:r>
-            <a:r>
-              <a:rPr lang="en-GB" dirty="0" err="1"/>
-              <a:t>consectetuer</a:t>
-            </a:r>
-            <a:r>
-              <a:rPr lang="en-GB" dirty="0"/>
-              <a:t> </a:t>
-            </a:r>
-            <a:r>
-              <a:rPr lang="en-GB" dirty="0" err="1"/>
-              <a:t>adipiscing</a:t>
-            </a:r>
-            <a:r>
-              <a:rPr lang="en-GB" dirty="0"/>
-              <a:t> </a:t>
-            </a:r>
-            <a:r>
-              <a:rPr lang="en-GB" dirty="0" err="1"/>
-              <a:t>elit</a:t>
-            </a:r>
-            <a:r>
-              <a:rPr lang="en-GB" dirty="0"/>
-              <a:t>. </a:t>
-            </a:r>
-          </a:p>
-          <a:p>
-            <a:endParaRPr lang="en-GB" dirty="0"/>
-          </a:p>
-          <a:p>
-            <a:r>
-              <a:rPr lang="en-GB" b="1" dirty="0"/>
-              <a:t>Subtitle, 16 Pt,  bold</a:t>
-            </a:r>
-          </a:p>
-          <a:p>
-            <a:r>
-              <a:rPr lang="en-GB" dirty="0"/>
-              <a:t>Text, 16 Pt, Lorem ipsum </a:t>
-            </a:r>
-            <a:r>
-              <a:rPr lang="en-GB" dirty="0" err="1"/>
-              <a:t>dolor</a:t>
-            </a:r>
-            <a:r>
-              <a:rPr lang="en-GB" dirty="0"/>
-              <a:t> sit </a:t>
-            </a:r>
-          </a:p>
-          <a:p>
-            <a:r>
-              <a:rPr lang="en-GB" dirty="0" err="1"/>
-              <a:t>amet</a:t>
-            </a:r>
-            <a:r>
-              <a:rPr lang="en-GB" dirty="0"/>
-              <a:t>, </a:t>
-            </a:r>
-            <a:r>
-              <a:rPr lang="en-GB" dirty="0" err="1"/>
-              <a:t>consectetuer</a:t>
-            </a:r>
-            <a:r>
-              <a:rPr lang="en-GB" dirty="0"/>
-              <a:t> </a:t>
-            </a:r>
-            <a:r>
-              <a:rPr lang="en-GB" dirty="0" err="1"/>
-              <a:t>adipiscing</a:t>
-            </a:r>
-            <a:r>
-              <a:rPr lang="en-GB" dirty="0"/>
-              <a:t> </a:t>
-            </a:r>
-            <a:r>
-              <a:rPr lang="en-GB" dirty="0" err="1"/>
-              <a:t>elit</a:t>
-            </a:r>
-            <a:r>
-              <a:rPr lang="en-GB" dirty="0"/>
-              <a:t>. </a:t>
-            </a:r>
-          </a:p>
-        </p:txBody>
-      </p:sp>
-      <p:sp>
-        <p:nvSpPr>
-          <p:cNvPr id="4" name="Datumsplatzhalter 3">
-            <a:extLst>
-              <a:ext uri="{FF2B5EF4-FFF2-40B4-BE49-F238E27FC236}">
-                <a16:creationId xmlns:a16="http://schemas.microsoft.com/office/drawing/2014/main" id="{83BDE1E0-A9F7-D069-E306-9A6922DB11D5}"/>
-              </a:ext>
-            </a:extLst>
-          </p:cNvPr>
-          <p:cNvSpPr>
-            <a:spLocks noGrp="1"/>
-          </p:cNvSpPr>
-          <p:nvPr>
-            <p:ph type="dt" sz="half" idx="10"/>
-          </p:nvPr>
-        </p:nvSpPr>
-        <p:spPr/>
-        <p:txBody>
-          <a:bodyPr/>
-          <a:lstStyle/>
-          <a:p>
-            <a:fld id="{016DC480-48EE-4C4C-9610-5A765BBD4404}" type="datetime1">
-              <a:rPr lang="en-GB" smtClean="0"/>
-              <a:t>12/11/2024</a:t>
-            </a:fld>
-            <a:endParaRPr lang="en-GB" dirty="0"/>
-          </a:p>
-        </p:txBody>
-      </p:sp>
-      <p:sp>
-        <p:nvSpPr>
-          <p:cNvPr id="5" name="Fußzeilenplatzhalter 4">
-            <a:extLst>
-              <a:ext uri="{FF2B5EF4-FFF2-40B4-BE49-F238E27FC236}">
-                <a16:creationId xmlns:a16="http://schemas.microsoft.com/office/drawing/2014/main" id="{9AD68213-3F0E-AB01-62E0-3DA580E38971}"/>
-              </a:ext>
-            </a:extLst>
-          </p:cNvPr>
-          <p:cNvSpPr>
-            <a:spLocks noGrp="1"/>
-          </p:cNvSpPr>
-          <p:nvPr>
-            <p:ph type="ftr" sz="quarter" idx="11"/>
-          </p:nvPr>
-        </p:nvSpPr>
-        <p:spPr/>
-        <p:txBody>
-          <a:bodyPr/>
-          <a:lstStyle/>
-          <a:p>
-            <a:r>
-              <a:rPr lang="en-GB" dirty="0"/>
-              <a:t>Footer (Edit via "Insert &gt; Header and Footer")</a:t>
-            </a:r>
-          </a:p>
-        </p:txBody>
-      </p:sp>
-      <p:sp>
-        <p:nvSpPr>
-          <p:cNvPr id="6" name="Foliennummernplatzhalter 5">
-            <a:extLst>
-              <a:ext uri="{FF2B5EF4-FFF2-40B4-BE49-F238E27FC236}">
-                <a16:creationId xmlns:a16="http://schemas.microsoft.com/office/drawing/2014/main" id="{62C99E1E-111F-88ED-C5C0-6A47829CE1F3}"/>
-              </a:ext>
-            </a:extLst>
-          </p:cNvPr>
-          <p:cNvSpPr>
-            <a:spLocks noGrp="1"/>
-          </p:cNvSpPr>
-          <p:nvPr>
-            <p:ph type="sldNum" sz="quarter" idx="12"/>
-          </p:nvPr>
-        </p:nvSpPr>
-        <p:spPr/>
-        <p:txBody>
-          <a:bodyPr/>
-          <a:lstStyle/>
-          <a:p>
-            <a:fld id="{442AD375-037F-43D0-B059-5172DA06796A}" type="slidenum">
-              <a:rPr lang="en-GB" smtClean="0"/>
-              <a:pPr/>
-              <a:t>4</a:t>
-            </a:fld>
-            <a:endParaRPr lang="en-GB" dirty="0"/>
-          </a:p>
-        </p:txBody>
-      </p:sp>
-      <p:sp>
-        <p:nvSpPr>
-          <p:cNvPr id="7" name="Textplatzhalter 6">
-            <a:extLst>
-              <a:ext uri="{FF2B5EF4-FFF2-40B4-BE49-F238E27FC236}">
-                <a16:creationId xmlns:a16="http://schemas.microsoft.com/office/drawing/2014/main" id="{39957151-9424-42E4-C75F-25A556A0EB51}"/>
-              </a:ext>
-            </a:extLst>
-          </p:cNvPr>
-          <p:cNvSpPr>
-            <a:spLocks noGrp="1"/>
-          </p:cNvSpPr>
-          <p:nvPr>
-            <p:ph type="body" sz="quarter" idx="13"/>
-          </p:nvPr>
-        </p:nvSpPr>
-        <p:spPr/>
-        <p:txBody>
-          <a:bodyPr/>
-          <a:lstStyle/>
-          <a:p>
-            <a:r>
-              <a:rPr lang="en-GB" dirty="0"/>
-              <a:t>Source: </a:t>
-            </a:r>
-          </a:p>
-        </p:txBody>
-      </p:sp>
-    </p:spTree>
-    <p:extLst>
-      <p:ext uri="{BB962C8B-B14F-4D97-AF65-F5344CB8AC3E}">
-        <p14:creationId xmlns:p14="http://schemas.microsoft.com/office/powerpoint/2010/main" val="3090098816"/>
-      </p:ext>
-    </p:extLst>
-  </p:cSld>
-  <p:clrMapOvr>
-    <a:masterClrMapping/>
-  </p:clrMapOvr>
-</p:sld>
-</file>
-
-<file path=ppt/slides/slide5.xml><?xml version="1.0" encoding="utf-8"?>
-<p:sld xmlns:a="http://schemas.openxmlformats.org/drawingml/2006/main" xmlns:r="http://schemas.openxmlformats.org/officeDocument/2006/relationships" xmlns:p="http://schemas.openxmlformats.org/presentationml/2006/main">
-  <p:cSld>
-    <p:spTree>
-      <p:nvGrpSpPr>
-        <p:cNvPr id="1" name=""/>
-        <p:cNvGrpSpPr/>
-        <p:nvPr/>
-      </p:nvGrpSpPr>
-      <p:grpSpPr>
-        <a:xfrm>
-          <a:off x="0" y="0"/>
-          <a:ext cx="0" cy="0"/>
-          <a:chOff x="0" y="0"/>
-          <a:chExt cx="0" cy="0"/>
-        </a:xfrm>
-      </p:grpSpPr>
-      <p:sp>
-        <p:nvSpPr>
-          <p:cNvPr id="8" name="Inhaltsplatzhalter 7">
-            <a:extLst>
-              <a:ext uri="{FF2B5EF4-FFF2-40B4-BE49-F238E27FC236}">
-                <a16:creationId xmlns:a16="http://schemas.microsoft.com/office/drawing/2014/main" id="{D69A17C2-E607-F0D1-CAF3-99D27F35F5D1}"/>
-              </a:ext>
-            </a:extLst>
-          </p:cNvPr>
-          <p:cNvSpPr>
-            <a:spLocks noGrp="1"/>
-          </p:cNvSpPr>
-          <p:nvPr>
-            <p:ph idx="1"/>
-          </p:nvPr>
-        </p:nvSpPr>
-        <p:spPr/>
-        <p:txBody>
-          <a:bodyPr/>
-          <a:lstStyle/>
-          <a:p>
-            <a:endParaRPr lang="de-DE"/>
-          </a:p>
-        </p:txBody>
-      </p:sp>
-      <p:sp>
-        <p:nvSpPr>
-          <p:cNvPr id="4" name="Datumsplatzhalter 3">
-            <a:extLst>
-              <a:ext uri="{FF2B5EF4-FFF2-40B4-BE49-F238E27FC236}">
-                <a16:creationId xmlns:a16="http://schemas.microsoft.com/office/drawing/2014/main" id="{C79EAEE5-77F8-9D4A-89C7-7BB873414B29}"/>
-              </a:ext>
-            </a:extLst>
-          </p:cNvPr>
-          <p:cNvSpPr>
-            <a:spLocks noGrp="1"/>
-          </p:cNvSpPr>
-          <p:nvPr>
-            <p:ph type="dt" sz="half" idx="10"/>
-          </p:nvPr>
-        </p:nvSpPr>
-        <p:spPr/>
-        <p:txBody>
-          <a:bodyPr/>
-          <a:lstStyle/>
-          <a:p>
-            <a:fld id="{1169CF04-5ADD-46B4-A33A-958F168A45EF}" type="datetime1">
-              <a:rPr lang="en-GB" noProof="0" smtClean="0"/>
-              <a:t>12/11/2024</a:t>
-            </a:fld>
-            <a:endParaRPr lang="en-GB" noProof="0" dirty="0"/>
-          </a:p>
-        </p:txBody>
-      </p:sp>
-      <p:sp>
-        <p:nvSpPr>
-          <p:cNvPr id="5" name="Fußzeilenplatzhalter 4">
-            <a:extLst>
-              <a:ext uri="{FF2B5EF4-FFF2-40B4-BE49-F238E27FC236}">
-                <a16:creationId xmlns:a16="http://schemas.microsoft.com/office/drawing/2014/main" id="{C2B69651-188F-47D0-20DC-443C720D3936}"/>
-              </a:ext>
-            </a:extLst>
-          </p:cNvPr>
-          <p:cNvSpPr>
-            <a:spLocks noGrp="1"/>
-          </p:cNvSpPr>
-          <p:nvPr>
-            <p:ph type="ftr" sz="quarter" idx="11"/>
-          </p:nvPr>
-        </p:nvSpPr>
-        <p:spPr/>
-        <p:txBody>
-          <a:bodyPr/>
-          <a:lstStyle/>
-          <a:p>
-            <a:r>
-              <a:rPr lang="en-GB" noProof="0"/>
-              <a:t>Footer (Edit via "Insert &gt; Header and Footer")</a:t>
-            </a:r>
-            <a:endParaRPr lang="en-GB" noProof="0" dirty="0"/>
-          </a:p>
-        </p:txBody>
-      </p:sp>
-      <p:sp>
-        <p:nvSpPr>
-          <p:cNvPr id="6" name="Foliennummernplatzhalter 5">
-            <a:extLst>
-              <a:ext uri="{FF2B5EF4-FFF2-40B4-BE49-F238E27FC236}">
-                <a16:creationId xmlns:a16="http://schemas.microsoft.com/office/drawing/2014/main" id="{52299BC6-0654-70EB-39EB-2F26AB216326}"/>
-              </a:ext>
-            </a:extLst>
-          </p:cNvPr>
-          <p:cNvSpPr>
-            <a:spLocks noGrp="1"/>
-          </p:cNvSpPr>
-          <p:nvPr>
-            <p:ph type="sldNum" sz="quarter" idx="12"/>
-          </p:nvPr>
-        </p:nvSpPr>
-        <p:spPr/>
-        <p:txBody>
-          <a:bodyPr/>
-          <a:lstStyle/>
-          <a:p>
-            <a:fld id="{442AD375-037F-43D0-B059-5172DA06796A}" type="slidenum">
-              <a:rPr lang="en-GB" noProof="0" smtClean="0"/>
-              <a:pPr/>
-              <a:t>5</a:t>
-            </a:fld>
-            <a:endParaRPr lang="en-GB" noProof="0" dirty="0"/>
-          </a:p>
-        </p:txBody>
-      </p:sp>
-    </p:spTree>
-    <p:extLst>
-      <p:ext uri="{BB962C8B-B14F-4D97-AF65-F5344CB8AC3E}">
-        <p14:creationId xmlns:p14="http://schemas.microsoft.com/office/powerpoint/2010/main" val="1611354711"/>
-      </p:ext>
-    </p:extLst>
-  </p:cSld>
-  <p:clrMapOvr>
-    <a:masterClrMapping/>
-  </p:clrMapOvr>
-</p:sld>
-</file>
-
-<file path=ppt/slides/slide6.xml><?xml version="1.0" encoding="utf-8"?>
-<p:sld xmlns:a="http://schemas.openxmlformats.org/drawingml/2006/main" xmlns:r="http://schemas.openxmlformats.org/officeDocument/2006/relationships" xmlns:p="http://schemas.openxmlformats.org/presentationml/2006/main">
-  <p:cSld>
-    <p:spTree>
-      <p:nvGrpSpPr>
-        <p:cNvPr id="1" name=""/>
-        <p:cNvGrpSpPr/>
-        <p:nvPr/>
-      </p:nvGrpSpPr>
-      <p:grpSpPr>
-        <a:xfrm>
-          <a:off x="0" y="0"/>
-          <a:ext cx="0" cy="0"/>
-          <a:chOff x="0" y="0"/>
-          <a:chExt cx="0" cy="0"/>
-        </a:xfrm>
-      </p:grpSpPr>
-      <p:sp>
-        <p:nvSpPr>
-          <p:cNvPr id="2" name="Titel 1">
-            <a:extLst>
-              <a:ext uri="{FF2B5EF4-FFF2-40B4-BE49-F238E27FC236}">
-                <a16:creationId xmlns:a16="http://schemas.microsoft.com/office/drawing/2014/main" id="{26ED8586-A048-DF64-CBE2-ABF87C3D7B10}"/>
-              </a:ext>
-            </a:extLst>
-          </p:cNvPr>
-          <p:cNvSpPr>
-            <a:spLocks noGrp="1"/>
-          </p:cNvSpPr>
-          <p:nvPr>
-            <p:ph type="title"/>
-          </p:nvPr>
-        </p:nvSpPr>
-        <p:spPr/>
-        <p:txBody>
-          <a:bodyPr/>
-          <a:lstStyle/>
-          <a:p>
-            <a:endParaRPr lang="de-DE"/>
-          </a:p>
-        </p:txBody>
-      </p:sp>
-      <p:sp>
-        <p:nvSpPr>
-          <p:cNvPr id="3" name="Inhaltsplatzhalter 2">
-            <a:extLst>
-              <a:ext uri="{FF2B5EF4-FFF2-40B4-BE49-F238E27FC236}">
-                <a16:creationId xmlns:a16="http://schemas.microsoft.com/office/drawing/2014/main" id="{81251D0E-B65F-53B4-138A-80F7C75C74A6}"/>
-              </a:ext>
-            </a:extLst>
-          </p:cNvPr>
-          <p:cNvSpPr>
-            <a:spLocks noGrp="1"/>
-          </p:cNvSpPr>
-          <p:nvPr>
-            <p:ph idx="1"/>
-          </p:nvPr>
-        </p:nvSpPr>
-        <p:spPr/>
-        <p:txBody>
-          <a:bodyPr/>
-          <a:lstStyle/>
-          <a:p>
-            <a:r>
-              <a:rPr lang="en-GB" dirty="0"/>
-              <a:t>Text, 16 Pt - Lorem ipsum </a:t>
-            </a:r>
-            <a:r>
-              <a:rPr lang="en-GB" dirty="0" err="1"/>
-              <a:t>dolor</a:t>
-            </a:r>
-            <a:r>
-              <a:rPr lang="en-GB" dirty="0"/>
-              <a:t> sit </a:t>
-            </a:r>
-            <a:r>
-              <a:rPr lang="en-GB" dirty="0" err="1"/>
-              <a:t>amet</a:t>
-            </a:r>
-            <a:r>
-              <a:rPr lang="en-GB" dirty="0"/>
-              <a:t>, </a:t>
-            </a:r>
-            <a:r>
-              <a:rPr lang="en-GB" dirty="0" err="1"/>
-              <a:t>consetetur</a:t>
-            </a:r>
-            <a:r>
-              <a:rPr lang="en-GB" dirty="0"/>
-              <a:t> </a:t>
-            </a:r>
-            <a:r>
-              <a:rPr lang="en-GB" dirty="0" err="1"/>
-              <a:t>sadipscing</a:t>
-            </a:r>
-            <a:r>
-              <a:rPr lang="en-GB" dirty="0"/>
-              <a:t> </a:t>
-            </a:r>
-            <a:r>
-              <a:rPr lang="en-GB" dirty="0" err="1"/>
-              <a:t>elitr</a:t>
-            </a:r>
-            <a:r>
-              <a:rPr lang="en-GB" dirty="0"/>
-              <a:t>, </a:t>
-            </a:r>
-            <a:r>
-              <a:rPr lang="en-GB" dirty="0" err="1"/>
-              <a:t>sed</a:t>
-            </a:r>
-            <a:r>
-              <a:rPr lang="en-GB" dirty="0"/>
-              <a:t> </a:t>
-            </a:r>
-            <a:r>
-              <a:rPr lang="en-GB" dirty="0" err="1"/>
-              <a:t>diam</a:t>
-            </a:r>
-            <a:r>
-              <a:rPr lang="en-GB" dirty="0"/>
-              <a:t> </a:t>
-            </a:r>
-            <a:r>
-              <a:rPr lang="en-GB" dirty="0" err="1"/>
-              <a:t>nonumy</a:t>
-            </a:r>
-            <a:r>
-              <a:rPr lang="en-GB" dirty="0"/>
-              <a:t> </a:t>
-            </a:r>
-            <a:r>
-              <a:rPr lang="en-GB" dirty="0" err="1"/>
-              <a:t>eirmod</a:t>
-            </a:r>
-            <a:r>
-              <a:rPr lang="en-GB" dirty="0"/>
-              <a:t> </a:t>
-            </a:r>
-            <a:r>
-              <a:rPr lang="en-GB" dirty="0" err="1"/>
-              <a:t>tempor</a:t>
-            </a:r>
-            <a:r>
-              <a:rPr lang="en-GB" dirty="0"/>
-              <a:t> </a:t>
-            </a:r>
-            <a:r>
-              <a:rPr lang="en-GB" dirty="0" err="1"/>
-              <a:t>invidunt</a:t>
-            </a:r>
-            <a:r>
-              <a:rPr lang="en-GB" dirty="0"/>
-              <a:t> </a:t>
-            </a:r>
-            <a:r>
-              <a:rPr lang="en-GB" dirty="0" err="1"/>
-              <a:t>ut</a:t>
-            </a:r>
-            <a:r>
-              <a:rPr lang="en-GB" dirty="0"/>
-              <a:t> labore et dolore magna </a:t>
-            </a:r>
-            <a:r>
-              <a:rPr lang="en-GB" dirty="0" err="1"/>
-              <a:t>aliquyam</a:t>
-            </a:r>
-            <a:r>
-              <a:rPr lang="en-GB" dirty="0"/>
-              <a:t> </a:t>
-            </a:r>
-            <a:r>
-              <a:rPr lang="en-GB" dirty="0" err="1"/>
-              <a:t>erat</a:t>
-            </a:r>
-            <a:r>
-              <a:rPr lang="en-GB" dirty="0"/>
-              <a:t>, </a:t>
-            </a:r>
-            <a:r>
-              <a:rPr lang="en-GB" dirty="0" err="1"/>
-              <a:t>sed</a:t>
-            </a:r>
-            <a:r>
-              <a:rPr lang="en-GB" dirty="0"/>
-              <a:t> </a:t>
-            </a:r>
-            <a:r>
-              <a:rPr lang="en-GB" dirty="0" err="1"/>
-              <a:t>diam</a:t>
-            </a:r>
-            <a:r>
-              <a:rPr lang="en-GB" dirty="0"/>
-              <a:t> </a:t>
-            </a:r>
-            <a:r>
-              <a:rPr lang="en-GB" dirty="0" err="1"/>
-              <a:t>voluptua</a:t>
-            </a:r>
-            <a:r>
-              <a:rPr lang="en-GB" dirty="0"/>
-              <a:t>. At </a:t>
-            </a:r>
-            <a:r>
-              <a:rPr lang="en-GB" dirty="0" err="1"/>
-              <a:t>vero</a:t>
-            </a:r>
-            <a:r>
-              <a:rPr lang="en-GB" dirty="0"/>
-              <a:t> </a:t>
-            </a:r>
-            <a:r>
-              <a:rPr lang="en-GB" dirty="0" err="1"/>
-              <a:t>eos</a:t>
-            </a:r>
-            <a:r>
-              <a:rPr lang="en-GB" dirty="0"/>
-              <a:t> et </a:t>
-            </a:r>
-            <a:r>
-              <a:rPr lang="en-GB" dirty="0" err="1"/>
-              <a:t>accusam</a:t>
-            </a:r>
-            <a:r>
-              <a:rPr lang="en-GB" dirty="0"/>
-              <a:t> et </a:t>
-            </a:r>
-            <a:r>
-              <a:rPr lang="en-GB" dirty="0" err="1"/>
-              <a:t>justo</a:t>
-            </a:r>
-            <a:r>
-              <a:rPr lang="en-GB" dirty="0"/>
-              <a:t> duo </a:t>
-            </a:r>
-            <a:r>
-              <a:rPr lang="en-GB" dirty="0" err="1"/>
-              <a:t>dolores</a:t>
-            </a:r>
-            <a:r>
-              <a:rPr lang="en-GB" dirty="0"/>
-              <a:t> et </a:t>
-            </a:r>
-            <a:r>
-              <a:rPr lang="en-GB" dirty="0" err="1"/>
-              <a:t>ea</a:t>
-            </a:r>
-            <a:r>
-              <a:rPr lang="en-GB" dirty="0"/>
-              <a:t> </a:t>
-            </a:r>
-            <a:r>
-              <a:rPr lang="en-GB" dirty="0" err="1"/>
-              <a:t>rebum</a:t>
-            </a:r>
-            <a:r>
-              <a:rPr lang="en-GB" dirty="0"/>
-              <a:t>. Stet </a:t>
-            </a:r>
-            <a:r>
-              <a:rPr lang="en-GB" dirty="0" err="1"/>
-              <a:t>clita</a:t>
-            </a:r>
-            <a:r>
-              <a:rPr lang="en-GB" dirty="0"/>
-              <a:t> </a:t>
-            </a:r>
-            <a:r>
-              <a:rPr lang="en-GB" dirty="0" err="1"/>
-              <a:t>kasd</a:t>
-            </a:r>
-            <a:r>
-              <a:rPr lang="en-GB" dirty="0"/>
-              <a:t> </a:t>
-            </a:r>
-            <a:r>
-              <a:rPr lang="en-GB" dirty="0" err="1"/>
-              <a:t>gubergren</a:t>
-            </a:r>
-            <a:r>
-              <a:rPr lang="en-GB" dirty="0"/>
-              <a:t>, no sea </a:t>
-            </a:r>
-            <a:r>
-              <a:rPr lang="en-GB" dirty="0" err="1"/>
-              <a:t>takimata</a:t>
-            </a:r>
-            <a:r>
-              <a:rPr lang="en-GB" dirty="0"/>
-              <a:t> </a:t>
-            </a:r>
-            <a:r>
-              <a:rPr lang="en-GB" dirty="0" err="1"/>
-              <a:t>sanctus</a:t>
-            </a:r>
-            <a:r>
-              <a:rPr lang="en-GB" dirty="0"/>
-              <a:t> </a:t>
-            </a:r>
-            <a:r>
-              <a:rPr lang="en-GB" dirty="0" err="1"/>
-              <a:t>est</a:t>
-            </a:r>
-            <a:r>
-              <a:rPr lang="en-GB" dirty="0"/>
-              <a:t> Lorem ipsum </a:t>
-            </a:r>
-            <a:r>
-              <a:rPr lang="en-GB" dirty="0" err="1"/>
-              <a:t>dolor</a:t>
-            </a:r>
-            <a:r>
-              <a:rPr lang="en-GB" dirty="0"/>
-              <a:t> sit </a:t>
-            </a:r>
-            <a:r>
-              <a:rPr lang="en-GB" dirty="0" err="1"/>
-              <a:t>amet</a:t>
-            </a:r>
-            <a:r>
-              <a:rPr lang="en-GB" dirty="0"/>
-              <a:t>. Lorem ipsum </a:t>
-            </a:r>
-            <a:r>
-              <a:rPr lang="en-GB" dirty="0" err="1"/>
-              <a:t>dolor</a:t>
-            </a:r>
-            <a:r>
-              <a:rPr lang="en-GB" dirty="0"/>
-              <a:t> sit </a:t>
-            </a:r>
-            <a:r>
-              <a:rPr lang="en-GB" dirty="0" err="1"/>
-              <a:t>amet</a:t>
-            </a:r>
-            <a:r>
-              <a:rPr lang="en-GB" dirty="0"/>
-              <a:t>, </a:t>
-            </a:r>
-            <a:r>
-              <a:rPr lang="en-GB" dirty="0" err="1"/>
-              <a:t>consetetur</a:t>
-            </a:r>
-            <a:r>
-              <a:rPr lang="en-GB" dirty="0"/>
-              <a:t> </a:t>
-            </a:r>
-            <a:r>
-              <a:rPr lang="en-GB" dirty="0" err="1"/>
-              <a:t>sadipscing</a:t>
-            </a:r>
-            <a:r>
-              <a:rPr lang="en-GB" dirty="0"/>
-              <a:t> </a:t>
-            </a:r>
-            <a:r>
-              <a:rPr lang="en-GB" dirty="0" err="1"/>
-              <a:t>elitr</a:t>
-            </a:r>
-            <a:r>
-              <a:rPr lang="en-GB" dirty="0"/>
-              <a:t>, </a:t>
-            </a:r>
-            <a:r>
-              <a:rPr lang="en-GB" dirty="0" err="1"/>
-              <a:t>sed</a:t>
-            </a:r>
-            <a:r>
-              <a:rPr lang="en-GB" dirty="0"/>
-              <a:t> </a:t>
-            </a:r>
-            <a:r>
-              <a:rPr lang="en-GB" dirty="0" err="1"/>
-              <a:t>diam</a:t>
-            </a:r>
-            <a:r>
-              <a:rPr lang="en-GB" dirty="0"/>
-              <a:t> </a:t>
-            </a:r>
-            <a:r>
-              <a:rPr lang="en-GB" dirty="0" err="1"/>
-              <a:t>nonumy</a:t>
-            </a:r>
-            <a:r>
-              <a:rPr lang="en-GB" dirty="0"/>
-              <a:t> </a:t>
-            </a:r>
-            <a:r>
-              <a:rPr lang="en-GB" dirty="0" err="1"/>
-              <a:t>eirmod</a:t>
-            </a:r>
-            <a:r>
-              <a:rPr lang="en-GB" dirty="0"/>
-              <a:t> </a:t>
-            </a:r>
-            <a:r>
-              <a:rPr lang="en-GB" dirty="0" err="1"/>
-              <a:t>tempor</a:t>
-            </a:r>
-            <a:r>
-              <a:rPr lang="en-GB" dirty="0"/>
-              <a:t> </a:t>
-            </a:r>
-            <a:r>
-              <a:rPr lang="en-GB" dirty="0" err="1"/>
-              <a:t>invidunt</a:t>
-            </a:r>
-            <a:r>
-              <a:rPr lang="en-GB" dirty="0"/>
-              <a:t> </a:t>
-            </a:r>
-            <a:r>
-              <a:rPr lang="en-GB" dirty="0" err="1"/>
-              <a:t>ut</a:t>
-            </a:r>
-            <a:r>
-              <a:rPr lang="en-GB" dirty="0"/>
-              <a:t> labore et dolore magna </a:t>
-            </a:r>
-            <a:r>
-              <a:rPr lang="en-GB" dirty="0" err="1"/>
-              <a:t>aliquyam</a:t>
-            </a:r>
-            <a:r>
-              <a:rPr lang="en-GB" dirty="0"/>
-              <a:t> </a:t>
-            </a:r>
-            <a:r>
-              <a:rPr lang="en-GB" dirty="0" err="1"/>
-              <a:t>erat</a:t>
-            </a:r>
-            <a:r>
-              <a:rPr lang="en-GB" dirty="0"/>
-              <a:t>, </a:t>
-            </a:r>
-            <a:r>
-              <a:rPr lang="en-GB" dirty="0" err="1"/>
-              <a:t>sed</a:t>
-            </a:r>
-            <a:r>
-              <a:rPr lang="en-GB" dirty="0"/>
-              <a:t> </a:t>
-            </a:r>
-            <a:r>
-              <a:rPr lang="en-GB" dirty="0" err="1"/>
-              <a:t>diam</a:t>
-            </a:r>
-            <a:r>
-              <a:rPr lang="en-GB" dirty="0"/>
-              <a:t> </a:t>
-            </a:r>
-            <a:r>
-              <a:rPr lang="en-GB" dirty="0" err="1"/>
-              <a:t>voluptua</a:t>
-            </a:r>
-            <a:r>
-              <a:rPr lang="en-GB" dirty="0"/>
-              <a:t>. </a:t>
-            </a:r>
-          </a:p>
-          <a:p>
-            <a:pPr lvl="1"/>
-            <a:r>
-              <a:rPr lang="en-GB" dirty="0"/>
-              <a:t>Bullet list (Level 2) Lorem ipsum </a:t>
-            </a:r>
-            <a:r>
-              <a:rPr lang="en-GB" dirty="0" err="1"/>
-              <a:t>dolor</a:t>
-            </a:r>
-            <a:r>
-              <a:rPr lang="en-GB" dirty="0"/>
-              <a:t> sit </a:t>
-            </a:r>
-            <a:r>
-              <a:rPr lang="en-GB" dirty="0" err="1"/>
-              <a:t>amet</a:t>
-            </a:r>
-            <a:r>
-              <a:rPr lang="en-GB" dirty="0"/>
-              <a:t>, </a:t>
-            </a:r>
-            <a:r>
-              <a:rPr lang="en-GB" dirty="0" err="1"/>
-              <a:t>consetetur</a:t>
-            </a:r>
-            <a:r>
-              <a:rPr lang="en-GB" dirty="0"/>
-              <a:t> </a:t>
-            </a:r>
-            <a:r>
-              <a:rPr lang="en-GB" dirty="0" err="1"/>
-              <a:t>sadipscing</a:t>
-            </a:r>
-            <a:r>
-              <a:rPr lang="en-GB" dirty="0"/>
-              <a:t> </a:t>
-            </a:r>
-            <a:r>
-              <a:rPr lang="en-GB" dirty="0" err="1"/>
-              <a:t>elitr</a:t>
-            </a:r>
-            <a:r>
-              <a:rPr lang="en-GB" dirty="0"/>
-              <a:t>, </a:t>
-            </a:r>
-            <a:br>
-              <a:rPr lang="en-GB" dirty="0"/>
-            </a:br>
-            <a:r>
-              <a:rPr lang="en-GB" dirty="0" err="1"/>
-              <a:t>sed</a:t>
-            </a:r>
-            <a:r>
-              <a:rPr lang="en-GB" dirty="0"/>
-              <a:t> </a:t>
-            </a:r>
-            <a:r>
-              <a:rPr lang="en-GB" dirty="0" err="1"/>
-              <a:t>diam</a:t>
-            </a:r>
-            <a:r>
-              <a:rPr lang="en-GB" dirty="0"/>
-              <a:t> </a:t>
-            </a:r>
-            <a:r>
-              <a:rPr lang="en-GB" dirty="0" err="1"/>
-              <a:t>nonumy</a:t>
-            </a:r>
-            <a:r>
-              <a:rPr lang="en-GB" dirty="0"/>
-              <a:t> </a:t>
-            </a:r>
-            <a:r>
-              <a:rPr lang="en-GB" dirty="0" err="1"/>
-              <a:t>eirmod</a:t>
-            </a:r>
-            <a:r>
-              <a:rPr lang="en-GB" dirty="0"/>
-              <a:t> </a:t>
-            </a:r>
-            <a:r>
-              <a:rPr lang="en-GB" dirty="0" err="1"/>
-              <a:t>tempor</a:t>
-            </a:r>
-            <a:r>
-              <a:rPr lang="en-GB" dirty="0"/>
-              <a:t> </a:t>
-            </a:r>
-            <a:r>
-              <a:rPr lang="en-GB" dirty="0" err="1"/>
-              <a:t>invidunt</a:t>
-            </a:r>
-            <a:r>
-              <a:rPr lang="en-GB" dirty="0"/>
-              <a:t> </a:t>
-            </a:r>
-            <a:r>
-              <a:rPr lang="en-GB" dirty="0" err="1"/>
-              <a:t>ut</a:t>
-            </a:r>
-            <a:r>
-              <a:rPr lang="en-GB" dirty="0"/>
-              <a:t> labore et dolore magna </a:t>
-            </a:r>
-            <a:r>
-              <a:rPr lang="en-GB" dirty="0" err="1"/>
-              <a:t>aliquyam</a:t>
-            </a:r>
-            <a:r>
-              <a:rPr lang="en-GB" dirty="0"/>
-              <a:t> </a:t>
-            </a:r>
-            <a:r>
-              <a:rPr lang="en-GB" dirty="0" err="1"/>
-              <a:t>erat</a:t>
-            </a:r>
-            <a:r>
-              <a:rPr lang="en-GB" dirty="0"/>
-              <a:t>, </a:t>
-            </a:r>
-            <a:r>
-              <a:rPr lang="en-GB" dirty="0" err="1"/>
-              <a:t>sed</a:t>
-            </a:r>
-            <a:r>
-              <a:rPr lang="en-GB" dirty="0"/>
-              <a:t> </a:t>
-            </a:r>
-            <a:r>
-              <a:rPr lang="en-GB" dirty="0" err="1"/>
-              <a:t>diam</a:t>
-            </a:r>
-            <a:r>
-              <a:rPr lang="en-GB" dirty="0"/>
-              <a:t> </a:t>
-            </a:r>
-            <a:r>
-              <a:rPr lang="en-GB" dirty="0" err="1"/>
-              <a:t>voluptua</a:t>
-            </a:r>
-            <a:r>
-              <a:rPr lang="en-GB" dirty="0"/>
-              <a:t>. </a:t>
-            </a:r>
-          </a:p>
-          <a:p>
-            <a:pPr lvl="1"/>
-            <a:r>
-              <a:rPr lang="en-GB" dirty="0"/>
-              <a:t>Bullet list (Level 2) Lorem ipsum </a:t>
-            </a:r>
-            <a:r>
-              <a:rPr lang="en-GB" dirty="0" err="1"/>
-              <a:t>dolor</a:t>
-            </a:r>
-            <a:r>
-              <a:rPr lang="en-GB" dirty="0"/>
-              <a:t> sit </a:t>
-            </a:r>
-            <a:r>
-              <a:rPr lang="en-GB" dirty="0" err="1"/>
-              <a:t>amet</a:t>
-            </a:r>
-            <a:r>
-              <a:rPr lang="en-GB" dirty="0"/>
-              <a:t>, </a:t>
-            </a:r>
-            <a:r>
-              <a:rPr lang="en-GB" dirty="0" err="1"/>
-              <a:t>consetetur</a:t>
-            </a:r>
-            <a:r>
-              <a:rPr lang="en-GB" dirty="0"/>
-              <a:t> </a:t>
-            </a:r>
-            <a:r>
-              <a:rPr lang="en-GB" dirty="0" err="1"/>
-              <a:t>sadipscing</a:t>
-            </a:r>
-            <a:r>
-              <a:rPr lang="en-GB" dirty="0"/>
-              <a:t> </a:t>
-            </a:r>
-            <a:r>
-              <a:rPr lang="en-GB" dirty="0" err="1"/>
-              <a:t>elitr</a:t>
-            </a:r>
-            <a:r>
-              <a:rPr lang="en-GB" dirty="0"/>
-              <a:t>, </a:t>
-            </a:r>
-            <a:br>
-              <a:rPr lang="en-GB" dirty="0"/>
-            </a:br>
-            <a:r>
-              <a:rPr lang="en-GB" dirty="0" err="1"/>
-              <a:t>sed</a:t>
-            </a:r>
-            <a:r>
-              <a:rPr lang="en-GB" dirty="0"/>
-              <a:t> </a:t>
-            </a:r>
-            <a:r>
-              <a:rPr lang="en-GB" dirty="0" err="1"/>
-              <a:t>diam</a:t>
-            </a:r>
-            <a:r>
-              <a:rPr lang="en-GB" dirty="0"/>
-              <a:t> </a:t>
-            </a:r>
-            <a:r>
-              <a:rPr lang="en-GB" dirty="0" err="1"/>
-              <a:t>nonumy</a:t>
-            </a:r>
-            <a:r>
-              <a:rPr lang="en-GB" dirty="0"/>
-              <a:t> </a:t>
-            </a:r>
-            <a:r>
-              <a:rPr lang="en-GB" dirty="0" err="1"/>
-              <a:t>eirmod</a:t>
-            </a:r>
-            <a:r>
-              <a:rPr lang="en-GB" dirty="0"/>
-              <a:t> </a:t>
-            </a:r>
-            <a:r>
-              <a:rPr lang="en-GB" dirty="0" err="1"/>
-              <a:t>tempor</a:t>
-            </a:r>
-            <a:r>
-              <a:rPr lang="en-GB" dirty="0"/>
-              <a:t> </a:t>
-            </a:r>
-            <a:r>
-              <a:rPr lang="en-GB" dirty="0" err="1"/>
-              <a:t>invidunt</a:t>
-            </a:r>
-            <a:r>
-              <a:rPr lang="en-GB" dirty="0"/>
-              <a:t> </a:t>
-            </a:r>
-            <a:r>
-              <a:rPr lang="en-GB" dirty="0" err="1"/>
-              <a:t>ut</a:t>
-            </a:r>
-            <a:r>
-              <a:rPr lang="en-GB" dirty="0"/>
-              <a:t> labore et dolore magna </a:t>
-            </a:r>
-            <a:r>
-              <a:rPr lang="en-GB" dirty="0" err="1"/>
-              <a:t>aliquyam</a:t>
-            </a:r>
-            <a:r>
-              <a:rPr lang="en-GB" dirty="0"/>
-              <a:t> </a:t>
-            </a:r>
-            <a:r>
-              <a:rPr lang="en-GB" dirty="0" err="1"/>
-              <a:t>erat</a:t>
-            </a:r>
-            <a:r>
-              <a:rPr lang="en-GB" dirty="0"/>
-              <a:t>, </a:t>
-            </a:r>
-            <a:r>
-              <a:rPr lang="en-GB" dirty="0" err="1"/>
-              <a:t>sed</a:t>
-            </a:r>
-            <a:r>
-              <a:rPr lang="en-GB" dirty="0"/>
-              <a:t> </a:t>
-            </a:r>
-            <a:r>
-              <a:rPr lang="en-GB" dirty="0" err="1"/>
-              <a:t>diam</a:t>
-            </a:r>
-            <a:r>
-              <a:rPr lang="en-GB" dirty="0"/>
-              <a:t> </a:t>
-            </a:r>
-            <a:r>
-              <a:rPr lang="en-GB" dirty="0" err="1"/>
-              <a:t>voluptua</a:t>
-            </a:r>
-            <a:r>
-              <a:rPr lang="en-GB" dirty="0"/>
-              <a:t>. </a:t>
-            </a:r>
-          </a:p>
-          <a:p>
-            <a:pPr lvl="2"/>
-            <a:r>
-              <a:rPr lang="en-GB" dirty="0"/>
-              <a:t>Bullet list (Level 3) Lorem ipsum</a:t>
-            </a:r>
-          </a:p>
-          <a:p>
-            <a:pPr lvl="2"/>
-            <a:r>
-              <a:rPr lang="en-GB" dirty="0"/>
-              <a:t>Lorem ipsum </a:t>
-            </a:r>
-            <a:r>
-              <a:rPr lang="en-GB" dirty="0" err="1"/>
-              <a:t>dolor</a:t>
-            </a:r>
-            <a:r>
-              <a:rPr lang="en-GB" dirty="0"/>
-              <a:t> sit </a:t>
-            </a:r>
-            <a:r>
-              <a:rPr lang="en-GB" dirty="0" err="1"/>
-              <a:t>amet</a:t>
-            </a:r>
-            <a:r>
-              <a:rPr lang="en-GB" dirty="0"/>
-              <a:t>, </a:t>
-            </a:r>
-            <a:r>
-              <a:rPr lang="en-GB" dirty="0" err="1"/>
-              <a:t>consetetur</a:t>
-            </a:r>
-            <a:r>
-              <a:rPr lang="en-GB" dirty="0"/>
-              <a:t> </a:t>
-            </a:r>
-            <a:r>
-              <a:rPr lang="en-GB" dirty="0" err="1"/>
-              <a:t>sadipscing</a:t>
-            </a:r>
-            <a:r>
-              <a:rPr lang="en-GB" dirty="0"/>
-              <a:t> </a:t>
-            </a:r>
-            <a:r>
-              <a:rPr lang="en-GB" dirty="0" err="1"/>
-              <a:t>elitr</a:t>
-            </a:r>
-            <a:r>
-              <a:rPr lang="en-GB" dirty="0"/>
-              <a:t>, </a:t>
-            </a:r>
-            <a:br>
-              <a:rPr lang="en-GB" dirty="0"/>
-            </a:br>
-            <a:r>
-              <a:rPr lang="en-GB" dirty="0" err="1"/>
-              <a:t>sed</a:t>
-            </a:r>
-            <a:r>
-              <a:rPr lang="en-GB" dirty="0"/>
-              <a:t> </a:t>
-            </a:r>
-            <a:r>
-              <a:rPr lang="en-GB" dirty="0" err="1"/>
-              <a:t>diam</a:t>
-            </a:r>
-            <a:r>
-              <a:rPr lang="en-GB" dirty="0"/>
-              <a:t> </a:t>
-            </a:r>
-            <a:r>
-              <a:rPr lang="en-GB" dirty="0" err="1"/>
-              <a:t>nonumy</a:t>
-            </a:r>
-            <a:r>
-              <a:rPr lang="en-GB" dirty="0"/>
-              <a:t> </a:t>
-            </a:r>
-            <a:r>
-              <a:rPr lang="en-GB" dirty="0" err="1"/>
-              <a:t>eirmod</a:t>
-            </a:r>
-            <a:r>
-              <a:rPr lang="en-GB" dirty="0"/>
-              <a:t> </a:t>
-            </a:r>
-            <a:r>
-              <a:rPr lang="en-GB" dirty="0" err="1"/>
-              <a:t>tempor</a:t>
-            </a:r>
-            <a:r>
-              <a:rPr lang="en-GB" dirty="0"/>
-              <a:t> </a:t>
-            </a:r>
-            <a:r>
-              <a:rPr lang="en-GB" dirty="0" err="1"/>
-              <a:t>invidunt</a:t>
-            </a:r>
-            <a:r>
-              <a:rPr lang="en-GB" dirty="0"/>
-              <a:t> </a:t>
-            </a:r>
-            <a:r>
-              <a:rPr lang="en-GB" dirty="0" err="1"/>
-              <a:t>ut</a:t>
-            </a:r>
-            <a:r>
-              <a:rPr lang="en-GB" dirty="0"/>
-              <a:t> labore et</a:t>
-            </a:r>
-          </a:p>
-          <a:p>
-            <a:endParaRPr lang="de-DE" dirty="0"/>
-          </a:p>
-        </p:txBody>
-      </p:sp>
-      <p:sp>
-        <p:nvSpPr>
-          <p:cNvPr id="4" name="Datumsplatzhalter 3">
-            <a:extLst>
-              <a:ext uri="{FF2B5EF4-FFF2-40B4-BE49-F238E27FC236}">
-                <a16:creationId xmlns:a16="http://schemas.microsoft.com/office/drawing/2014/main" id="{D447227C-4607-B1CE-D6E2-166974D2E119}"/>
-              </a:ext>
-            </a:extLst>
-          </p:cNvPr>
-          <p:cNvSpPr>
-            <a:spLocks noGrp="1"/>
-          </p:cNvSpPr>
-          <p:nvPr>
-            <p:ph type="dt" sz="half" idx="10"/>
-          </p:nvPr>
-        </p:nvSpPr>
-        <p:spPr/>
-        <p:txBody>
-          <a:bodyPr/>
-          <a:lstStyle/>
-          <a:p>
-            <a:fld id="{1169CF04-5ADD-46B4-A33A-958F168A45EF}" type="datetime1">
-              <a:rPr lang="en-GB" noProof="0" smtClean="0"/>
-              <a:t>12/11/2024</a:t>
-            </a:fld>
-            <a:endParaRPr lang="en-GB" noProof="0" dirty="0"/>
-          </a:p>
-        </p:txBody>
-      </p:sp>
-      <p:sp>
-        <p:nvSpPr>
-          <p:cNvPr id="5" name="Fußzeilenplatzhalter 4">
-            <a:extLst>
-              <a:ext uri="{FF2B5EF4-FFF2-40B4-BE49-F238E27FC236}">
-                <a16:creationId xmlns:a16="http://schemas.microsoft.com/office/drawing/2014/main" id="{8297C86C-CAEF-E9A4-EDCC-FAC81058E6EB}"/>
-              </a:ext>
-            </a:extLst>
-          </p:cNvPr>
-          <p:cNvSpPr>
-            <a:spLocks noGrp="1"/>
-          </p:cNvSpPr>
-          <p:nvPr>
-            <p:ph type="ftr" sz="quarter" idx="11"/>
-          </p:nvPr>
-        </p:nvSpPr>
-        <p:spPr/>
-        <p:txBody>
-          <a:bodyPr/>
-          <a:lstStyle/>
-          <a:p>
-            <a:r>
-              <a:rPr lang="en-GB" noProof="0"/>
-              <a:t>Footer (Edit via "Insert &gt; Header and Footer")</a:t>
-            </a:r>
-            <a:endParaRPr lang="en-GB" noProof="0" dirty="0"/>
-          </a:p>
-        </p:txBody>
-      </p:sp>
-      <p:sp>
-        <p:nvSpPr>
-          <p:cNvPr id="6" name="Foliennummernplatzhalter 5">
-            <a:extLst>
-              <a:ext uri="{FF2B5EF4-FFF2-40B4-BE49-F238E27FC236}">
-                <a16:creationId xmlns:a16="http://schemas.microsoft.com/office/drawing/2014/main" id="{5523505E-C6EB-DD6A-DE02-BA418DA94286}"/>
-              </a:ext>
-            </a:extLst>
-          </p:cNvPr>
-          <p:cNvSpPr>
-            <a:spLocks noGrp="1"/>
-          </p:cNvSpPr>
-          <p:nvPr>
-            <p:ph type="sldNum" sz="quarter" idx="12"/>
-          </p:nvPr>
-        </p:nvSpPr>
-        <p:spPr/>
-        <p:txBody>
-          <a:bodyPr/>
-          <a:lstStyle/>
-          <a:p>
-            <a:fld id="{442AD375-037F-43D0-B059-5172DA06796A}" type="slidenum">
-              <a:rPr lang="en-GB" noProof="0" smtClean="0"/>
-              <a:pPr/>
-              <a:t>6</a:t>
-            </a:fld>
-            <a:endParaRPr lang="en-GB" noProof="0" dirty="0"/>
-          </a:p>
-        </p:txBody>
-      </p:sp>
-      <p:sp>
-        <p:nvSpPr>
-          <p:cNvPr id="7" name="Textplatzhalter 6">
-            <a:extLst>
-              <a:ext uri="{FF2B5EF4-FFF2-40B4-BE49-F238E27FC236}">
-                <a16:creationId xmlns:a16="http://schemas.microsoft.com/office/drawing/2014/main" id="{CE94E88B-FDBD-4410-BA3B-583156292A85}"/>
-              </a:ext>
-            </a:extLst>
-          </p:cNvPr>
-          <p:cNvSpPr>
-            <a:spLocks noGrp="1"/>
-          </p:cNvSpPr>
-          <p:nvPr>
-            <p:ph type="body" sz="quarter" idx="13"/>
-          </p:nvPr>
-        </p:nvSpPr>
-        <p:spPr/>
-        <p:txBody>
-          <a:bodyPr/>
-          <a:lstStyle/>
-          <a:p>
-            <a:endParaRPr lang="de-DE" dirty="0"/>
-          </a:p>
-        </p:txBody>
-      </p:sp>
-    </p:spTree>
-    <p:extLst>
-      <p:ext uri="{BB962C8B-B14F-4D97-AF65-F5344CB8AC3E}">
-        <p14:creationId xmlns:p14="http://schemas.microsoft.com/office/powerpoint/2010/main" val="3967224830"/>
-      </p:ext>
-    </p:extLst>
-  </p:cSld>
-  <p:clrMapOvr>
-    <a:masterClrMapping/>
-  </p:clrMapOvr>
-</p:sld>
-</file>
-
-<file path=ppt/slides/slide7.xml><?xml version="1.0" encoding="utf-8"?>
-<p:sld xmlns:a="http://schemas.openxmlformats.org/drawingml/2006/main" xmlns:r="http://schemas.openxmlformats.org/officeDocument/2006/relationships" xmlns:p="http://schemas.openxmlformats.org/presentationml/2006/main">
-  <p:cSld>
-    <p:spTree>
-      <p:nvGrpSpPr>
-        <p:cNvPr id="1" name=""/>
-        <p:cNvGrpSpPr/>
-        <p:nvPr/>
-      </p:nvGrpSpPr>
-      <p:grpSpPr>
-        <a:xfrm>
-          <a:off x="0" y="0"/>
-          <a:ext cx="0" cy="0"/>
-          <a:chOff x="0" y="0"/>
-          <a:chExt cx="0" cy="0"/>
-        </a:xfrm>
-      </p:grpSpPr>
-      <p:sp>
-        <p:nvSpPr>
-          <p:cNvPr id="4" name="Datumsplatzhalter 3">
-            <a:extLst>
-              <a:ext uri="{FF2B5EF4-FFF2-40B4-BE49-F238E27FC236}">
-                <a16:creationId xmlns:a16="http://schemas.microsoft.com/office/drawing/2014/main" id="{374F0D2C-060D-CA3E-990F-EFEEAC787C5C}"/>
-              </a:ext>
-            </a:extLst>
-          </p:cNvPr>
-          <p:cNvSpPr>
-            <a:spLocks noGrp="1"/>
-          </p:cNvSpPr>
-          <p:nvPr>
-            <p:ph type="dt" sz="half" idx="14"/>
-          </p:nvPr>
-        </p:nvSpPr>
-        <p:spPr/>
-        <p:txBody>
-          <a:bodyPr/>
-          <a:lstStyle/>
-          <a:p>
-            <a:fld id="{1169CF04-5ADD-46B4-A33A-958F168A45EF}" type="datetime1">
-              <a:rPr lang="en-GB" noProof="0" smtClean="0"/>
-              <a:t>12/11/2024</a:t>
-            </a:fld>
-            <a:endParaRPr lang="en-GB" noProof="0" dirty="0"/>
-          </a:p>
-        </p:txBody>
-      </p:sp>
-      <p:sp>
-        <p:nvSpPr>
-          <p:cNvPr id="5" name="Fußzeilenplatzhalter 4">
-            <a:extLst>
-              <a:ext uri="{FF2B5EF4-FFF2-40B4-BE49-F238E27FC236}">
-                <a16:creationId xmlns:a16="http://schemas.microsoft.com/office/drawing/2014/main" id="{60B76D8C-163F-024B-E73B-751CB2330FB1}"/>
-              </a:ext>
-            </a:extLst>
-          </p:cNvPr>
-          <p:cNvSpPr>
-            <a:spLocks noGrp="1"/>
-          </p:cNvSpPr>
-          <p:nvPr>
-            <p:ph type="ftr" sz="quarter" idx="15"/>
-          </p:nvPr>
-        </p:nvSpPr>
-        <p:spPr/>
-        <p:txBody>
-          <a:bodyPr/>
-          <a:lstStyle/>
-          <a:p>
-            <a:r>
-              <a:rPr lang="en-GB" noProof="0"/>
-              <a:t>Footer (Edit via "Insert &gt; Header and Footer")</a:t>
-            </a:r>
-            <a:endParaRPr lang="en-GB" noProof="0" dirty="0"/>
-          </a:p>
-        </p:txBody>
-      </p:sp>
-      <p:sp>
-        <p:nvSpPr>
-          <p:cNvPr id="6" name="Foliennummernplatzhalter 5">
-            <a:extLst>
-              <a:ext uri="{FF2B5EF4-FFF2-40B4-BE49-F238E27FC236}">
-                <a16:creationId xmlns:a16="http://schemas.microsoft.com/office/drawing/2014/main" id="{69123D0A-1A5F-61DA-B940-8BFCCD7C2BC0}"/>
-              </a:ext>
-            </a:extLst>
-          </p:cNvPr>
-          <p:cNvSpPr>
-            <a:spLocks noGrp="1"/>
-          </p:cNvSpPr>
-          <p:nvPr>
-            <p:ph type="sldNum" sz="quarter" idx="16"/>
-          </p:nvPr>
-        </p:nvSpPr>
-        <p:spPr/>
-        <p:txBody>
-          <a:bodyPr/>
-          <a:lstStyle/>
-          <a:p>
-            <a:fld id="{442AD375-037F-43D0-B059-5172DA06796A}" type="slidenum">
-              <a:rPr lang="en-GB" noProof="0" smtClean="0"/>
-              <a:pPr/>
-              <a:t>7</a:t>
-            </a:fld>
-            <a:endParaRPr lang="en-GB" noProof="0" dirty="0"/>
-          </a:p>
-        </p:txBody>
-      </p:sp>
-      <p:sp>
-        <p:nvSpPr>
-          <p:cNvPr id="11" name="Bildplatzhalter 10">
-            <a:extLst>
-              <a:ext uri="{FF2B5EF4-FFF2-40B4-BE49-F238E27FC236}">
-                <a16:creationId xmlns:a16="http://schemas.microsoft.com/office/drawing/2014/main" id="{C256B6FD-8A0E-AE91-13DD-9C299C45360D}"/>
-              </a:ext>
-            </a:extLst>
-          </p:cNvPr>
-          <p:cNvSpPr>
-            <a:spLocks noGrp="1"/>
-          </p:cNvSpPr>
-          <p:nvPr>
-            <p:ph type="pic" sz="quarter" idx="17"/>
-          </p:nvPr>
-        </p:nvSpPr>
-        <p:spPr/>
-        <p:txBody>
-          <a:bodyPr/>
-          <a:lstStyle/>
-          <a:p>
-            <a:endParaRPr lang="de-DE"/>
-          </a:p>
-        </p:txBody>
-      </p:sp>
-      <p:sp>
-        <p:nvSpPr>
-          <p:cNvPr id="9" name="Inhaltsplatzhalter 8">
-            <a:extLst>
-              <a:ext uri="{FF2B5EF4-FFF2-40B4-BE49-F238E27FC236}">
-                <a16:creationId xmlns:a16="http://schemas.microsoft.com/office/drawing/2014/main" id="{C3444653-7C8A-F3E8-341E-8DF591E8CF36}"/>
-              </a:ext>
-            </a:extLst>
-          </p:cNvPr>
-          <p:cNvSpPr>
-            <a:spLocks noGrp="1"/>
-          </p:cNvSpPr>
-          <p:nvPr>
-            <p:ph idx="1"/>
-          </p:nvPr>
-        </p:nvSpPr>
-        <p:spPr/>
-        <p:txBody>
-          <a:bodyPr/>
-          <a:lstStyle/>
-          <a:p>
-            <a:endParaRPr lang="de-DE"/>
-          </a:p>
-        </p:txBody>
-      </p:sp>
-      <p:sp>
-        <p:nvSpPr>
-          <p:cNvPr id="8" name="Titel 7">
-            <a:extLst>
-              <a:ext uri="{FF2B5EF4-FFF2-40B4-BE49-F238E27FC236}">
-                <a16:creationId xmlns:a16="http://schemas.microsoft.com/office/drawing/2014/main" id="{E503FBC0-C580-ED45-5FF3-1CE82EB63094}"/>
-              </a:ext>
-            </a:extLst>
-          </p:cNvPr>
-          <p:cNvSpPr>
-            <a:spLocks noGrp="1"/>
-          </p:cNvSpPr>
-          <p:nvPr>
-            <p:ph type="title"/>
-          </p:nvPr>
-        </p:nvSpPr>
-        <p:spPr/>
-        <p:txBody>
-          <a:bodyPr/>
-          <a:lstStyle/>
-          <a:p>
-            <a:endParaRPr lang="de-DE"/>
-          </a:p>
-        </p:txBody>
-      </p:sp>
-      <p:sp>
-        <p:nvSpPr>
-          <p:cNvPr id="10" name="Textplatzhalter 9">
-            <a:extLst>
-              <a:ext uri="{FF2B5EF4-FFF2-40B4-BE49-F238E27FC236}">
-                <a16:creationId xmlns:a16="http://schemas.microsoft.com/office/drawing/2014/main" id="{2864201C-0B00-A8F6-8FA4-29D227D2B502}"/>
-              </a:ext>
-            </a:extLst>
-          </p:cNvPr>
-          <p:cNvSpPr>
-            <a:spLocks noGrp="1"/>
-          </p:cNvSpPr>
-          <p:nvPr>
-            <p:ph type="body" sz="quarter" idx="13"/>
-          </p:nvPr>
-        </p:nvSpPr>
-        <p:spPr/>
-        <p:txBody>
-          <a:bodyPr/>
-          <a:lstStyle/>
-          <a:p>
-            <a:endParaRPr lang="de-DE"/>
-          </a:p>
-        </p:txBody>
-      </p:sp>
-    </p:spTree>
-    <p:extLst>
-      <p:ext uri="{BB962C8B-B14F-4D97-AF65-F5344CB8AC3E}">
-        <p14:creationId xmlns:p14="http://schemas.microsoft.com/office/powerpoint/2010/main" val="2974961831"/>
+        <p14:creationId xmlns:p14="http://schemas.microsoft.com/office/powerpoint/2010/main" val="3299559963"/>
       </p:ext>
     </p:extLst>
   </p:cSld>
@@ -27927,6 +27416,15 @@
 </file>
 
 <file path=customXml/item2.xml><?xml version="1.0" encoding="utf-8"?>
+<?mso-contentType ?>
+<FormTemplates xmlns="http://schemas.microsoft.com/sharepoint/v3/contenttype/forms">
+  <Display>DocumentLibraryForm</Display>
+  <Edit>DocumentLibraryForm</Edit>
+  <New>DocumentLibraryForm</New>
+</FormTemplates>
+</file>
+
+<file path=customXml/item3.xml><?xml version="1.0" encoding="utf-8"?>
 <p:properties xmlns:p="http://schemas.microsoft.com/office/2006/metadata/properties" xmlns:xsi="http://www.w3.org/2001/XMLSchema-instance" xmlns:pc="http://schemas.microsoft.com/office/infopath/2007/PartnerControls">
   <documentManagement>
     <TaxCatchAll xmlns="bc24777f-78b6-4f3c-a73a-d5fa08e4d537" xsi:nil="true"/>
@@ -27935,15 +27433,6 @@
     </lcf76f155ced4ddcb4097134ff3c332f>
   </documentManagement>
 </p:properties>
-</file>
-
-<file path=customXml/item3.xml><?xml version="1.0" encoding="utf-8"?>
-<?mso-contentType ?>
-<FormTemplates xmlns="http://schemas.microsoft.com/sharepoint/v3/contenttype/forms">
-  <Display>DocumentLibraryForm</Display>
-  <Edit>DocumentLibraryForm</Edit>
-  <New>DocumentLibraryForm</New>
-</FormTemplates>
 </file>
 
 <file path=customXml/itemProps1.xml><?xml version="1.0" encoding="utf-8"?>
@@ -27966,6 +27455,14 @@
 </file>
 
 <file path=customXml/itemProps2.xml><?xml version="1.0" encoding="utf-8"?>
+<ds:datastoreItem xmlns:ds="http://schemas.openxmlformats.org/officeDocument/2006/customXml" ds:itemID="{4B6B7BE2-63AD-4C37-AC44-F0E4FC348E24}">
+  <ds:schemaRefs>
+    <ds:schemaRef ds:uri="http://schemas.microsoft.com/sharepoint/v3/contenttype/forms"/>
+  </ds:schemaRefs>
+</ds:datastoreItem>
+</file>
+
+<file path=customXml/itemProps3.xml><?xml version="1.0" encoding="utf-8"?>
 <ds:datastoreItem xmlns:ds="http://schemas.openxmlformats.org/officeDocument/2006/customXml" ds:itemID="{5626B806-0237-4942-A1FD-5C97285908C2}">
   <ds:schemaRefs>
     <ds:schemaRef ds:uri="http://schemas.microsoft.com/office/infopath/2007/PartnerControls"/>
@@ -27980,12 +27477,4 @@
     <ds:schemaRef ds:uri="http://www.w3.org/XML/1998/namespace"/>
   </ds:schemaRefs>
 </ds:datastoreItem>
-</file>
-
-<file path=customXml/itemProps3.xml><?xml version="1.0" encoding="utf-8"?>
-<ds:datastoreItem xmlns:ds="http://schemas.openxmlformats.org/officeDocument/2006/customXml" ds:itemID="{4B6B7BE2-63AD-4C37-AC44-F0E4FC348E24}">
-  <ds:schemaRefs>
-    <ds:schemaRef ds:uri="http://schemas.microsoft.com/sharepoint/v3/contenttype/forms"/>
-  </ds:schemaRefs>
-</ds:datastoreItem>
 </file>
--- a/Presentation/Presentation.pptx
+++ b/Presentation/Presentation.pptx
@@ -5,10 +5,10 @@
     <p:sldMasterId id="2147483657" r:id="rId4"/>
   </p:sldMasterIdLst>
   <p:notesMasterIdLst>
-    <p:notesMasterId r:id="rId14"/>
+    <p:notesMasterId r:id="rId15"/>
   </p:notesMasterIdLst>
   <p:handoutMasterIdLst>
-    <p:handoutMasterId r:id="rId15"/>
+    <p:handoutMasterId r:id="rId16"/>
   </p:handoutMasterIdLst>
   <p:sldIdLst>
     <p:sldId id="346" r:id="rId5"/>
@@ -19,7 +19,8 @@
     <p:sldId id="354" r:id="rId10"/>
     <p:sldId id="355" r:id="rId11"/>
     <p:sldId id="356" r:id="rId12"/>
-    <p:sldId id="333" r:id="rId13"/>
+    <p:sldId id="357" r:id="rId13"/>
+    <p:sldId id="333" r:id="rId14"/>
   </p:sldIdLst>
   <p:sldSz cx="12192000" cy="6858000"/>
   <p:notesSz cx="6858000" cy="9144000"/>
@@ -203,6 +204,7 @@
             <p14:sldId id="354"/>
             <p14:sldId id="355"/>
             <p14:sldId id="356"/>
+            <p14:sldId id="357"/>
             <p14:sldId id="333"/>
           </p14:sldIdLst>
         </p14:section>
@@ -969,7 +971,7 @@
             <a:fld id="{83C81C81-E364-4366-A610-2DB15FF98538}" type="slidenum">
               <a:rPr lang="de-CH" smtClean="0"/>
               <a:pPr/>
-              <a:t>9</a:t>
+              <a:t>10</a:t>
             </a:fld>
             <a:endParaRPr lang="de-CH" dirty="0"/>
           </a:p>
@@ -23863,7 +23865,7 @@
 </p:sld>
 </file>
 
-<file path=ppt/slides/slide2.xml><?xml version="1.0" encoding="utf-8"?>
+<file path=ppt/slides/slide10.xml><?xml version="1.0" encoding="utf-8"?>
 <p:sld xmlns:a="http://schemas.openxmlformats.org/drawingml/2006/main" xmlns:r="http://schemas.openxmlformats.org/officeDocument/2006/relationships" xmlns:p="http://schemas.openxmlformats.org/presentationml/2006/main">
   <p:cSld>
     <p:spTree>
@@ -23880,2003 +23882,6 @@
           <a:chExt cx="0" cy="0"/>
         </a:xfrm>
       </p:grpSpPr>
-      <p:pic>
-        <p:nvPicPr>
-          <p:cNvPr id="11" name="Obrázek 10" descr="Obsah obrázku Lidská tvář, košile/tričko, oblečení, osoba&#10;&#10;Popis byl vytvořen automaticky">
-            <a:extLst>
-              <a:ext uri="{FF2B5EF4-FFF2-40B4-BE49-F238E27FC236}">
-                <a16:creationId xmlns:a16="http://schemas.microsoft.com/office/drawing/2014/main" id="{F8B87018-C28F-EF4B-7C3D-CCE9ED45F9E5}"/>
-              </a:ext>
-            </a:extLst>
-          </p:cNvPr>
-          <p:cNvPicPr>
-            <a:picLocks noChangeAspect="1"/>
-          </p:cNvPicPr>
-          <p:nvPr/>
-        </p:nvPicPr>
-        <p:blipFill>
-          <a:blip r:embed="rId2"/>
-          <a:stretch>
-            <a:fillRect/>
-          </a:stretch>
-        </p:blipFill>
-        <p:spPr>
-          <a:xfrm>
-            <a:off x="6096000" y="404664"/>
-            <a:ext cx="5088768" cy="3180480"/>
-          </a:xfrm>
-          <a:prstGeom prst="rect">
-            <a:avLst/>
-          </a:prstGeom>
-        </p:spPr>
-      </p:pic>
-      <p:sp>
-        <p:nvSpPr>
-          <p:cNvPr id="2" name="Titel 1">
-            <a:extLst>
-              <a:ext uri="{FF2B5EF4-FFF2-40B4-BE49-F238E27FC236}">
-                <a16:creationId xmlns:a16="http://schemas.microsoft.com/office/drawing/2014/main" id="{26ED8586-A048-DF64-CBE2-ABF87C3D7B10}"/>
-              </a:ext>
-            </a:extLst>
-          </p:cNvPr>
-          <p:cNvSpPr>
-            <a:spLocks noGrp="1"/>
-          </p:cNvSpPr>
-          <p:nvPr>
-            <p:ph type="title"/>
-          </p:nvPr>
-        </p:nvSpPr>
-        <p:spPr/>
-        <p:txBody>
-          <a:bodyPr/>
-          <a:lstStyle/>
-          <a:p>
-            <a:r>
-              <a:rPr lang="en-US" sz="2800" dirty="0"/>
-              <a:t>About me – Jiří Novák</a:t>
-            </a:r>
-          </a:p>
-        </p:txBody>
-      </p:sp>
-      <p:sp>
-        <p:nvSpPr>
-          <p:cNvPr id="3" name="Inhaltsplatzhalter 2">
-            <a:extLst>
-              <a:ext uri="{FF2B5EF4-FFF2-40B4-BE49-F238E27FC236}">
-                <a16:creationId xmlns:a16="http://schemas.microsoft.com/office/drawing/2014/main" id="{81251D0E-B65F-53B4-138A-80F7C75C74A6}"/>
-              </a:ext>
-            </a:extLst>
-          </p:cNvPr>
-          <p:cNvSpPr>
-            <a:spLocks noGrp="1"/>
-          </p:cNvSpPr>
-          <p:nvPr>
-            <p:ph idx="1"/>
-          </p:nvPr>
-        </p:nvSpPr>
-        <p:spPr>
-          <a:xfrm>
-            <a:off x="271461" y="870744"/>
-            <a:ext cx="11081123" cy="5870624"/>
-          </a:xfrm>
-        </p:spPr>
-        <p:txBody>
-          <a:bodyPr/>
-          <a:lstStyle/>
-          <a:p>
-            <a:pPr lvl="1"/>
-            <a:r>
-              <a:rPr lang="en-US" sz="2400" dirty="0"/>
-              <a:t>From Czech Republic, Prague</a:t>
-            </a:r>
-          </a:p>
-          <a:p>
-            <a:pPr lvl="1"/>
-            <a:r>
-              <a:rPr lang="en-US" sz="2400" dirty="0"/>
-              <a:t>Master's and PhD in Statistics</a:t>
-            </a:r>
-          </a:p>
-          <a:p>
-            <a:pPr lvl="1"/>
-            <a:r>
-              <a:rPr lang="en-US" sz="2400" dirty="0"/>
-              <a:t>Research topic</a:t>
-            </a:r>
-          </a:p>
-          <a:p>
-            <a:pPr lvl="2"/>
-            <a:r>
-              <a:rPr lang="en-US" sz="2400" dirty="0"/>
-              <a:t>Data privacy  and data anonymization</a:t>
-            </a:r>
-          </a:p>
-          <a:p>
-            <a:pPr lvl="2"/>
-            <a:r>
-              <a:rPr lang="en-US" sz="2400" dirty="0"/>
-              <a:t>Statistical disclosure control</a:t>
-            </a:r>
-          </a:p>
-          <a:p>
-            <a:pPr marL="428400" lvl="2" indent="0">
-              <a:buNone/>
-            </a:pPr>
-            <a:endParaRPr lang="en-US" sz="2400" dirty="0"/>
-          </a:p>
-          <a:p>
-            <a:pPr lvl="1"/>
-            <a:r>
-              <a:rPr lang="en-US" sz="2400" dirty="0"/>
-              <a:t>At Czech Statistical Office responsible for data confidentiality of Czech Census 2021</a:t>
-            </a:r>
-          </a:p>
-          <a:p>
-            <a:pPr lvl="1"/>
-            <a:r>
-              <a:rPr lang="en-US" sz="2400" dirty="0"/>
-              <a:t>Currently working at FHNW on a SNF project: </a:t>
-            </a:r>
-            <a:r>
-              <a:rPr lang="en-US" sz="2400" i="1" dirty="0"/>
-              <a:t>Harnessing event and longitudinal data in industry and health sector through privacy preserving technologies</a:t>
-            </a:r>
-          </a:p>
-          <a:p>
-            <a:pPr lvl="1"/>
-            <a:r>
-              <a:rPr lang="en-US" sz="2400" dirty="0"/>
-              <a:t>PhD student of Carolin Strobl with topic</a:t>
-            </a:r>
-            <a:r>
-              <a:rPr lang="en-US" sz="2400" i="1" dirty="0"/>
-              <a:t>: Data anonymization of longitudinal psychological data </a:t>
-            </a:r>
-          </a:p>
-          <a:p>
-            <a:pPr marL="0" lvl="1" indent="0" algn="ctr">
-              <a:buNone/>
-            </a:pPr>
-            <a:r>
-              <a:rPr lang="en-US" sz="2400" dirty="0">
-                <a:solidFill>
-                  <a:schemeClr val="accent1"/>
-                </a:solidFill>
-                <a:hlinkClick r:id="rId3">
-                  <a:extLst>
-                    <a:ext uri="{A12FA001-AC4F-418D-AE19-62706E023703}">
-                      <ahyp:hlinkClr xmlns:ahyp="http://schemas.microsoft.com/office/drawing/2018/hyperlinkcolor" val="tx"/>
-                    </a:ext>
-                  </a:extLst>
-                </a:hlinkClick>
-              </a:rPr>
-              <a:t>https://www.linkedin.com/in/jiri-novak-8b748718/</a:t>
-            </a:r>
-            <a:endParaRPr lang="en-US" sz="2400" dirty="0">
-              <a:solidFill>
-                <a:schemeClr val="accent1"/>
-              </a:solidFill>
-            </a:endParaRPr>
-          </a:p>
-          <a:p>
-            <a:endParaRPr lang="en-US" sz="2000" dirty="0"/>
-          </a:p>
-        </p:txBody>
-      </p:sp>
-      <p:sp>
-        <p:nvSpPr>
-          <p:cNvPr id="6" name="Foliennummernplatzhalter 5">
-            <a:extLst>
-              <a:ext uri="{FF2B5EF4-FFF2-40B4-BE49-F238E27FC236}">
-                <a16:creationId xmlns:a16="http://schemas.microsoft.com/office/drawing/2014/main" id="{5523505E-C6EB-DD6A-DE02-BA418DA94286}"/>
-              </a:ext>
-            </a:extLst>
-          </p:cNvPr>
-          <p:cNvSpPr>
-            <a:spLocks noGrp="1"/>
-          </p:cNvSpPr>
-          <p:nvPr>
-            <p:ph type="sldNum" sz="quarter" idx="12"/>
-          </p:nvPr>
-        </p:nvSpPr>
-        <p:spPr/>
-        <p:txBody>
-          <a:bodyPr/>
-          <a:lstStyle/>
-          <a:p>
-            <a:fld id="{442AD375-037F-43D0-B059-5172DA06796A}" type="slidenum">
-              <a:rPr lang="en-GB" noProof="0" smtClean="0"/>
-              <a:pPr/>
-              <a:t>2</a:t>
-            </a:fld>
-            <a:endParaRPr lang="en-GB" noProof="0" dirty="0"/>
-          </a:p>
-        </p:txBody>
-      </p:sp>
-    </p:spTree>
-    <p:extLst>
-      <p:ext uri="{BB962C8B-B14F-4D97-AF65-F5344CB8AC3E}">
-        <p14:creationId xmlns:p14="http://schemas.microsoft.com/office/powerpoint/2010/main" val="3967224830"/>
-      </p:ext>
-    </p:extLst>
-  </p:cSld>
-  <p:clrMapOvr>
-    <a:masterClrMapping/>
-  </p:clrMapOvr>
-</p:sld>
-</file>
-
-<file path=ppt/slides/slide3.xml><?xml version="1.0" encoding="utf-8"?>
-<p:sld xmlns:a="http://schemas.openxmlformats.org/drawingml/2006/main" xmlns:r="http://schemas.openxmlformats.org/officeDocument/2006/relationships" xmlns:p="http://schemas.openxmlformats.org/presentationml/2006/main">
-  <p:cSld>
-    <p:spTree>
-      <p:nvGrpSpPr>
-        <p:cNvPr id="1" name="">
-          <a:extLst>
-            <a:ext uri="{FF2B5EF4-FFF2-40B4-BE49-F238E27FC236}">
-              <a16:creationId xmlns:a16="http://schemas.microsoft.com/office/drawing/2014/main" id="{21F541FF-A1F5-625E-68AF-4BD0BC941CD0}"/>
-            </a:ext>
-          </a:extLst>
-        </p:cNvPr>
-        <p:cNvGrpSpPr/>
-        <p:nvPr/>
-      </p:nvGrpSpPr>
-      <p:grpSpPr>
-        <a:xfrm>
-          <a:off x="0" y="0"/>
-          <a:ext cx="0" cy="0"/>
-          <a:chOff x="0" y="0"/>
-          <a:chExt cx="0" cy="0"/>
-        </a:xfrm>
-      </p:grpSpPr>
-      <p:sp>
-        <p:nvSpPr>
-          <p:cNvPr id="2" name="Titel 1">
-            <a:extLst>
-              <a:ext uri="{FF2B5EF4-FFF2-40B4-BE49-F238E27FC236}">
-                <a16:creationId xmlns:a16="http://schemas.microsoft.com/office/drawing/2014/main" id="{34CE8C71-D3B6-F6F3-8B6D-9B5E0791D7D1}"/>
-              </a:ext>
-            </a:extLst>
-          </p:cNvPr>
-          <p:cNvSpPr>
-            <a:spLocks noGrp="1"/>
-          </p:cNvSpPr>
-          <p:nvPr>
-            <p:ph type="title"/>
-          </p:nvPr>
-        </p:nvSpPr>
-        <p:spPr/>
-        <p:txBody>
-          <a:bodyPr/>
-          <a:lstStyle/>
-          <a:p>
-            <a:r>
-              <a:rPr lang="en-US" sz="2800" dirty="0"/>
-              <a:t>Data anonymization</a:t>
-            </a:r>
-            <a:endParaRPr lang="en-US" dirty="0"/>
-          </a:p>
-        </p:txBody>
-      </p:sp>
-      <p:sp>
-        <p:nvSpPr>
-          <p:cNvPr id="3" name="Inhaltsplatzhalter 2">
-            <a:extLst>
-              <a:ext uri="{FF2B5EF4-FFF2-40B4-BE49-F238E27FC236}">
-                <a16:creationId xmlns:a16="http://schemas.microsoft.com/office/drawing/2014/main" id="{427A1835-6346-DE68-E25E-2FCD43DF41F1}"/>
-              </a:ext>
-            </a:extLst>
-          </p:cNvPr>
-          <p:cNvSpPr>
-            <a:spLocks noGrp="1"/>
-          </p:cNvSpPr>
-          <p:nvPr>
-            <p:ph idx="1"/>
-          </p:nvPr>
-        </p:nvSpPr>
-        <p:spPr/>
-        <p:txBody>
-          <a:bodyPr/>
-          <a:lstStyle/>
-          <a:p>
-            <a:pPr algn="l"/>
-            <a:r>
-              <a:rPr lang="en-US" sz="2000" dirty="0"/>
-              <a:t>My work is </a:t>
-            </a:r>
-            <a:r>
-              <a:rPr lang="en-US" sz="2000" i="1" dirty="0"/>
-              <a:t>Data Anonymization </a:t>
-            </a:r>
-            <a:r>
-              <a:rPr lang="en-US" sz="2000" dirty="0"/>
-              <a:t>in the context of the field of </a:t>
-            </a:r>
-            <a:r>
-              <a:rPr lang="en-US" sz="2000" b="1" dirty="0"/>
-              <a:t>Statistical Disclosure Control </a:t>
-            </a:r>
-            <a:r>
-              <a:rPr lang="en-US" sz="2000" dirty="0"/>
-              <a:t>(SDC)</a:t>
-            </a:r>
-            <a:endParaRPr lang="cs-CZ" sz="2000" dirty="0"/>
-          </a:p>
-          <a:p>
-            <a:pPr algn="l"/>
-            <a:endParaRPr lang="en-US" sz="2000" dirty="0"/>
-          </a:p>
-          <a:p>
-            <a:r>
-              <a:rPr lang="en-US" sz="2000" b="1" dirty="0"/>
-              <a:t>Statistical Disclosure Control </a:t>
-            </a:r>
-            <a:r>
-              <a:rPr lang="en-US" sz="2000" dirty="0"/>
-              <a:t>seeks to protect statistical data in such a way that they can be released without giving away confidential information that can be linked to specific individuals or entities.</a:t>
-            </a:r>
-            <a:endParaRPr lang="cs-CZ" sz="2000" dirty="0"/>
-          </a:p>
-          <a:p>
-            <a:endParaRPr lang="cs-CZ" sz="2000" dirty="0"/>
-          </a:p>
-          <a:p>
-            <a:endParaRPr lang="cs-CZ" sz="2000" dirty="0"/>
-          </a:p>
-          <a:p>
-            <a:r>
-              <a:rPr lang="en-US" sz="2000" dirty="0"/>
-              <a:t>Importance of Data Anonymization</a:t>
-            </a:r>
-            <a:endParaRPr lang="cs-CZ" sz="2000" dirty="0"/>
-          </a:p>
-          <a:p>
-            <a:pPr lvl="2"/>
-            <a:r>
-              <a:rPr lang="en-US" sz="2000" dirty="0"/>
-              <a:t>1. </a:t>
-            </a:r>
-            <a:r>
-              <a:rPr lang="en-US" sz="2000" b="1" dirty="0"/>
-              <a:t>Principle</a:t>
-            </a:r>
-            <a:r>
-              <a:rPr lang="en-US" sz="2000" dirty="0"/>
-              <a:t> </a:t>
-            </a:r>
-            <a:r>
-              <a:rPr lang="en-US" sz="1800" dirty="0"/>
-              <a:t>It is a fundamental principle of Official Statistics that the statistical</a:t>
-            </a:r>
-            <a:r>
-              <a:rPr lang="cs-CZ" sz="1800" dirty="0"/>
-              <a:t> </a:t>
-            </a:r>
-            <a:r>
-              <a:rPr lang="en-US" sz="1800" dirty="0"/>
-              <a:t>records of individual persons, businesses, or events used to produce Official</a:t>
-            </a:r>
-            <a:r>
-              <a:rPr lang="cs-CZ" sz="1800" dirty="0"/>
-              <a:t> </a:t>
-            </a:r>
-            <a:r>
-              <a:rPr lang="en-US" sz="1800" dirty="0"/>
-              <a:t>Statistics are strictly confidential and to be used only for statistical purposes.</a:t>
-            </a:r>
-          </a:p>
-          <a:p>
-            <a:pPr lvl="2"/>
-            <a:r>
-              <a:rPr lang="en-US" sz="2000" dirty="0"/>
-              <a:t>2. </a:t>
-            </a:r>
-            <a:r>
-              <a:rPr lang="en-US" sz="2000" b="1" dirty="0"/>
-              <a:t>Legal</a:t>
-            </a:r>
-            <a:r>
-              <a:rPr lang="en-US" sz="2000" dirty="0"/>
-              <a:t> </a:t>
-            </a:r>
-            <a:r>
-              <a:rPr lang="en-US" sz="1800" dirty="0"/>
-              <a:t>Legislation imposes a legal obligation to protect individual business and</a:t>
-            </a:r>
-            <a:r>
-              <a:rPr lang="cs-CZ" sz="1800" dirty="0"/>
-              <a:t> </a:t>
-            </a:r>
-            <a:r>
-              <a:rPr lang="en-US" sz="1800" dirty="0"/>
-              <a:t>personal data. Legal frameworks regulate what is allowed and what is not allowed</a:t>
-            </a:r>
-            <a:r>
-              <a:rPr lang="cs-CZ" sz="1800" dirty="0"/>
-              <a:t> </a:t>
-            </a:r>
-            <a:r>
-              <a:rPr lang="en-US" sz="1800" dirty="0"/>
-              <a:t>regarding the publication of private information.</a:t>
-            </a:r>
-          </a:p>
-          <a:p>
-            <a:pPr lvl="2"/>
-            <a:r>
-              <a:rPr lang="en-US" sz="2000" dirty="0"/>
-              <a:t>3. </a:t>
-            </a:r>
-            <a:r>
-              <a:rPr lang="en-US" sz="2000" b="1" dirty="0"/>
-              <a:t>Quality</a:t>
-            </a:r>
-            <a:r>
-              <a:rPr lang="en-US" sz="2000" dirty="0"/>
-              <a:t> </a:t>
-            </a:r>
-            <a:r>
-              <a:rPr lang="en-US" sz="1800" dirty="0"/>
-              <a:t>Respondents need confidence in the preservation of the confidentiality of</a:t>
-            </a:r>
-            <a:r>
-              <a:rPr lang="cs-CZ" sz="1800" dirty="0"/>
-              <a:t> </a:t>
-            </a:r>
-            <a:r>
-              <a:rPr lang="en-US" sz="1800" dirty="0"/>
-              <a:t>individual information. If they do not trust the confidentiality of the data, they</a:t>
-            </a:r>
-            <a:r>
-              <a:rPr lang="cs-CZ" sz="1800" dirty="0"/>
-              <a:t> </a:t>
-            </a:r>
-            <a:r>
-              <a:rPr lang="en-US" sz="1800" dirty="0"/>
-              <a:t>may not provide accurate information.</a:t>
-            </a:r>
-          </a:p>
-          <a:p>
-            <a:pPr lvl="2"/>
-            <a:r>
-              <a:rPr lang="en-US" sz="2000" dirty="0"/>
-              <a:t>4. </a:t>
-            </a:r>
-            <a:r>
-              <a:rPr lang="en-US" sz="2000" b="1" dirty="0"/>
-              <a:t>Ethical</a:t>
-            </a:r>
-            <a:r>
-              <a:rPr lang="en-US" sz="2000" dirty="0"/>
-              <a:t> </a:t>
-            </a:r>
-            <a:r>
-              <a:rPr lang="en-US" sz="1800" dirty="0"/>
-              <a:t>Disclosing information that can be linked to specific individuals or entities</a:t>
-            </a:r>
-            <a:r>
-              <a:rPr lang="cs-CZ" sz="1800" dirty="0"/>
-              <a:t> </a:t>
-            </a:r>
-            <a:r>
-              <a:rPr lang="en-US" sz="1800" dirty="0"/>
-              <a:t>is unethical.</a:t>
-            </a:r>
-            <a:endParaRPr lang="cs-CZ" sz="1800" dirty="0"/>
-          </a:p>
-        </p:txBody>
-      </p:sp>
-      <p:sp>
-        <p:nvSpPr>
-          <p:cNvPr id="6" name="Foliennummernplatzhalter 5">
-            <a:extLst>
-              <a:ext uri="{FF2B5EF4-FFF2-40B4-BE49-F238E27FC236}">
-                <a16:creationId xmlns:a16="http://schemas.microsoft.com/office/drawing/2014/main" id="{F0700AC8-DDB0-4613-562A-57C7EBDC9F84}"/>
-              </a:ext>
-            </a:extLst>
-          </p:cNvPr>
-          <p:cNvSpPr>
-            <a:spLocks noGrp="1"/>
-          </p:cNvSpPr>
-          <p:nvPr>
-            <p:ph type="sldNum" sz="quarter" idx="12"/>
-          </p:nvPr>
-        </p:nvSpPr>
-        <p:spPr/>
-        <p:txBody>
-          <a:bodyPr/>
-          <a:lstStyle/>
-          <a:p>
-            <a:fld id="{442AD375-037F-43D0-B059-5172DA06796A}" type="slidenum">
-              <a:rPr lang="en-GB" noProof="0" smtClean="0"/>
-              <a:pPr/>
-              <a:t>3</a:t>
-            </a:fld>
-            <a:endParaRPr lang="en-GB" noProof="0" dirty="0"/>
-          </a:p>
-        </p:txBody>
-      </p:sp>
-    </p:spTree>
-    <p:extLst>
-      <p:ext uri="{BB962C8B-B14F-4D97-AF65-F5344CB8AC3E}">
-        <p14:creationId xmlns:p14="http://schemas.microsoft.com/office/powerpoint/2010/main" val="4107326556"/>
-      </p:ext>
-    </p:extLst>
-  </p:cSld>
-  <p:clrMapOvr>
-    <a:masterClrMapping/>
-  </p:clrMapOvr>
-</p:sld>
-</file>
-
-<file path=ppt/slides/slide4.xml><?xml version="1.0" encoding="utf-8"?>
-<p:sld xmlns:a="http://schemas.openxmlformats.org/drawingml/2006/main" xmlns:r="http://schemas.openxmlformats.org/officeDocument/2006/relationships" xmlns:p="http://schemas.openxmlformats.org/presentationml/2006/main">
-  <p:cSld>
-    <p:spTree>
-      <p:nvGrpSpPr>
-        <p:cNvPr id="1" name="">
-          <a:extLst>
-            <a:ext uri="{FF2B5EF4-FFF2-40B4-BE49-F238E27FC236}">
-              <a16:creationId xmlns:a16="http://schemas.microsoft.com/office/drawing/2014/main" id="{346E7D53-C838-FD85-21EA-691FB6E8C915}"/>
-            </a:ext>
-          </a:extLst>
-        </p:cNvPr>
-        <p:cNvGrpSpPr/>
-        <p:nvPr/>
-      </p:nvGrpSpPr>
-      <p:grpSpPr>
-        <a:xfrm>
-          <a:off x="0" y="0"/>
-          <a:ext cx="0" cy="0"/>
-          <a:chOff x="0" y="0"/>
-          <a:chExt cx="0" cy="0"/>
-        </a:xfrm>
-      </p:grpSpPr>
-      <p:sp>
-        <p:nvSpPr>
-          <p:cNvPr id="2" name="Titel 1">
-            <a:extLst>
-              <a:ext uri="{FF2B5EF4-FFF2-40B4-BE49-F238E27FC236}">
-                <a16:creationId xmlns:a16="http://schemas.microsoft.com/office/drawing/2014/main" id="{C2E1EB7F-6FF7-D90C-3366-FF3B10FABEC6}"/>
-              </a:ext>
-            </a:extLst>
-          </p:cNvPr>
-          <p:cNvSpPr>
-            <a:spLocks noGrp="1"/>
-          </p:cNvSpPr>
-          <p:nvPr>
-            <p:ph type="title"/>
-          </p:nvPr>
-        </p:nvSpPr>
-        <p:spPr/>
-        <p:txBody>
-          <a:bodyPr/>
-          <a:lstStyle/>
-          <a:p>
-            <a:r>
-              <a:rPr lang="en-US" sz="2800" dirty="0"/>
-              <a:t>Relevance to Open Science</a:t>
-            </a:r>
-            <a:endParaRPr lang="en-US" dirty="0"/>
-          </a:p>
-        </p:txBody>
-      </p:sp>
-      <p:sp>
-        <p:nvSpPr>
-          <p:cNvPr id="3" name="Inhaltsplatzhalter 2">
-            <a:extLst>
-              <a:ext uri="{FF2B5EF4-FFF2-40B4-BE49-F238E27FC236}">
-                <a16:creationId xmlns:a16="http://schemas.microsoft.com/office/drawing/2014/main" id="{556E08A4-1F71-662D-74FD-2F7FD7AFF59A}"/>
-              </a:ext>
-            </a:extLst>
-          </p:cNvPr>
-          <p:cNvSpPr>
-            <a:spLocks noGrp="1"/>
-          </p:cNvSpPr>
-          <p:nvPr>
-            <p:ph idx="1"/>
-          </p:nvPr>
-        </p:nvSpPr>
-        <p:spPr/>
-        <p:txBody>
-          <a:bodyPr/>
-          <a:lstStyle/>
-          <a:p>
-            <a:pPr algn="l"/>
-            <a:r>
-              <a:rPr lang="en-US" sz="2000" b="1" dirty="0"/>
-              <a:t>Open Science, Open Access, Open Data </a:t>
-            </a:r>
-            <a:r>
-              <a:rPr lang="en-US" sz="2000" dirty="0"/>
-              <a:t>are important trends in the scientific</a:t>
-            </a:r>
-            <a:r>
-              <a:rPr lang="cs-CZ" sz="2000" dirty="0"/>
-              <a:t> </a:t>
-            </a:r>
-            <a:r>
-              <a:rPr lang="en-US" sz="2000" dirty="0"/>
-              <a:t>community.</a:t>
-            </a:r>
-            <a:endParaRPr lang="cs-CZ" sz="2000" dirty="0"/>
-          </a:p>
-          <a:p>
-            <a:pPr algn="l"/>
-            <a:endParaRPr lang="en-US" sz="2000" dirty="0"/>
-          </a:p>
-          <a:p>
-            <a:pPr algn="l"/>
-            <a:r>
-              <a:rPr lang="en-US" sz="2000" dirty="0"/>
-              <a:t>Research data that results from publicly funded research should be FAIR:</a:t>
-            </a:r>
-          </a:p>
-          <a:p>
-            <a:pPr algn="ctr"/>
-            <a:r>
-              <a:rPr lang="en-US" sz="2000" b="1" dirty="0"/>
-              <a:t>findable, accessible, interoperable, reusable</a:t>
-            </a:r>
-            <a:endParaRPr lang="cs-CZ" sz="2000" b="1" dirty="0"/>
-          </a:p>
-          <a:p>
-            <a:endParaRPr lang="cs-CZ" sz="2000" dirty="0"/>
-          </a:p>
-          <a:p>
-            <a:endParaRPr lang="cs-CZ" sz="2000" dirty="0"/>
-          </a:p>
-          <a:p>
-            <a:pPr lvl="2"/>
-            <a:r>
-              <a:rPr lang="en-US" sz="2000" dirty="0"/>
-              <a:t> therefore replicable, transparent, trustworthy, verifiable and accountable</a:t>
-            </a:r>
-          </a:p>
-          <a:p>
-            <a:pPr lvl="2"/>
-            <a:r>
-              <a:rPr lang="en-US" sz="2000" dirty="0"/>
-              <a:t> Principle: </a:t>
-            </a:r>
-            <a:r>
-              <a:rPr lang="en-US" sz="2000" b="1" dirty="0"/>
-              <a:t>As open as possible, as closed as necessary</a:t>
-            </a:r>
-          </a:p>
-          <a:p>
-            <a:pPr lvl="2"/>
-            <a:r>
-              <a:rPr lang="en-US" sz="2000" dirty="0"/>
-              <a:t> Enables data sharing and collaboration</a:t>
-            </a:r>
-          </a:p>
-          <a:p>
-            <a:pPr lvl="2"/>
-            <a:r>
-              <a:rPr lang="cs-CZ" sz="2000" dirty="0"/>
-              <a:t> </a:t>
-            </a:r>
-            <a:r>
-              <a:rPr lang="en-US" sz="2000" dirty="0"/>
-              <a:t>Facilitates reproducible research</a:t>
-            </a:r>
-          </a:p>
-          <a:p>
-            <a:pPr lvl="2"/>
-            <a:r>
-              <a:rPr lang="en-US" sz="2000" dirty="0"/>
-              <a:t> Balances transparency with privacy</a:t>
-            </a:r>
-            <a:endParaRPr lang="cs-CZ" sz="2000" dirty="0"/>
-          </a:p>
-          <a:p>
-            <a:pPr marL="428400" lvl="2" indent="0">
-              <a:buNone/>
-            </a:pPr>
-            <a:endParaRPr lang="cs-CZ" sz="2000" dirty="0"/>
-          </a:p>
-          <a:p>
-            <a:pPr marL="428400" lvl="2" indent="0">
-              <a:buNone/>
-            </a:pPr>
-            <a:r>
-              <a:rPr lang="en-US" sz="2000" dirty="0">
-                <a:solidFill>
-                  <a:schemeClr val="accent1"/>
-                </a:solidFill>
-                <a:hlinkClick r:id="rId2">
-                  <a:extLst>
-                    <a:ext uri="{A12FA001-AC4F-418D-AE19-62706E023703}">
-                      <ahyp:hlinkClr xmlns:ahyp="http://schemas.microsoft.com/office/drawing/2018/hyperlinkcolor" val="tx"/>
-                    </a:ext>
-                  </a:extLst>
-                </a:hlinkClick>
-              </a:rPr>
-              <a:t>Commission Recommendation (EU) 2018/790 on access to and preservation</a:t>
-            </a:r>
-            <a:r>
-              <a:rPr lang="cs-CZ" sz="2000" dirty="0">
-                <a:solidFill>
-                  <a:schemeClr val="accent1"/>
-                </a:solidFill>
-                <a:hlinkClick r:id="rId2">
-                  <a:extLst>
-                    <a:ext uri="{A12FA001-AC4F-418D-AE19-62706E023703}">
-                      <ahyp:hlinkClr xmlns:ahyp="http://schemas.microsoft.com/office/drawing/2018/hyperlinkcolor" val="tx"/>
-                    </a:ext>
-                  </a:extLst>
-                </a:hlinkClick>
-              </a:rPr>
-              <a:t> </a:t>
-            </a:r>
-            <a:r>
-              <a:rPr lang="en-US" sz="2000" dirty="0">
-                <a:solidFill>
-                  <a:schemeClr val="accent1"/>
-                </a:solidFill>
-                <a:hlinkClick r:id="rId2">
-                  <a:extLst>
-                    <a:ext uri="{A12FA001-AC4F-418D-AE19-62706E023703}">
-                      <ahyp:hlinkClr xmlns:ahyp="http://schemas.microsoft.com/office/drawing/2018/hyperlinkcolor" val="tx"/>
-                    </a:ext>
-                  </a:extLst>
-                </a:hlinkClick>
-              </a:rPr>
-              <a:t>of scientific information</a:t>
-            </a:r>
-            <a:endParaRPr lang="cs-CZ" sz="2000" dirty="0">
-              <a:solidFill>
-                <a:schemeClr val="accent1"/>
-              </a:solidFill>
-            </a:endParaRPr>
-          </a:p>
-        </p:txBody>
-      </p:sp>
-      <p:sp>
-        <p:nvSpPr>
-          <p:cNvPr id="6" name="Foliennummernplatzhalter 5">
-            <a:extLst>
-              <a:ext uri="{FF2B5EF4-FFF2-40B4-BE49-F238E27FC236}">
-                <a16:creationId xmlns:a16="http://schemas.microsoft.com/office/drawing/2014/main" id="{9D5D99C4-7E83-82E2-EADD-0A85FD789569}"/>
-              </a:ext>
-            </a:extLst>
-          </p:cNvPr>
-          <p:cNvSpPr>
-            <a:spLocks noGrp="1"/>
-          </p:cNvSpPr>
-          <p:nvPr>
-            <p:ph type="sldNum" sz="quarter" idx="12"/>
-          </p:nvPr>
-        </p:nvSpPr>
-        <p:spPr/>
-        <p:txBody>
-          <a:bodyPr/>
-          <a:lstStyle/>
-          <a:p>
-            <a:fld id="{442AD375-037F-43D0-B059-5172DA06796A}" type="slidenum">
-              <a:rPr lang="en-GB" noProof="0" smtClean="0"/>
-              <a:pPr/>
-              <a:t>4</a:t>
-            </a:fld>
-            <a:endParaRPr lang="en-GB" noProof="0" dirty="0"/>
-          </a:p>
-        </p:txBody>
-      </p:sp>
-    </p:spTree>
-    <p:extLst>
-      <p:ext uri="{BB962C8B-B14F-4D97-AF65-F5344CB8AC3E}">
-        <p14:creationId xmlns:p14="http://schemas.microsoft.com/office/powerpoint/2010/main" val="1157324767"/>
-      </p:ext>
-    </p:extLst>
-  </p:cSld>
-  <p:clrMapOvr>
-    <a:masterClrMapping/>
-  </p:clrMapOvr>
-</p:sld>
-</file>
-
-<file path=ppt/slides/slide5.xml><?xml version="1.0" encoding="utf-8"?>
-<p:sld xmlns:a="http://schemas.openxmlformats.org/drawingml/2006/main" xmlns:r="http://schemas.openxmlformats.org/officeDocument/2006/relationships" xmlns:p="http://schemas.openxmlformats.org/presentationml/2006/main">
-  <p:cSld>
-    <p:spTree>
-      <p:nvGrpSpPr>
-        <p:cNvPr id="1" name="">
-          <a:extLst>
-            <a:ext uri="{FF2B5EF4-FFF2-40B4-BE49-F238E27FC236}">
-              <a16:creationId xmlns:a16="http://schemas.microsoft.com/office/drawing/2014/main" id="{18277918-EA82-938A-5AE8-3339F73EA55E}"/>
-            </a:ext>
-          </a:extLst>
-        </p:cNvPr>
-        <p:cNvGrpSpPr/>
-        <p:nvPr/>
-      </p:nvGrpSpPr>
-      <p:grpSpPr>
-        <a:xfrm>
-          <a:off x="0" y="0"/>
-          <a:ext cx="0" cy="0"/>
-          <a:chOff x="0" y="0"/>
-          <a:chExt cx="0" cy="0"/>
-        </a:xfrm>
-      </p:grpSpPr>
-      <p:sp>
-        <p:nvSpPr>
-          <p:cNvPr id="2" name="Titel 1">
-            <a:extLst>
-              <a:ext uri="{FF2B5EF4-FFF2-40B4-BE49-F238E27FC236}">
-                <a16:creationId xmlns:a16="http://schemas.microsoft.com/office/drawing/2014/main" id="{59BACCA5-955D-BFE5-D4F0-F015513F1BB9}"/>
-              </a:ext>
-            </a:extLst>
-          </p:cNvPr>
-          <p:cNvSpPr>
-            <a:spLocks noGrp="1"/>
-          </p:cNvSpPr>
-          <p:nvPr>
-            <p:ph type="title"/>
-          </p:nvPr>
-        </p:nvSpPr>
-        <p:spPr/>
-        <p:txBody>
-          <a:bodyPr/>
-          <a:lstStyle/>
-          <a:p>
-            <a:r>
-              <a:rPr lang="en-US" sz="2800" dirty="0"/>
-              <a:t>Key Concepts</a:t>
-            </a:r>
-            <a:r>
-              <a:rPr lang="cs-CZ" sz="2800" dirty="0"/>
-              <a:t> </a:t>
-            </a:r>
-            <a:endParaRPr lang="en-US" dirty="0"/>
-          </a:p>
-        </p:txBody>
-      </p:sp>
-      <p:sp>
-        <p:nvSpPr>
-          <p:cNvPr id="3" name="Inhaltsplatzhalter 2">
-            <a:extLst>
-              <a:ext uri="{FF2B5EF4-FFF2-40B4-BE49-F238E27FC236}">
-                <a16:creationId xmlns:a16="http://schemas.microsoft.com/office/drawing/2014/main" id="{E352CCDE-7E4F-9E90-879D-204FB75A49AF}"/>
-              </a:ext>
-            </a:extLst>
-          </p:cNvPr>
-          <p:cNvSpPr>
-            <a:spLocks noGrp="1"/>
-          </p:cNvSpPr>
-          <p:nvPr>
-            <p:ph idx="1"/>
-          </p:nvPr>
-        </p:nvSpPr>
-        <p:spPr/>
-        <p:txBody>
-          <a:bodyPr/>
-          <a:lstStyle/>
-          <a:p>
-            <a:pPr algn="l"/>
-            <a:r>
-              <a:rPr lang="en-US" sz="2000" b="1" dirty="0"/>
-              <a:t>Disclosure</a:t>
-            </a:r>
-            <a:endParaRPr lang="en-US" sz="2000" dirty="0"/>
-          </a:p>
-          <a:p>
-            <a:pPr lvl="2"/>
-            <a:r>
-              <a:rPr lang="en-US" sz="2000" dirty="0"/>
-              <a:t> A disclosure occurs when a person or an </a:t>
-            </a:r>
-            <a:r>
-              <a:rPr lang="en-US" sz="2000" dirty="0" err="1"/>
-              <a:t>organisation</a:t>
-            </a:r>
-            <a:r>
-              <a:rPr lang="en-US" sz="2000" dirty="0"/>
-              <a:t> </a:t>
-            </a:r>
-            <a:r>
-              <a:rPr lang="en-US" sz="2000" dirty="0" err="1"/>
-              <a:t>recognises</a:t>
-            </a:r>
-            <a:r>
-              <a:rPr lang="en-US" sz="2000" dirty="0"/>
-              <a:t> or learns something that they did not know already about another person or </a:t>
-            </a:r>
-            <a:r>
-              <a:rPr lang="en-US" sz="2000" dirty="0" err="1"/>
-              <a:t>organisation</a:t>
-            </a:r>
-            <a:r>
-              <a:rPr lang="en-US" sz="2000" dirty="0"/>
-              <a:t>, via released data.</a:t>
-            </a:r>
-          </a:p>
-          <a:p>
-            <a:pPr lvl="2"/>
-            <a:r>
-              <a:rPr lang="en-US" sz="2000" dirty="0"/>
-              <a:t>(1) </a:t>
-            </a:r>
-            <a:r>
-              <a:rPr lang="en-US" sz="2000" b="1" dirty="0"/>
-              <a:t>Identity disclosure</a:t>
-            </a:r>
-            <a:r>
-              <a:rPr lang="en-US" sz="2000" dirty="0"/>
-              <a:t>: Revealing the identity of an individual.</a:t>
-            </a:r>
-          </a:p>
-          <a:p>
-            <a:pPr lvl="2"/>
-            <a:r>
-              <a:rPr lang="en-US" sz="2000" dirty="0"/>
-              <a:t>(2) </a:t>
-            </a:r>
-            <a:r>
-              <a:rPr lang="en-US" sz="2000" b="1" dirty="0"/>
-              <a:t>Attribute disclosure</a:t>
-            </a:r>
-            <a:r>
-              <a:rPr lang="en-US" sz="2000" dirty="0"/>
-              <a:t>:</a:t>
-            </a:r>
-            <a:r>
-              <a:rPr lang="en-US" sz="2000" b="1" dirty="0"/>
-              <a:t> </a:t>
-            </a:r>
-            <a:r>
-              <a:rPr lang="en-US" sz="2000" dirty="0"/>
-              <a:t>Revealing sensitive attributes of an individual.</a:t>
-            </a:r>
-          </a:p>
-          <a:p>
-            <a:pPr lvl="2"/>
-            <a:r>
-              <a:rPr lang="en-US" sz="2000" dirty="0"/>
-              <a:t>(3) </a:t>
-            </a:r>
-            <a:r>
-              <a:rPr lang="en-US" sz="2000" b="1" dirty="0"/>
-              <a:t>Inferential disclosure</a:t>
-            </a:r>
-            <a:r>
-              <a:rPr lang="en-US" sz="2000" dirty="0"/>
-              <a:t>: Making inferences about an individual based on the released data.</a:t>
-            </a:r>
-          </a:p>
-          <a:p>
-            <a:pPr lvl="2"/>
-            <a:r>
-              <a:rPr lang="en-US" sz="2000" dirty="0"/>
-              <a:t>(4) </a:t>
-            </a:r>
-            <a:r>
-              <a:rPr lang="en-US" sz="2000" b="1" dirty="0"/>
-              <a:t>Membership disclosure</a:t>
-            </a:r>
-            <a:r>
-              <a:rPr lang="en-US" sz="2000" dirty="0"/>
-              <a:t>: Determining whether a specific individual is included in a dataset</a:t>
-            </a:r>
-          </a:p>
-          <a:p>
-            <a:pPr lvl="2"/>
-            <a:endParaRPr lang="en-US" sz="2000" dirty="0"/>
-          </a:p>
-          <a:p>
-            <a:pPr marL="0" lvl="2" indent="0">
-              <a:spcBef>
-                <a:spcPts val="0"/>
-              </a:spcBef>
-              <a:buNone/>
-            </a:pPr>
-            <a:r>
-              <a:rPr lang="en-US" sz="2000" b="1" dirty="0"/>
-              <a:t>Re-identification risk</a:t>
-            </a:r>
-          </a:p>
-          <a:p>
-            <a:pPr lvl="2"/>
-            <a:r>
-              <a:rPr lang="en-US" sz="2000" dirty="0"/>
-              <a:t>Re-identification risk is the risk that an intruder can link a record in the released data to a specific individual in the population.</a:t>
-            </a:r>
-          </a:p>
-          <a:p>
-            <a:pPr lvl="2"/>
-            <a:endParaRPr lang="en-US" sz="2000" dirty="0"/>
-          </a:p>
-          <a:p>
-            <a:pPr marL="0" lvl="2" indent="0">
-              <a:spcBef>
-                <a:spcPts val="0"/>
-              </a:spcBef>
-              <a:buNone/>
-            </a:pPr>
-            <a:r>
-              <a:rPr lang="en-US" sz="2000" b="1" dirty="0"/>
-              <a:t>Data utility</a:t>
-            </a:r>
-          </a:p>
-          <a:p>
-            <a:pPr lvl="2"/>
-            <a:r>
-              <a:rPr lang="en-US" sz="2000" dirty="0"/>
-              <a:t>Data utility is the usefulness of the data for the intended purpose.</a:t>
-            </a:r>
-          </a:p>
-        </p:txBody>
-      </p:sp>
-      <p:sp>
-        <p:nvSpPr>
-          <p:cNvPr id="6" name="Foliennummernplatzhalter 5">
-            <a:extLst>
-              <a:ext uri="{FF2B5EF4-FFF2-40B4-BE49-F238E27FC236}">
-                <a16:creationId xmlns:a16="http://schemas.microsoft.com/office/drawing/2014/main" id="{E537CCB0-6DC9-A9F8-496E-7A8D17395280}"/>
-              </a:ext>
-            </a:extLst>
-          </p:cNvPr>
-          <p:cNvSpPr>
-            <a:spLocks noGrp="1"/>
-          </p:cNvSpPr>
-          <p:nvPr>
-            <p:ph type="sldNum" sz="quarter" idx="12"/>
-          </p:nvPr>
-        </p:nvSpPr>
-        <p:spPr/>
-        <p:txBody>
-          <a:bodyPr/>
-          <a:lstStyle/>
-          <a:p>
-            <a:fld id="{442AD375-037F-43D0-B059-5172DA06796A}" type="slidenum">
-              <a:rPr lang="en-GB" noProof="0" smtClean="0"/>
-              <a:pPr/>
-              <a:t>5</a:t>
-            </a:fld>
-            <a:endParaRPr lang="en-GB" noProof="0" dirty="0"/>
-          </a:p>
-        </p:txBody>
-      </p:sp>
-    </p:spTree>
-    <p:extLst>
-      <p:ext uri="{BB962C8B-B14F-4D97-AF65-F5344CB8AC3E}">
-        <p14:creationId xmlns:p14="http://schemas.microsoft.com/office/powerpoint/2010/main" val="2352502011"/>
-      </p:ext>
-    </p:extLst>
-  </p:cSld>
-  <p:clrMapOvr>
-    <a:masterClrMapping/>
-  </p:clrMapOvr>
-</p:sld>
-</file>
-
-<file path=ppt/slides/slide6.xml><?xml version="1.0" encoding="utf-8"?>
-<p:sld xmlns:a="http://schemas.openxmlformats.org/drawingml/2006/main" xmlns:r="http://schemas.openxmlformats.org/officeDocument/2006/relationships" xmlns:p="http://schemas.openxmlformats.org/presentationml/2006/main">
-  <p:cSld>
-    <p:spTree>
-      <p:nvGrpSpPr>
-        <p:cNvPr id="1" name="">
-          <a:extLst>
-            <a:ext uri="{FF2B5EF4-FFF2-40B4-BE49-F238E27FC236}">
-              <a16:creationId xmlns:a16="http://schemas.microsoft.com/office/drawing/2014/main" id="{D345B9AB-6800-3941-1EDD-C50044D3FF80}"/>
-            </a:ext>
-          </a:extLst>
-        </p:cNvPr>
-        <p:cNvGrpSpPr/>
-        <p:nvPr/>
-      </p:nvGrpSpPr>
-      <p:grpSpPr>
-        <a:xfrm>
-          <a:off x="0" y="0"/>
-          <a:ext cx="0" cy="0"/>
-          <a:chOff x="0" y="0"/>
-          <a:chExt cx="0" cy="0"/>
-        </a:xfrm>
-      </p:grpSpPr>
-      <p:pic>
-        <p:nvPicPr>
-          <p:cNvPr id="5" name="Obrázek 4" descr="Obsah obrázku text, snímek obrazovky, diagram, řada/pruh&#10;&#10;Popis byl vytvořen automaticky">
-            <a:extLst>
-              <a:ext uri="{FF2B5EF4-FFF2-40B4-BE49-F238E27FC236}">
-                <a16:creationId xmlns:a16="http://schemas.microsoft.com/office/drawing/2014/main" id="{A26588E5-4B77-ED34-94BE-FBECA597B1BB}"/>
-              </a:ext>
-            </a:extLst>
-          </p:cNvPr>
-          <p:cNvPicPr>
-            <a:picLocks noChangeAspect="1"/>
-          </p:cNvPicPr>
-          <p:nvPr/>
-        </p:nvPicPr>
-        <p:blipFill>
-          <a:blip r:embed="rId2">
-            <a:extLst>
-              <a:ext uri="{28A0092B-C50C-407E-A947-70E740481C1C}">
-                <a14:useLocalDpi xmlns:a14="http://schemas.microsoft.com/office/drawing/2010/main" val="0"/>
-              </a:ext>
-            </a:extLst>
-          </a:blip>
-          <a:stretch>
-            <a:fillRect/>
-          </a:stretch>
-        </p:blipFill>
-        <p:spPr>
-          <a:xfrm>
-            <a:off x="6224315" y="902767"/>
-            <a:ext cx="5688632" cy="4656290"/>
-          </a:xfrm>
-          <a:prstGeom prst="rect">
-            <a:avLst/>
-          </a:prstGeom>
-        </p:spPr>
-      </p:pic>
-      <p:sp>
-        <p:nvSpPr>
-          <p:cNvPr id="2" name="Titel 1">
-            <a:extLst>
-              <a:ext uri="{FF2B5EF4-FFF2-40B4-BE49-F238E27FC236}">
-                <a16:creationId xmlns:a16="http://schemas.microsoft.com/office/drawing/2014/main" id="{A432E69C-D288-FEB9-92D3-C3A1A05D46D1}"/>
-              </a:ext>
-            </a:extLst>
-          </p:cNvPr>
-          <p:cNvSpPr>
-            <a:spLocks noGrp="1"/>
-          </p:cNvSpPr>
-          <p:nvPr>
-            <p:ph type="title"/>
-          </p:nvPr>
-        </p:nvSpPr>
-        <p:spPr/>
-        <p:txBody>
-          <a:bodyPr/>
-          <a:lstStyle/>
-          <a:p>
-            <a:r>
-              <a:rPr lang="en-US" sz="2800" dirty="0"/>
-              <a:t>Risk and utility</a:t>
-            </a:r>
-            <a:r>
-              <a:rPr lang="cs-CZ" sz="2800" dirty="0"/>
-              <a:t> </a:t>
-            </a:r>
-            <a:endParaRPr lang="en-US" dirty="0"/>
-          </a:p>
-        </p:txBody>
-      </p:sp>
-      <p:sp>
-        <p:nvSpPr>
-          <p:cNvPr id="3" name="Inhaltsplatzhalter 2">
-            <a:extLst>
-              <a:ext uri="{FF2B5EF4-FFF2-40B4-BE49-F238E27FC236}">
-                <a16:creationId xmlns:a16="http://schemas.microsoft.com/office/drawing/2014/main" id="{40343688-FEC1-3826-A71A-EBC8BB165E4B}"/>
-              </a:ext>
-            </a:extLst>
-          </p:cNvPr>
-          <p:cNvSpPr>
-            <a:spLocks noGrp="1"/>
-          </p:cNvSpPr>
-          <p:nvPr>
-            <p:ph idx="1"/>
-          </p:nvPr>
-        </p:nvSpPr>
-        <p:spPr>
-          <a:xfrm>
-            <a:off x="271461" y="870744"/>
-            <a:ext cx="5941539" cy="5150545"/>
-          </a:xfrm>
-        </p:spPr>
-        <p:txBody>
-          <a:bodyPr/>
-          <a:lstStyle/>
-          <a:p>
-            <a:pPr algn="l"/>
-            <a:r>
-              <a:rPr lang="en-US" sz="2000" dirty="0"/>
-              <a:t>SDC seeks to </a:t>
-            </a:r>
-            <a:r>
-              <a:rPr lang="en-US" sz="2000" dirty="0" err="1"/>
-              <a:t>optimise</a:t>
-            </a:r>
-            <a:r>
-              <a:rPr lang="en-US" sz="2000" dirty="0"/>
-              <a:t> the trade-off between the disclosure risk and the utility of the</a:t>
-            </a:r>
-          </a:p>
-          <a:p>
-            <a:pPr algn="l"/>
-            <a:r>
-              <a:rPr lang="en-US" sz="2000" dirty="0"/>
-              <a:t>protected released data.</a:t>
-            </a:r>
-          </a:p>
-          <a:p>
-            <a:pPr lvl="2"/>
-            <a:r>
-              <a:rPr lang="en-US" sz="2000" b="1" dirty="0"/>
-              <a:t>Risk</a:t>
-            </a:r>
-            <a:r>
-              <a:rPr lang="en-US" sz="2000" dirty="0"/>
-              <a:t>: the probability of a disclosure event occurring.</a:t>
-            </a:r>
-          </a:p>
-          <a:p>
-            <a:pPr lvl="2"/>
-            <a:r>
-              <a:rPr lang="en-US" sz="2000" b="1" dirty="0"/>
-              <a:t>Utility</a:t>
-            </a:r>
-            <a:r>
-              <a:rPr lang="en-US" sz="2000" dirty="0"/>
-              <a:t>: the usefulness of the data for the intended purpose.</a:t>
-            </a:r>
-            <a:endParaRPr lang="cs-CZ" sz="2000" dirty="0"/>
-          </a:p>
-          <a:p>
-            <a:pPr lvl="2"/>
-            <a:endParaRPr lang="cs-CZ" sz="2000" dirty="0"/>
-          </a:p>
-          <a:p>
-            <a:pPr marL="0" lvl="2" indent="0">
-              <a:spcBef>
-                <a:spcPts val="0"/>
-              </a:spcBef>
-              <a:buNone/>
-            </a:pPr>
-            <a:r>
-              <a:rPr lang="en-US" sz="2000" dirty="0"/>
-              <a:t>The goal is to find a balance between risk and utility, </a:t>
-            </a:r>
-            <a:endParaRPr lang="cs-CZ" sz="2000" dirty="0"/>
-          </a:p>
-          <a:p>
-            <a:pPr marL="0" lvl="2" indent="0">
-              <a:spcBef>
-                <a:spcPts val="0"/>
-              </a:spcBef>
-              <a:buNone/>
-            </a:pPr>
-            <a:r>
-              <a:rPr lang="en-US" sz="2000" dirty="0"/>
-              <a:t>so there is a </a:t>
-            </a:r>
-            <a:r>
-              <a:rPr lang="en-US" sz="2000" b="1" dirty="0"/>
-              <a:t>risk-utility</a:t>
-            </a:r>
-            <a:r>
-              <a:rPr lang="cs-CZ" sz="2000" b="1" dirty="0"/>
-              <a:t> </a:t>
-            </a:r>
-            <a:r>
-              <a:rPr lang="en-US" sz="2000" b="1" dirty="0"/>
-              <a:t>trade-off</a:t>
-            </a:r>
-            <a:r>
-              <a:rPr lang="en-US" sz="2000" dirty="0"/>
-              <a:t>.</a:t>
-            </a:r>
-            <a:endParaRPr lang="cs-CZ" sz="2000" dirty="0"/>
-          </a:p>
-          <a:p>
-            <a:pPr lvl="2"/>
-            <a:endParaRPr lang="en-US" sz="2000" dirty="0"/>
-          </a:p>
-        </p:txBody>
-      </p:sp>
-      <p:sp>
-        <p:nvSpPr>
-          <p:cNvPr id="6" name="Foliennummernplatzhalter 5">
-            <a:extLst>
-              <a:ext uri="{FF2B5EF4-FFF2-40B4-BE49-F238E27FC236}">
-                <a16:creationId xmlns:a16="http://schemas.microsoft.com/office/drawing/2014/main" id="{14A15C47-B574-5D35-E6DD-0EF91BB74995}"/>
-              </a:ext>
-            </a:extLst>
-          </p:cNvPr>
-          <p:cNvSpPr>
-            <a:spLocks noGrp="1"/>
-          </p:cNvSpPr>
-          <p:nvPr>
-            <p:ph type="sldNum" sz="quarter" idx="12"/>
-          </p:nvPr>
-        </p:nvSpPr>
-        <p:spPr/>
-        <p:txBody>
-          <a:bodyPr/>
-          <a:lstStyle/>
-          <a:p>
-            <a:fld id="{442AD375-037F-43D0-B059-5172DA06796A}" type="slidenum">
-              <a:rPr lang="en-GB" noProof="0" smtClean="0"/>
-              <a:pPr/>
-              <a:t>6</a:t>
-            </a:fld>
-            <a:endParaRPr lang="en-GB" noProof="0" dirty="0"/>
-          </a:p>
-        </p:txBody>
-      </p:sp>
-      <p:sp>
-        <p:nvSpPr>
-          <p:cNvPr id="7" name="TextovéPole 6">
-            <a:extLst>
-              <a:ext uri="{FF2B5EF4-FFF2-40B4-BE49-F238E27FC236}">
-                <a16:creationId xmlns:a16="http://schemas.microsoft.com/office/drawing/2014/main" id="{3687F6A4-0893-F188-58A2-8BA1E965CF0B}"/>
-              </a:ext>
-            </a:extLst>
-          </p:cNvPr>
-          <p:cNvSpPr txBox="1"/>
-          <p:nvPr/>
-        </p:nvSpPr>
-        <p:spPr>
-          <a:xfrm>
-            <a:off x="6876975" y="5955233"/>
-            <a:ext cx="4824536" cy="271485"/>
-          </a:xfrm>
-          <a:prstGeom prst="rect">
-            <a:avLst/>
-          </a:prstGeom>
-          <a:noFill/>
-        </p:spPr>
-        <p:txBody>
-          <a:bodyPr wrap="square" lIns="0" tIns="0" rIns="0" bIns="0" rtlCol="0">
-            <a:spAutoFit/>
-          </a:bodyPr>
-          <a:lstStyle/>
-          <a:p>
-            <a:r>
-              <a:rPr lang="en-US" sz="1800" b="0" i="0" u="none" strike="noStrike" baseline="0" dirty="0">
-                <a:solidFill>
-                  <a:schemeClr val="accent1"/>
-                </a:solidFill>
-                <a:latin typeface="CMSS10"/>
-                <a:hlinkClick r:id="rId3">
-                  <a:extLst>
-                    <a:ext uri="{A12FA001-AC4F-418D-AE19-62706E023703}">
-                      <ahyp:hlinkClr xmlns:ahyp="http://schemas.microsoft.com/office/drawing/2018/hyperlinkcolor" val="tx"/>
-                    </a:ext>
-                  </a:extLst>
-                </a:hlinkClick>
-              </a:rPr>
-              <a:t>R-U confidentiality map (Duncan et al.,2001)</a:t>
-            </a:r>
-            <a:endParaRPr lang="en-US" dirty="0">
-              <a:solidFill>
-                <a:schemeClr val="accent1"/>
-              </a:solidFill>
-            </a:endParaRPr>
-          </a:p>
-        </p:txBody>
-      </p:sp>
-    </p:spTree>
-    <p:extLst>
-      <p:ext uri="{BB962C8B-B14F-4D97-AF65-F5344CB8AC3E}">
-        <p14:creationId xmlns:p14="http://schemas.microsoft.com/office/powerpoint/2010/main" val="4123565300"/>
-      </p:ext>
-    </p:extLst>
-  </p:cSld>
-  <p:clrMapOvr>
-    <a:masterClrMapping/>
-  </p:clrMapOvr>
-</p:sld>
-</file>
-
-<file path=ppt/slides/slide7.xml><?xml version="1.0" encoding="utf-8"?>
-<p:sld xmlns:a="http://schemas.openxmlformats.org/drawingml/2006/main" xmlns:r="http://schemas.openxmlformats.org/officeDocument/2006/relationships" xmlns:p="http://schemas.openxmlformats.org/presentationml/2006/main">
-  <p:cSld>
-    <p:spTree>
-      <p:nvGrpSpPr>
-        <p:cNvPr id="1" name="">
-          <a:extLst>
-            <a:ext uri="{FF2B5EF4-FFF2-40B4-BE49-F238E27FC236}">
-              <a16:creationId xmlns:a16="http://schemas.microsoft.com/office/drawing/2014/main" id="{23C9D3DB-2E21-2638-703E-3426914AF7F1}"/>
-            </a:ext>
-          </a:extLst>
-        </p:cNvPr>
-        <p:cNvGrpSpPr/>
-        <p:nvPr/>
-      </p:nvGrpSpPr>
-      <p:grpSpPr>
-        <a:xfrm>
-          <a:off x="0" y="0"/>
-          <a:ext cx="0" cy="0"/>
-          <a:chOff x="0" y="0"/>
-          <a:chExt cx="0" cy="0"/>
-        </a:xfrm>
-      </p:grpSpPr>
-      <p:sp>
-        <p:nvSpPr>
-          <p:cNvPr id="2" name="Titel 1">
-            <a:extLst>
-              <a:ext uri="{FF2B5EF4-FFF2-40B4-BE49-F238E27FC236}">
-                <a16:creationId xmlns:a16="http://schemas.microsoft.com/office/drawing/2014/main" id="{86A79602-8888-36BE-3320-37F682A75113}"/>
-              </a:ext>
-            </a:extLst>
-          </p:cNvPr>
-          <p:cNvSpPr>
-            <a:spLocks noGrp="1"/>
-          </p:cNvSpPr>
-          <p:nvPr>
-            <p:ph type="title"/>
-          </p:nvPr>
-        </p:nvSpPr>
-        <p:spPr/>
-        <p:txBody>
-          <a:bodyPr/>
-          <a:lstStyle/>
-          <a:p>
-            <a:r>
-              <a:rPr lang="en-US" sz="2800" dirty="0"/>
-              <a:t>Disclosure control methods</a:t>
-            </a:r>
-            <a:r>
-              <a:rPr lang="cs-CZ" sz="2800" dirty="0"/>
-              <a:t> </a:t>
-            </a:r>
-            <a:endParaRPr lang="en-US" dirty="0"/>
-          </a:p>
-        </p:txBody>
-      </p:sp>
-      <p:sp>
-        <p:nvSpPr>
-          <p:cNvPr id="3" name="Inhaltsplatzhalter 2">
-            <a:extLst>
-              <a:ext uri="{FF2B5EF4-FFF2-40B4-BE49-F238E27FC236}">
-                <a16:creationId xmlns:a16="http://schemas.microsoft.com/office/drawing/2014/main" id="{05D03A0C-CB49-19BB-1D72-38EDDF4A1B85}"/>
-              </a:ext>
-            </a:extLst>
-          </p:cNvPr>
-          <p:cNvSpPr>
-            <a:spLocks noGrp="1"/>
-          </p:cNvSpPr>
-          <p:nvPr>
-            <p:ph idx="1"/>
-          </p:nvPr>
-        </p:nvSpPr>
-        <p:spPr/>
-        <p:txBody>
-          <a:bodyPr/>
-          <a:lstStyle/>
-          <a:p>
-            <a:pPr marL="457200" indent="-457200" algn="l">
-              <a:buFont typeface="+mj-lt"/>
-              <a:buAutoNum type="alphaLcParenR"/>
-            </a:pPr>
-            <a:r>
-              <a:rPr lang="en-US" sz="2000" b="1" dirty="0"/>
-              <a:t>Masking original data</a:t>
-            </a:r>
-            <a:endParaRPr lang="cs-CZ" sz="2000" b="1" dirty="0"/>
-          </a:p>
-          <a:p>
-            <a:pPr marL="684000" lvl="1" indent="-457200">
-              <a:buFont typeface="+mj-lt"/>
-              <a:buAutoNum type="alphaLcParenR"/>
-            </a:pPr>
-            <a:r>
-              <a:rPr lang="en-US" sz="2000" b="1" dirty="0"/>
-              <a:t>Non-perturbative masking </a:t>
-            </a:r>
-            <a:r>
-              <a:rPr lang="en-US" sz="2000" dirty="0"/>
-              <a:t>- Methods that alter data to hide identities without</a:t>
-            </a:r>
-            <a:r>
-              <a:rPr lang="cs-CZ" sz="2000" dirty="0"/>
-              <a:t> </a:t>
-            </a:r>
-            <a:r>
-              <a:rPr lang="en-US" sz="2000" dirty="0"/>
-              <a:t>changing its actual values</a:t>
-            </a:r>
-          </a:p>
-          <a:p>
-            <a:pPr marL="684000" lvl="1" indent="-457200">
-              <a:buFont typeface="+mj-lt"/>
-              <a:buAutoNum type="alphaLcParenR"/>
-            </a:pPr>
-            <a:r>
-              <a:rPr lang="en-US" sz="2000" b="1" dirty="0"/>
-              <a:t>Perturbative masking </a:t>
-            </a:r>
-            <a:r>
-              <a:rPr lang="en-US" sz="2000" dirty="0"/>
-              <a:t>- Methods that add noise or alter data values to prevent</a:t>
-            </a:r>
-            <a:r>
-              <a:rPr lang="cs-CZ" sz="2000" dirty="0"/>
-              <a:t> i</a:t>
-            </a:r>
-            <a:r>
-              <a:rPr lang="en-US" sz="2000" dirty="0"/>
-              <a:t>dentification</a:t>
-            </a:r>
-            <a:endParaRPr lang="cs-CZ" sz="2000" dirty="0"/>
-          </a:p>
-          <a:p>
-            <a:pPr marL="457200" indent="-457200" algn="l">
-              <a:buFont typeface="+mj-lt"/>
-              <a:buAutoNum type="alphaLcParenR"/>
-            </a:pPr>
-            <a:endParaRPr lang="cs-CZ" sz="2000" b="1" dirty="0"/>
-          </a:p>
-          <a:p>
-            <a:pPr marL="457200" indent="-457200" algn="l">
-              <a:buFont typeface="+mj-lt"/>
-              <a:buAutoNum type="alphaLcParenR"/>
-            </a:pPr>
-            <a:r>
-              <a:rPr lang="en-US" sz="2000" b="1" dirty="0"/>
-              <a:t>Generating synthetic data</a:t>
-            </a:r>
-            <a:endParaRPr lang="cs-CZ" sz="2000" b="1" dirty="0"/>
-          </a:p>
-          <a:p>
-            <a:pPr marL="684000" lvl="1" indent="-457200">
-              <a:buFont typeface="+mj-lt"/>
-              <a:buAutoNum type="alphaLcParenR"/>
-            </a:pPr>
-            <a:r>
-              <a:rPr lang="en-US" sz="2000" b="1" dirty="0"/>
-              <a:t>Parametric methods </a:t>
-            </a:r>
-            <a:r>
-              <a:rPr lang="en-US" sz="2000" dirty="0"/>
-              <a:t>-</a:t>
-            </a:r>
-            <a:r>
-              <a:rPr lang="en-US" sz="2000" b="1" dirty="0"/>
-              <a:t> </a:t>
-            </a:r>
-            <a:r>
-              <a:rPr lang="en-US" sz="2000" dirty="0"/>
-              <a:t>Techniques that use statistical models based on the data’s</a:t>
-            </a:r>
-            <a:r>
-              <a:rPr lang="cs-CZ" sz="2000" dirty="0"/>
-              <a:t> </a:t>
-            </a:r>
-            <a:r>
-              <a:rPr lang="en-US" sz="2000" dirty="0"/>
-              <a:t>distribution to generate synthetic data.</a:t>
-            </a:r>
-          </a:p>
-          <a:p>
-            <a:pPr marL="684000" lvl="1" indent="-457200">
-              <a:buFont typeface="+mj-lt"/>
-              <a:buAutoNum type="alphaLcParenR"/>
-            </a:pPr>
-            <a:r>
-              <a:rPr lang="en-US" sz="2000" b="1" dirty="0"/>
-              <a:t>Non-parametric methods</a:t>
-            </a:r>
-            <a:r>
-              <a:rPr lang="cs-CZ" sz="2000" b="1" dirty="0"/>
-              <a:t> </a:t>
-            </a:r>
-            <a:r>
-              <a:rPr lang="en-US" sz="2000" dirty="0"/>
-              <a:t>-</a:t>
-            </a:r>
-            <a:r>
-              <a:rPr lang="en-US" sz="2000" b="1" dirty="0"/>
-              <a:t> </a:t>
-            </a:r>
-            <a:r>
-              <a:rPr lang="en-US" sz="2000" dirty="0"/>
-              <a:t>Techniques that do not assume an underlying</a:t>
-            </a:r>
-            <a:r>
-              <a:rPr lang="cs-CZ" sz="2000" dirty="0"/>
-              <a:t> </a:t>
-            </a:r>
-            <a:r>
-              <a:rPr lang="en-US" sz="2000" dirty="0"/>
-              <a:t>distribution, using methods like bootstrapping to generate synthetic data.</a:t>
-            </a:r>
-          </a:p>
-          <a:p>
-            <a:pPr marL="684000" lvl="1" indent="-457200">
-              <a:buFont typeface="+mj-lt"/>
-              <a:buAutoNum type="alphaLcParenR"/>
-            </a:pPr>
-            <a:r>
-              <a:rPr lang="en-US" sz="2000" b="1" dirty="0"/>
-              <a:t>Generative Adversarial Networks (GANs)</a:t>
-            </a:r>
-            <a:r>
-              <a:rPr lang="cs-CZ" sz="2000" b="1" dirty="0"/>
-              <a:t> </a:t>
-            </a:r>
-            <a:r>
-              <a:rPr lang="en-US" sz="2000" dirty="0"/>
-              <a:t>-</a:t>
-            </a:r>
-            <a:r>
-              <a:rPr lang="en-US" sz="2000" b="1" dirty="0"/>
-              <a:t> </a:t>
-            </a:r>
-            <a:r>
-              <a:rPr lang="en-US" sz="2000" dirty="0"/>
-              <a:t>Advanced machine learning models</a:t>
-            </a:r>
-            <a:r>
-              <a:rPr lang="cs-CZ" sz="2000" dirty="0"/>
-              <a:t> </a:t>
-            </a:r>
-            <a:r>
-              <a:rPr lang="en-US" sz="2000" dirty="0"/>
-              <a:t>that generate highly realistic synthetic data by training two neural networks in</a:t>
-            </a:r>
-            <a:r>
-              <a:rPr lang="cs-CZ" sz="2000" dirty="0"/>
-              <a:t> </a:t>
-            </a:r>
-            <a:r>
-              <a:rPr lang="en-US" sz="2000" dirty="0"/>
-              <a:t>tandem.</a:t>
-            </a:r>
-          </a:p>
-        </p:txBody>
-      </p:sp>
-      <p:sp>
-        <p:nvSpPr>
-          <p:cNvPr id="6" name="Foliennummernplatzhalter 5">
-            <a:extLst>
-              <a:ext uri="{FF2B5EF4-FFF2-40B4-BE49-F238E27FC236}">
-                <a16:creationId xmlns:a16="http://schemas.microsoft.com/office/drawing/2014/main" id="{E27D2B7E-0891-8B72-4040-4800ED6C8BD2}"/>
-              </a:ext>
-            </a:extLst>
-          </p:cNvPr>
-          <p:cNvSpPr>
-            <a:spLocks noGrp="1"/>
-          </p:cNvSpPr>
-          <p:nvPr>
-            <p:ph type="sldNum" sz="quarter" idx="12"/>
-          </p:nvPr>
-        </p:nvSpPr>
-        <p:spPr/>
-        <p:txBody>
-          <a:bodyPr/>
-          <a:lstStyle/>
-          <a:p>
-            <a:fld id="{442AD375-037F-43D0-B059-5172DA06796A}" type="slidenum">
-              <a:rPr lang="en-GB" noProof="0" smtClean="0"/>
-              <a:pPr/>
-              <a:t>7</a:t>
-            </a:fld>
-            <a:endParaRPr lang="en-GB" noProof="0" dirty="0"/>
-          </a:p>
-        </p:txBody>
-      </p:sp>
-    </p:spTree>
-    <p:extLst>
-      <p:ext uri="{BB962C8B-B14F-4D97-AF65-F5344CB8AC3E}">
-        <p14:creationId xmlns:p14="http://schemas.microsoft.com/office/powerpoint/2010/main" val="3763976533"/>
-      </p:ext>
-    </p:extLst>
-  </p:cSld>
-  <p:clrMapOvr>
-    <a:masterClrMapping/>
-  </p:clrMapOvr>
-</p:sld>
-</file>
-
-<file path=ppt/slides/slide8.xml><?xml version="1.0" encoding="utf-8"?>
-<p:sld xmlns:a="http://schemas.openxmlformats.org/drawingml/2006/main" xmlns:r="http://schemas.openxmlformats.org/officeDocument/2006/relationships" xmlns:p="http://schemas.openxmlformats.org/presentationml/2006/main">
-  <p:cSld>
-    <p:spTree>
-      <p:nvGrpSpPr>
-        <p:cNvPr id="1" name="">
-          <a:extLst>
-            <a:ext uri="{FF2B5EF4-FFF2-40B4-BE49-F238E27FC236}">
-              <a16:creationId xmlns:a16="http://schemas.microsoft.com/office/drawing/2014/main" id="{A80B99F6-7AD3-E979-A6B3-1875B0549FA8}"/>
-            </a:ext>
-          </a:extLst>
-        </p:cNvPr>
-        <p:cNvGrpSpPr/>
-        <p:nvPr/>
-      </p:nvGrpSpPr>
-      <p:grpSpPr>
-        <a:xfrm>
-          <a:off x="0" y="0"/>
-          <a:ext cx="0" cy="0"/>
-          <a:chOff x="0" y="0"/>
-          <a:chExt cx="0" cy="0"/>
-        </a:xfrm>
-      </p:grpSpPr>
-      <p:sp>
-        <p:nvSpPr>
-          <p:cNvPr id="2" name="Titel 1">
-            <a:extLst>
-              <a:ext uri="{FF2B5EF4-FFF2-40B4-BE49-F238E27FC236}">
-                <a16:creationId xmlns:a16="http://schemas.microsoft.com/office/drawing/2014/main" id="{8EEF8AC4-D673-57B1-1097-6E204025CB7F}"/>
-              </a:ext>
-            </a:extLst>
-          </p:cNvPr>
-          <p:cNvSpPr>
-            <a:spLocks noGrp="1"/>
-          </p:cNvSpPr>
-          <p:nvPr>
-            <p:ph type="title"/>
-          </p:nvPr>
-        </p:nvSpPr>
-        <p:spPr/>
-        <p:txBody>
-          <a:bodyPr/>
-          <a:lstStyle/>
-          <a:p>
-            <a:r>
-              <a:rPr lang="en-US" sz="2800" dirty="0"/>
-              <a:t>Disclosure control methods</a:t>
-            </a:r>
-            <a:r>
-              <a:rPr lang="cs-CZ" sz="2800" dirty="0"/>
-              <a:t> </a:t>
-            </a:r>
-            <a:endParaRPr lang="en-US" dirty="0"/>
-          </a:p>
-        </p:txBody>
-      </p:sp>
-      <p:sp>
-        <p:nvSpPr>
-          <p:cNvPr id="3" name="Inhaltsplatzhalter 2">
-            <a:extLst>
-              <a:ext uri="{FF2B5EF4-FFF2-40B4-BE49-F238E27FC236}">
-                <a16:creationId xmlns:a16="http://schemas.microsoft.com/office/drawing/2014/main" id="{156B9EDA-78DC-11D6-E071-89D79A3E6058}"/>
-              </a:ext>
-            </a:extLst>
-          </p:cNvPr>
-          <p:cNvSpPr>
-            <a:spLocks noGrp="1"/>
-          </p:cNvSpPr>
-          <p:nvPr>
-            <p:ph idx="1"/>
-          </p:nvPr>
-        </p:nvSpPr>
-        <p:spPr/>
-        <p:txBody>
-          <a:bodyPr/>
-          <a:lstStyle/>
-          <a:p>
-            <a:pPr marL="457200" indent="-457200" algn="l">
-              <a:buFont typeface="+mj-lt"/>
-              <a:buAutoNum type="alphaLcParenR"/>
-            </a:pPr>
-            <a:r>
-              <a:rPr lang="en-US" sz="2000" b="1" dirty="0"/>
-              <a:t>Masking original data</a:t>
-            </a:r>
-            <a:endParaRPr lang="cs-CZ" sz="2000" b="1" dirty="0"/>
-          </a:p>
-          <a:p>
-            <a:pPr marL="684000" lvl="1" indent="-457200">
-              <a:buFont typeface="+mj-lt"/>
-              <a:buAutoNum type="alphaLcParenR"/>
-            </a:pPr>
-            <a:r>
-              <a:rPr lang="en-US" sz="2000" b="1" dirty="0"/>
-              <a:t>Non-perturbative masking </a:t>
-            </a:r>
-            <a:r>
-              <a:rPr lang="en-US" sz="2000" dirty="0"/>
-              <a:t>- Methods that alter data to hide identities without</a:t>
-            </a:r>
-            <a:r>
-              <a:rPr lang="cs-CZ" sz="2000" dirty="0"/>
-              <a:t> </a:t>
-            </a:r>
-            <a:r>
-              <a:rPr lang="en-US" sz="2000" dirty="0"/>
-              <a:t>changing its actual values</a:t>
-            </a:r>
-          </a:p>
-          <a:p>
-            <a:pPr marL="684000" lvl="1" indent="-457200">
-              <a:buFont typeface="+mj-lt"/>
-              <a:buAutoNum type="alphaLcParenR"/>
-            </a:pPr>
-            <a:r>
-              <a:rPr lang="en-US" sz="2000" b="1" dirty="0"/>
-              <a:t>Perturbative masking </a:t>
-            </a:r>
-            <a:r>
-              <a:rPr lang="en-US" sz="2000" dirty="0"/>
-              <a:t>- Methods that add noise or alter data values to prevent</a:t>
-            </a:r>
-            <a:r>
-              <a:rPr lang="cs-CZ" sz="2000" dirty="0"/>
-              <a:t> i</a:t>
-            </a:r>
-            <a:r>
-              <a:rPr lang="en-US" sz="2000" dirty="0"/>
-              <a:t>dentification</a:t>
-            </a:r>
-            <a:endParaRPr lang="cs-CZ" sz="2000" dirty="0"/>
-          </a:p>
-          <a:p>
-            <a:pPr marL="457200" indent="-457200" algn="l">
-              <a:buFont typeface="+mj-lt"/>
-              <a:buAutoNum type="alphaLcParenR"/>
-            </a:pPr>
-            <a:endParaRPr lang="cs-CZ" sz="2000" b="1" dirty="0"/>
-          </a:p>
-          <a:p>
-            <a:pPr marL="457200" indent="-457200" algn="l">
-              <a:buFont typeface="+mj-lt"/>
-              <a:buAutoNum type="alphaLcParenR"/>
-            </a:pPr>
-            <a:r>
-              <a:rPr lang="en-US" sz="2000" b="1" dirty="0"/>
-              <a:t>Generating synthetic data</a:t>
-            </a:r>
-            <a:endParaRPr lang="cs-CZ" sz="2000" b="1" dirty="0"/>
-          </a:p>
-          <a:p>
-            <a:pPr marL="684000" lvl="1" indent="-457200">
-              <a:buFont typeface="+mj-lt"/>
-              <a:buAutoNum type="alphaLcParenR"/>
-            </a:pPr>
-            <a:r>
-              <a:rPr lang="en-US" sz="2000" b="1" dirty="0"/>
-              <a:t>Parametric methods </a:t>
-            </a:r>
-            <a:r>
-              <a:rPr lang="en-US" sz="2000" dirty="0"/>
-              <a:t>-</a:t>
-            </a:r>
-            <a:r>
-              <a:rPr lang="en-US" sz="2000" b="1" dirty="0"/>
-              <a:t> </a:t>
-            </a:r>
-            <a:r>
-              <a:rPr lang="en-US" sz="2000" dirty="0"/>
-              <a:t>Techniques that use statistical models based on the data’s</a:t>
-            </a:r>
-            <a:r>
-              <a:rPr lang="cs-CZ" sz="2000" dirty="0"/>
-              <a:t> </a:t>
-            </a:r>
-            <a:r>
-              <a:rPr lang="en-US" sz="2000" dirty="0"/>
-              <a:t>distribution to generate synthetic data.</a:t>
-            </a:r>
-          </a:p>
-          <a:p>
-            <a:pPr marL="684000" lvl="1" indent="-457200">
-              <a:buFont typeface="+mj-lt"/>
-              <a:buAutoNum type="alphaLcParenR"/>
-            </a:pPr>
-            <a:r>
-              <a:rPr lang="en-US" sz="2000" b="1" dirty="0"/>
-              <a:t>Non-parametric methods</a:t>
-            </a:r>
-            <a:r>
-              <a:rPr lang="cs-CZ" sz="2000" b="1" dirty="0"/>
-              <a:t> </a:t>
-            </a:r>
-            <a:r>
-              <a:rPr lang="en-US" sz="2000" dirty="0"/>
-              <a:t>-</a:t>
-            </a:r>
-            <a:r>
-              <a:rPr lang="en-US" sz="2000" b="1" dirty="0"/>
-              <a:t> </a:t>
-            </a:r>
-            <a:r>
-              <a:rPr lang="en-US" sz="2000" dirty="0"/>
-              <a:t>Techniques that do not assume an underlying</a:t>
-            </a:r>
-            <a:r>
-              <a:rPr lang="cs-CZ" sz="2000" dirty="0"/>
-              <a:t> </a:t>
-            </a:r>
-            <a:r>
-              <a:rPr lang="en-US" sz="2000" dirty="0"/>
-              <a:t>distribution, using methods like bootstrapping to generate synthetic data.</a:t>
-            </a:r>
-          </a:p>
-          <a:p>
-            <a:pPr marL="684000" lvl="1" indent="-457200">
-              <a:buFont typeface="+mj-lt"/>
-              <a:buAutoNum type="alphaLcParenR"/>
-            </a:pPr>
-            <a:r>
-              <a:rPr lang="en-US" sz="2000" b="1" dirty="0"/>
-              <a:t>Generative Adversarial Networks (GANs)</a:t>
-            </a:r>
-            <a:r>
-              <a:rPr lang="cs-CZ" sz="2000" b="1" dirty="0"/>
-              <a:t> </a:t>
-            </a:r>
-            <a:r>
-              <a:rPr lang="en-US" sz="2000" dirty="0"/>
-              <a:t>-</a:t>
-            </a:r>
-            <a:r>
-              <a:rPr lang="en-US" sz="2000" b="1" dirty="0"/>
-              <a:t> </a:t>
-            </a:r>
-            <a:r>
-              <a:rPr lang="en-US" sz="2000" dirty="0"/>
-              <a:t>Advanced machine learning models</a:t>
-            </a:r>
-            <a:r>
-              <a:rPr lang="cs-CZ" sz="2000" dirty="0"/>
-              <a:t> </a:t>
-            </a:r>
-            <a:r>
-              <a:rPr lang="en-US" sz="2000" dirty="0"/>
-              <a:t>that generate highly realistic synthetic data by training two neural networks in</a:t>
-            </a:r>
-            <a:r>
-              <a:rPr lang="cs-CZ" sz="2000" dirty="0"/>
-              <a:t> </a:t>
-            </a:r>
-            <a:r>
-              <a:rPr lang="en-US" sz="2000" dirty="0"/>
-              <a:t>tandem.</a:t>
-            </a:r>
-          </a:p>
-        </p:txBody>
-      </p:sp>
-      <p:sp>
-        <p:nvSpPr>
-          <p:cNvPr id="6" name="Foliennummernplatzhalter 5">
-            <a:extLst>
-              <a:ext uri="{FF2B5EF4-FFF2-40B4-BE49-F238E27FC236}">
-                <a16:creationId xmlns:a16="http://schemas.microsoft.com/office/drawing/2014/main" id="{75BF577B-3E4B-3924-D241-72DD286FD2F6}"/>
-              </a:ext>
-            </a:extLst>
-          </p:cNvPr>
-          <p:cNvSpPr>
-            <a:spLocks noGrp="1"/>
-          </p:cNvSpPr>
-          <p:nvPr>
-            <p:ph type="sldNum" sz="quarter" idx="12"/>
-          </p:nvPr>
-        </p:nvSpPr>
-        <p:spPr/>
-        <p:txBody>
-          <a:bodyPr/>
-          <a:lstStyle/>
-          <a:p>
-            <a:fld id="{442AD375-037F-43D0-B059-5172DA06796A}" type="slidenum">
-              <a:rPr lang="en-GB" noProof="0" smtClean="0"/>
-              <a:pPr/>
-              <a:t>8</a:t>
-            </a:fld>
-            <a:endParaRPr lang="en-GB" noProof="0" dirty="0"/>
-          </a:p>
-        </p:txBody>
-      </p:sp>
-    </p:spTree>
-    <p:extLst>
-      <p:ext uri="{BB962C8B-B14F-4D97-AF65-F5344CB8AC3E}">
-        <p14:creationId xmlns:p14="http://schemas.microsoft.com/office/powerpoint/2010/main" val="2368037813"/>
-      </p:ext>
-    </p:extLst>
-  </p:cSld>
-  <p:clrMapOvr>
-    <a:masterClrMapping/>
-  </p:clrMapOvr>
-</p:sld>
-</file>
-
-<file path=ppt/slides/slide9.xml><?xml version="1.0" encoding="utf-8"?>
-<p:sld xmlns:a="http://schemas.openxmlformats.org/drawingml/2006/main" xmlns:r="http://schemas.openxmlformats.org/officeDocument/2006/relationships" xmlns:p="http://schemas.openxmlformats.org/presentationml/2006/main">
-  <p:cSld>
-    <p:spTree>
-      <p:nvGrpSpPr>
-        <p:cNvPr id="1" name=""/>
-        <p:cNvGrpSpPr/>
-        <p:nvPr/>
-      </p:nvGrpSpPr>
-      <p:grpSpPr>
-        <a:xfrm>
-          <a:off x="0" y="0"/>
-          <a:ext cx="0" cy="0"/>
-          <a:chOff x="0" y="0"/>
-          <a:chExt cx="0" cy="0"/>
-        </a:xfrm>
-      </p:grpSpPr>
       <p:sp>
         <p:nvSpPr>
           <p:cNvPr id="2" name="Datumsplatzhalter 1">
@@ -25940,7 +23945,7 @@
             <a:fld id="{442AD375-037F-43D0-B059-5172DA06796A}" type="slidenum">
               <a:rPr lang="en-GB" smtClean="0"/>
               <a:pPr/>
-              <a:t>9</a:t>
+              <a:t>10</a:t>
             </a:fld>
             <a:endParaRPr lang="en-GB" dirty="0"/>
           </a:p>
@@ -26364,6 +24369,2213 @@
     <p:extLst>
       <p:ext uri="{BB962C8B-B14F-4D97-AF65-F5344CB8AC3E}">
         <p14:creationId xmlns:p14="http://schemas.microsoft.com/office/powerpoint/2010/main" val="3299559963"/>
+      </p:ext>
+    </p:extLst>
+  </p:cSld>
+  <p:clrMapOvr>
+    <a:masterClrMapping/>
+  </p:clrMapOvr>
+</p:sld>
+</file>
+
+<file path=ppt/slides/slide2.xml><?xml version="1.0" encoding="utf-8"?>
+<p:sld xmlns:a="http://schemas.openxmlformats.org/drawingml/2006/main" xmlns:r="http://schemas.openxmlformats.org/officeDocument/2006/relationships" xmlns:p="http://schemas.openxmlformats.org/presentationml/2006/main">
+  <p:cSld>
+    <p:spTree>
+      <p:nvGrpSpPr>
+        <p:cNvPr id="1" name=""/>
+        <p:cNvGrpSpPr/>
+        <p:nvPr/>
+      </p:nvGrpSpPr>
+      <p:grpSpPr>
+        <a:xfrm>
+          <a:off x="0" y="0"/>
+          <a:ext cx="0" cy="0"/>
+          <a:chOff x="0" y="0"/>
+          <a:chExt cx="0" cy="0"/>
+        </a:xfrm>
+      </p:grpSpPr>
+      <p:pic>
+        <p:nvPicPr>
+          <p:cNvPr id="11" name="Obrázek 10" descr="Obsah obrázku Lidská tvář, košile/tričko, oblečení, osoba&#10;&#10;Popis byl vytvořen automaticky">
+            <a:extLst>
+              <a:ext uri="{FF2B5EF4-FFF2-40B4-BE49-F238E27FC236}">
+                <a16:creationId xmlns:a16="http://schemas.microsoft.com/office/drawing/2014/main" id="{F8B87018-C28F-EF4B-7C3D-CCE9ED45F9E5}"/>
+              </a:ext>
+            </a:extLst>
+          </p:cNvPr>
+          <p:cNvPicPr>
+            <a:picLocks noChangeAspect="1"/>
+          </p:cNvPicPr>
+          <p:nvPr/>
+        </p:nvPicPr>
+        <p:blipFill>
+          <a:blip r:embed="rId2"/>
+          <a:stretch>
+            <a:fillRect/>
+          </a:stretch>
+        </p:blipFill>
+        <p:spPr>
+          <a:xfrm>
+            <a:off x="6096000" y="404664"/>
+            <a:ext cx="5088768" cy="3180480"/>
+          </a:xfrm>
+          <a:prstGeom prst="rect">
+            <a:avLst/>
+          </a:prstGeom>
+        </p:spPr>
+      </p:pic>
+      <p:sp>
+        <p:nvSpPr>
+          <p:cNvPr id="2" name="Titel 1">
+            <a:extLst>
+              <a:ext uri="{FF2B5EF4-FFF2-40B4-BE49-F238E27FC236}">
+                <a16:creationId xmlns:a16="http://schemas.microsoft.com/office/drawing/2014/main" id="{26ED8586-A048-DF64-CBE2-ABF87C3D7B10}"/>
+              </a:ext>
+            </a:extLst>
+          </p:cNvPr>
+          <p:cNvSpPr>
+            <a:spLocks noGrp="1"/>
+          </p:cNvSpPr>
+          <p:nvPr>
+            <p:ph type="title"/>
+          </p:nvPr>
+        </p:nvSpPr>
+        <p:spPr/>
+        <p:txBody>
+          <a:bodyPr/>
+          <a:lstStyle/>
+          <a:p>
+            <a:r>
+              <a:rPr lang="en-US" sz="2800" dirty="0"/>
+              <a:t>About me – Jiří Novák</a:t>
+            </a:r>
+          </a:p>
+        </p:txBody>
+      </p:sp>
+      <p:sp>
+        <p:nvSpPr>
+          <p:cNvPr id="3" name="Inhaltsplatzhalter 2">
+            <a:extLst>
+              <a:ext uri="{FF2B5EF4-FFF2-40B4-BE49-F238E27FC236}">
+                <a16:creationId xmlns:a16="http://schemas.microsoft.com/office/drawing/2014/main" id="{81251D0E-B65F-53B4-138A-80F7C75C74A6}"/>
+              </a:ext>
+            </a:extLst>
+          </p:cNvPr>
+          <p:cNvSpPr>
+            <a:spLocks noGrp="1"/>
+          </p:cNvSpPr>
+          <p:nvPr>
+            <p:ph idx="1"/>
+          </p:nvPr>
+        </p:nvSpPr>
+        <p:spPr>
+          <a:xfrm>
+            <a:off x="271461" y="870744"/>
+            <a:ext cx="11081123" cy="5870624"/>
+          </a:xfrm>
+        </p:spPr>
+        <p:txBody>
+          <a:bodyPr/>
+          <a:lstStyle/>
+          <a:p>
+            <a:pPr lvl="1"/>
+            <a:r>
+              <a:rPr lang="en-US" sz="2400" dirty="0"/>
+              <a:t>From Czech Republic, Prague</a:t>
+            </a:r>
+          </a:p>
+          <a:p>
+            <a:pPr lvl="1"/>
+            <a:r>
+              <a:rPr lang="en-US" sz="2400" dirty="0"/>
+              <a:t>Master's and PhD in Statistics</a:t>
+            </a:r>
+          </a:p>
+          <a:p>
+            <a:pPr lvl="1"/>
+            <a:r>
+              <a:rPr lang="en-US" sz="2400" dirty="0"/>
+              <a:t>Research topic</a:t>
+            </a:r>
+          </a:p>
+          <a:p>
+            <a:pPr lvl="2"/>
+            <a:r>
+              <a:rPr lang="en-US" sz="2400" dirty="0"/>
+              <a:t>Data privacy  and data anonymization</a:t>
+            </a:r>
+          </a:p>
+          <a:p>
+            <a:pPr lvl="2"/>
+            <a:r>
+              <a:rPr lang="en-US" sz="2400" dirty="0"/>
+              <a:t>Statistical disclosure control</a:t>
+            </a:r>
+          </a:p>
+          <a:p>
+            <a:pPr marL="428400" lvl="2" indent="0">
+              <a:buNone/>
+            </a:pPr>
+            <a:endParaRPr lang="en-US" sz="2400" dirty="0"/>
+          </a:p>
+          <a:p>
+            <a:pPr lvl="1"/>
+            <a:r>
+              <a:rPr lang="en-US" sz="2400" dirty="0"/>
+              <a:t>At Czech Statistical Office responsible for data confidentiality of Czech Census 2021</a:t>
+            </a:r>
+          </a:p>
+          <a:p>
+            <a:pPr lvl="1"/>
+            <a:r>
+              <a:rPr lang="en-US" sz="2400" dirty="0"/>
+              <a:t>Currently working at FHNW on a SNF project: </a:t>
+            </a:r>
+            <a:r>
+              <a:rPr lang="en-US" sz="2400" i="1" dirty="0"/>
+              <a:t>Harnessing event and longitudinal data in industry and health sector through privacy preserving technologies</a:t>
+            </a:r>
+          </a:p>
+          <a:p>
+            <a:pPr lvl="1"/>
+            <a:r>
+              <a:rPr lang="en-US" sz="2400" dirty="0"/>
+              <a:t>PhD student of Carolin Strobl with topic</a:t>
+            </a:r>
+            <a:r>
+              <a:rPr lang="en-US" sz="2400" i="1" dirty="0"/>
+              <a:t>: Data anonymization of longitudinal psychological data </a:t>
+            </a:r>
+          </a:p>
+          <a:p>
+            <a:pPr marL="0" lvl="1" indent="0" algn="ctr">
+              <a:buNone/>
+            </a:pPr>
+            <a:r>
+              <a:rPr lang="en-US" sz="2400" dirty="0">
+                <a:solidFill>
+                  <a:schemeClr val="accent1"/>
+                </a:solidFill>
+                <a:hlinkClick r:id="rId3">
+                  <a:extLst>
+                    <a:ext uri="{A12FA001-AC4F-418D-AE19-62706E023703}">
+                      <ahyp:hlinkClr xmlns:ahyp="http://schemas.microsoft.com/office/drawing/2018/hyperlinkcolor" val="tx"/>
+                    </a:ext>
+                  </a:extLst>
+                </a:hlinkClick>
+              </a:rPr>
+              <a:t>https://www.linkedin.com/in/jiri-novak-8b748718/</a:t>
+            </a:r>
+            <a:endParaRPr lang="en-US" sz="2400" dirty="0">
+              <a:solidFill>
+                <a:schemeClr val="accent1"/>
+              </a:solidFill>
+            </a:endParaRPr>
+          </a:p>
+          <a:p>
+            <a:endParaRPr lang="en-US" sz="2000" dirty="0"/>
+          </a:p>
+        </p:txBody>
+      </p:sp>
+      <p:sp>
+        <p:nvSpPr>
+          <p:cNvPr id="6" name="Foliennummernplatzhalter 5">
+            <a:extLst>
+              <a:ext uri="{FF2B5EF4-FFF2-40B4-BE49-F238E27FC236}">
+                <a16:creationId xmlns:a16="http://schemas.microsoft.com/office/drawing/2014/main" id="{5523505E-C6EB-DD6A-DE02-BA418DA94286}"/>
+              </a:ext>
+            </a:extLst>
+          </p:cNvPr>
+          <p:cNvSpPr>
+            <a:spLocks noGrp="1"/>
+          </p:cNvSpPr>
+          <p:nvPr>
+            <p:ph type="sldNum" sz="quarter" idx="12"/>
+          </p:nvPr>
+        </p:nvSpPr>
+        <p:spPr/>
+        <p:txBody>
+          <a:bodyPr/>
+          <a:lstStyle/>
+          <a:p>
+            <a:fld id="{442AD375-037F-43D0-B059-5172DA06796A}" type="slidenum">
+              <a:rPr lang="en-GB" noProof="0" smtClean="0"/>
+              <a:pPr/>
+              <a:t>2</a:t>
+            </a:fld>
+            <a:endParaRPr lang="en-GB" noProof="0" dirty="0"/>
+          </a:p>
+        </p:txBody>
+      </p:sp>
+    </p:spTree>
+    <p:extLst>
+      <p:ext uri="{BB962C8B-B14F-4D97-AF65-F5344CB8AC3E}">
+        <p14:creationId xmlns:p14="http://schemas.microsoft.com/office/powerpoint/2010/main" val="3967224830"/>
+      </p:ext>
+    </p:extLst>
+  </p:cSld>
+  <p:clrMapOvr>
+    <a:masterClrMapping/>
+  </p:clrMapOvr>
+</p:sld>
+</file>
+
+<file path=ppt/slides/slide3.xml><?xml version="1.0" encoding="utf-8"?>
+<p:sld xmlns:a="http://schemas.openxmlformats.org/drawingml/2006/main" xmlns:r="http://schemas.openxmlformats.org/officeDocument/2006/relationships" xmlns:p="http://schemas.openxmlformats.org/presentationml/2006/main">
+  <p:cSld>
+    <p:spTree>
+      <p:nvGrpSpPr>
+        <p:cNvPr id="1" name="">
+          <a:extLst>
+            <a:ext uri="{FF2B5EF4-FFF2-40B4-BE49-F238E27FC236}">
+              <a16:creationId xmlns:a16="http://schemas.microsoft.com/office/drawing/2014/main" id="{21F541FF-A1F5-625E-68AF-4BD0BC941CD0}"/>
+            </a:ext>
+          </a:extLst>
+        </p:cNvPr>
+        <p:cNvGrpSpPr/>
+        <p:nvPr/>
+      </p:nvGrpSpPr>
+      <p:grpSpPr>
+        <a:xfrm>
+          <a:off x="0" y="0"/>
+          <a:ext cx="0" cy="0"/>
+          <a:chOff x="0" y="0"/>
+          <a:chExt cx="0" cy="0"/>
+        </a:xfrm>
+      </p:grpSpPr>
+      <p:sp>
+        <p:nvSpPr>
+          <p:cNvPr id="2" name="Titel 1">
+            <a:extLst>
+              <a:ext uri="{FF2B5EF4-FFF2-40B4-BE49-F238E27FC236}">
+                <a16:creationId xmlns:a16="http://schemas.microsoft.com/office/drawing/2014/main" id="{34CE8C71-D3B6-F6F3-8B6D-9B5E0791D7D1}"/>
+              </a:ext>
+            </a:extLst>
+          </p:cNvPr>
+          <p:cNvSpPr>
+            <a:spLocks noGrp="1"/>
+          </p:cNvSpPr>
+          <p:nvPr>
+            <p:ph type="title"/>
+          </p:nvPr>
+        </p:nvSpPr>
+        <p:spPr/>
+        <p:txBody>
+          <a:bodyPr/>
+          <a:lstStyle/>
+          <a:p>
+            <a:r>
+              <a:rPr lang="en-US" sz="2800" dirty="0"/>
+              <a:t>Data anonymization</a:t>
+            </a:r>
+            <a:endParaRPr lang="en-US" dirty="0"/>
+          </a:p>
+        </p:txBody>
+      </p:sp>
+      <p:sp>
+        <p:nvSpPr>
+          <p:cNvPr id="3" name="Inhaltsplatzhalter 2">
+            <a:extLst>
+              <a:ext uri="{FF2B5EF4-FFF2-40B4-BE49-F238E27FC236}">
+                <a16:creationId xmlns:a16="http://schemas.microsoft.com/office/drawing/2014/main" id="{427A1835-6346-DE68-E25E-2FCD43DF41F1}"/>
+              </a:ext>
+            </a:extLst>
+          </p:cNvPr>
+          <p:cNvSpPr>
+            <a:spLocks noGrp="1"/>
+          </p:cNvSpPr>
+          <p:nvPr>
+            <p:ph idx="1"/>
+          </p:nvPr>
+        </p:nvSpPr>
+        <p:spPr/>
+        <p:txBody>
+          <a:bodyPr/>
+          <a:lstStyle/>
+          <a:p>
+            <a:pPr algn="l"/>
+            <a:r>
+              <a:rPr lang="en-US" sz="2000" dirty="0"/>
+              <a:t>My work is </a:t>
+            </a:r>
+            <a:r>
+              <a:rPr lang="en-US" sz="2000" i="1" dirty="0"/>
+              <a:t>Data Anonymization </a:t>
+            </a:r>
+            <a:r>
+              <a:rPr lang="en-US" sz="2000" dirty="0"/>
+              <a:t>in the context of the field of </a:t>
+            </a:r>
+            <a:r>
+              <a:rPr lang="en-US" sz="2000" b="1" dirty="0"/>
+              <a:t>Statistical Disclosure Control </a:t>
+            </a:r>
+            <a:r>
+              <a:rPr lang="en-US" sz="2000" dirty="0"/>
+              <a:t>(SDC)</a:t>
+            </a:r>
+            <a:endParaRPr lang="cs-CZ" sz="2000" dirty="0"/>
+          </a:p>
+          <a:p>
+            <a:pPr algn="l"/>
+            <a:endParaRPr lang="en-US" sz="2000" dirty="0"/>
+          </a:p>
+          <a:p>
+            <a:r>
+              <a:rPr lang="en-US" sz="2000" b="1" dirty="0"/>
+              <a:t>Statistical Disclosure Control </a:t>
+            </a:r>
+            <a:r>
+              <a:rPr lang="en-US" sz="2000" dirty="0"/>
+              <a:t>seeks to protect statistical data in such a way that they can be released without giving away confidential information that can be linked to specific individuals or entities.</a:t>
+            </a:r>
+            <a:endParaRPr lang="cs-CZ" sz="2000" dirty="0"/>
+          </a:p>
+          <a:p>
+            <a:endParaRPr lang="cs-CZ" sz="2000" dirty="0"/>
+          </a:p>
+          <a:p>
+            <a:endParaRPr lang="cs-CZ" sz="2000" dirty="0"/>
+          </a:p>
+          <a:p>
+            <a:r>
+              <a:rPr lang="en-US" sz="2000" dirty="0"/>
+              <a:t>Importance of Data Anonymization</a:t>
+            </a:r>
+            <a:endParaRPr lang="cs-CZ" sz="2000" dirty="0"/>
+          </a:p>
+          <a:p>
+            <a:pPr lvl="2"/>
+            <a:r>
+              <a:rPr lang="en-US" sz="2000" dirty="0"/>
+              <a:t>1. </a:t>
+            </a:r>
+            <a:r>
+              <a:rPr lang="en-US" sz="2000" b="1" dirty="0"/>
+              <a:t>Principle</a:t>
+            </a:r>
+            <a:r>
+              <a:rPr lang="en-US" sz="2000" dirty="0"/>
+              <a:t> </a:t>
+            </a:r>
+            <a:r>
+              <a:rPr lang="en-US" sz="1800" dirty="0"/>
+              <a:t>It is a fundamental principle of Official Statistics that the statistical</a:t>
+            </a:r>
+            <a:r>
+              <a:rPr lang="cs-CZ" sz="1800" dirty="0"/>
+              <a:t> </a:t>
+            </a:r>
+            <a:r>
+              <a:rPr lang="en-US" sz="1800" dirty="0"/>
+              <a:t>records of individual persons, businesses, or events used to produce Official</a:t>
+            </a:r>
+            <a:r>
+              <a:rPr lang="cs-CZ" sz="1800" dirty="0"/>
+              <a:t> </a:t>
+            </a:r>
+            <a:r>
+              <a:rPr lang="en-US" sz="1800" dirty="0"/>
+              <a:t>Statistics are strictly confidential and to be used only for statistical purposes.</a:t>
+            </a:r>
+          </a:p>
+          <a:p>
+            <a:pPr lvl="2"/>
+            <a:r>
+              <a:rPr lang="en-US" sz="2000" dirty="0"/>
+              <a:t>2. </a:t>
+            </a:r>
+            <a:r>
+              <a:rPr lang="en-US" sz="2000" b="1" dirty="0"/>
+              <a:t>Legal</a:t>
+            </a:r>
+            <a:r>
+              <a:rPr lang="en-US" sz="2000" dirty="0"/>
+              <a:t> </a:t>
+            </a:r>
+            <a:r>
+              <a:rPr lang="en-US" sz="1800" dirty="0"/>
+              <a:t>Legislation imposes a legal obligation to protect individual business and</a:t>
+            </a:r>
+            <a:r>
+              <a:rPr lang="cs-CZ" sz="1800" dirty="0"/>
+              <a:t> </a:t>
+            </a:r>
+            <a:r>
+              <a:rPr lang="en-US" sz="1800" dirty="0"/>
+              <a:t>personal data. Legal frameworks regulate what is allowed and what is not allowed</a:t>
+            </a:r>
+            <a:r>
+              <a:rPr lang="cs-CZ" sz="1800" dirty="0"/>
+              <a:t> </a:t>
+            </a:r>
+            <a:r>
+              <a:rPr lang="en-US" sz="1800" dirty="0"/>
+              <a:t>regarding the publication of private information.</a:t>
+            </a:r>
+          </a:p>
+          <a:p>
+            <a:pPr lvl="2"/>
+            <a:r>
+              <a:rPr lang="en-US" sz="2000" dirty="0"/>
+              <a:t>3. </a:t>
+            </a:r>
+            <a:r>
+              <a:rPr lang="en-US" sz="2000" b="1" dirty="0"/>
+              <a:t>Quality</a:t>
+            </a:r>
+            <a:r>
+              <a:rPr lang="en-US" sz="2000" dirty="0"/>
+              <a:t> </a:t>
+            </a:r>
+            <a:r>
+              <a:rPr lang="en-US" sz="1800" dirty="0"/>
+              <a:t>Respondents need confidence in the preservation of the confidentiality of</a:t>
+            </a:r>
+            <a:r>
+              <a:rPr lang="cs-CZ" sz="1800" dirty="0"/>
+              <a:t> </a:t>
+            </a:r>
+            <a:r>
+              <a:rPr lang="en-US" sz="1800" dirty="0"/>
+              <a:t>individual information. If they do not trust the confidentiality of the data, they</a:t>
+            </a:r>
+            <a:r>
+              <a:rPr lang="cs-CZ" sz="1800" dirty="0"/>
+              <a:t> </a:t>
+            </a:r>
+            <a:r>
+              <a:rPr lang="en-US" sz="1800" dirty="0"/>
+              <a:t>may not provide accurate information.</a:t>
+            </a:r>
+          </a:p>
+          <a:p>
+            <a:pPr lvl="2"/>
+            <a:r>
+              <a:rPr lang="en-US" sz="2000" dirty="0"/>
+              <a:t>4. </a:t>
+            </a:r>
+            <a:r>
+              <a:rPr lang="en-US" sz="2000" b="1" dirty="0"/>
+              <a:t>Ethical</a:t>
+            </a:r>
+            <a:r>
+              <a:rPr lang="en-US" sz="2000" dirty="0"/>
+              <a:t> </a:t>
+            </a:r>
+            <a:r>
+              <a:rPr lang="en-US" sz="1800" dirty="0"/>
+              <a:t>Disclosing information that can be linked to specific individuals or entities</a:t>
+            </a:r>
+            <a:r>
+              <a:rPr lang="cs-CZ" sz="1800" dirty="0"/>
+              <a:t> </a:t>
+            </a:r>
+            <a:r>
+              <a:rPr lang="en-US" sz="1800" dirty="0"/>
+              <a:t>is unethical.</a:t>
+            </a:r>
+            <a:endParaRPr lang="cs-CZ" sz="1800" dirty="0"/>
+          </a:p>
+        </p:txBody>
+      </p:sp>
+      <p:sp>
+        <p:nvSpPr>
+          <p:cNvPr id="6" name="Foliennummernplatzhalter 5">
+            <a:extLst>
+              <a:ext uri="{FF2B5EF4-FFF2-40B4-BE49-F238E27FC236}">
+                <a16:creationId xmlns:a16="http://schemas.microsoft.com/office/drawing/2014/main" id="{F0700AC8-DDB0-4613-562A-57C7EBDC9F84}"/>
+              </a:ext>
+            </a:extLst>
+          </p:cNvPr>
+          <p:cNvSpPr>
+            <a:spLocks noGrp="1"/>
+          </p:cNvSpPr>
+          <p:nvPr>
+            <p:ph type="sldNum" sz="quarter" idx="12"/>
+          </p:nvPr>
+        </p:nvSpPr>
+        <p:spPr/>
+        <p:txBody>
+          <a:bodyPr/>
+          <a:lstStyle/>
+          <a:p>
+            <a:fld id="{442AD375-037F-43D0-B059-5172DA06796A}" type="slidenum">
+              <a:rPr lang="en-GB" noProof="0" smtClean="0"/>
+              <a:pPr/>
+              <a:t>3</a:t>
+            </a:fld>
+            <a:endParaRPr lang="en-GB" noProof="0" dirty="0"/>
+          </a:p>
+        </p:txBody>
+      </p:sp>
+    </p:spTree>
+    <p:extLst>
+      <p:ext uri="{BB962C8B-B14F-4D97-AF65-F5344CB8AC3E}">
+        <p14:creationId xmlns:p14="http://schemas.microsoft.com/office/powerpoint/2010/main" val="4107326556"/>
+      </p:ext>
+    </p:extLst>
+  </p:cSld>
+  <p:clrMapOvr>
+    <a:masterClrMapping/>
+  </p:clrMapOvr>
+</p:sld>
+</file>
+
+<file path=ppt/slides/slide4.xml><?xml version="1.0" encoding="utf-8"?>
+<p:sld xmlns:a="http://schemas.openxmlformats.org/drawingml/2006/main" xmlns:r="http://schemas.openxmlformats.org/officeDocument/2006/relationships" xmlns:p="http://schemas.openxmlformats.org/presentationml/2006/main">
+  <p:cSld>
+    <p:spTree>
+      <p:nvGrpSpPr>
+        <p:cNvPr id="1" name="">
+          <a:extLst>
+            <a:ext uri="{FF2B5EF4-FFF2-40B4-BE49-F238E27FC236}">
+              <a16:creationId xmlns:a16="http://schemas.microsoft.com/office/drawing/2014/main" id="{346E7D53-C838-FD85-21EA-691FB6E8C915}"/>
+            </a:ext>
+          </a:extLst>
+        </p:cNvPr>
+        <p:cNvGrpSpPr/>
+        <p:nvPr/>
+      </p:nvGrpSpPr>
+      <p:grpSpPr>
+        <a:xfrm>
+          <a:off x="0" y="0"/>
+          <a:ext cx="0" cy="0"/>
+          <a:chOff x="0" y="0"/>
+          <a:chExt cx="0" cy="0"/>
+        </a:xfrm>
+      </p:grpSpPr>
+      <p:sp>
+        <p:nvSpPr>
+          <p:cNvPr id="2" name="Titel 1">
+            <a:extLst>
+              <a:ext uri="{FF2B5EF4-FFF2-40B4-BE49-F238E27FC236}">
+                <a16:creationId xmlns:a16="http://schemas.microsoft.com/office/drawing/2014/main" id="{C2E1EB7F-6FF7-D90C-3366-FF3B10FABEC6}"/>
+              </a:ext>
+            </a:extLst>
+          </p:cNvPr>
+          <p:cNvSpPr>
+            <a:spLocks noGrp="1"/>
+          </p:cNvSpPr>
+          <p:nvPr>
+            <p:ph type="title"/>
+          </p:nvPr>
+        </p:nvSpPr>
+        <p:spPr/>
+        <p:txBody>
+          <a:bodyPr/>
+          <a:lstStyle/>
+          <a:p>
+            <a:r>
+              <a:rPr lang="en-US" sz="2800" dirty="0"/>
+              <a:t>Relevance to Open Science</a:t>
+            </a:r>
+            <a:endParaRPr lang="en-US" dirty="0"/>
+          </a:p>
+        </p:txBody>
+      </p:sp>
+      <p:sp>
+        <p:nvSpPr>
+          <p:cNvPr id="3" name="Inhaltsplatzhalter 2">
+            <a:extLst>
+              <a:ext uri="{FF2B5EF4-FFF2-40B4-BE49-F238E27FC236}">
+                <a16:creationId xmlns:a16="http://schemas.microsoft.com/office/drawing/2014/main" id="{556E08A4-1F71-662D-74FD-2F7FD7AFF59A}"/>
+              </a:ext>
+            </a:extLst>
+          </p:cNvPr>
+          <p:cNvSpPr>
+            <a:spLocks noGrp="1"/>
+          </p:cNvSpPr>
+          <p:nvPr>
+            <p:ph idx="1"/>
+          </p:nvPr>
+        </p:nvSpPr>
+        <p:spPr/>
+        <p:txBody>
+          <a:bodyPr/>
+          <a:lstStyle/>
+          <a:p>
+            <a:pPr algn="l"/>
+            <a:r>
+              <a:rPr lang="en-US" sz="2000" b="1" dirty="0"/>
+              <a:t>Open Science, Open Access, Open Data </a:t>
+            </a:r>
+            <a:r>
+              <a:rPr lang="en-US" sz="2000" dirty="0"/>
+              <a:t>are important trends in the scientific</a:t>
+            </a:r>
+            <a:r>
+              <a:rPr lang="cs-CZ" sz="2000" dirty="0"/>
+              <a:t> </a:t>
+            </a:r>
+            <a:r>
+              <a:rPr lang="en-US" sz="2000" dirty="0"/>
+              <a:t>community.</a:t>
+            </a:r>
+            <a:endParaRPr lang="cs-CZ" sz="2000" dirty="0"/>
+          </a:p>
+          <a:p>
+            <a:pPr algn="l"/>
+            <a:endParaRPr lang="en-US" sz="2000" dirty="0"/>
+          </a:p>
+          <a:p>
+            <a:pPr algn="l"/>
+            <a:r>
+              <a:rPr lang="en-US" sz="2000" dirty="0"/>
+              <a:t>Research data that results from publicly funded research should be FAIR:</a:t>
+            </a:r>
+          </a:p>
+          <a:p>
+            <a:pPr algn="ctr"/>
+            <a:r>
+              <a:rPr lang="en-US" sz="2000" b="1" dirty="0"/>
+              <a:t>findable, accessible, interoperable, reusable</a:t>
+            </a:r>
+            <a:endParaRPr lang="cs-CZ" sz="2000" b="1" dirty="0"/>
+          </a:p>
+          <a:p>
+            <a:endParaRPr lang="cs-CZ" sz="2000" dirty="0"/>
+          </a:p>
+          <a:p>
+            <a:endParaRPr lang="cs-CZ" sz="2000" dirty="0"/>
+          </a:p>
+          <a:p>
+            <a:pPr lvl="2"/>
+            <a:r>
+              <a:rPr lang="en-US" sz="2000" dirty="0"/>
+              <a:t> therefore replicable, transparent, trustworthy, verifiable and accountable</a:t>
+            </a:r>
+          </a:p>
+          <a:p>
+            <a:pPr lvl="2"/>
+            <a:r>
+              <a:rPr lang="en-US" sz="2000" dirty="0"/>
+              <a:t> Principle: </a:t>
+            </a:r>
+            <a:r>
+              <a:rPr lang="en-US" sz="2000" b="1" dirty="0"/>
+              <a:t>As open as possible, as closed as necessary</a:t>
+            </a:r>
+          </a:p>
+          <a:p>
+            <a:pPr lvl="2"/>
+            <a:r>
+              <a:rPr lang="en-US" sz="2000" dirty="0"/>
+              <a:t> Enables data sharing and collaboration</a:t>
+            </a:r>
+          </a:p>
+          <a:p>
+            <a:pPr lvl="2"/>
+            <a:r>
+              <a:rPr lang="cs-CZ" sz="2000" dirty="0"/>
+              <a:t> </a:t>
+            </a:r>
+            <a:r>
+              <a:rPr lang="en-US" sz="2000" dirty="0"/>
+              <a:t>Facilitates reproducible research</a:t>
+            </a:r>
+          </a:p>
+          <a:p>
+            <a:pPr lvl="2"/>
+            <a:r>
+              <a:rPr lang="en-US" sz="2000" dirty="0"/>
+              <a:t> Balances transparency with privacy</a:t>
+            </a:r>
+            <a:endParaRPr lang="cs-CZ" sz="2000" dirty="0"/>
+          </a:p>
+          <a:p>
+            <a:pPr marL="428400" lvl="2" indent="0">
+              <a:buNone/>
+            </a:pPr>
+            <a:endParaRPr lang="cs-CZ" sz="2000" dirty="0"/>
+          </a:p>
+          <a:p>
+            <a:pPr marL="428400" lvl="2" indent="0">
+              <a:buNone/>
+            </a:pPr>
+            <a:r>
+              <a:rPr lang="en-US" sz="2000" dirty="0">
+                <a:solidFill>
+                  <a:schemeClr val="accent1"/>
+                </a:solidFill>
+                <a:hlinkClick r:id="rId2">
+                  <a:extLst>
+                    <a:ext uri="{A12FA001-AC4F-418D-AE19-62706E023703}">
+                      <ahyp:hlinkClr xmlns:ahyp="http://schemas.microsoft.com/office/drawing/2018/hyperlinkcolor" val="tx"/>
+                    </a:ext>
+                  </a:extLst>
+                </a:hlinkClick>
+              </a:rPr>
+              <a:t>Commission Recommendation (EU) 2018/790 on access to and preservation</a:t>
+            </a:r>
+            <a:r>
+              <a:rPr lang="cs-CZ" sz="2000" dirty="0">
+                <a:solidFill>
+                  <a:schemeClr val="accent1"/>
+                </a:solidFill>
+                <a:hlinkClick r:id="rId2">
+                  <a:extLst>
+                    <a:ext uri="{A12FA001-AC4F-418D-AE19-62706E023703}">
+                      <ahyp:hlinkClr xmlns:ahyp="http://schemas.microsoft.com/office/drawing/2018/hyperlinkcolor" val="tx"/>
+                    </a:ext>
+                  </a:extLst>
+                </a:hlinkClick>
+              </a:rPr>
+              <a:t> </a:t>
+            </a:r>
+            <a:r>
+              <a:rPr lang="en-US" sz="2000" dirty="0">
+                <a:solidFill>
+                  <a:schemeClr val="accent1"/>
+                </a:solidFill>
+                <a:hlinkClick r:id="rId2">
+                  <a:extLst>
+                    <a:ext uri="{A12FA001-AC4F-418D-AE19-62706E023703}">
+                      <ahyp:hlinkClr xmlns:ahyp="http://schemas.microsoft.com/office/drawing/2018/hyperlinkcolor" val="tx"/>
+                    </a:ext>
+                  </a:extLst>
+                </a:hlinkClick>
+              </a:rPr>
+              <a:t>of scientific information</a:t>
+            </a:r>
+            <a:endParaRPr lang="cs-CZ" sz="2000" dirty="0">
+              <a:solidFill>
+                <a:schemeClr val="accent1"/>
+              </a:solidFill>
+            </a:endParaRPr>
+          </a:p>
+        </p:txBody>
+      </p:sp>
+      <p:sp>
+        <p:nvSpPr>
+          <p:cNvPr id="6" name="Foliennummernplatzhalter 5">
+            <a:extLst>
+              <a:ext uri="{FF2B5EF4-FFF2-40B4-BE49-F238E27FC236}">
+                <a16:creationId xmlns:a16="http://schemas.microsoft.com/office/drawing/2014/main" id="{9D5D99C4-7E83-82E2-EADD-0A85FD789569}"/>
+              </a:ext>
+            </a:extLst>
+          </p:cNvPr>
+          <p:cNvSpPr>
+            <a:spLocks noGrp="1"/>
+          </p:cNvSpPr>
+          <p:nvPr>
+            <p:ph type="sldNum" sz="quarter" idx="12"/>
+          </p:nvPr>
+        </p:nvSpPr>
+        <p:spPr/>
+        <p:txBody>
+          <a:bodyPr/>
+          <a:lstStyle/>
+          <a:p>
+            <a:fld id="{442AD375-037F-43D0-B059-5172DA06796A}" type="slidenum">
+              <a:rPr lang="en-GB" noProof="0" smtClean="0"/>
+              <a:pPr/>
+              <a:t>4</a:t>
+            </a:fld>
+            <a:endParaRPr lang="en-GB" noProof="0" dirty="0"/>
+          </a:p>
+        </p:txBody>
+      </p:sp>
+    </p:spTree>
+    <p:extLst>
+      <p:ext uri="{BB962C8B-B14F-4D97-AF65-F5344CB8AC3E}">
+        <p14:creationId xmlns:p14="http://schemas.microsoft.com/office/powerpoint/2010/main" val="1157324767"/>
+      </p:ext>
+    </p:extLst>
+  </p:cSld>
+  <p:clrMapOvr>
+    <a:masterClrMapping/>
+  </p:clrMapOvr>
+</p:sld>
+</file>
+
+<file path=ppt/slides/slide5.xml><?xml version="1.0" encoding="utf-8"?>
+<p:sld xmlns:a="http://schemas.openxmlformats.org/drawingml/2006/main" xmlns:r="http://schemas.openxmlformats.org/officeDocument/2006/relationships" xmlns:p="http://schemas.openxmlformats.org/presentationml/2006/main">
+  <p:cSld>
+    <p:spTree>
+      <p:nvGrpSpPr>
+        <p:cNvPr id="1" name="">
+          <a:extLst>
+            <a:ext uri="{FF2B5EF4-FFF2-40B4-BE49-F238E27FC236}">
+              <a16:creationId xmlns:a16="http://schemas.microsoft.com/office/drawing/2014/main" id="{18277918-EA82-938A-5AE8-3339F73EA55E}"/>
+            </a:ext>
+          </a:extLst>
+        </p:cNvPr>
+        <p:cNvGrpSpPr/>
+        <p:nvPr/>
+      </p:nvGrpSpPr>
+      <p:grpSpPr>
+        <a:xfrm>
+          <a:off x="0" y="0"/>
+          <a:ext cx="0" cy="0"/>
+          <a:chOff x="0" y="0"/>
+          <a:chExt cx="0" cy="0"/>
+        </a:xfrm>
+      </p:grpSpPr>
+      <p:sp>
+        <p:nvSpPr>
+          <p:cNvPr id="2" name="Titel 1">
+            <a:extLst>
+              <a:ext uri="{FF2B5EF4-FFF2-40B4-BE49-F238E27FC236}">
+                <a16:creationId xmlns:a16="http://schemas.microsoft.com/office/drawing/2014/main" id="{59BACCA5-955D-BFE5-D4F0-F015513F1BB9}"/>
+              </a:ext>
+            </a:extLst>
+          </p:cNvPr>
+          <p:cNvSpPr>
+            <a:spLocks noGrp="1"/>
+          </p:cNvSpPr>
+          <p:nvPr>
+            <p:ph type="title"/>
+          </p:nvPr>
+        </p:nvSpPr>
+        <p:spPr/>
+        <p:txBody>
+          <a:bodyPr/>
+          <a:lstStyle/>
+          <a:p>
+            <a:r>
+              <a:rPr lang="en-US" sz="2800" dirty="0"/>
+              <a:t>Key Concepts</a:t>
+            </a:r>
+            <a:r>
+              <a:rPr lang="cs-CZ" sz="2800" dirty="0"/>
+              <a:t> </a:t>
+            </a:r>
+            <a:endParaRPr lang="en-US" dirty="0"/>
+          </a:p>
+        </p:txBody>
+      </p:sp>
+      <p:sp>
+        <p:nvSpPr>
+          <p:cNvPr id="3" name="Inhaltsplatzhalter 2">
+            <a:extLst>
+              <a:ext uri="{FF2B5EF4-FFF2-40B4-BE49-F238E27FC236}">
+                <a16:creationId xmlns:a16="http://schemas.microsoft.com/office/drawing/2014/main" id="{E352CCDE-7E4F-9E90-879D-204FB75A49AF}"/>
+              </a:ext>
+            </a:extLst>
+          </p:cNvPr>
+          <p:cNvSpPr>
+            <a:spLocks noGrp="1"/>
+          </p:cNvSpPr>
+          <p:nvPr>
+            <p:ph idx="1"/>
+          </p:nvPr>
+        </p:nvSpPr>
+        <p:spPr/>
+        <p:txBody>
+          <a:bodyPr/>
+          <a:lstStyle/>
+          <a:p>
+            <a:pPr algn="l"/>
+            <a:r>
+              <a:rPr lang="en-US" sz="2000" b="1" dirty="0"/>
+              <a:t>Disclosure</a:t>
+            </a:r>
+            <a:endParaRPr lang="en-US" sz="2000" dirty="0"/>
+          </a:p>
+          <a:p>
+            <a:pPr lvl="2"/>
+            <a:r>
+              <a:rPr lang="en-US" sz="2000" dirty="0"/>
+              <a:t> A disclosure occurs when a person or an </a:t>
+            </a:r>
+            <a:r>
+              <a:rPr lang="en-US" sz="2000" dirty="0" err="1"/>
+              <a:t>organisation</a:t>
+            </a:r>
+            <a:r>
+              <a:rPr lang="en-US" sz="2000" dirty="0"/>
+              <a:t> </a:t>
+            </a:r>
+            <a:r>
+              <a:rPr lang="en-US" sz="2000" dirty="0" err="1"/>
+              <a:t>recognises</a:t>
+            </a:r>
+            <a:r>
+              <a:rPr lang="en-US" sz="2000" dirty="0"/>
+              <a:t> or learns something that they did not know already about another person or </a:t>
+            </a:r>
+            <a:r>
+              <a:rPr lang="en-US" sz="2000" dirty="0" err="1"/>
+              <a:t>organisation</a:t>
+            </a:r>
+            <a:r>
+              <a:rPr lang="en-US" sz="2000" dirty="0"/>
+              <a:t>, via released data.</a:t>
+            </a:r>
+          </a:p>
+          <a:p>
+            <a:pPr lvl="2"/>
+            <a:r>
+              <a:rPr lang="en-US" sz="2000" dirty="0"/>
+              <a:t>(1) </a:t>
+            </a:r>
+            <a:r>
+              <a:rPr lang="en-US" sz="2000" b="1" dirty="0"/>
+              <a:t>Identity disclosure</a:t>
+            </a:r>
+            <a:r>
+              <a:rPr lang="en-US" sz="2000" dirty="0"/>
+              <a:t>: Revealing the identity of an individual.</a:t>
+            </a:r>
+          </a:p>
+          <a:p>
+            <a:pPr lvl="2"/>
+            <a:r>
+              <a:rPr lang="en-US" sz="2000" dirty="0"/>
+              <a:t>(2) </a:t>
+            </a:r>
+            <a:r>
+              <a:rPr lang="en-US" sz="2000" b="1" dirty="0"/>
+              <a:t>Attribute disclosure</a:t>
+            </a:r>
+            <a:r>
+              <a:rPr lang="en-US" sz="2000" dirty="0"/>
+              <a:t>:</a:t>
+            </a:r>
+            <a:r>
+              <a:rPr lang="en-US" sz="2000" b="1" dirty="0"/>
+              <a:t> </a:t>
+            </a:r>
+            <a:r>
+              <a:rPr lang="en-US" sz="2000" dirty="0"/>
+              <a:t>Revealing sensitive attributes of an individual.</a:t>
+            </a:r>
+          </a:p>
+          <a:p>
+            <a:pPr lvl="2"/>
+            <a:r>
+              <a:rPr lang="en-US" sz="2000" dirty="0"/>
+              <a:t>(3) </a:t>
+            </a:r>
+            <a:r>
+              <a:rPr lang="en-US" sz="2000" b="1" dirty="0"/>
+              <a:t>Inferential disclosure</a:t>
+            </a:r>
+            <a:r>
+              <a:rPr lang="en-US" sz="2000" dirty="0"/>
+              <a:t>: Making inferences about an individual based on the released data.</a:t>
+            </a:r>
+          </a:p>
+          <a:p>
+            <a:pPr lvl="2"/>
+            <a:r>
+              <a:rPr lang="en-US" sz="2000" dirty="0"/>
+              <a:t>(4) </a:t>
+            </a:r>
+            <a:r>
+              <a:rPr lang="en-US" sz="2000" b="1" dirty="0"/>
+              <a:t>Membership disclosure</a:t>
+            </a:r>
+            <a:r>
+              <a:rPr lang="en-US" sz="2000" dirty="0"/>
+              <a:t>: Determining whether a specific individual is included in a dataset</a:t>
+            </a:r>
+          </a:p>
+          <a:p>
+            <a:pPr lvl="2"/>
+            <a:endParaRPr lang="en-US" sz="2000" dirty="0"/>
+          </a:p>
+          <a:p>
+            <a:pPr marL="0" lvl="2" indent="0">
+              <a:spcBef>
+                <a:spcPts val="0"/>
+              </a:spcBef>
+              <a:buNone/>
+            </a:pPr>
+            <a:r>
+              <a:rPr lang="en-US" sz="2000" b="1" dirty="0"/>
+              <a:t>Re-identification risk</a:t>
+            </a:r>
+          </a:p>
+          <a:p>
+            <a:pPr lvl="2"/>
+            <a:r>
+              <a:rPr lang="en-US" sz="2000" dirty="0"/>
+              <a:t>Re-identification risk is the risk that an intruder can link a record in the released data to a specific individual in the population.</a:t>
+            </a:r>
+          </a:p>
+          <a:p>
+            <a:pPr lvl="2"/>
+            <a:endParaRPr lang="en-US" sz="2000" dirty="0"/>
+          </a:p>
+          <a:p>
+            <a:pPr marL="0" lvl="2" indent="0">
+              <a:spcBef>
+                <a:spcPts val="0"/>
+              </a:spcBef>
+              <a:buNone/>
+            </a:pPr>
+            <a:r>
+              <a:rPr lang="en-US" sz="2000" b="1" dirty="0"/>
+              <a:t>Data utility</a:t>
+            </a:r>
+          </a:p>
+          <a:p>
+            <a:pPr lvl="2"/>
+            <a:r>
+              <a:rPr lang="en-US" sz="2000" dirty="0"/>
+              <a:t>Data utility is the usefulness of the data for the intended purpose.</a:t>
+            </a:r>
+          </a:p>
+        </p:txBody>
+      </p:sp>
+      <p:sp>
+        <p:nvSpPr>
+          <p:cNvPr id="6" name="Foliennummernplatzhalter 5">
+            <a:extLst>
+              <a:ext uri="{FF2B5EF4-FFF2-40B4-BE49-F238E27FC236}">
+                <a16:creationId xmlns:a16="http://schemas.microsoft.com/office/drawing/2014/main" id="{E537CCB0-6DC9-A9F8-496E-7A8D17395280}"/>
+              </a:ext>
+            </a:extLst>
+          </p:cNvPr>
+          <p:cNvSpPr>
+            <a:spLocks noGrp="1"/>
+          </p:cNvSpPr>
+          <p:nvPr>
+            <p:ph type="sldNum" sz="quarter" idx="12"/>
+          </p:nvPr>
+        </p:nvSpPr>
+        <p:spPr/>
+        <p:txBody>
+          <a:bodyPr/>
+          <a:lstStyle/>
+          <a:p>
+            <a:fld id="{442AD375-037F-43D0-B059-5172DA06796A}" type="slidenum">
+              <a:rPr lang="en-GB" noProof="0" smtClean="0"/>
+              <a:pPr/>
+              <a:t>5</a:t>
+            </a:fld>
+            <a:endParaRPr lang="en-GB" noProof="0" dirty="0"/>
+          </a:p>
+        </p:txBody>
+      </p:sp>
+    </p:spTree>
+    <p:extLst>
+      <p:ext uri="{BB962C8B-B14F-4D97-AF65-F5344CB8AC3E}">
+        <p14:creationId xmlns:p14="http://schemas.microsoft.com/office/powerpoint/2010/main" val="2352502011"/>
+      </p:ext>
+    </p:extLst>
+  </p:cSld>
+  <p:clrMapOvr>
+    <a:masterClrMapping/>
+  </p:clrMapOvr>
+</p:sld>
+</file>
+
+<file path=ppt/slides/slide6.xml><?xml version="1.0" encoding="utf-8"?>
+<p:sld xmlns:a="http://schemas.openxmlformats.org/drawingml/2006/main" xmlns:r="http://schemas.openxmlformats.org/officeDocument/2006/relationships" xmlns:p="http://schemas.openxmlformats.org/presentationml/2006/main">
+  <p:cSld>
+    <p:spTree>
+      <p:nvGrpSpPr>
+        <p:cNvPr id="1" name="">
+          <a:extLst>
+            <a:ext uri="{FF2B5EF4-FFF2-40B4-BE49-F238E27FC236}">
+              <a16:creationId xmlns:a16="http://schemas.microsoft.com/office/drawing/2014/main" id="{D345B9AB-6800-3941-1EDD-C50044D3FF80}"/>
+            </a:ext>
+          </a:extLst>
+        </p:cNvPr>
+        <p:cNvGrpSpPr/>
+        <p:nvPr/>
+      </p:nvGrpSpPr>
+      <p:grpSpPr>
+        <a:xfrm>
+          <a:off x="0" y="0"/>
+          <a:ext cx="0" cy="0"/>
+          <a:chOff x="0" y="0"/>
+          <a:chExt cx="0" cy="0"/>
+        </a:xfrm>
+      </p:grpSpPr>
+      <p:pic>
+        <p:nvPicPr>
+          <p:cNvPr id="5" name="Obrázek 4" descr="Obsah obrázku text, snímek obrazovky, diagram, řada/pruh&#10;&#10;Popis byl vytvořen automaticky">
+            <a:extLst>
+              <a:ext uri="{FF2B5EF4-FFF2-40B4-BE49-F238E27FC236}">
+                <a16:creationId xmlns:a16="http://schemas.microsoft.com/office/drawing/2014/main" id="{A26588E5-4B77-ED34-94BE-FBECA597B1BB}"/>
+              </a:ext>
+            </a:extLst>
+          </p:cNvPr>
+          <p:cNvPicPr>
+            <a:picLocks noChangeAspect="1"/>
+          </p:cNvPicPr>
+          <p:nvPr/>
+        </p:nvPicPr>
+        <p:blipFill>
+          <a:blip r:embed="rId2">
+            <a:extLst>
+              <a:ext uri="{28A0092B-C50C-407E-A947-70E740481C1C}">
+                <a14:useLocalDpi xmlns:a14="http://schemas.microsoft.com/office/drawing/2010/main" val="0"/>
+              </a:ext>
+            </a:extLst>
+          </a:blip>
+          <a:stretch>
+            <a:fillRect/>
+          </a:stretch>
+        </p:blipFill>
+        <p:spPr>
+          <a:xfrm>
+            <a:off x="6224315" y="902767"/>
+            <a:ext cx="5688632" cy="4656290"/>
+          </a:xfrm>
+          <a:prstGeom prst="rect">
+            <a:avLst/>
+          </a:prstGeom>
+        </p:spPr>
+      </p:pic>
+      <p:sp>
+        <p:nvSpPr>
+          <p:cNvPr id="2" name="Titel 1">
+            <a:extLst>
+              <a:ext uri="{FF2B5EF4-FFF2-40B4-BE49-F238E27FC236}">
+                <a16:creationId xmlns:a16="http://schemas.microsoft.com/office/drawing/2014/main" id="{A432E69C-D288-FEB9-92D3-C3A1A05D46D1}"/>
+              </a:ext>
+            </a:extLst>
+          </p:cNvPr>
+          <p:cNvSpPr>
+            <a:spLocks noGrp="1"/>
+          </p:cNvSpPr>
+          <p:nvPr>
+            <p:ph type="title"/>
+          </p:nvPr>
+        </p:nvSpPr>
+        <p:spPr/>
+        <p:txBody>
+          <a:bodyPr/>
+          <a:lstStyle/>
+          <a:p>
+            <a:r>
+              <a:rPr lang="en-US" sz="2800" dirty="0"/>
+              <a:t>Risk and utility</a:t>
+            </a:r>
+            <a:r>
+              <a:rPr lang="cs-CZ" sz="2800" dirty="0"/>
+              <a:t> </a:t>
+            </a:r>
+            <a:endParaRPr lang="en-US" dirty="0"/>
+          </a:p>
+        </p:txBody>
+      </p:sp>
+      <p:sp>
+        <p:nvSpPr>
+          <p:cNvPr id="3" name="Inhaltsplatzhalter 2">
+            <a:extLst>
+              <a:ext uri="{FF2B5EF4-FFF2-40B4-BE49-F238E27FC236}">
+                <a16:creationId xmlns:a16="http://schemas.microsoft.com/office/drawing/2014/main" id="{40343688-FEC1-3826-A71A-EBC8BB165E4B}"/>
+              </a:ext>
+            </a:extLst>
+          </p:cNvPr>
+          <p:cNvSpPr>
+            <a:spLocks noGrp="1"/>
+          </p:cNvSpPr>
+          <p:nvPr>
+            <p:ph idx="1"/>
+          </p:nvPr>
+        </p:nvSpPr>
+        <p:spPr>
+          <a:xfrm>
+            <a:off x="271461" y="870744"/>
+            <a:ext cx="5941539" cy="5150545"/>
+          </a:xfrm>
+        </p:spPr>
+        <p:txBody>
+          <a:bodyPr/>
+          <a:lstStyle/>
+          <a:p>
+            <a:pPr algn="l"/>
+            <a:r>
+              <a:rPr lang="en-US" sz="2000" dirty="0"/>
+              <a:t>SDC seeks to </a:t>
+            </a:r>
+            <a:r>
+              <a:rPr lang="en-US" sz="2000" dirty="0" err="1"/>
+              <a:t>optimise</a:t>
+            </a:r>
+            <a:r>
+              <a:rPr lang="en-US" sz="2000" dirty="0"/>
+              <a:t> the trade-off between the disclosure risk and the utility of the</a:t>
+            </a:r>
+          </a:p>
+          <a:p>
+            <a:pPr algn="l"/>
+            <a:r>
+              <a:rPr lang="en-US" sz="2000" dirty="0"/>
+              <a:t>protected released data.</a:t>
+            </a:r>
+          </a:p>
+          <a:p>
+            <a:pPr lvl="2"/>
+            <a:r>
+              <a:rPr lang="en-US" sz="2000" b="1" dirty="0"/>
+              <a:t>Risk</a:t>
+            </a:r>
+            <a:r>
+              <a:rPr lang="en-US" sz="2000" dirty="0"/>
+              <a:t>: the probability of a disclosure event occurring.</a:t>
+            </a:r>
+          </a:p>
+          <a:p>
+            <a:pPr lvl="2"/>
+            <a:r>
+              <a:rPr lang="en-US" sz="2000" b="1" dirty="0"/>
+              <a:t>Utility</a:t>
+            </a:r>
+            <a:r>
+              <a:rPr lang="en-US" sz="2000" dirty="0"/>
+              <a:t>: the usefulness of the data for the intended purpose.</a:t>
+            </a:r>
+            <a:endParaRPr lang="cs-CZ" sz="2000" dirty="0"/>
+          </a:p>
+          <a:p>
+            <a:pPr lvl="2"/>
+            <a:endParaRPr lang="cs-CZ" sz="2000" dirty="0"/>
+          </a:p>
+          <a:p>
+            <a:pPr marL="0" lvl="2" indent="0">
+              <a:spcBef>
+                <a:spcPts val="0"/>
+              </a:spcBef>
+              <a:buNone/>
+            </a:pPr>
+            <a:r>
+              <a:rPr lang="en-US" sz="2000" dirty="0"/>
+              <a:t>The goal is to find a balance between risk and utility, </a:t>
+            </a:r>
+            <a:endParaRPr lang="cs-CZ" sz="2000" dirty="0"/>
+          </a:p>
+          <a:p>
+            <a:pPr marL="0" lvl="2" indent="0">
+              <a:spcBef>
+                <a:spcPts val="0"/>
+              </a:spcBef>
+              <a:buNone/>
+            </a:pPr>
+            <a:r>
+              <a:rPr lang="en-US" sz="2000" dirty="0"/>
+              <a:t>so there is a </a:t>
+            </a:r>
+            <a:r>
+              <a:rPr lang="en-US" sz="2000" b="1" dirty="0"/>
+              <a:t>risk-utility</a:t>
+            </a:r>
+            <a:r>
+              <a:rPr lang="cs-CZ" sz="2000" b="1" dirty="0"/>
+              <a:t> </a:t>
+            </a:r>
+            <a:r>
+              <a:rPr lang="en-US" sz="2000" b="1" dirty="0"/>
+              <a:t>trade-off</a:t>
+            </a:r>
+            <a:r>
+              <a:rPr lang="en-US" sz="2000" dirty="0"/>
+              <a:t>.</a:t>
+            </a:r>
+            <a:endParaRPr lang="cs-CZ" sz="2000" dirty="0"/>
+          </a:p>
+          <a:p>
+            <a:pPr lvl="2"/>
+            <a:endParaRPr lang="en-US" sz="2000" dirty="0"/>
+          </a:p>
+        </p:txBody>
+      </p:sp>
+      <p:sp>
+        <p:nvSpPr>
+          <p:cNvPr id="6" name="Foliennummernplatzhalter 5">
+            <a:extLst>
+              <a:ext uri="{FF2B5EF4-FFF2-40B4-BE49-F238E27FC236}">
+                <a16:creationId xmlns:a16="http://schemas.microsoft.com/office/drawing/2014/main" id="{14A15C47-B574-5D35-E6DD-0EF91BB74995}"/>
+              </a:ext>
+            </a:extLst>
+          </p:cNvPr>
+          <p:cNvSpPr>
+            <a:spLocks noGrp="1"/>
+          </p:cNvSpPr>
+          <p:nvPr>
+            <p:ph type="sldNum" sz="quarter" idx="12"/>
+          </p:nvPr>
+        </p:nvSpPr>
+        <p:spPr/>
+        <p:txBody>
+          <a:bodyPr/>
+          <a:lstStyle/>
+          <a:p>
+            <a:fld id="{442AD375-037F-43D0-B059-5172DA06796A}" type="slidenum">
+              <a:rPr lang="en-GB" noProof="0" smtClean="0"/>
+              <a:pPr/>
+              <a:t>6</a:t>
+            </a:fld>
+            <a:endParaRPr lang="en-GB" noProof="0" dirty="0"/>
+          </a:p>
+        </p:txBody>
+      </p:sp>
+      <p:sp>
+        <p:nvSpPr>
+          <p:cNvPr id="7" name="TextovéPole 6">
+            <a:extLst>
+              <a:ext uri="{FF2B5EF4-FFF2-40B4-BE49-F238E27FC236}">
+                <a16:creationId xmlns:a16="http://schemas.microsoft.com/office/drawing/2014/main" id="{3687F6A4-0893-F188-58A2-8BA1E965CF0B}"/>
+              </a:ext>
+            </a:extLst>
+          </p:cNvPr>
+          <p:cNvSpPr txBox="1"/>
+          <p:nvPr/>
+        </p:nvSpPr>
+        <p:spPr>
+          <a:xfrm>
+            <a:off x="6876975" y="5955233"/>
+            <a:ext cx="4824536" cy="271485"/>
+          </a:xfrm>
+          <a:prstGeom prst="rect">
+            <a:avLst/>
+          </a:prstGeom>
+          <a:noFill/>
+        </p:spPr>
+        <p:txBody>
+          <a:bodyPr wrap="square" lIns="0" tIns="0" rIns="0" bIns="0" rtlCol="0">
+            <a:spAutoFit/>
+          </a:bodyPr>
+          <a:lstStyle/>
+          <a:p>
+            <a:r>
+              <a:rPr lang="en-US" sz="1800" b="0" i="0" u="none" strike="noStrike" baseline="0" dirty="0">
+                <a:solidFill>
+                  <a:schemeClr val="accent1"/>
+                </a:solidFill>
+                <a:latin typeface="CMSS10"/>
+                <a:hlinkClick r:id="rId3">
+                  <a:extLst>
+                    <a:ext uri="{A12FA001-AC4F-418D-AE19-62706E023703}">
+                      <ahyp:hlinkClr xmlns:ahyp="http://schemas.microsoft.com/office/drawing/2018/hyperlinkcolor" val="tx"/>
+                    </a:ext>
+                  </a:extLst>
+                </a:hlinkClick>
+              </a:rPr>
+              <a:t>R-U confidentiality map (Duncan et al.,2001)</a:t>
+            </a:r>
+            <a:endParaRPr lang="en-US" dirty="0">
+              <a:solidFill>
+                <a:schemeClr val="accent1"/>
+              </a:solidFill>
+            </a:endParaRPr>
+          </a:p>
+        </p:txBody>
+      </p:sp>
+    </p:spTree>
+    <p:extLst>
+      <p:ext uri="{BB962C8B-B14F-4D97-AF65-F5344CB8AC3E}">
+        <p14:creationId xmlns:p14="http://schemas.microsoft.com/office/powerpoint/2010/main" val="4123565300"/>
+      </p:ext>
+    </p:extLst>
+  </p:cSld>
+  <p:clrMapOvr>
+    <a:masterClrMapping/>
+  </p:clrMapOvr>
+</p:sld>
+</file>
+
+<file path=ppt/slides/slide7.xml><?xml version="1.0" encoding="utf-8"?>
+<p:sld xmlns:a="http://schemas.openxmlformats.org/drawingml/2006/main" xmlns:r="http://schemas.openxmlformats.org/officeDocument/2006/relationships" xmlns:p="http://schemas.openxmlformats.org/presentationml/2006/main">
+  <p:cSld>
+    <p:spTree>
+      <p:nvGrpSpPr>
+        <p:cNvPr id="1" name="">
+          <a:extLst>
+            <a:ext uri="{FF2B5EF4-FFF2-40B4-BE49-F238E27FC236}">
+              <a16:creationId xmlns:a16="http://schemas.microsoft.com/office/drawing/2014/main" id="{23C9D3DB-2E21-2638-703E-3426914AF7F1}"/>
+            </a:ext>
+          </a:extLst>
+        </p:cNvPr>
+        <p:cNvGrpSpPr/>
+        <p:nvPr/>
+      </p:nvGrpSpPr>
+      <p:grpSpPr>
+        <a:xfrm>
+          <a:off x="0" y="0"/>
+          <a:ext cx="0" cy="0"/>
+          <a:chOff x="0" y="0"/>
+          <a:chExt cx="0" cy="0"/>
+        </a:xfrm>
+      </p:grpSpPr>
+      <p:sp>
+        <p:nvSpPr>
+          <p:cNvPr id="2" name="Titel 1">
+            <a:extLst>
+              <a:ext uri="{FF2B5EF4-FFF2-40B4-BE49-F238E27FC236}">
+                <a16:creationId xmlns:a16="http://schemas.microsoft.com/office/drawing/2014/main" id="{86A79602-8888-36BE-3320-37F682A75113}"/>
+              </a:ext>
+            </a:extLst>
+          </p:cNvPr>
+          <p:cNvSpPr>
+            <a:spLocks noGrp="1"/>
+          </p:cNvSpPr>
+          <p:nvPr>
+            <p:ph type="title"/>
+          </p:nvPr>
+        </p:nvSpPr>
+        <p:spPr/>
+        <p:txBody>
+          <a:bodyPr/>
+          <a:lstStyle/>
+          <a:p>
+            <a:r>
+              <a:rPr lang="en-US" sz="2800" dirty="0"/>
+              <a:t>Disclosure control methods</a:t>
+            </a:r>
+            <a:r>
+              <a:rPr lang="cs-CZ" sz="2800" dirty="0"/>
+              <a:t> </a:t>
+            </a:r>
+            <a:endParaRPr lang="en-US" dirty="0"/>
+          </a:p>
+        </p:txBody>
+      </p:sp>
+      <p:sp>
+        <p:nvSpPr>
+          <p:cNvPr id="3" name="Inhaltsplatzhalter 2">
+            <a:extLst>
+              <a:ext uri="{FF2B5EF4-FFF2-40B4-BE49-F238E27FC236}">
+                <a16:creationId xmlns:a16="http://schemas.microsoft.com/office/drawing/2014/main" id="{05D03A0C-CB49-19BB-1D72-38EDDF4A1B85}"/>
+              </a:ext>
+            </a:extLst>
+          </p:cNvPr>
+          <p:cNvSpPr>
+            <a:spLocks noGrp="1"/>
+          </p:cNvSpPr>
+          <p:nvPr>
+            <p:ph idx="1"/>
+          </p:nvPr>
+        </p:nvSpPr>
+        <p:spPr/>
+        <p:txBody>
+          <a:bodyPr/>
+          <a:lstStyle/>
+          <a:p>
+            <a:pPr marL="457200" indent="-457200" algn="l">
+              <a:buFont typeface="+mj-lt"/>
+              <a:buAutoNum type="alphaLcParenR"/>
+            </a:pPr>
+            <a:r>
+              <a:rPr lang="en-US" sz="2000" b="1" dirty="0"/>
+              <a:t>Masking original data</a:t>
+            </a:r>
+            <a:endParaRPr lang="cs-CZ" sz="2000" b="1" dirty="0"/>
+          </a:p>
+          <a:p>
+            <a:pPr marL="684000" lvl="1" indent="-457200">
+              <a:buFont typeface="+mj-lt"/>
+              <a:buAutoNum type="alphaLcParenR"/>
+            </a:pPr>
+            <a:r>
+              <a:rPr lang="en-US" sz="2000" b="1" dirty="0"/>
+              <a:t>Non-perturbative masking </a:t>
+            </a:r>
+            <a:r>
+              <a:rPr lang="en-US" sz="2000" dirty="0"/>
+              <a:t>- Methods that alter data to hide identities without</a:t>
+            </a:r>
+            <a:r>
+              <a:rPr lang="cs-CZ" sz="2000" dirty="0"/>
+              <a:t> </a:t>
+            </a:r>
+            <a:r>
+              <a:rPr lang="en-US" sz="2000" dirty="0"/>
+              <a:t>changing its actual values</a:t>
+            </a:r>
+          </a:p>
+          <a:p>
+            <a:pPr marL="684000" lvl="1" indent="-457200">
+              <a:buFont typeface="+mj-lt"/>
+              <a:buAutoNum type="alphaLcParenR"/>
+            </a:pPr>
+            <a:r>
+              <a:rPr lang="en-US" sz="2000" b="1" dirty="0"/>
+              <a:t>Perturbative masking </a:t>
+            </a:r>
+            <a:r>
+              <a:rPr lang="en-US" sz="2000" dirty="0"/>
+              <a:t>- Methods that add noise or alter data values to prevent</a:t>
+            </a:r>
+            <a:r>
+              <a:rPr lang="cs-CZ" sz="2000" dirty="0"/>
+              <a:t> i</a:t>
+            </a:r>
+            <a:r>
+              <a:rPr lang="en-US" sz="2000" dirty="0"/>
+              <a:t>dentification</a:t>
+            </a:r>
+            <a:endParaRPr lang="cs-CZ" sz="2000" dirty="0"/>
+          </a:p>
+          <a:p>
+            <a:pPr marL="457200" indent="-457200" algn="l">
+              <a:buFont typeface="+mj-lt"/>
+              <a:buAutoNum type="alphaLcParenR"/>
+            </a:pPr>
+            <a:endParaRPr lang="cs-CZ" sz="2000" b="1" dirty="0"/>
+          </a:p>
+          <a:p>
+            <a:pPr marL="457200" indent="-457200" algn="l">
+              <a:buFont typeface="+mj-lt"/>
+              <a:buAutoNum type="alphaLcParenR"/>
+            </a:pPr>
+            <a:r>
+              <a:rPr lang="en-US" sz="2000" b="1" dirty="0"/>
+              <a:t>Generating synthetic data</a:t>
+            </a:r>
+            <a:endParaRPr lang="cs-CZ" sz="2000" b="1" dirty="0"/>
+          </a:p>
+          <a:p>
+            <a:pPr marL="684000" lvl="1" indent="-457200">
+              <a:buFont typeface="+mj-lt"/>
+              <a:buAutoNum type="alphaLcParenR"/>
+            </a:pPr>
+            <a:r>
+              <a:rPr lang="en-US" sz="2000" b="1" dirty="0"/>
+              <a:t>Parametric methods </a:t>
+            </a:r>
+            <a:r>
+              <a:rPr lang="en-US" sz="2000" dirty="0"/>
+              <a:t>-</a:t>
+            </a:r>
+            <a:r>
+              <a:rPr lang="en-US" sz="2000" b="1" dirty="0"/>
+              <a:t> </a:t>
+            </a:r>
+            <a:r>
+              <a:rPr lang="en-US" sz="2000" dirty="0"/>
+              <a:t>Techniques that use statistical models based on the data’s</a:t>
+            </a:r>
+            <a:r>
+              <a:rPr lang="cs-CZ" sz="2000" dirty="0"/>
+              <a:t> </a:t>
+            </a:r>
+            <a:r>
+              <a:rPr lang="en-US" sz="2000" dirty="0"/>
+              <a:t>distribution to generate synthetic data.</a:t>
+            </a:r>
+          </a:p>
+          <a:p>
+            <a:pPr marL="684000" lvl="1" indent="-457200">
+              <a:buFont typeface="+mj-lt"/>
+              <a:buAutoNum type="alphaLcParenR"/>
+            </a:pPr>
+            <a:r>
+              <a:rPr lang="en-US" sz="2000" b="1" dirty="0"/>
+              <a:t>Non-parametric methods</a:t>
+            </a:r>
+            <a:r>
+              <a:rPr lang="cs-CZ" sz="2000" b="1" dirty="0"/>
+              <a:t> </a:t>
+            </a:r>
+            <a:r>
+              <a:rPr lang="en-US" sz="2000" dirty="0"/>
+              <a:t>-</a:t>
+            </a:r>
+            <a:r>
+              <a:rPr lang="en-US" sz="2000" b="1" dirty="0"/>
+              <a:t> </a:t>
+            </a:r>
+            <a:r>
+              <a:rPr lang="en-US" sz="2000" dirty="0"/>
+              <a:t>Techniques that do not assume an underlying</a:t>
+            </a:r>
+            <a:r>
+              <a:rPr lang="cs-CZ" sz="2000" dirty="0"/>
+              <a:t> </a:t>
+            </a:r>
+            <a:r>
+              <a:rPr lang="en-US" sz="2000" dirty="0"/>
+              <a:t>distribution, using methods like bootstrapping to generate synthetic data.</a:t>
+            </a:r>
+          </a:p>
+          <a:p>
+            <a:pPr marL="684000" lvl="1" indent="-457200">
+              <a:buFont typeface="+mj-lt"/>
+              <a:buAutoNum type="alphaLcParenR"/>
+            </a:pPr>
+            <a:r>
+              <a:rPr lang="en-US" sz="2000" b="1" dirty="0"/>
+              <a:t>Generative Adversarial Networks (GANs)</a:t>
+            </a:r>
+            <a:r>
+              <a:rPr lang="cs-CZ" sz="2000" b="1" dirty="0"/>
+              <a:t> </a:t>
+            </a:r>
+            <a:r>
+              <a:rPr lang="en-US" sz="2000" dirty="0"/>
+              <a:t>-</a:t>
+            </a:r>
+            <a:r>
+              <a:rPr lang="en-US" sz="2000" b="1" dirty="0"/>
+              <a:t> </a:t>
+            </a:r>
+            <a:r>
+              <a:rPr lang="en-US" sz="2000" dirty="0"/>
+              <a:t>Advanced machine learning models</a:t>
+            </a:r>
+            <a:r>
+              <a:rPr lang="cs-CZ" sz="2000" dirty="0"/>
+              <a:t> </a:t>
+            </a:r>
+            <a:r>
+              <a:rPr lang="en-US" sz="2000" dirty="0"/>
+              <a:t>that generate highly realistic synthetic data by training two neural networks in</a:t>
+            </a:r>
+            <a:r>
+              <a:rPr lang="cs-CZ" sz="2000" dirty="0"/>
+              <a:t> </a:t>
+            </a:r>
+            <a:r>
+              <a:rPr lang="en-US" sz="2000" dirty="0"/>
+              <a:t>tandem.</a:t>
+            </a:r>
+          </a:p>
+        </p:txBody>
+      </p:sp>
+      <p:sp>
+        <p:nvSpPr>
+          <p:cNvPr id="6" name="Foliennummernplatzhalter 5">
+            <a:extLst>
+              <a:ext uri="{FF2B5EF4-FFF2-40B4-BE49-F238E27FC236}">
+                <a16:creationId xmlns:a16="http://schemas.microsoft.com/office/drawing/2014/main" id="{E27D2B7E-0891-8B72-4040-4800ED6C8BD2}"/>
+              </a:ext>
+            </a:extLst>
+          </p:cNvPr>
+          <p:cNvSpPr>
+            <a:spLocks noGrp="1"/>
+          </p:cNvSpPr>
+          <p:nvPr>
+            <p:ph type="sldNum" sz="quarter" idx="12"/>
+          </p:nvPr>
+        </p:nvSpPr>
+        <p:spPr/>
+        <p:txBody>
+          <a:bodyPr/>
+          <a:lstStyle/>
+          <a:p>
+            <a:fld id="{442AD375-037F-43D0-B059-5172DA06796A}" type="slidenum">
+              <a:rPr lang="en-GB" noProof="0" smtClean="0"/>
+              <a:pPr/>
+              <a:t>7</a:t>
+            </a:fld>
+            <a:endParaRPr lang="en-GB" noProof="0" dirty="0"/>
+          </a:p>
+        </p:txBody>
+      </p:sp>
+    </p:spTree>
+    <p:extLst>
+      <p:ext uri="{BB962C8B-B14F-4D97-AF65-F5344CB8AC3E}">
+        <p14:creationId xmlns:p14="http://schemas.microsoft.com/office/powerpoint/2010/main" val="3763976533"/>
+      </p:ext>
+    </p:extLst>
+  </p:cSld>
+  <p:clrMapOvr>
+    <a:masterClrMapping/>
+  </p:clrMapOvr>
+</p:sld>
+</file>
+
+<file path=ppt/slides/slide8.xml><?xml version="1.0" encoding="utf-8"?>
+<p:sld xmlns:a="http://schemas.openxmlformats.org/drawingml/2006/main" xmlns:r="http://schemas.openxmlformats.org/officeDocument/2006/relationships" xmlns:p="http://schemas.openxmlformats.org/presentationml/2006/main">
+  <p:cSld>
+    <p:spTree>
+      <p:nvGrpSpPr>
+        <p:cNvPr id="1" name="">
+          <a:extLst>
+            <a:ext uri="{FF2B5EF4-FFF2-40B4-BE49-F238E27FC236}">
+              <a16:creationId xmlns:a16="http://schemas.microsoft.com/office/drawing/2014/main" id="{A80B99F6-7AD3-E979-A6B3-1875B0549FA8}"/>
+            </a:ext>
+          </a:extLst>
+        </p:cNvPr>
+        <p:cNvGrpSpPr/>
+        <p:nvPr/>
+      </p:nvGrpSpPr>
+      <p:grpSpPr>
+        <a:xfrm>
+          <a:off x="0" y="0"/>
+          <a:ext cx="0" cy="0"/>
+          <a:chOff x="0" y="0"/>
+          <a:chExt cx="0" cy="0"/>
+        </a:xfrm>
+      </p:grpSpPr>
+      <p:sp>
+        <p:nvSpPr>
+          <p:cNvPr id="2" name="Titel 1">
+            <a:extLst>
+              <a:ext uri="{FF2B5EF4-FFF2-40B4-BE49-F238E27FC236}">
+                <a16:creationId xmlns:a16="http://schemas.microsoft.com/office/drawing/2014/main" id="{8EEF8AC4-D673-57B1-1097-6E204025CB7F}"/>
+              </a:ext>
+            </a:extLst>
+          </p:cNvPr>
+          <p:cNvSpPr>
+            <a:spLocks noGrp="1"/>
+          </p:cNvSpPr>
+          <p:nvPr>
+            <p:ph type="title"/>
+          </p:nvPr>
+        </p:nvSpPr>
+        <p:spPr/>
+        <p:txBody>
+          <a:bodyPr/>
+          <a:lstStyle/>
+          <a:p>
+            <a:r>
+              <a:rPr lang="en-US" sz="2800" dirty="0"/>
+              <a:t>Disclosure control methods</a:t>
+            </a:r>
+            <a:r>
+              <a:rPr lang="cs-CZ" sz="2800" dirty="0"/>
+              <a:t> </a:t>
+            </a:r>
+            <a:endParaRPr lang="en-US" dirty="0"/>
+          </a:p>
+        </p:txBody>
+      </p:sp>
+      <p:sp>
+        <p:nvSpPr>
+          <p:cNvPr id="3" name="Inhaltsplatzhalter 2">
+            <a:extLst>
+              <a:ext uri="{FF2B5EF4-FFF2-40B4-BE49-F238E27FC236}">
+                <a16:creationId xmlns:a16="http://schemas.microsoft.com/office/drawing/2014/main" id="{156B9EDA-78DC-11D6-E071-89D79A3E6058}"/>
+              </a:ext>
+            </a:extLst>
+          </p:cNvPr>
+          <p:cNvSpPr>
+            <a:spLocks noGrp="1"/>
+          </p:cNvSpPr>
+          <p:nvPr>
+            <p:ph idx="1"/>
+          </p:nvPr>
+        </p:nvSpPr>
+        <p:spPr/>
+        <p:txBody>
+          <a:bodyPr/>
+          <a:lstStyle/>
+          <a:p>
+            <a:pPr marL="457200" indent="-457200" algn="l">
+              <a:buFont typeface="+mj-lt"/>
+              <a:buAutoNum type="alphaLcParenR"/>
+            </a:pPr>
+            <a:r>
+              <a:rPr lang="en-US" sz="2000" b="1" dirty="0"/>
+              <a:t>Masking original data</a:t>
+            </a:r>
+            <a:endParaRPr lang="cs-CZ" sz="2000" b="1" dirty="0"/>
+          </a:p>
+          <a:p>
+            <a:pPr marL="684000" lvl="1" indent="-457200">
+              <a:buFont typeface="+mj-lt"/>
+              <a:buAutoNum type="alphaLcParenR"/>
+            </a:pPr>
+            <a:r>
+              <a:rPr lang="en-US" sz="2000" b="1" dirty="0"/>
+              <a:t>Non-perturbative masking </a:t>
+            </a:r>
+            <a:r>
+              <a:rPr lang="en-US" sz="2000" dirty="0"/>
+              <a:t>- Methods that alter data to hide identities without</a:t>
+            </a:r>
+            <a:r>
+              <a:rPr lang="cs-CZ" sz="2000" dirty="0"/>
+              <a:t> </a:t>
+            </a:r>
+            <a:r>
+              <a:rPr lang="en-US" sz="2000" dirty="0"/>
+              <a:t>changing its actual values</a:t>
+            </a:r>
+          </a:p>
+          <a:p>
+            <a:pPr marL="684000" lvl="1" indent="-457200">
+              <a:buFont typeface="+mj-lt"/>
+              <a:buAutoNum type="alphaLcParenR"/>
+            </a:pPr>
+            <a:r>
+              <a:rPr lang="en-US" sz="2000" b="1" dirty="0"/>
+              <a:t>Perturbative masking </a:t>
+            </a:r>
+            <a:r>
+              <a:rPr lang="en-US" sz="2000" dirty="0"/>
+              <a:t>- Methods that add noise or alter data values to prevent</a:t>
+            </a:r>
+            <a:r>
+              <a:rPr lang="cs-CZ" sz="2000" dirty="0"/>
+              <a:t> i</a:t>
+            </a:r>
+            <a:r>
+              <a:rPr lang="en-US" sz="2000" dirty="0"/>
+              <a:t>dentification</a:t>
+            </a:r>
+            <a:endParaRPr lang="cs-CZ" sz="2000" dirty="0"/>
+          </a:p>
+          <a:p>
+            <a:pPr marL="457200" indent="-457200" algn="l">
+              <a:buFont typeface="+mj-lt"/>
+              <a:buAutoNum type="alphaLcParenR"/>
+            </a:pPr>
+            <a:endParaRPr lang="cs-CZ" sz="2000" b="1" dirty="0"/>
+          </a:p>
+          <a:p>
+            <a:pPr marL="457200" indent="-457200" algn="l">
+              <a:buFont typeface="+mj-lt"/>
+              <a:buAutoNum type="alphaLcParenR"/>
+            </a:pPr>
+            <a:r>
+              <a:rPr lang="en-US" sz="2000" b="1" dirty="0"/>
+              <a:t>Generating synthetic data</a:t>
+            </a:r>
+            <a:endParaRPr lang="cs-CZ" sz="2000" b="1" dirty="0"/>
+          </a:p>
+          <a:p>
+            <a:pPr marL="684000" lvl="1" indent="-457200">
+              <a:buFont typeface="+mj-lt"/>
+              <a:buAutoNum type="alphaLcParenR"/>
+            </a:pPr>
+            <a:r>
+              <a:rPr lang="en-US" sz="2000" b="1" dirty="0"/>
+              <a:t>Parametric methods </a:t>
+            </a:r>
+            <a:r>
+              <a:rPr lang="en-US" sz="2000" dirty="0"/>
+              <a:t>-</a:t>
+            </a:r>
+            <a:r>
+              <a:rPr lang="en-US" sz="2000" b="1" dirty="0"/>
+              <a:t> </a:t>
+            </a:r>
+            <a:r>
+              <a:rPr lang="en-US" sz="2000" dirty="0"/>
+              <a:t>Techniques that use statistical models based on the data’s</a:t>
+            </a:r>
+            <a:r>
+              <a:rPr lang="cs-CZ" sz="2000" dirty="0"/>
+              <a:t> </a:t>
+            </a:r>
+            <a:r>
+              <a:rPr lang="en-US" sz="2000" dirty="0"/>
+              <a:t>distribution to generate synthetic data.</a:t>
+            </a:r>
+          </a:p>
+          <a:p>
+            <a:pPr marL="684000" lvl="1" indent="-457200">
+              <a:buFont typeface="+mj-lt"/>
+              <a:buAutoNum type="alphaLcParenR"/>
+            </a:pPr>
+            <a:r>
+              <a:rPr lang="en-US" sz="2000" b="1" dirty="0"/>
+              <a:t>Non-parametric methods</a:t>
+            </a:r>
+            <a:r>
+              <a:rPr lang="cs-CZ" sz="2000" b="1" dirty="0"/>
+              <a:t> </a:t>
+            </a:r>
+            <a:r>
+              <a:rPr lang="en-US" sz="2000" dirty="0"/>
+              <a:t>-</a:t>
+            </a:r>
+            <a:r>
+              <a:rPr lang="en-US" sz="2000" b="1" dirty="0"/>
+              <a:t> </a:t>
+            </a:r>
+            <a:r>
+              <a:rPr lang="en-US" sz="2000" dirty="0"/>
+              <a:t>Techniques that do not assume an underlying</a:t>
+            </a:r>
+            <a:r>
+              <a:rPr lang="cs-CZ" sz="2000" dirty="0"/>
+              <a:t> </a:t>
+            </a:r>
+            <a:r>
+              <a:rPr lang="en-US" sz="2000" dirty="0"/>
+              <a:t>distribution, using methods like bootstrapping to generate synthetic data.</a:t>
+            </a:r>
+          </a:p>
+          <a:p>
+            <a:pPr marL="684000" lvl="1" indent="-457200">
+              <a:buFont typeface="+mj-lt"/>
+              <a:buAutoNum type="alphaLcParenR"/>
+            </a:pPr>
+            <a:r>
+              <a:rPr lang="en-US" sz="2000" b="1" dirty="0"/>
+              <a:t>Generative Adversarial Networks (GANs)</a:t>
+            </a:r>
+            <a:r>
+              <a:rPr lang="cs-CZ" sz="2000" b="1" dirty="0"/>
+              <a:t> </a:t>
+            </a:r>
+            <a:r>
+              <a:rPr lang="en-US" sz="2000" dirty="0"/>
+              <a:t>-</a:t>
+            </a:r>
+            <a:r>
+              <a:rPr lang="en-US" sz="2000" b="1" dirty="0"/>
+              <a:t> </a:t>
+            </a:r>
+            <a:r>
+              <a:rPr lang="en-US" sz="2000" dirty="0"/>
+              <a:t>Advanced machine learning models</a:t>
+            </a:r>
+            <a:r>
+              <a:rPr lang="cs-CZ" sz="2000" dirty="0"/>
+              <a:t> </a:t>
+            </a:r>
+            <a:r>
+              <a:rPr lang="en-US" sz="2000" dirty="0"/>
+              <a:t>that generate highly realistic synthetic data by training two neural networks in</a:t>
+            </a:r>
+            <a:r>
+              <a:rPr lang="cs-CZ" sz="2000" dirty="0"/>
+              <a:t> </a:t>
+            </a:r>
+            <a:r>
+              <a:rPr lang="en-US" sz="2000" dirty="0"/>
+              <a:t>tandem.</a:t>
+            </a:r>
+          </a:p>
+        </p:txBody>
+      </p:sp>
+      <p:sp>
+        <p:nvSpPr>
+          <p:cNvPr id="6" name="Foliennummernplatzhalter 5">
+            <a:extLst>
+              <a:ext uri="{FF2B5EF4-FFF2-40B4-BE49-F238E27FC236}">
+                <a16:creationId xmlns:a16="http://schemas.microsoft.com/office/drawing/2014/main" id="{75BF577B-3E4B-3924-D241-72DD286FD2F6}"/>
+              </a:ext>
+            </a:extLst>
+          </p:cNvPr>
+          <p:cNvSpPr>
+            <a:spLocks noGrp="1"/>
+          </p:cNvSpPr>
+          <p:nvPr>
+            <p:ph type="sldNum" sz="quarter" idx="12"/>
+          </p:nvPr>
+        </p:nvSpPr>
+        <p:spPr/>
+        <p:txBody>
+          <a:bodyPr/>
+          <a:lstStyle/>
+          <a:p>
+            <a:fld id="{442AD375-037F-43D0-B059-5172DA06796A}" type="slidenum">
+              <a:rPr lang="en-GB" noProof="0" smtClean="0"/>
+              <a:pPr/>
+              <a:t>8</a:t>
+            </a:fld>
+            <a:endParaRPr lang="en-GB" noProof="0" dirty="0"/>
+          </a:p>
+        </p:txBody>
+      </p:sp>
+    </p:spTree>
+    <p:extLst>
+      <p:ext uri="{BB962C8B-B14F-4D97-AF65-F5344CB8AC3E}">
+        <p14:creationId xmlns:p14="http://schemas.microsoft.com/office/powerpoint/2010/main" val="2368037813"/>
+      </p:ext>
+    </p:extLst>
+  </p:cSld>
+  <p:clrMapOvr>
+    <a:masterClrMapping/>
+  </p:clrMapOvr>
+</p:sld>
+</file>
+
+<file path=ppt/slides/slide9.xml><?xml version="1.0" encoding="utf-8"?>
+<p:sld xmlns:a="http://schemas.openxmlformats.org/drawingml/2006/main" xmlns:r="http://schemas.openxmlformats.org/officeDocument/2006/relationships" xmlns:p="http://schemas.openxmlformats.org/presentationml/2006/main">
+  <p:cSld>
+    <p:spTree>
+      <p:nvGrpSpPr>
+        <p:cNvPr id="1" name="">
+          <a:extLst>
+            <a:ext uri="{FF2B5EF4-FFF2-40B4-BE49-F238E27FC236}">
+              <a16:creationId xmlns:a16="http://schemas.microsoft.com/office/drawing/2014/main" id="{9F794701-F112-075D-9B3C-0D05EC64B98F}"/>
+            </a:ext>
+          </a:extLst>
+        </p:cNvPr>
+        <p:cNvGrpSpPr/>
+        <p:nvPr/>
+      </p:nvGrpSpPr>
+      <p:grpSpPr>
+        <a:xfrm>
+          <a:off x="0" y="0"/>
+          <a:ext cx="0" cy="0"/>
+          <a:chOff x="0" y="0"/>
+          <a:chExt cx="0" cy="0"/>
+        </a:xfrm>
+      </p:grpSpPr>
+      <p:sp>
+        <p:nvSpPr>
+          <p:cNvPr id="2" name="Titel 1">
+            <a:extLst>
+              <a:ext uri="{FF2B5EF4-FFF2-40B4-BE49-F238E27FC236}">
+                <a16:creationId xmlns:a16="http://schemas.microsoft.com/office/drawing/2014/main" id="{8C01F8D4-1300-F91C-3722-CC7D2163B5F6}"/>
+              </a:ext>
+            </a:extLst>
+          </p:cNvPr>
+          <p:cNvSpPr>
+            <a:spLocks noGrp="1"/>
+          </p:cNvSpPr>
+          <p:nvPr>
+            <p:ph type="title"/>
+          </p:nvPr>
+        </p:nvSpPr>
+        <p:spPr/>
+        <p:txBody>
+          <a:bodyPr/>
+          <a:lstStyle/>
+          <a:p>
+            <a:r>
+              <a:rPr lang="cs-CZ" sz="2800" dirty="0" err="1"/>
+              <a:t>Mostly</a:t>
+            </a:r>
+            <a:r>
+              <a:rPr lang="cs-CZ" sz="2800" dirty="0"/>
+              <a:t> AI </a:t>
+            </a:r>
+            <a:endParaRPr lang="en-US" dirty="0"/>
+          </a:p>
+        </p:txBody>
+      </p:sp>
+      <p:sp>
+        <p:nvSpPr>
+          <p:cNvPr id="3" name="Inhaltsplatzhalter 2">
+            <a:extLst>
+              <a:ext uri="{FF2B5EF4-FFF2-40B4-BE49-F238E27FC236}">
+                <a16:creationId xmlns:a16="http://schemas.microsoft.com/office/drawing/2014/main" id="{A28FDCC2-3B74-8AEB-DF5B-889EE3A75F23}"/>
+              </a:ext>
+            </a:extLst>
+          </p:cNvPr>
+          <p:cNvSpPr>
+            <a:spLocks noGrp="1"/>
+          </p:cNvSpPr>
+          <p:nvPr>
+            <p:ph idx="1"/>
+          </p:nvPr>
+        </p:nvSpPr>
+        <p:spPr/>
+        <p:txBody>
+          <a:bodyPr/>
+          <a:lstStyle/>
+          <a:p>
+            <a:pPr algn="l"/>
+            <a:r>
+              <a:rPr lang="en-US" sz="2000" b="1" dirty="0">
+                <a:solidFill>
+                  <a:srgbClr val="0070C0"/>
+                </a:solidFill>
+                <a:hlinkClick r:id="rId2">
+                  <a:extLst>
+                    <a:ext uri="{A12FA001-AC4F-418D-AE19-62706E023703}">
+                      <ahyp:hlinkClr xmlns:ahyp="http://schemas.microsoft.com/office/drawing/2018/hyperlinkcolor" val="tx"/>
+                    </a:ext>
+                  </a:extLst>
+                </a:hlinkClick>
+              </a:rPr>
+              <a:t>https://mostly.ai/</a:t>
+            </a:r>
+            <a:endParaRPr lang="en-US" sz="2000" b="1" dirty="0">
+              <a:solidFill>
+                <a:srgbClr val="0070C0"/>
+              </a:solidFill>
+            </a:endParaRPr>
+          </a:p>
+          <a:p>
+            <a:pPr algn="l"/>
+            <a:endParaRPr lang="en-US" sz="2000" b="1" dirty="0"/>
+          </a:p>
+          <a:p>
+            <a:pPr algn="l"/>
+            <a:r>
+              <a:rPr lang="en-US" sz="2000" dirty="0"/>
+              <a:t>MOSTLY AI's synthesizer uses a proprietary AI-driven approach that draws on deep learning principles similar to those found in generative adversarial networks (GANs).</a:t>
+            </a:r>
+          </a:p>
+          <a:p>
+            <a:pPr algn="l"/>
+            <a:endParaRPr lang="en-US" sz="2000" dirty="0"/>
+          </a:p>
+          <a:p>
+            <a:pPr algn="l"/>
+            <a:r>
+              <a:rPr lang="en-US" sz="2000" dirty="0"/>
+              <a:t>You can use point-and-click environment, or python code.</a:t>
+            </a:r>
+          </a:p>
+          <a:p>
+            <a:pPr algn="l"/>
+            <a:endParaRPr lang="en-US" sz="2000" b="1" dirty="0"/>
+          </a:p>
+          <a:p>
+            <a:pPr algn="l"/>
+            <a:endParaRPr lang="en-US" sz="2000" dirty="0"/>
+          </a:p>
+        </p:txBody>
+      </p:sp>
+      <p:sp>
+        <p:nvSpPr>
+          <p:cNvPr id="6" name="Foliennummernplatzhalter 5">
+            <a:extLst>
+              <a:ext uri="{FF2B5EF4-FFF2-40B4-BE49-F238E27FC236}">
+                <a16:creationId xmlns:a16="http://schemas.microsoft.com/office/drawing/2014/main" id="{C8445997-1572-B9A7-BF53-EEACC6E2D0C4}"/>
+              </a:ext>
+            </a:extLst>
+          </p:cNvPr>
+          <p:cNvSpPr>
+            <a:spLocks noGrp="1"/>
+          </p:cNvSpPr>
+          <p:nvPr>
+            <p:ph type="sldNum" sz="quarter" idx="12"/>
+          </p:nvPr>
+        </p:nvSpPr>
+        <p:spPr/>
+        <p:txBody>
+          <a:bodyPr/>
+          <a:lstStyle/>
+          <a:p>
+            <a:fld id="{442AD375-037F-43D0-B059-5172DA06796A}" type="slidenum">
+              <a:rPr lang="en-GB" noProof="0" smtClean="0"/>
+              <a:pPr/>
+              <a:t>9</a:t>
+            </a:fld>
+            <a:endParaRPr lang="en-GB" noProof="0" dirty="0"/>
+          </a:p>
+        </p:txBody>
+      </p:sp>
+      <p:pic>
+        <p:nvPicPr>
+          <p:cNvPr id="5" name="Obrázek 4" descr="Obsah obrázku Písmo, Grafika, grafický design, logo&#10;&#10;Popis byl vytvořen automaticky">
+            <a:extLst>
+              <a:ext uri="{FF2B5EF4-FFF2-40B4-BE49-F238E27FC236}">
+                <a16:creationId xmlns:a16="http://schemas.microsoft.com/office/drawing/2014/main" id="{CA232EB6-07B1-6364-C625-43A649D398B4}"/>
+              </a:ext>
+            </a:extLst>
+          </p:cNvPr>
+          <p:cNvPicPr>
+            <a:picLocks noChangeAspect="1"/>
+          </p:cNvPicPr>
+          <p:nvPr/>
+        </p:nvPicPr>
+        <p:blipFill>
+          <a:blip r:embed="rId3">
+            <a:extLst>
+              <a:ext uri="{28A0092B-C50C-407E-A947-70E740481C1C}">
+                <a14:useLocalDpi xmlns:a14="http://schemas.microsoft.com/office/drawing/2010/main" val="0"/>
+              </a:ext>
+            </a:extLst>
+          </a:blip>
+          <a:stretch>
+            <a:fillRect/>
+          </a:stretch>
+        </p:blipFill>
+        <p:spPr>
+          <a:xfrm>
+            <a:off x="6096000" y="251170"/>
+            <a:ext cx="5715000" cy="657225"/>
+          </a:xfrm>
+          <a:prstGeom prst="rect">
+            <a:avLst/>
+          </a:prstGeom>
+        </p:spPr>
+      </p:pic>
+    </p:spTree>
+    <p:extLst>
+      <p:ext uri="{BB962C8B-B14F-4D97-AF65-F5344CB8AC3E}">
+        <p14:creationId xmlns:p14="http://schemas.microsoft.com/office/powerpoint/2010/main" val="16589321"/>
       </p:ext>
     </p:extLst>
   </p:cSld>
@@ -27416,15 +27628,6 @@
 </file>
 
 <file path=customXml/item2.xml><?xml version="1.0" encoding="utf-8"?>
-<?mso-contentType ?>
-<FormTemplates xmlns="http://schemas.microsoft.com/sharepoint/v3/contenttype/forms">
-  <Display>DocumentLibraryForm</Display>
-  <Edit>DocumentLibraryForm</Edit>
-  <New>DocumentLibraryForm</New>
-</FormTemplates>
-</file>
-
-<file path=customXml/item3.xml><?xml version="1.0" encoding="utf-8"?>
 <p:properties xmlns:p="http://schemas.microsoft.com/office/2006/metadata/properties" xmlns:xsi="http://www.w3.org/2001/XMLSchema-instance" xmlns:pc="http://schemas.microsoft.com/office/infopath/2007/PartnerControls">
   <documentManagement>
     <TaxCatchAll xmlns="bc24777f-78b6-4f3c-a73a-d5fa08e4d537" xsi:nil="true"/>
@@ -27433,6 +27636,15 @@
     </lcf76f155ced4ddcb4097134ff3c332f>
   </documentManagement>
 </p:properties>
+</file>
+
+<file path=customXml/item3.xml><?xml version="1.0" encoding="utf-8"?>
+<?mso-contentType ?>
+<FormTemplates xmlns="http://schemas.microsoft.com/sharepoint/v3/contenttype/forms">
+  <Display>DocumentLibraryForm</Display>
+  <Edit>DocumentLibraryForm</Edit>
+  <New>DocumentLibraryForm</New>
+</FormTemplates>
 </file>
 
 <file path=customXml/itemProps1.xml><?xml version="1.0" encoding="utf-8"?>
@@ -27455,14 +27667,6 @@
 </file>
 
 <file path=customXml/itemProps2.xml><?xml version="1.0" encoding="utf-8"?>
-<ds:datastoreItem xmlns:ds="http://schemas.openxmlformats.org/officeDocument/2006/customXml" ds:itemID="{4B6B7BE2-63AD-4C37-AC44-F0E4FC348E24}">
-  <ds:schemaRefs>
-    <ds:schemaRef ds:uri="http://schemas.microsoft.com/sharepoint/v3/contenttype/forms"/>
-  </ds:schemaRefs>
-</ds:datastoreItem>
-</file>
-
-<file path=customXml/itemProps3.xml><?xml version="1.0" encoding="utf-8"?>
 <ds:datastoreItem xmlns:ds="http://schemas.openxmlformats.org/officeDocument/2006/customXml" ds:itemID="{5626B806-0237-4942-A1FD-5C97285908C2}">
   <ds:schemaRefs>
     <ds:schemaRef ds:uri="http://schemas.microsoft.com/office/infopath/2007/PartnerControls"/>
@@ -27477,4 +27681,12 @@
     <ds:schemaRef ds:uri="http://www.w3.org/XML/1998/namespace"/>
   </ds:schemaRefs>
 </ds:datastoreItem>
+</file>
+
+<file path=customXml/itemProps3.xml><?xml version="1.0" encoding="utf-8"?>
+<ds:datastoreItem xmlns:ds="http://schemas.openxmlformats.org/officeDocument/2006/customXml" ds:itemID="{4B6B7BE2-63AD-4C37-AC44-F0E4FC348E24}">
+  <ds:schemaRefs>
+    <ds:schemaRef ds:uri="http://schemas.microsoft.com/sharepoint/v3/contenttype/forms"/>
+  </ds:schemaRefs>
+</ds:datastoreItem>
 </file>
--- a/Presentation/Presentation.pptx
+++ b/Presentation/Presentation.pptx
@@ -5,10 +5,10 @@
     <p:sldMasterId id="2147483657" r:id="rId4"/>
   </p:sldMasterIdLst>
   <p:notesMasterIdLst>
-    <p:notesMasterId r:id="rId15"/>
+    <p:notesMasterId r:id="rId16"/>
   </p:notesMasterIdLst>
   <p:handoutMasterIdLst>
-    <p:handoutMasterId r:id="rId16"/>
+    <p:handoutMasterId r:id="rId17"/>
   </p:handoutMasterIdLst>
   <p:sldIdLst>
     <p:sldId id="346" r:id="rId5"/>
@@ -20,7 +20,8 @@
     <p:sldId id="355" r:id="rId11"/>
     <p:sldId id="356" r:id="rId12"/>
     <p:sldId id="357" r:id="rId13"/>
-    <p:sldId id="333" r:id="rId14"/>
+    <p:sldId id="358" r:id="rId14"/>
+    <p:sldId id="333" r:id="rId15"/>
   </p:sldIdLst>
   <p:sldSz cx="12192000" cy="6858000"/>
   <p:notesSz cx="6858000" cy="9144000"/>
@@ -205,6 +206,7 @@
             <p14:sldId id="355"/>
             <p14:sldId id="356"/>
             <p14:sldId id="357"/>
+            <p14:sldId id="358"/>
             <p14:sldId id="333"/>
           </p14:sldIdLst>
         </p14:section>
@@ -430,7 +432,7 @@
           <a:p>
             <a:fld id="{EEC665CA-D682-48EC-95D2-126FD6449D65}" type="datetime1">
               <a:rPr lang="de-CH" sz="900" smtClean="0"/>
-              <a:t>18.11.2024</a:t>
+              <a:t>19.11.2024</a:t>
             </a:fld>
             <a:endParaRPr lang="de-CH" sz="900"/>
           </a:p>
@@ -732,7 +734,7 @@
           <a:p>
             <a:fld id="{A17AAF7D-4283-4014-80F4-26E915FEACF8}" type="datetime1">
               <a:rPr lang="de-CH" smtClean="0"/>
-              <a:t>18.11.2024</a:t>
+              <a:t>19.11.2024</a:t>
             </a:fld>
             <a:endParaRPr lang="de-CH" dirty="0"/>
           </a:p>
@@ -971,7 +973,7 @@
             <a:fld id="{83C81C81-E364-4366-A610-2DB15FF98538}" type="slidenum">
               <a:rPr lang="de-CH" smtClean="0"/>
               <a:pPr/>
-              <a:t>10</a:t>
+              <a:t>11</a:t>
             </a:fld>
             <a:endParaRPr lang="de-CH" dirty="0"/>
           </a:p>
@@ -1092,7 +1094,7 @@
             <a:fld id="{DEC16BC5-71A3-4EAA-B734-0870A4D7F723}" type="datetime1">
               <a:rPr lang="en-GB" noProof="0" smtClean="0"/>
               <a:pPr/>
-              <a:t>18/11/2024</a:t>
+              <a:t>19/11/2024</a:t>
             </a:fld>
             <a:endParaRPr lang="en-GB" noProof="0" dirty="0"/>
           </a:p>
@@ -1449,7 +1451,7 @@
           <a:p>
             <a:fld id="{39AB9864-0552-4F44-B494-D03F4683B094}" type="datetime1">
               <a:rPr lang="en-GB" noProof="0" smtClean="0"/>
-              <a:t>18/11/2024</a:t>
+              <a:t>19/11/2024</a:t>
             </a:fld>
             <a:endParaRPr lang="en-GB" noProof="0" dirty="0"/>
           </a:p>
@@ -1817,7 +1819,7 @@
           <a:p>
             <a:fld id="{FF8592F2-A22B-4129-BF43-10974110EFE1}" type="datetime1">
               <a:rPr lang="en-GB" noProof="0" smtClean="0"/>
-              <a:t>18/11/2024</a:t>
+              <a:t>19/11/2024</a:t>
             </a:fld>
             <a:endParaRPr lang="en-GB" noProof="0" dirty="0"/>
           </a:p>
@@ -3198,7 +3200,7 @@
           <a:p>
             <a:fld id="{DC01D08B-BC87-4A6B-BAB6-A8ACF5B160B4}" type="datetime1">
               <a:rPr lang="en-GB" noProof="0" smtClean="0"/>
-              <a:t>18/11/2024</a:t>
+              <a:t>19/11/2024</a:t>
             </a:fld>
             <a:endParaRPr lang="en-GB" noProof="0" dirty="0"/>
           </a:p>
@@ -3645,7 +3647,7 @@
           <a:p>
             <a:fld id="{94B49354-1A46-41EB-9B56-F72C8C8A693E}" type="datetime1">
               <a:rPr lang="en-GB" noProof="0" smtClean="0"/>
-              <a:t>18/11/2024</a:t>
+              <a:t>19/11/2024</a:t>
             </a:fld>
             <a:endParaRPr lang="en-GB" noProof="0" dirty="0"/>
           </a:p>
@@ -4521,7 +4523,7 @@
           <a:p>
             <a:fld id="{9E05F214-4AD4-4D89-AE61-CF34C7806923}" type="datetime1">
               <a:rPr lang="de-CH" noProof="0" smtClean="0"/>
-              <a:t>18.11.2024</a:t>
+              <a:t>19.11.2024</a:t>
             </a:fld>
             <a:endParaRPr lang="de-CH" noProof="0"/>
           </a:p>
@@ -4713,7 +4715,7 @@
           <a:p>
             <a:fld id="{AE2C0931-09B0-4B39-995C-BB4BD36DB6C3}" type="datetime1">
               <a:rPr lang="en-GB" noProof="0" smtClean="0"/>
-              <a:t>18/11/2024</a:t>
+              <a:t>19/11/2024</a:t>
             </a:fld>
             <a:endParaRPr lang="en-GB" noProof="0" dirty="0"/>
           </a:p>
@@ -4988,7 +4990,7 @@
           <a:p>
             <a:fld id="{7EF33BA8-25F9-4DC4-8DF6-71C6AEBB6E7E}" type="datetime1">
               <a:rPr lang="en-GB" noProof="0" smtClean="0"/>
-              <a:t>18/11/2024</a:t>
+              <a:t>19/11/2024</a:t>
             </a:fld>
             <a:endParaRPr lang="en-GB" noProof="0" dirty="0"/>
           </a:p>
@@ -5520,7 +5522,7 @@
           <a:p>
             <a:fld id="{FD440920-B1A2-4FB0-981D-DAC5A3A0DBB6}" type="datetime1">
               <a:rPr lang="en-GB" noProof="0" smtClean="0"/>
-              <a:t>18/11/2024</a:t>
+              <a:t>19/11/2024</a:t>
             </a:fld>
             <a:endParaRPr lang="en-GB" noProof="0" dirty="0"/>
           </a:p>
@@ -6076,7 +6078,7 @@
           <a:p>
             <a:fld id="{7E36D67C-8BF7-4CBC-9036-CC970B8B4F9A}" type="datetime1">
               <a:rPr lang="de-CH" noProof="0" smtClean="0"/>
-              <a:t>18.11.2024</a:t>
+              <a:t>19.11.2024</a:t>
             </a:fld>
             <a:endParaRPr lang="de-CH" noProof="0"/>
           </a:p>
@@ -6368,7 +6370,7 @@
           <a:p>
             <a:fld id="{07BF17AC-F94E-4589-8B72-E87890D6CDE5}" type="datetime1">
               <a:rPr lang="en-GB" noProof="0" smtClean="0"/>
-              <a:t>18/11/2024</a:t>
+              <a:t>19/11/2024</a:t>
             </a:fld>
             <a:endParaRPr lang="en-GB" noProof="0" dirty="0"/>
           </a:p>
@@ -7245,7 +7247,7 @@
           <a:p>
             <a:fld id="{3ED9C5BA-5AED-43BC-9A9A-FB3281926248}" type="datetime1">
               <a:rPr lang="en-GB" noProof="0" smtClean="0"/>
-              <a:t>18/11/2024</a:t>
+              <a:t>19/11/2024</a:t>
             </a:fld>
             <a:endParaRPr lang="en-GB" noProof="0" dirty="0"/>
           </a:p>
@@ -8068,7 +8070,7 @@
           <a:p>
             <a:fld id="{4ECD36C8-6692-4A3B-AF59-90068E97C16E}" type="datetime1">
               <a:rPr lang="en-GB" noProof="0" smtClean="0"/>
-              <a:t>18/11/2024</a:t>
+              <a:t>19/11/2024</a:t>
             </a:fld>
             <a:endParaRPr lang="en-GB" noProof="0" dirty="0"/>
           </a:p>
@@ -8851,7 +8853,7 @@
           <a:p>
             <a:fld id="{2470702A-C9B2-4860-8B3C-A907C6233FF6}" type="datetime1">
               <a:rPr lang="en-GB" noProof="0" smtClean="0"/>
-              <a:t>18/11/2024</a:t>
+              <a:t>19/11/2024</a:t>
             </a:fld>
             <a:endParaRPr lang="en-GB" noProof="0" dirty="0"/>
           </a:p>
@@ -9554,7 +9556,7 @@
           <a:p>
             <a:fld id="{A814411A-45D1-40D1-847C-9669B869F877}" type="datetime1">
               <a:rPr lang="en-GB" noProof="0" smtClean="0"/>
-              <a:t>18/11/2024</a:t>
+              <a:t>19/11/2024</a:t>
             </a:fld>
             <a:endParaRPr lang="en-GB" noProof="0" dirty="0"/>
           </a:p>
@@ -9943,7 +9945,7 @@
           <a:p>
             <a:fld id="{F7165B26-D0E7-45C6-8559-103B96E0CE32}" type="datetime1">
               <a:rPr lang="en-GB" noProof="0" smtClean="0"/>
-              <a:t>18/11/2024</a:t>
+              <a:t>19/11/2024</a:t>
             </a:fld>
             <a:endParaRPr lang="en-GB" noProof="0" dirty="0"/>
           </a:p>
@@ -10522,7 +10524,7 @@
           <a:p>
             <a:fld id="{71872B78-8581-4912-BA0F-1C6D591F65FF}" type="datetime1">
               <a:rPr lang="en-GB" noProof="0" smtClean="0"/>
-              <a:t>18/11/2024</a:t>
+              <a:t>19/11/2024</a:t>
             </a:fld>
             <a:endParaRPr lang="en-GB" noProof="0" dirty="0"/>
           </a:p>
@@ -11336,7 +11338,7 @@
           <a:p>
             <a:fld id="{281737CF-8F93-45D3-893D-73CFB042EFB1}" type="datetime1">
               <a:rPr lang="en-GB" noProof="0" smtClean="0"/>
-              <a:t>18/11/2024</a:t>
+              <a:t>19/11/2024</a:t>
             </a:fld>
             <a:endParaRPr lang="en-GB" noProof="0" dirty="0"/>
           </a:p>
@@ -12438,7 +12440,7 @@
           <a:p>
             <a:fld id="{D364BFF4-CB62-460B-A7FD-029BF9AAE804}" type="datetime1">
               <a:rPr lang="en-GB" noProof="0" smtClean="0"/>
-              <a:t>18/11/2024</a:t>
+              <a:t>19/11/2024</a:t>
             </a:fld>
             <a:endParaRPr lang="en-GB" noProof="0" dirty="0"/>
           </a:p>
@@ -13514,7 +13516,7 @@
           <a:p>
             <a:fld id="{7893DB96-315B-4AA8-A4DA-A62A76E1325B}" type="datetime1">
               <a:rPr lang="en-GB" noProof="0" smtClean="0"/>
-              <a:t>18/11/2024</a:t>
+              <a:t>19/11/2024</a:t>
             </a:fld>
             <a:endParaRPr lang="en-GB" noProof="0" dirty="0"/>
           </a:p>
@@ -15557,7 +15559,7 @@
           <a:p>
             <a:fld id="{6C66F239-114E-41F3-ADA1-C32B874D6A23}" type="datetime1">
               <a:rPr lang="en-GB" noProof="0" smtClean="0"/>
-              <a:t>18/11/2024</a:t>
+              <a:t>19/11/2024</a:t>
             </a:fld>
             <a:endParaRPr lang="en-GB" noProof="0" dirty="0"/>
           </a:p>
@@ -17611,7 +17613,7 @@
             <a:fld id="{BD061571-B72C-4959-8C35-E56835C2C064}" type="datetime1">
               <a:rPr lang="en-GB" noProof="0" smtClean="0"/>
               <a:pPr/>
-              <a:t>18/11/2024</a:t>
+              <a:t>19/11/2024</a:t>
             </a:fld>
             <a:endParaRPr lang="en-GB" noProof="0" dirty="0"/>
           </a:p>
@@ -18201,7 +18203,7 @@
           <a:p>
             <a:fld id="{C6467BEA-AF39-4053-8C8B-8653C5BC591E}" type="datetime1">
               <a:rPr lang="de-CH" noProof="0" smtClean="0"/>
-              <a:t>18.11.2024</a:t>
+              <a:t>19.11.2024</a:t>
             </a:fld>
             <a:endParaRPr lang="de-CH" noProof="0"/>
           </a:p>
@@ -18380,7 +18382,7 @@
           <a:p>
             <a:fld id="{F9BD07B5-74CD-47EC-B72A-E80BB2270DE0}" type="datetime1">
               <a:rPr lang="en-GB" noProof="0" smtClean="0"/>
-              <a:t>18/11/2024</a:t>
+              <a:t>19/11/2024</a:t>
             </a:fld>
             <a:r>
               <a:rPr lang="en-GB" noProof="0"/>
@@ -19933,7 +19935,7 @@
           <a:p>
             <a:fld id="{4754300B-5269-490A-96A1-03AC057EC226}" type="datetime1">
               <a:rPr lang="en-GB" noProof="0" smtClean="0"/>
-              <a:t>18/11/2024</a:t>
+              <a:t>19/11/2024</a:t>
             </a:fld>
             <a:endParaRPr lang="en-GB" noProof="0" dirty="0"/>
           </a:p>
@@ -20690,7 +20692,7 @@
           <a:p>
             <a:fld id="{FFD4C537-AB5E-47C4-AB3E-3777FE214FF5}" type="datetime1">
               <a:rPr lang="en-GB" noProof="0" smtClean="0"/>
-              <a:t>18/11/2024</a:t>
+              <a:t>19/11/2024</a:t>
             </a:fld>
             <a:endParaRPr lang="en-GB" noProof="0" dirty="0"/>
           </a:p>
@@ -21053,7 +21055,7 @@
           <a:p>
             <a:fld id="{AB22F66A-66E1-4C97-A693-2A7CC6DC44C1}" type="datetime1">
               <a:rPr lang="en-GB" noProof="0" smtClean="0"/>
-              <a:t>18/11/2024</a:t>
+              <a:t>19/11/2024</a:t>
             </a:fld>
             <a:endParaRPr lang="en-GB" noProof="0" dirty="0"/>
           </a:p>
@@ -21170,7 +21172,7 @@
           <a:p>
             <a:fld id="{A366CB46-63BD-4B03-B625-BCA1E3E3FF3C}" type="datetime1">
               <a:rPr lang="en-GB" noProof="0" smtClean="0"/>
-              <a:t>18/11/2024</a:t>
+              <a:t>19/11/2024</a:t>
             </a:fld>
             <a:endParaRPr lang="en-GB" noProof="0" dirty="0"/>
           </a:p>
@@ -21335,7 +21337,7 @@
           <a:p>
             <a:fld id="{2F7DDFE4-29E1-462D-9CCC-A725922B2A90}" type="datetime1">
               <a:rPr lang="en-GB" noProof="0" smtClean="0"/>
-              <a:t>18/11/2024</a:t>
+              <a:t>19/11/2024</a:t>
             </a:fld>
             <a:endParaRPr lang="en-GB" noProof="0" dirty="0"/>
           </a:p>
@@ -21617,7 +21619,7 @@
           <a:p>
             <a:fld id="{9EAA94FD-9F5E-4526-A59D-32E4C3E4561F}" type="datetime1">
               <a:rPr lang="en-GB" noProof="0" smtClean="0"/>
-              <a:t>18/11/2024</a:t>
+              <a:t>19/11/2024</a:t>
             </a:fld>
             <a:endParaRPr lang="en-GB" noProof="0" dirty="0"/>
           </a:p>
@@ -21939,7 +21941,7 @@
           <a:p>
             <a:fld id="{AC22425B-D5B6-4FA7-A09E-3FB28EC05106}" type="datetime1">
               <a:rPr lang="de-CH" smtClean="0"/>
-              <a:t>18.11.2024</a:t>
+              <a:t>19.11.2024</a:t>
             </a:fld>
             <a:endParaRPr lang="de-CH" dirty="0"/>
           </a:p>
@@ -22192,7 +22194,7 @@
           <a:p>
             <a:fld id="{1169CF04-5ADD-46B4-A33A-958F168A45EF}" type="datetime1">
               <a:rPr lang="en-GB" noProof="0" smtClean="0"/>
-              <a:t>18/11/2024</a:t>
+              <a:t>19/11/2024</a:t>
             </a:fld>
             <a:endParaRPr lang="en-GB" noProof="0" dirty="0"/>
           </a:p>
@@ -22464,7 +22466,7 @@
           <a:p>
             <a:fld id="{D28B2B53-C25B-47AA-BE55-7AE6543E5E6C}" type="datetime1">
               <a:rPr lang="en-GB" noProof="0" smtClean="0"/>
-              <a:t>18/11/2024</a:t>
+              <a:t>19/11/2024</a:t>
             </a:fld>
             <a:endParaRPr lang="en-GB" noProof="0" dirty="0"/>
           </a:p>
@@ -22684,7 +22686,7 @@
           <a:p>
             <a:fld id="{05AA103E-E046-4633-82BC-9D6A840CE35D}" type="datetime1">
               <a:rPr lang="en-GB" noProof="0" smtClean="0"/>
-              <a:t>18/11/2024</a:t>
+              <a:t>19/11/2024</a:t>
             </a:fld>
             <a:endParaRPr lang="en-GB" noProof="0" dirty="0"/>
           </a:p>
@@ -23043,7 +23045,7 @@
           <a:p>
             <a:fld id="{33A7A4C0-ACCA-4150-8BEE-4343F5184661}" type="datetime1">
               <a:rPr lang="de-CH" noProof="0" smtClean="0"/>
-              <a:t>18.11.2024</a:t>
+              <a:t>19.11.2024</a:t>
             </a:fld>
             <a:endParaRPr lang="en-GB" noProof="0" dirty="0"/>
           </a:p>
@@ -23870,6 +23872,292 @@
   <p:cSld>
     <p:spTree>
       <p:nvGrpSpPr>
+        <p:cNvPr id="1" name="">
+          <a:extLst>
+            <a:ext uri="{FF2B5EF4-FFF2-40B4-BE49-F238E27FC236}">
+              <a16:creationId xmlns:a16="http://schemas.microsoft.com/office/drawing/2014/main" id="{820A47FF-E134-872C-FA23-71B81DAB4831}"/>
+            </a:ext>
+          </a:extLst>
+        </p:cNvPr>
+        <p:cNvGrpSpPr/>
+        <p:nvPr/>
+      </p:nvGrpSpPr>
+      <p:grpSpPr>
+        <a:xfrm>
+          <a:off x="0" y="0"/>
+          <a:ext cx="0" cy="0"/>
+          <a:chOff x="0" y="0"/>
+          <a:chExt cx="0" cy="0"/>
+        </a:xfrm>
+      </p:grpSpPr>
+      <p:sp>
+        <p:nvSpPr>
+          <p:cNvPr id="2" name="Titel 1">
+            <a:extLst>
+              <a:ext uri="{FF2B5EF4-FFF2-40B4-BE49-F238E27FC236}">
+                <a16:creationId xmlns:a16="http://schemas.microsoft.com/office/drawing/2014/main" id="{54D85752-ED02-1D0F-99CB-414EAE9913ED}"/>
+              </a:ext>
+            </a:extLst>
+          </p:cNvPr>
+          <p:cNvSpPr>
+            <a:spLocks noGrp="1"/>
+          </p:cNvSpPr>
+          <p:nvPr>
+            <p:ph type="title"/>
+          </p:nvPr>
+        </p:nvSpPr>
+        <p:spPr/>
+        <p:txBody>
+          <a:bodyPr/>
+          <a:lstStyle/>
+          <a:p>
+            <a:r>
+              <a:rPr lang="cs-CZ" sz="2800" dirty="0" err="1"/>
+              <a:t>Libraries</a:t>
+            </a:r>
+            <a:r>
+              <a:rPr lang="cs-CZ" sz="2800" dirty="0"/>
+              <a:t> </a:t>
+            </a:r>
+            <a:r>
+              <a:rPr lang="cs-CZ" sz="2800" dirty="0" err="1"/>
+              <a:t>used</a:t>
+            </a:r>
+            <a:endParaRPr lang="en-US" dirty="0"/>
+          </a:p>
+        </p:txBody>
+      </p:sp>
+      <p:sp>
+        <p:nvSpPr>
+          <p:cNvPr id="3" name="Inhaltsplatzhalter 2">
+            <a:extLst>
+              <a:ext uri="{FF2B5EF4-FFF2-40B4-BE49-F238E27FC236}">
+                <a16:creationId xmlns:a16="http://schemas.microsoft.com/office/drawing/2014/main" id="{71289D85-E930-C0F0-CD9B-F530647CBB1C}"/>
+              </a:ext>
+            </a:extLst>
+          </p:cNvPr>
+          <p:cNvSpPr>
+            <a:spLocks noGrp="1"/>
+          </p:cNvSpPr>
+          <p:nvPr>
+            <p:ph idx="1"/>
+          </p:nvPr>
+        </p:nvSpPr>
+        <p:spPr/>
+        <p:txBody>
+          <a:bodyPr/>
+          <a:lstStyle/>
+          <a:p>
+            <a:pPr marL="457200" indent="-457200" algn="l">
+              <a:buFont typeface="+mj-lt"/>
+              <a:buAutoNum type="alphaLcParenR"/>
+            </a:pPr>
+            <a:r>
+              <a:rPr lang="cs-CZ" sz="2000" b="1" dirty="0"/>
+              <a:t>os and </a:t>
+            </a:r>
+            <a:r>
+              <a:rPr lang="cs-CZ" sz="2000" b="1" dirty="0" err="1"/>
+              <a:t>sys</a:t>
+            </a:r>
+            <a:endParaRPr lang="cs-CZ" sz="2000" b="1" dirty="0"/>
+          </a:p>
+          <a:p>
+            <a:pPr marL="684000" lvl="1" indent="-457200">
+              <a:buFont typeface="Arial" panose="020B0604020202020204" pitchFamily="34" charset="0"/>
+              <a:buChar char="•"/>
+            </a:pPr>
+            <a:r>
+              <a:rPr lang="en-US" sz="2000" dirty="0"/>
+              <a:t>Set the working directory to the folder</a:t>
+            </a:r>
+            <a:endParaRPr lang="cs-CZ" sz="2000" dirty="0"/>
+          </a:p>
+          <a:p>
+            <a:pPr marL="684000" lvl="1" indent="-457200">
+              <a:buFont typeface="Arial" panose="020B0604020202020204" pitchFamily="34" charset="0"/>
+              <a:buChar char="•"/>
+            </a:pPr>
+            <a:endParaRPr lang="cs-CZ" sz="2000" dirty="0"/>
+          </a:p>
+          <a:p>
+            <a:pPr marL="457200" lvl="1" indent="-457200">
+              <a:spcBef>
+                <a:spcPts val="0"/>
+              </a:spcBef>
+              <a:buFont typeface="+mj-lt"/>
+              <a:buAutoNum type="alphaLcParenR"/>
+            </a:pPr>
+            <a:r>
+              <a:rPr lang="cs-CZ" sz="2000" b="1" dirty="0" err="1"/>
+              <a:t>Matplotlib</a:t>
+            </a:r>
+            <a:endParaRPr lang="cs-CZ" sz="2000" b="1" dirty="0"/>
+          </a:p>
+          <a:p>
+            <a:pPr marL="684000" lvl="1" indent="-457200">
+              <a:buFont typeface="Arial" panose="020B0604020202020204" pitchFamily="34" charset="0"/>
+              <a:buChar char="•"/>
+            </a:pPr>
+            <a:r>
+              <a:rPr lang="cs-CZ" sz="2000" dirty="0" err="1"/>
+              <a:t>For</a:t>
+            </a:r>
+            <a:r>
+              <a:rPr lang="cs-CZ" sz="2000" dirty="0"/>
+              <a:t> </a:t>
+            </a:r>
+            <a:r>
+              <a:rPr lang="cs-CZ" sz="2000" dirty="0" err="1"/>
+              <a:t>vizualiztion</a:t>
+            </a:r>
+            <a:r>
+              <a:rPr lang="cs-CZ" sz="2000" dirty="0"/>
+              <a:t> </a:t>
+            </a:r>
+          </a:p>
+          <a:p>
+            <a:pPr marL="684000" lvl="1" indent="-457200">
+              <a:buFont typeface="Arial" panose="020B0604020202020204" pitchFamily="34" charset="0"/>
+              <a:buChar char="•"/>
+            </a:pPr>
+            <a:endParaRPr lang="cs-CZ" sz="2000" b="1" dirty="0"/>
+          </a:p>
+          <a:p>
+            <a:pPr marL="457200" indent="-457200" algn="l">
+              <a:buFont typeface="+mj-lt"/>
+              <a:buAutoNum type="alphaLcParenR"/>
+            </a:pPr>
+            <a:r>
+              <a:rPr lang="cs-CZ" sz="2000" b="1" dirty="0" err="1"/>
+              <a:t>Pandas</a:t>
+            </a:r>
+            <a:endParaRPr lang="cs-CZ" sz="2000" b="1" dirty="0"/>
+          </a:p>
+          <a:p>
+            <a:pPr marL="684000" lvl="1" indent="-457200">
+              <a:buFont typeface="Arial" panose="020B0604020202020204" pitchFamily="34" charset="0"/>
+              <a:buChar char="•"/>
+            </a:pPr>
+            <a:r>
+              <a:rPr lang="cs-CZ" sz="2000" dirty="0" err="1"/>
+              <a:t>For</a:t>
+            </a:r>
+            <a:r>
+              <a:rPr lang="cs-CZ" sz="2000" dirty="0"/>
+              <a:t> data </a:t>
+            </a:r>
+            <a:r>
+              <a:rPr lang="cs-CZ" sz="2000" dirty="0" err="1"/>
+              <a:t>manipulation</a:t>
+            </a:r>
+            <a:endParaRPr lang="cs-CZ" sz="2000" dirty="0"/>
+          </a:p>
+          <a:p>
+            <a:pPr marL="457200" indent="-457200" algn="l">
+              <a:buFont typeface="+mj-lt"/>
+              <a:buAutoNum type="alphaLcParenR"/>
+            </a:pPr>
+            <a:endParaRPr lang="cs-CZ" sz="2000" b="1" dirty="0"/>
+          </a:p>
+          <a:p>
+            <a:pPr marL="457200" indent="-457200" algn="l">
+              <a:buFont typeface="+mj-lt"/>
+              <a:buAutoNum type="alphaLcParenR"/>
+            </a:pPr>
+            <a:r>
+              <a:rPr lang="cs-CZ" sz="2000" b="1" dirty="0" err="1"/>
+              <a:t>MostlyAI</a:t>
+            </a:r>
+            <a:endParaRPr lang="cs-CZ" sz="2000" b="1" dirty="0"/>
+          </a:p>
+          <a:p>
+            <a:pPr marL="684000" lvl="1" indent="-457200">
+              <a:buFont typeface="Arial" panose="020B0604020202020204" pitchFamily="34" charset="0"/>
+              <a:buChar char="•"/>
+            </a:pPr>
+            <a:r>
+              <a:rPr lang="cs-CZ" sz="2000" dirty="0" err="1"/>
+              <a:t>Synthetize</a:t>
+            </a:r>
+            <a:r>
+              <a:rPr lang="cs-CZ" sz="2000" dirty="0"/>
+              <a:t> data </a:t>
+            </a:r>
+            <a:r>
+              <a:rPr lang="cs-CZ" sz="2000" dirty="0" err="1"/>
+              <a:t>with</a:t>
+            </a:r>
+            <a:r>
+              <a:rPr lang="cs-CZ" sz="2000" dirty="0"/>
+              <a:t> </a:t>
+            </a:r>
+            <a:r>
+              <a:rPr lang="cs-CZ" sz="2000" dirty="0" err="1"/>
+              <a:t>Mostly</a:t>
+            </a:r>
+            <a:r>
+              <a:rPr lang="cs-CZ" sz="2000" dirty="0"/>
+              <a:t> AI </a:t>
+            </a:r>
+          </a:p>
+          <a:p>
+            <a:pPr marL="457200" indent="-457200" algn="l">
+              <a:buFont typeface="+mj-lt"/>
+              <a:buAutoNum type="alphaLcParenR"/>
+            </a:pPr>
+            <a:endParaRPr lang="cs-CZ" sz="2000" b="1" dirty="0"/>
+          </a:p>
+        </p:txBody>
+      </p:sp>
+      <p:sp>
+        <p:nvSpPr>
+          <p:cNvPr id="6" name="Foliennummernplatzhalter 5">
+            <a:extLst>
+              <a:ext uri="{FF2B5EF4-FFF2-40B4-BE49-F238E27FC236}">
+                <a16:creationId xmlns:a16="http://schemas.microsoft.com/office/drawing/2014/main" id="{5A245376-D620-5002-D5CA-D15A6818CACC}"/>
+              </a:ext>
+            </a:extLst>
+          </p:cNvPr>
+          <p:cNvSpPr>
+            <a:spLocks noGrp="1"/>
+          </p:cNvSpPr>
+          <p:nvPr>
+            <p:ph type="sldNum" sz="quarter" idx="12"/>
+          </p:nvPr>
+        </p:nvSpPr>
+        <p:spPr/>
+        <p:txBody>
+          <a:bodyPr/>
+          <a:lstStyle/>
+          <a:p>
+            <a:fld id="{442AD375-037F-43D0-B059-5172DA06796A}" type="slidenum">
+              <a:rPr lang="en-GB" noProof="0" smtClean="0"/>
+              <a:pPr/>
+              <a:t>10</a:t>
+            </a:fld>
+            <a:endParaRPr lang="en-GB" noProof="0" dirty="0"/>
+          </a:p>
+        </p:txBody>
+      </p:sp>
+    </p:spTree>
+    <p:extLst>
+      <p:ext uri="{BB962C8B-B14F-4D97-AF65-F5344CB8AC3E}">
+        <p14:creationId xmlns:p14="http://schemas.microsoft.com/office/powerpoint/2010/main" val="569924924"/>
+      </p:ext>
+    </p:extLst>
+  </p:cSld>
+  <p:clrMapOvr>
+    <a:masterClrMapping/>
+  </p:clrMapOvr>
+</p:sld>
+</file>
+
+<file path=ppt/slides/slide11.xml><?xml version="1.0" encoding="utf-8"?>
+<p:sld xmlns:a="http://schemas.openxmlformats.org/drawingml/2006/main" xmlns:r="http://schemas.openxmlformats.org/officeDocument/2006/relationships" xmlns:p="http://schemas.openxmlformats.org/presentationml/2006/main">
+  <p:cSld>
+    <p:spTree>
+      <p:nvGrpSpPr>
         <p:cNvPr id="1" name=""/>
         <p:cNvGrpSpPr/>
         <p:nvPr/>
@@ -23910,7 +24198,7 @@
           <a:p>
             <a:fld id="{F00B6C72-573A-41E4-82FE-015F0E156332}" type="datetime1">
               <a:rPr lang="en-GB" smtClean="0"/>
-              <a:t>18/11/2024</a:t>
+              <a:t>19/11/2024</a:t>
             </a:fld>
             <a:endParaRPr lang="en-GB" dirty="0"/>
           </a:p>
@@ -23945,7 +24233,7 @@
             <a:fld id="{442AD375-037F-43D0-B059-5172DA06796A}" type="slidenum">
               <a:rPr lang="en-GB" smtClean="0"/>
               <a:pPr/>
-              <a:t>10</a:t>
+              <a:t>11</a:t>
             </a:fld>
             <a:endParaRPr lang="en-GB" dirty="0"/>
           </a:p>
@@ -27373,6 +27661,17 @@
 </file>
 
 <file path=customXml/item1.xml><?xml version="1.0" encoding="utf-8"?>
+<p:properties xmlns:p="http://schemas.microsoft.com/office/2006/metadata/properties" xmlns:xsi="http://www.w3.org/2001/XMLSchema-instance" xmlns:pc="http://schemas.microsoft.com/office/infopath/2007/PartnerControls">
+  <documentManagement>
+    <TaxCatchAll xmlns="bc24777f-78b6-4f3c-a73a-d5fa08e4d537" xsi:nil="true"/>
+    <lcf76f155ced4ddcb4097134ff3c332f xmlns="c9077d15-72ed-4fec-bcfe-3472729e9195">
+      <Terms xmlns="http://schemas.microsoft.com/office/infopath/2007/PartnerControls"/>
+    </lcf76f155ced4ddcb4097134ff3c332f>
+  </documentManagement>
+</p:properties>
+</file>
+
+<file path=customXml/item2.xml><?xml version="1.0" encoding="utf-8"?>
 <ct:contentTypeSchema xmlns:ct="http://schemas.microsoft.com/office/2006/metadata/contentType" xmlns:ma="http://schemas.microsoft.com/office/2006/metadata/properties/metaAttributes" ct:_="" ma:_="" ma:contentTypeName="Dokument" ma:contentTypeID="0x0101000E594130A2AF244FBF3F304D904ED593" ma:contentTypeVersion="18" ma:contentTypeDescription="Ein neues Dokument erstellen." ma:contentTypeScope="" ma:versionID="9c227ad3ab8d826471e210bb857ebfda">
   <xsd:schema xmlns:xsd="http://www.w3.org/2001/XMLSchema" xmlns:xs="http://www.w3.org/2001/XMLSchema" xmlns:p="http://schemas.microsoft.com/office/2006/metadata/properties" xmlns:ns2="c9077d15-72ed-4fec-bcfe-3472729e9195" xmlns:ns3="bc24777f-78b6-4f3c-a73a-d5fa08e4d537" targetNamespace="http://schemas.microsoft.com/office/2006/metadata/properties" ma:root="true" ma:fieldsID="2a0acd45fe6cc66a06723547185abeb0" ns2:_="" ns3:_="">
     <xsd:import namespace="c9077d15-72ed-4fec-bcfe-3472729e9195"/>
@@ -27627,17 +27926,6 @@
 </ct:contentTypeSchema>
 </file>
 
-<file path=customXml/item2.xml><?xml version="1.0" encoding="utf-8"?>
-<p:properties xmlns:p="http://schemas.microsoft.com/office/2006/metadata/properties" xmlns:xsi="http://www.w3.org/2001/XMLSchema-instance" xmlns:pc="http://schemas.microsoft.com/office/infopath/2007/PartnerControls">
-  <documentManagement>
-    <TaxCatchAll xmlns="bc24777f-78b6-4f3c-a73a-d5fa08e4d537" xsi:nil="true"/>
-    <lcf76f155ced4ddcb4097134ff3c332f xmlns="c9077d15-72ed-4fec-bcfe-3472729e9195">
-      <Terms xmlns="http://schemas.microsoft.com/office/infopath/2007/PartnerControls"/>
-    </lcf76f155ced4ddcb4097134ff3c332f>
-  </documentManagement>
-</p:properties>
-</file>
-
 <file path=customXml/item3.xml><?xml version="1.0" encoding="utf-8"?>
 <?mso-contentType ?>
 <FormTemplates xmlns="http://schemas.microsoft.com/sharepoint/v3/contenttype/forms">
@@ -27648,6 +27936,23 @@
 </file>
 
 <file path=customXml/itemProps1.xml><?xml version="1.0" encoding="utf-8"?>
+<ds:datastoreItem xmlns:ds="http://schemas.openxmlformats.org/officeDocument/2006/customXml" ds:itemID="{5626B806-0237-4942-A1FD-5C97285908C2}">
+  <ds:schemaRefs>
+    <ds:schemaRef ds:uri="http://schemas.microsoft.com/office/infopath/2007/PartnerControls"/>
+    <ds:schemaRef ds:uri="http://purl.org/dc/terms/"/>
+    <ds:schemaRef ds:uri="http://schemas.microsoft.com/office/2006/metadata/properties"/>
+    <ds:schemaRef ds:uri="http://schemas.microsoft.com/office/2006/documentManagement/types"/>
+    <ds:schemaRef ds:uri="http://purl.org/dc/elements/1.1/"/>
+    <ds:schemaRef ds:uri="http://schemas.openxmlformats.org/package/2006/metadata/core-properties"/>
+    <ds:schemaRef ds:uri="c9077d15-72ed-4fec-bcfe-3472729e9195"/>
+    <ds:schemaRef ds:uri="http://purl.org/dc/dcmitype/"/>
+    <ds:schemaRef ds:uri="bc24777f-78b6-4f3c-a73a-d5fa08e4d537"/>
+    <ds:schemaRef ds:uri="http://www.w3.org/XML/1998/namespace"/>
+  </ds:schemaRefs>
+</ds:datastoreItem>
+</file>
+
+<file path=customXml/itemProps2.xml><?xml version="1.0" encoding="utf-8"?>
 <ds:datastoreItem xmlns:ds="http://schemas.openxmlformats.org/officeDocument/2006/customXml" ds:itemID="{4B8C4983-C2B9-40A5-988A-6394CBDA5596}">
   <ds:schemaRefs>
     <ds:schemaRef ds:uri="http://schemas.microsoft.com/office/2006/metadata/contentType"/>
@@ -27666,23 +27971,6 @@
 </ds:datastoreItem>
 </file>
 
-<file path=customXml/itemProps2.xml><?xml version="1.0" encoding="utf-8"?>
-<ds:datastoreItem xmlns:ds="http://schemas.openxmlformats.org/officeDocument/2006/customXml" ds:itemID="{5626B806-0237-4942-A1FD-5C97285908C2}">
-  <ds:schemaRefs>
-    <ds:schemaRef ds:uri="http://schemas.microsoft.com/office/infopath/2007/PartnerControls"/>
-    <ds:schemaRef ds:uri="http://purl.org/dc/terms/"/>
-    <ds:schemaRef ds:uri="http://schemas.microsoft.com/office/2006/metadata/properties"/>
-    <ds:schemaRef ds:uri="http://schemas.microsoft.com/office/2006/documentManagement/types"/>
-    <ds:schemaRef ds:uri="http://purl.org/dc/elements/1.1/"/>
-    <ds:schemaRef ds:uri="http://schemas.openxmlformats.org/package/2006/metadata/core-properties"/>
-    <ds:schemaRef ds:uri="c9077d15-72ed-4fec-bcfe-3472729e9195"/>
-    <ds:schemaRef ds:uri="http://purl.org/dc/dcmitype/"/>
-    <ds:schemaRef ds:uri="bc24777f-78b6-4f3c-a73a-d5fa08e4d537"/>
-    <ds:schemaRef ds:uri="http://www.w3.org/XML/1998/namespace"/>
-  </ds:schemaRefs>
-</ds:datastoreItem>
-</file>
-
 <file path=customXml/itemProps3.xml><?xml version="1.0" encoding="utf-8"?>
 <ds:datastoreItem xmlns:ds="http://schemas.openxmlformats.org/officeDocument/2006/customXml" ds:itemID="{4B6B7BE2-63AD-4C37-AC44-F0E4FC348E24}">
   <ds:schemaRefs>

--- a/Presentation/Presentation.pptx
+++ b/Presentation/Presentation.pptx
@@ -18,9 +18,9 @@
     <p:sldId id="353" r:id="rId9"/>
     <p:sldId id="354" r:id="rId10"/>
     <p:sldId id="355" r:id="rId11"/>
-    <p:sldId id="356" r:id="rId12"/>
-    <p:sldId id="357" r:id="rId13"/>
-    <p:sldId id="358" r:id="rId14"/>
+    <p:sldId id="357" r:id="rId12"/>
+    <p:sldId id="358" r:id="rId13"/>
+    <p:sldId id="359" r:id="rId14"/>
     <p:sldId id="333" r:id="rId15"/>
   </p:sldIdLst>
   <p:sldSz cx="12192000" cy="6858000"/>
@@ -204,9 +204,9 @@
             <p14:sldId id="353"/>
             <p14:sldId id="354"/>
             <p14:sldId id="355"/>
-            <p14:sldId id="356"/>
             <p14:sldId id="357"/>
             <p14:sldId id="358"/>
+            <p14:sldId id="359"/>
             <p14:sldId id="333"/>
           </p14:sldIdLst>
         </p14:section>
@@ -903,6 +903,574 @@
 </file>
 
 <file path=ppt/notesSlides/notesSlide1.xml><?xml version="1.0" encoding="utf-8"?>
+<p:notes xmlns:a="http://schemas.openxmlformats.org/drawingml/2006/main" xmlns:r="http://schemas.openxmlformats.org/officeDocument/2006/relationships" xmlns:p="http://schemas.openxmlformats.org/presentationml/2006/main">
+  <p:cSld>
+    <p:spTree>
+      <p:nvGrpSpPr>
+        <p:cNvPr id="1" name=""/>
+        <p:cNvGrpSpPr/>
+        <p:nvPr/>
+      </p:nvGrpSpPr>
+      <p:grpSpPr>
+        <a:xfrm>
+          <a:off x="0" y="0"/>
+          <a:ext cx="0" cy="0"/>
+          <a:chOff x="0" y="0"/>
+          <a:chExt cx="0" cy="0"/>
+        </a:xfrm>
+      </p:grpSpPr>
+      <p:sp>
+        <p:nvSpPr>
+          <p:cNvPr id="2" name="Slide Image Placeholder 1"/>
+          <p:cNvSpPr>
+            <a:spLocks noGrp="1" noRot="1" noChangeAspect="1"/>
+          </p:cNvSpPr>
+          <p:nvPr>
+            <p:ph type="sldImg"/>
+          </p:nvPr>
+        </p:nvSpPr>
+        <p:spPr>
+          <a:xfrm>
+            <a:off x="765175" y="900113"/>
+            <a:ext cx="5559425" cy="3127375"/>
+          </a:xfrm>
+        </p:spPr>
+      </p:sp>
+      <p:sp>
+        <p:nvSpPr>
+          <p:cNvPr id="3" name="Notes Placeholder 2"/>
+          <p:cNvSpPr>
+            <a:spLocks noGrp="1"/>
+          </p:cNvSpPr>
+          <p:nvPr>
+            <p:ph type="body" idx="1"/>
+          </p:nvPr>
+        </p:nvSpPr>
+        <p:spPr/>
+        <p:txBody>
+          <a:bodyPr/>
+          <a:lstStyle/>
+          <a:p>
+            <a:pPr algn="l"/>
+            <a:r>
+              <a:rPr lang="en-US" b="0" i="0" dirty="0">
+                <a:effectLst/>
+                <a:latin typeface="Roboto" panose="02000000000000000000" pitchFamily="2" charset="0"/>
+              </a:rPr>
+              <a:t>Principle It’s a core principle in statistics that individual data — whether from people, businesses, or events — must be kept strictly confidential. This data is only to be used for statistical purposes, ensuring privacy and protecting individual identities. </a:t>
+            </a:r>
+            <a:endParaRPr lang="cs-CZ" b="0" i="0" dirty="0">
+              <a:effectLst/>
+              <a:latin typeface="Roboto" panose="02000000000000000000" pitchFamily="2" charset="0"/>
+            </a:endParaRPr>
+          </a:p>
+          <a:p>
+            <a:pPr algn="l"/>
+            <a:endParaRPr lang="cs-CZ" b="0" i="0" dirty="0">
+              <a:effectLst/>
+              <a:latin typeface="Roboto" panose="02000000000000000000" pitchFamily="2" charset="0"/>
+            </a:endParaRPr>
+          </a:p>
+          <a:p>
+            <a:pPr algn="l"/>
+            <a:r>
+              <a:rPr lang="en-US" b="0" i="0" dirty="0">
+                <a:effectLst/>
+                <a:latin typeface="Roboto" panose="02000000000000000000" pitchFamily="2" charset="0"/>
+              </a:rPr>
+              <a:t>Legal There are legal obligations to safeguard both personal and business information. Laws define what information can be shared and what must remain private to prevent unauthorized disclosure of sensitive data.</a:t>
+            </a:r>
+            <a:endParaRPr lang="cs-CZ" b="0" i="0" dirty="0">
+              <a:effectLst/>
+              <a:latin typeface="Roboto" panose="02000000000000000000" pitchFamily="2" charset="0"/>
+            </a:endParaRPr>
+          </a:p>
+          <a:p>
+            <a:pPr algn="l"/>
+            <a:endParaRPr lang="en-US" b="0" i="0" dirty="0">
+              <a:effectLst/>
+              <a:latin typeface="Roboto" panose="02000000000000000000" pitchFamily="2" charset="0"/>
+            </a:endParaRPr>
+          </a:p>
+          <a:p>
+            <a:pPr algn="l"/>
+            <a:r>
+              <a:rPr lang="en-US" b="0" i="0" dirty="0">
+                <a:effectLst/>
+                <a:latin typeface="Roboto" panose="02000000000000000000" pitchFamily="2" charset="0"/>
+              </a:rPr>
+              <a:t>Quality To collect accurate data, respondents need confidence that their information is secure and confidential. Without trust in confidentiality, people may not provide honest or precise data, which can compromise the quality of the statistics. </a:t>
+            </a:r>
+            <a:endParaRPr lang="cs-CZ" b="0" i="0" dirty="0">
+              <a:effectLst/>
+              <a:latin typeface="Roboto" panose="02000000000000000000" pitchFamily="2" charset="0"/>
+            </a:endParaRPr>
+          </a:p>
+          <a:p>
+            <a:pPr algn="l"/>
+            <a:endParaRPr lang="cs-CZ" b="0" i="0" dirty="0">
+              <a:effectLst/>
+              <a:latin typeface="Roboto" panose="02000000000000000000" pitchFamily="2" charset="0"/>
+            </a:endParaRPr>
+          </a:p>
+          <a:p>
+            <a:pPr algn="l"/>
+            <a:r>
+              <a:rPr lang="en-US" b="0" i="0" dirty="0">
+                <a:effectLst/>
+                <a:latin typeface="Roboto" panose="02000000000000000000" pitchFamily="2" charset="0"/>
+              </a:rPr>
+              <a:t>Ethical Ethically, we must avoid disclosing any data that could identify specific individuals or organizations. Protecting privacy is not just a legal issue but also a moral responsibility in statistical work</a:t>
+            </a:r>
+          </a:p>
+          <a:p>
+            <a:endParaRPr lang="en-US" dirty="0"/>
+          </a:p>
+        </p:txBody>
+      </p:sp>
+      <p:sp>
+        <p:nvSpPr>
+          <p:cNvPr id="4" name="Slide Number Placeholder 3"/>
+          <p:cNvSpPr>
+            <a:spLocks noGrp="1"/>
+          </p:cNvSpPr>
+          <p:nvPr>
+            <p:ph type="sldNum" sz="quarter" idx="5"/>
+          </p:nvPr>
+        </p:nvSpPr>
+        <p:spPr/>
+        <p:txBody>
+          <a:bodyPr/>
+          <a:lstStyle/>
+          <a:p>
+            <a:fld id="{83C81C81-E364-4366-A610-2DB15FF98538}" type="slidenum">
+              <a:rPr lang="de-CH" smtClean="0"/>
+              <a:pPr/>
+              <a:t>3</a:t>
+            </a:fld>
+            <a:endParaRPr lang="de-CH" dirty="0"/>
+          </a:p>
+        </p:txBody>
+      </p:sp>
+    </p:spTree>
+    <p:extLst>
+      <p:ext uri="{BB962C8B-B14F-4D97-AF65-F5344CB8AC3E}">
+        <p14:creationId xmlns:p14="http://schemas.microsoft.com/office/powerpoint/2010/main" val="2434070992"/>
+      </p:ext>
+    </p:extLst>
+  </p:cSld>
+  <p:clrMapOvr>
+    <a:masterClrMapping/>
+  </p:clrMapOvr>
+</p:notes>
+</file>
+
+<file path=ppt/notesSlides/notesSlide2.xml><?xml version="1.0" encoding="utf-8"?>
+<p:notes xmlns:a="http://schemas.openxmlformats.org/drawingml/2006/main" xmlns:r="http://schemas.openxmlformats.org/officeDocument/2006/relationships" xmlns:p="http://schemas.openxmlformats.org/presentationml/2006/main">
+  <p:cSld>
+    <p:spTree>
+      <p:nvGrpSpPr>
+        <p:cNvPr id="1" name=""/>
+        <p:cNvGrpSpPr/>
+        <p:nvPr/>
+      </p:nvGrpSpPr>
+      <p:grpSpPr>
+        <a:xfrm>
+          <a:off x="0" y="0"/>
+          <a:ext cx="0" cy="0"/>
+          <a:chOff x="0" y="0"/>
+          <a:chExt cx="0" cy="0"/>
+        </a:xfrm>
+      </p:grpSpPr>
+      <p:sp>
+        <p:nvSpPr>
+          <p:cNvPr id="2" name="Slide Image Placeholder 1"/>
+          <p:cNvSpPr>
+            <a:spLocks noGrp="1" noRot="1" noChangeAspect="1"/>
+          </p:cNvSpPr>
+          <p:nvPr>
+            <p:ph type="sldImg"/>
+          </p:nvPr>
+        </p:nvSpPr>
+        <p:spPr>
+          <a:xfrm>
+            <a:off x="765175" y="900113"/>
+            <a:ext cx="5559425" cy="3127375"/>
+          </a:xfrm>
+        </p:spPr>
+      </p:sp>
+      <p:sp>
+        <p:nvSpPr>
+          <p:cNvPr id="3" name="Notes Placeholder 2"/>
+          <p:cNvSpPr>
+            <a:spLocks noGrp="1"/>
+          </p:cNvSpPr>
+          <p:nvPr>
+            <p:ph type="body" idx="1"/>
+          </p:nvPr>
+        </p:nvSpPr>
+        <p:spPr/>
+        <p:txBody>
+          <a:bodyPr/>
+          <a:lstStyle/>
+          <a:p>
+            <a:pPr lvl="2"/>
+            <a:r>
+              <a:rPr lang="en-US" sz="1100" dirty="0"/>
+              <a:t> Enables data sharing and collaboration</a:t>
+            </a:r>
+          </a:p>
+          <a:p>
+            <a:pPr lvl="2"/>
+            <a:r>
+              <a:rPr lang="cs-CZ" sz="1100" dirty="0"/>
+              <a:t> </a:t>
+            </a:r>
+            <a:r>
+              <a:rPr lang="en-US" sz="1100" dirty="0"/>
+              <a:t>Facilitates reproducible research</a:t>
+            </a:r>
+          </a:p>
+          <a:p>
+            <a:pPr lvl="2"/>
+            <a:r>
+              <a:rPr lang="en-US" sz="1100" dirty="0"/>
+              <a:t> Balances transparency with privacy</a:t>
+            </a:r>
+            <a:endParaRPr lang="cs-CZ" sz="1100" dirty="0"/>
+          </a:p>
+          <a:p>
+            <a:endParaRPr lang="en-US" dirty="0"/>
+          </a:p>
+        </p:txBody>
+      </p:sp>
+      <p:sp>
+        <p:nvSpPr>
+          <p:cNvPr id="4" name="Slide Number Placeholder 3"/>
+          <p:cNvSpPr>
+            <a:spLocks noGrp="1"/>
+          </p:cNvSpPr>
+          <p:nvPr>
+            <p:ph type="sldNum" sz="quarter" idx="5"/>
+          </p:nvPr>
+        </p:nvSpPr>
+        <p:spPr/>
+        <p:txBody>
+          <a:bodyPr/>
+          <a:lstStyle/>
+          <a:p>
+            <a:fld id="{83C81C81-E364-4366-A610-2DB15FF98538}" type="slidenum">
+              <a:rPr lang="de-CH" smtClean="0"/>
+              <a:pPr/>
+              <a:t>4</a:t>
+            </a:fld>
+            <a:endParaRPr lang="de-CH" dirty="0"/>
+          </a:p>
+        </p:txBody>
+      </p:sp>
+    </p:spTree>
+    <p:extLst>
+      <p:ext uri="{BB962C8B-B14F-4D97-AF65-F5344CB8AC3E}">
+        <p14:creationId xmlns:p14="http://schemas.microsoft.com/office/powerpoint/2010/main" val="3939603150"/>
+      </p:ext>
+    </p:extLst>
+  </p:cSld>
+  <p:clrMapOvr>
+    <a:masterClrMapping/>
+  </p:clrMapOvr>
+</p:notes>
+</file>
+
+<file path=ppt/notesSlides/notesSlide3.xml><?xml version="1.0" encoding="utf-8"?>
+<p:notes xmlns:a="http://schemas.openxmlformats.org/drawingml/2006/main" xmlns:r="http://schemas.openxmlformats.org/officeDocument/2006/relationships" xmlns:p="http://schemas.openxmlformats.org/presentationml/2006/main">
+  <p:cSld>
+    <p:spTree>
+      <p:nvGrpSpPr>
+        <p:cNvPr id="1" name=""/>
+        <p:cNvGrpSpPr/>
+        <p:nvPr/>
+      </p:nvGrpSpPr>
+      <p:grpSpPr>
+        <a:xfrm>
+          <a:off x="0" y="0"/>
+          <a:ext cx="0" cy="0"/>
+          <a:chOff x="0" y="0"/>
+          <a:chExt cx="0" cy="0"/>
+        </a:xfrm>
+      </p:grpSpPr>
+      <p:sp>
+        <p:nvSpPr>
+          <p:cNvPr id="2" name="Slide Image Placeholder 1"/>
+          <p:cNvSpPr>
+            <a:spLocks noGrp="1" noRot="1" noChangeAspect="1"/>
+          </p:cNvSpPr>
+          <p:nvPr>
+            <p:ph type="sldImg"/>
+          </p:nvPr>
+        </p:nvSpPr>
+        <p:spPr>
+          <a:xfrm>
+            <a:off x="765175" y="900113"/>
+            <a:ext cx="5559425" cy="3127375"/>
+          </a:xfrm>
+        </p:spPr>
+      </p:sp>
+      <p:sp>
+        <p:nvSpPr>
+          <p:cNvPr id="3" name="Notes Placeholder 2"/>
+          <p:cNvSpPr>
+            <a:spLocks noGrp="1"/>
+          </p:cNvSpPr>
+          <p:nvPr>
+            <p:ph type="body" idx="1"/>
+          </p:nvPr>
+        </p:nvSpPr>
+        <p:spPr/>
+        <p:txBody>
+          <a:bodyPr/>
+          <a:lstStyle/>
+          <a:p>
+            <a:pPr marL="0" marR="0" lvl="0" indent="0" algn="l" defTabSz="914400" rtl="0" eaLnBrk="1" fontAlgn="auto" latinLnBrk="0" hangingPunct="1">
+              <a:lnSpc>
+                <a:spcPct val="100000"/>
+              </a:lnSpc>
+              <a:spcBef>
+                <a:spcPts val="0"/>
+              </a:spcBef>
+              <a:spcAft>
+                <a:spcPts val="600"/>
+              </a:spcAft>
+              <a:buClrTx/>
+              <a:buSzTx/>
+              <a:buFontTx/>
+              <a:buNone/>
+              <a:tabLst/>
+              <a:defRPr/>
+            </a:pPr>
+            <a:r>
+              <a:rPr lang="en-US" sz="1100" dirty="0"/>
+              <a:t> A disclosure occurs when a person or an organization recognizes or learns something that they did not already know about another person or organization, via released data.</a:t>
+            </a:r>
+          </a:p>
+          <a:p>
+            <a:endParaRPr lang="en-US" dirty="0"/>
+          </a:p>
+        </p:txBody>
+      </p:sp>
+      <p:sp>
+        <p:nvSpPr>
+          <p:cNvPr id="4" name="Slide Number Placeholder 3"/>
+          <p:cNvSpPr>
+            <a:spLocks noGrp="1"/>
+          </p:cNvSpPr>
+          <p:nvPr>
+            <p:ph type="sldNum" sz="quarter" idx="5"/>
+          </p:nvPr>
+        </p:nvSpPr>
+        <p:spPr/>
+        <p:txBody>
+          <a:bodyPr/>
+          <a:lstStyle/>
+          <a:p>
+            <a:fld id="{83C81C81-E364-4366-A610-2DB15FF98538}" type="slidenum">
+              <a:rPr lang="de-CH" smtClean="0"/>
+              <a:pPr/>
+              <a:t>5</a:t>
+            </a:fld>
+            <a:endParaRPr lang="de-CH" dirty="0"/>
+          </a:p>
+        </p:txBody>
+      </p:sp>
+    </p:spTree>
+    <p:extLst>
+      <p:ext uri="{BB962C8B-B14F-4D97-AF65-F5344CB8AC3E}">
+        <p14:creationId xmlns:p14="http://schemas.microsoft.com/office/powerpoint/2010/main" val="1810717279"/>
+      </p:ext>
+    </p:extLst>
+  </p:cSld>
+  <p:clrMapOvr>
+    <a:masterClrMapping/>
+  </p:clrMapOvr>
+</p:notes>
+</file>
+
+<file path=ppt/notesSlides/notesSlide4.xml><?xml version="1.0" encoding="utf-8"?>
+<p:notes xmlns:a="http://schemas.openxmlformats.org/drawingml/2006/main" xmlns:r="http://schemas.openxmlformats.org/officeDocument/2006/relationships" xmlns:p="http://schemas.openxmlformats.org/presentationml/2006/main">
+  <p:cSld>
+    <p:spTree>
+      <p:nvGrpSpPr>
+        <p:cNvPr id="1" name=""/>
+        <p:cNvGrpSpPr/>
+        <p:nvPr/>
+      </p:nvGrpSpPr>
+      <p:grpSpPr>
+        <a:xfrm>
+          <a:off x="0" y="0"/>
+          <a:ext cx="0" cy="0"/>
+          <a:chOff x="0" y="0"/>
+          <a:chExt cx="0" cy="0"/>
+        </a:xfrm>
+      </p:grpSpPr>
+      <p:sp>
+        <p:nvSpPr>
+          <p:cNvPr id="2" name="Slide Image Placeholder 1"/>
+          <p:cNvSpPr>
+            <a:spLocks noGrp="1" noRot="1" noChangeAspect="1"/>
+          </p:cNvSpPr>
+          <p:nvPr>
+            <p:ph type="sldImg"/>
+          </p:nvPr>
+        </p:nvSpPr>
+        <p:spPr>
+          <a:xfrm>
+            <a:off x="765175" y="900113"/>
+            <a:ext cx="5559425" cy="3127375"/>
+          </a:xfrm>
+        </p:spPr>
+      </p:sp>
+      <p:sp>
+        <p:nvSpPr>
+          <p:cNvPr id="3" name="Notes Placeholder 2"/>
+          <p:cNvSpPr>
+            <a:spLocks noGrp="1"/>
+          </p:cNvSpPr>
+          <p:nvPr>
+            <p:ph type="body" idx="1"/>
+          </p:nvPr>
+        </p:nvSpPr>
+        <p:spPr/>
+        <p:txBody>
+          <a:bodyPr/>
+          <a:lstStyle/>
+          <a:p>
+            <a:pPr algn="l"/>
+            <a:r>
+              <a:rPr lang="en-US" sz="1100" dirty="0"/>
+              <a:t>SDC seeks to </a:t>
+            </a:r>
+            <a:r>
+              <a:rPr lang="en-US" sz="1100" dirty="0" err="1"/>
+              <a:t>optimi</a:t>
+            </a:r>
+            <a:r>
+              <a:rPr lang="cs-CZ" sz="1100" dirty="0"/>
+              <a:t>z</a:t>
+            </a:r>
+            <a:r>
+              <a:rPr lang="en-US" sz="1100" dirty="0"/>
+              <a:t>e the trade-off between the disclosure risk and the utility of the</a:t>
+            </a:r>
+          </a:p>
+          <a:p>
+            <a:pPr algn="l"/>
+            <a:r>
+              <a:rPr lang="en-US" sz="1100" dirty="0"/>
+              <a:t>protected released data.</a:t>
+            </a:r>
+          </a:p>
+          <a:p>
+            <a:pPr marL="0" lvl="2" indent="0">
+              <a:spcBef>
+                <a:spcPts val="0"/>
+              </a:spcBef>
+              <a:buNone/>
+            </a:pPr>
+            <a:endParaRPr lang="cs-CZ" sz="1100" dirty="0"/>
+          </a:p>
+          <a:p>
+            <a:pPr marL="0" lvl="2" indent="0">
+              <a:spcBef>
+                <a:spcPts val="0"/>
+              </a:spcBef>
+              <a:buNone/>
+            </a:pPr>
+            <a:endParaRPr lang="cs-CZ" sz="1100" dirty="0"/>
+          </a:p>
+          <a:p>
+            <a:pPr marL="0" lvl="2" indent="0">
+              <a:spcBef>
+                <a:spcPts val="0"/>
+              </a:spcBef>
+              <a:buNone/>
+            </a:pPr>
+            <a:r>
+              <a:rPr lang="en-US" sz="1100" dirty="0"/>
+              <a:t>The goal is to find a balance between risk and utility, </a:t>
+            </a:r>
+            <a:endParaRPr lang="cs-CZ" sz="1100" dirty="0"/>
+          </a:p>
+          <a:p>
+            <a:pPr marL="0" lvl="2" indent="0">
+              <a:spcBef>
+                <a:spcPts val="0"/>
+              </a:spcBef>
+              <a:buNone/>
+            </a:pPr>
+            <a:r>
+              <a:rPr lang="en-US" sz="1100" dirty="0"/>
+              <a:t>so there is a </a:t>
+            </a:r>
+            <a:r>
+              <a:rPr lang="en-US" sz="1100" b="1" dirty="0"/>
+              <a:t>risk-utility</a:t>
+            </a:r>
+            <a:r>
+              <a:rPr lang="cs-CZ" sz="1100" b="1" dirty="0"/>
+              <a:t> </a:t>
+            </a:r>
+            <a:r>
+              <a:rPr lang="en-US" sz="1100" b="1" dirty="0"/>
+              <a:t>trade-off</a:t>
+            </a:r>
+            <a:r>
+              <a:rPr lang="en-US" sz="1100" dirty="0"/>
+              <a:t>.</a:t>
+            </a:r>
+            <a:endParaRPr lang="cs-CZ" sz="1100" dirty="0"/>
+          </a:p>
+          <a:p>
+            <a:endParaRPr lang="en-US" dirty="0"/>
+          </a:p>
+        </p:txBody>
+      </p:sp>
+      <p:sp>
+        <p:nvSpPr>
+          <p:cNvPr id="4" name="Slide Number Placeholder 3"/>
+          <p:cNvSpPr>
+            <a:spLocks noGrp="1"/>
+          </p:cNvSpPr>
+          <p:nvPr>
+            <p:ph type="sldNum" sz="quarter" idx="5"/>
+          </p:nvPr>
+        </p:nvSpPr>
+        <p:spPr/>
+        <p:txBody>
+          <a:bodyPr/>
+          <a:lstStyle/>
+          <a:p>
+            <a:fld id="{83C81C81-E364-4366-A610-2DB15FF98538}" type="slidenum">
+              <a:rPr lang="de-CH" smtClean="0"/>
+              <a:pPr/>
+              <a:t>6</a:t>
+            </a:fld>
+            <a:endParaRPr lang="de-CH" dirty="0"/>
+          </a:p>
+        </p:txBody>
+      </p:sp>
+    </p:spTree>
+    <p:extLst>
+      <p:ext uri="{BB962C8B-B14F-4D97-AF65-F5344CB8AC3E}">
+        <p14:creationId xmlns:p14="http://schemas.microsoft.com/office/powerpoint/2010/main" val="3834492299"/>
+      </p:ext>
+    </p:extLst>
+  </p:cSld>
+  <p:clrMapOvr>
+    <a:masterClrMapping/>
+  </p:clrMapOvr>
+</p:notes>
+</file>
+
+<file path=ppt/notesSlides/notesSlide5.xml><?xml version="1.0" encoding="utf-8"?>
 <p:notes xmlns:a="http://schemas.openxmlformats.org/drawingml/2006/main" xmlns:r="http://schemas.openxmlformats.org/officeDocument/2006/relationships" xmlns:p="http://schemas.openxmlformats.org/presentationml/2006/main">
   <p:cSld>
     <p:spTree>
@@ -23875,7 +24443,7 @@
         <p:cNvPr id="1" name="">
           <a:extLst>
             <a:ext uri="{FF2B5EF4-FFF2-40B4-BE49-F238E27FC236}">
-              <a16:creationId xmlns:a16="http://schemas.microsoft.com/office/drawing/2014/main" id="{820A47FF-E134-872C-FA23-71B81DAB4831}"/>
+              <a16:creationId xmlns:a16="http://schemas.microsoft.com/office/drawing/2014/main" id="{75FB70D4-D1A4-AAFC-9301-17148F3EB8B8}"/>
             </a:ext>
           </a:extLst>
         </p:cNvPr>
@@ -23895,7 +24463,7 @@
           <p:cNvPr id="2" name="Titel 1">
             <a:extLst>
               <a:ext uri="{FF2B5EF4-FFF2-40B4-BE49-F238E27FC236}">
-                <a16:creationId xmlns:a16="http://schemas.microsoft.com/office/drawing/2014/main" id="{54D85752-ED02-1D0F-99CB-414EAE9913ED}"/>
+                <a16:creationId xmlns:a16="http://schemas.microsoft.com/office/drawing/2014/main" id="{12D361E1-1550-E904-57D9-31F09057E375}"/>
               </a:ext>
             </a:extLst>
           </p:cNvPr>
@@ -23913,15 +24481,15 @@
           <a:p>
             <a:r>
               <a:rPr lang="cs-CZ" sz="2800" dirty="0" err="1"/>
-              <a:t>Libraries</a:t>
+              <a:t>Challenges</a:t>
             </a:r>
             <a:r>
               <a:rPr lang="cs-CZ" sz="2800" dirty="0"/>
-              <a:t> </a:t>
+              <a:t> and </a:t>
             </a:r>
             <a:r>
               <a:rPr lang="cs-CZ" sz="2800" dirty="0" err="1"/>
-              <a:t>used</a:t>
+              <a:t>error</a:t>
             </a:r>
             <a:endParaRPr lang="en-US" dirty="0"/>
           </a:p>
@@ -23932,7 +24500,7 @@
           <p:cNvPr id="3" name="Inhaltsplatzhalter 2">
             <a:extLst>
               <a:ext uri="{FF2B5EF4-FFF2-40B4-BE49-F238E27FC236}">
-                <a16:creationId xmlns:a16="http://schemas.microsoft.com/office/drawing/2014/main" id="{71289D85-E930-C0F0-CD9B-F530647CBB1C}"/>
+                <a16:creationId xmlns:a16="http://schemas.microsoft.com/office/drawing/2014/main" id="{D48B5880-26C8-D725-ADCC-1685D7055604}"/>
               </a:ext>
             </a:extLst>
           </p:cNvPr>
@@ -23947,166 +24515,48 @@
         <p:txBody>
           <a:bodyPr/>
           <a:lstStyle/>
+          <a:p>
+            <a:pPr algn="l"/>
+            <a:endParaRPr lang="cs-CZ" sz="3200" b="1" dirty="0"/>
+          </a:p>
+          <a:p>
+            <a:pPr algn="l"/>
+            <a:endParaRPr lang="cs-CZ" sz="3200" b="1" dirty="0"/>
+          </a:p>
+          <a:p>
+            <a:pPr algn="l"/>
+            <a:endParaRPr lang="cs-CZ" sz="3200" b="1" dirty="0"/>
+          </a:p>
+          <a:p>
+            <a:pPr algn="ctr"/>
+            <a:r>
+              <a:rPr lang="cs-CZ" sz="3200" b="1" dirty="0"/>
+              <a:t>Open </a:t>
+            </a:r>
+            <a:r>
+              <a:rPr lang="cs-CZ" sz="3200" b="1" dirty="0" err="1"/>
+              <a:t>word</a:t>
+            </a:r>
+            <a:r>
+              <a:rPr lang="cs-CZ" sz="3200" b="1" dirty="0"/>
+              <a:t> </a:t>
+            </a:r>
+            <a:r>
+              <a:rPr lang="cs-CZ" sz="3200" b="1" dirty="0" err="1"/>
+              <a:t>document</a:t>
+            </a:r>
+            <a:r>
+              <a:rPr lang="cs-CZ" sz="3200" b="1" dirty="0"/>
+              <a:t> Problems.docx</a:t>
+            </a:r>
+            <a:endParaRPr lang="en-US" sz="3200" dirty="0"/>
+          </a:p>
           <a:p>
             <a:pPr marL="457200" indent="-457200" algn="l">
               <a:buFont typeface="+mj-lt"/>
               <a:buAutoNum type="alphaLcParenR"/>
             </a:pPr>
-            <a:r>
-              <a:rPr lang="cs-CZ" sz="2000" b="1" dirty="0"/>
-              <a:t>os and </a:t>
-            </a:r>
-            <a:r>
-              <a:rPr lang="cs-CZ" sz="2000" b="1" dirty="0" err="1"/>
-              <a:t>sys</a:t>
-            </a:r>
-            <a:endParaRPr lang="cs-CZ" sz="2000" b="1" dirty="0"/>
-          </a:p>
-          <a:p>
-            <a:pPr marL="684000" lvl="1" indent="-457200">
-              <a:buFont typeface="Arial" panose="020B0604020202020204" pitchFamily="34" charset="0"/>
-              <a:buChar char="•"/>
-            </a:pPr>
-            <a:r>
-              <a:rPr lang="en-US" sz="2000" dirty="0"/>
-              <a:t>Set the working directory to the folder</a:t>
-            </a:r>
-            <a:endParaRPr lang="cs-CZ" sz="2000" dirty="0"/>
-          </a:p>
-          <a:p>
-            <a:pPr marL="684000" lvl="1" indent="-457200">
-              <a:buFont typeface="Arial" panose="020B0604020202020204" pitchFamily="34" charset="0"/>
-              <a:buChar char="•"/>
-            </a:pPr>
-            <a:endParaRPr lang="cs-CZ" sz="2000" dirty="0"/>
-          </a:p>
-          <a:p>
-            <a:pPr marL="457200" lvl="1" indent="-457200">
-              <a:spcBef>
-                <a:spcPts val="0"/>
-              </a:spcBef>
-              <a:buFont typeface="+mj-lt"/>
-              <a:buAutoNum type="alphaLcParenR"/>
-            </a:pPr>
-            <a:r>
-              <a:rPr lang="cs-CZ" sz="2000" b="1" dirty="0" err="1"/>
-              <a:t>Matplotlib</a:t>
-            </a:r>
-            <a:endParaRPr lang="cs-CZ" sz="2000" b="1" dirty="0"/>
-          </a:p>
-          <a:p>
-            <a:pPr marL="684000" lvl="1" indent="-457200">
-              <a:buFont typeface="Arial" panose="020B0604020202020204" pitchFamily="34" charset="0"/>
-              <a:buChar char="•"/>
-            </a:pPr>
-            <a:r>
-              <a:rPr lang="cs-CZ" sz="2000" dirty="0" err="1"/>
-              <a:t>For</a:t>
-            </a:r>
-            <a:r>
-              <a:rPr lang="cs-CZ" sz="2000" dirty="0"/>
-              <a:t> </a:t>
-            </a:r>
-            <a:r>
-              <a:rPr lang="cs-CZ" sz="2000" dirty="0" err="1"/>
-              <a:t>vizualiztion</a:t>
-            </a:r>
-            <a:r>
-              <a:rPr lang="cs-CZ" sz="2000" dirty="0"/>
-              <a:t> </a:t>
-            </a:r>
-          </a:p>
-          <a:p>
-            <a:pPr marL="684000" lvl="1" indent="-457200">
-              <a:buFont typeface="Arial" panose="020B0604020202020204" pitchFamily="34" charset="0"/>
-              <a:buChar char="•"/>
-            </a:pPr>
-            <a:endParaRPr lang="cs-CZ" sz="2000" b="1" dirty="0"/>
-          </a:p>
-          <a:p>
-            <a:pPr marL="457200" indent="-457200" algn="l">
-              <a:buFont typeface="+mj-lt"/>
-              <a:buAutoNum type="alphaLcParenR"/>
-            </a:pPr>
-            <a:r>
-              <a:rPr lang="cs-CZ" sz="2000" b="1" dirty="0" err="1"/>
-              <a:t>Pandas</a:t>
-            </a:r>
-            <a:endParaRPr lang="cs-CZ" sz="2000" b="1" dirty="0"/>
-          </a:p>
-          <a:p>
-            <a:pPr marL="684000" lvl="1" indent="-457200">
-              <a:buFont typeface="Arial" panose="020B0604020202020204" pitchFamily="34" charset="0"/>
-              <a:buChar char="•"/>
-            </a:pPr>
-            <a:r>
-              <a:rPr lang="cs-CZ" sz="2000" dirty="0" err="1"/>
-              <a:t>For</a:t>
-            </a:r>
-            <a:r>
-              <a:rPr lang="cs-CZ" sz="2000" dirty="0"/>
-              <a:t> data </a:t>
-            </a:r>
-            <a:r>
-              <a:rPr lang="cs-CZ" sz="2000" dirty="0" err="1"/>
-              <a:t>manipulation</a:t>
-            </a:r>
-            <a:endParaRPr lang="cs-CZ" sz="2000" dirty="0"/>
-          </a:p>
-          <a:p>
-            <a:pPr marL="457200" indent="-457200" algn="l">
-              <a:buFont typeface="+mj-lt"/>
-              <a:buAutoNum type="alphaLcParenR"/>
-            </a:pPr>
-            <a:endParaRPr lang="cs-CZ" sz="2000" b="1" dirty="0"/>
-          </a:p>
-          <a:p>
-            <a:pPr marL="457200" indent="-457200" algn="l">
-              <a:buFont typeface="+mj-lt"/>
-              <a:buAutoNum type="alphaLcParenR"/>
-            </a:pPr>
-            <a:r>
-              <a:rPr lang="cs-CZ" sz="2000" b="1" dirty="0" err="1"/>
-              <a:t>MostlyAI</a:t>
-            </a:r>
-            <a:endParaRPr lang="cs-CZ" sz="2000" b="1" dirty="0"/>
-          </a:p>
-          <a:p>
-            <a:pPr marL="684000" lvl="1" indent="-457200">
-              <a:buFont typeface="Arial" panose="020B0604020202020204" pitchFamily="34" charset="0"/>
-              <a:buChar char="•"/>
-            </a:pPr>
-            <a:r>
-              <a:rPr lang="cs-CZ" sz="2000" dirty="0" err="1"/>
-              <a:t>Synthetize</a:t>
-            </a:r>
-            <a:r>
-              <a:rPr lang="cs-CZ" sz="2000" dirty="0"/>
-              <a:t> data </a:t>
-            </a:r>
-            <a:r>
-              <a:rPr lang="cs-CZ" sz="2000" dirty="0" err="1"/>
-              <a:t>with</a:t>
-            </a:r>
-            <a:r>
-              <a:rPr lang="cs-CZ" sz="2000" dirty="0"/>
-              <a:t> </a:t>
-            </a:r>
-            <a:r>
-              <a:rPr lang="cs-CZ" sz="2000" dirty="0" err="1"/>
-              <a:t>Mostly</a:t>
-            </a:r>
-            <a:r>
-              <a:rPr lang="cs-CZ" sz="2000" dirty="0"/>
-              <a:t> AI </a:t>
-            </a:r>
-          </a:p>
-          <a:p>
-            <a:pPr marL="457200" indent="-457200" algn="l">
-              <a:buFont typeface="+mj-lt"/>
-              <a:buAutoNum type="alphaLcParenR"/>
-            </a:pPr>
-            <a:endParaRPr lang="cs-CZ" sz="2000" b="1" dirty="0"/>
+            <a:endParaRPr lang="en-US" sz="2000" b="1" dirty="0"/>
           </a:p>
         </p:txBody>
       </p:sp>
@@ -24115,7 +24565,7 @@
           <p:cNvPr id="6" name="Foliennummernplatzhalter 5">
             <a:extLst>
               <a:ext uri="{FF2B5EF4-FFF2-40B4-BE49-F238E27FC236}">
-                <a16:creationId xmlns:a16="http://schemas.microsoft.com/office/drawing/2014/main" id="{5A245376-D620-5002-D5CA-D15A6818CACC}"/>
+                <a16:creationId xmlns:a16="http://schemas.microsoft.com/office/drawing/2014/main" id="{019B169A-DE75-45FD-8436-A25075571081}"/>
               </a:ext>
             </a:extLst>
           </p:cNvPr>
@@ -24140,10 +24590,59 @@
           </a:p>
         </p:txBody>
       </p:sp>
+      <p:sp>
+        <p:nvSpPr>
+          <p:cNvPr id="4" name="Arrow: Right 3">
+            <a:extLst>
+              <a:ext uri="{FF2B5EF4-FFF2-40B4-BE49-F238E27FC236}">
+                <a16:creationId xmlns:a16="http://schemas.microsoft.com/office/drawing/2014/main" id="{F325DE2F-A9B3-8473-A089-2C36814B3E78}"/>
+              </a:ext>
+            </a:extLst>
+          </p:cNvPr>
+          <p:cNvSpPr/>
+          <p:nvPr/>
+        </p:nvSpPr>
+        <p:spPr>
+          <a:xfrm>
+            <a:off x="767408" y="1988840"/>
+            <a:ext cx="1800200" cy="1296144"/>
+          </a:xfrm>
+          <a:prstGeom prst="rightArrow">
+            <a:avLst/>
+          </a:prstGeom>
+          <a:ln>
+            <a:noFill/>
+          </a:ln>
+        </p:spPr>
+        <p:style>
+          <a:lnRef idx="2">
+            <a:schemeClr val="accent1">
+              <a:shade val="50000"/>
+            </a:schemeClr>
+          </a:lnRef>
+          <a:fillRef idx="1">
+            <a:schemeClr val="accent1"/>
+          </a:fillRef>
+          <a:effectRef idx="0">
+            <a:schemeClr val="accent1"/>
+          </a:effectRef>
+          <a:fontRef idx="minor">
+            <a:schemeClr val="lt1"/>
+          </a:fontRef>
+        </p:style>
+        <p:txBody>
+          <a:bodyPr rtlCol="0" anchor="ctr"/>
+          <a:lstStyle/>
+          <a:p>
+            <a:pPr algn="ctr"/>
+            <a:endParaRPr lang="en-US"/>
+          </a:p>
+        </p:txBody>
+      </p:sp>
     </p:spTree>
     <p:extLst>
       <p:ext uri="{BB962C8B-B14F-4D97-AF65-F5344CB8AC3E}">
-        <p14:creationId xmlns:p14="http://schemas.microsoft.com/office/powerpoint/2010/main" val="569924924"/>
+        <p14:creationId xmlns:p14="http://schemas.microsoft.com/office/powerpoint/2010/main" val="1692955340"/>
       </p:ext>
     </p:extLst>
   </p:cSld>
@@ -24770,21 +25269,21 @@
             <a:pPr lvl="1"/>
             <a:r>
               <a:rPr lang="en-US" sz="2400" dirty="0"/>
-              <a:t>From Czech Republic, Prague</a:t>
+              <a:t>From Prague, Czech Republic, </a:t>
             </a:r>
           </a:p>
           <a:p>
             <a:pPr lvl="1"/>
             <a:r>
               <a:rPr lang="en-US" sz="2400" dirty="0"/>
-              <a:t>Master's and PhD in Statistics</a:t>
+              <a:t>PhD in Statistics</a:t>
             </a:r>
           </a:p>
           <a:p>
             <a:pPr lvl="1"/>
             <a:r>
               <a:rPr lang="en-US" sz="2400" dirty="0"/>
-              <a:t>Research topic</a:t>
+              <a:t>Research topics</a:t>
             </a:r>
           </a:p>
           <a:p>
@@ -24811,7 +25310,7 @@
             <a:pPr lvl="1"/>
             <a:r>
               <a:rPr lang="en-US" sz="2400" dirty="0"/>
-              <a:t>At Czech Statistical Office responsible for data confidentiality of Czech Census 2021</a:t>
+              <a:t>Responsible for data confidentiality of Czech Census 2021</a:t>
             </a:r>
           </a:p>
           <a:p>
@@ -24977,7 +25476,12 @@
             <p:ph idx="1"/>
           </p:nvPr>
         </p:nvSpPr>
-        <p:spPr/>
+        <p:spPr>
+          <a:xfrm>
+            <a:off x="271461" y="870744"/>
+            <a:ext cx="11646939" cy="5742456"/>
+          </a:xfrm>
+        </p:spPr>
         <p:txBody>
           <a:bodyPr/>
           <a:lstStyle/>
@@ -25003,7 +25507,6 @@
               <a:rPr lang="en-US" sz="2000" dirty="0"/>
               <a:t>(SDC)</a:t>
             </a:r>
-            <a:endParaRPr lang="cs-CZ" sz="2000" dirty="0"/>
           </a:p>
           <a:p>
             <a:pPr algn="l"/>
@@ -25016,22 +25519,20 @@
             </a:r>
             <a:r>
               <a:rPr lang="en-US" sz="2000" dirty="0"/>
-              <a:t>seeks to protect statistical data in such a way that they can be released without giving away confidential information that can be linked to specific individuals or entities.</a:t>
-            </a:r>
-            <a:endParaRPr lang="cs-CZ" sz="2000" dirty="0"/>
-          </a:p>
-          <a:p>
-            <a:endParaRPr lang="cs-CZ" sz="2000" dirty="0"/>
-          </a:p>
-          <a:p>
-            <a:endParaRPr lang="cs-CZ" sz="2000" dirty="0"/>
+              <a:t>seeks to protect statistical data in such a way that they can be released without giving away confidential information that could be linked to specific individuals or entities.</a:t>
+            </a:r>
+          </a:p>
+          <a:p>
+            <a:endParaRPr lang="en-US" sz="2000" dirty="0"/>
+          </a:p>
+          <a:p>
+            <a:endParaRPr lang="en-US" sz="2000" dirty="0"/>
           </a:p>
           <a:p>
             <a:r>
               <a:rPr lang="en-US" sz="2000" dirty="0"/>
               <a:t>Importance of Data Anonymization</a:t>
             </a:r>
-            <a:endParaRPr lang="cs-CZ" sz="2000" dirty="0"/>
           </a:p>
           <a:p>
             <a:pPr lvl="2"/>
@@ -25047,25 +25548,16 @@
               <a:rPr lang="en-US" sz="2000" dirty="0"/>
               <a:t> </a:t>
             </a:r>
+            <a:br>
+              <a:rPr lang="en-US" sz="2000" dirty="0"/>
+            </a:br>
+            <a:r>
+              <a:rPr lang="en-US" sz="2000" dirty="0"/>
+              <a:t>S</a:t>
+            </a:r>
             <a:r>
               <a:rPr lang="en-US" sz="1800" dirty="0"/>
-              <a:t>It is a fundamental principle of Official Statistics that the statistical</a:t>
-            </a:r>
-            <a:r>
-              <a:rPr lang="cs-CZ" sz="1800" dirty="0"/>
-              <a:t> </a:t>
-            </a:r>
-            <a:r>
-              <a:rPr lang="en-US" sz="1800" dirty="0"/>
-              <a:t>records of individual persons, businesses, or events used to produce Official</a:t>
-            </a:r>
-            <a:r>
-              <a:rPr lang="cs-CZ" sz="1800" dirty="0"/>
-              <a:t> </a:t>
-            </a:r>
-            <a:r>
-              <a:rPr lang="en-US" sz="1800" dirty="0"/>
-              <a:t>Statistics are strictly confidential and to be used only for statistical purposes.</a:t>
+              <a:t>tatistical records of individual persons, businesses, or events used to produce Statistics are strictly confidential.</a:t>
             </a:r>
           </a:p>
           <a:p>
@@ -25079,92 +25571,61 @@
               <a:t>Legal</a:t>
             </a:r>
             <a:r>
+              <a:rPr lang="en-US" sz="1800" dirty="0"/>
+              <a:t> </a:t>
+            </a:r>
+            <a:br>
+              <a:rPr lang="en-US" sz="1800" dirty="0"/>
+            </a:br>
+            <a:r>
+              <a:rPr lang="en-US" sz="1800" dirty="0"/>
+              <a:t>Laws mandate protection of business and personal data, regulating publication of private information.</a:t>
+            </a:r>
+          </a:p>
+          <a:p>
+            <a:pPr lvl="2"/>
+            <a:r>
+              <a:rPr lang="en-US" sz="2000" dirty="0"/>
+              <a:t>3. </a:t>
+            </a:r>
+            <a:r>
+              <a:rPr lang="en-US" sz="2000" b="1" dirty="0"/>
+              <a:t>Quality</a:t>
+            </a:r>
+            <a:r>
               <a:rPr lang="en-US" sz="2000" dirty="0"/>
               <a:t> </a:t>
             </a:r>
+            <a:br>
+              <a:rPr lang="en-US" sz="2000" dirty="0"/>
+            </a:br>
             <a:r>
               <a:rPr lang="en-US" sz="1800" dirty="0"/>
-              <a:t>Legislation imposes a legal obligation to protect individual business and</a:t>
-            </a:r>
-            <a:r>
-              <a:rPr lang="cs-CZ" sz="1800" dirty="0"/>
-              <a:t> </a:t>
-            </a:r>
-            <a:r>
-              <a:rPr lang="en-US" sz="1800" dirty="0"/>
-              <a:t>personal data. Legal frameworks regulate what is allowed and what is not allowed</a:t>
-            </a:r>
-            <a:r>
-              <a:rPr lang="cs-CZ" sz="1800" dirty="0"/>
-              <a:t> </a:t>
-            </a:r>
-            <a:r>
-              <a:rPr lang="en-US" sz="1800" dirty="0"/>
-              <a:t>regarding the publication of private information.</a:t>
-            </a:r>
+              <a:t>Trust in confidentiality ensures respondents provide accurate information. </a:t>
+            </a:r>
+            <a:endParaRPr lang="cs-CZ" sz="1800" dirty="0"/>
           </a:p>
           <a:p>
             <a:pPr lvl="2"/>
             <a:r>
               <a:rPr lang="en-US" sz="2000" dirty="0"/>
-              <a:t>3. </a:t>
+              <a:t>4. </a:t>
             </a:r>
             <a:r>
               <a:rPr lang="en-US" sz="2000" b="1" dirty="0"/>
-              <a:t>Quality</a:t>
+              <a:t>Ethical</a:t>
             </a:r>
             <a:r>
               <a:rPr lang="en-US" sz="2000" dirty="0"/>
               <a:t> </a:t>
             </a:r>
+            <a:br>
+              <a:rPr lang="en-US" sz="2000" dirty="0"/>
+            </a:br>
             <a:r>
               <a:rPr lang="en-US" sz="1800" dirty="0"/>
-              <a:t>Respondents need confidence in the preservation of the confidentiality of</a:t>
-            </a:r>
-            <a:r>
-              <a:rPr lang="cs-CZ" sz="1800" dirty="0"/>
-              <a:t> </a:t>
-            </a:r>
-            <a:r>
-              <a:rPr lang="en-US" sz="1800" dirty="0"/>
-              <a:t>individual information. If they do not trust the confidentiality of the data, they</a:t>
-            </a:r>
-            <a:r>
-              <a:rPr lang="cs-CZ" sz="1800" dirty="0"/>
-              <a:t> </a:t>
-            </a:r>
-            <a:r>
-              <a:rPr lang="en-US" sz="1800" dirty="0"/>
-              <a:t>may not provide accurate information.</a:t>
-            </a:r>
-          </a:p>
-          <a:p>
-            <a:pPr lvl="2"/>
-            <a:r>
-              <a:rPr lang="en-US" sz="2000" dirty="0"/>
-              <a:t>4. </a:t>
-            </a:r>
-            <a:r>
-              <a:rPr lang="en-US" sz="2000" b="1" dirty="0"/>
-              <a:t>Ethical</a:t>
-            </a:r>
-            <a:r>
-              <a:rPr lang="en-US" sz="2000" dirty="0"/>
-              <a:t> </a:t>
-            </a:r>
-            <a:r>
-              <a:rPr lang="en-US" sz="1800" dirty="0"/>
-              <a:t>Disclosing information that can be linked to specific individuals or entities</a:t>
-            </a:r>
-            <a:r>
-              <a:rPr lang="cs-CZ" sz="1800" dirty="0"/>
-              <a:t> </a:t>
-            </a:r>
-            <a:r>
-              <a:rPr lang="en-US" sz="1800" dirty="0"/>
-              <a:t>is unethical.</a:t>
-            </a:r>
-            <a:endParaRPr lang="cs-CZ" sz="1800" dirty="0"/>
+              <a:t>Disclosing information that can be linked to specific individuals or entities is unethical.</a:t>
+            </a:r>
           </a:p>
         </p:txBody>
       </p:sp>
@@ -25315,15 +25776,60 @@
             </a:r>
           </a:p>
           <a:p>
-            <a:pPr algn="ctr"/>
+            <a:r>
+              <a:rPr lang="cs-CZ" sz="2000" b="1" dirty="0"/>
+              <a:t> 						F</a:t>
+            </a:r>
+            <a:r>
+              <a:rPr lang="en-US" sz="2000" b="1" dirty="0" err="1"/>
+              <a:t>indable</a:t>
+            </a:r>
             <a:r>
               <a:rPr lang="en-US" sz="2000" b="1" dirty="0"/>
-              <a:t>findable, accessible, interoperable, reusable</a:t>
+              <a:t>, </a:t>
             </a:r>
             <a:endParaRPr lang="cs-CZ" sz="2000" b="1" dirty="0"/>
           </a:p>
           <a:p>
-            <a:endParaRPr lang="cs-CZ" sz="2000" dirty="0"/>
+            <a:r>
+              <a:rPr lang="cs-CZ" sz="2000" b="1" dirty="0"/>
+              <a:t> 						A</a:t>
+            </a:r>
+            <a:r>
+              <a:rPr lang="en-US" sz="2000" b="1" dirty="0" err="1"/>
+              <a:t>ccessible</a:t>
+            </a:r>
+            <a:r>
+              <a:rPr lang="en-US" sz="2000" b="1" dirty="0"/>
+              <a:t>,</a:t>
+            </a:r>
+            <a:endParaRPr lang="cs-CZ" sz="2000" b="1" dirty="0"/>
+          </a:p>
+          <a:p>
+            <a:r>
+              <a:rPr lang="cs-CZ" sz="2000" b="1" dirty="0"/>
+              <a:t> 						I</a:t>
+            </a:r>
+            <a:r>
+              <a:rPr lang="en-US" sz="2000" b="1" dirty="0" err="1"/>
+              <a:t>nteroperable</a:t>
+            </a:r>
+            <a:r>
+              <a:rPr lang="en-US" sz="2000" b="1" dirty="0"/>
+              <a:t>, </a:t>
+            </a:r>
+            <a:endParaRPr lang="cs-CZ" sz="2000" b="1" dirty="0"/>
+          </a:p>
+          <a:p>
+            <a:r>
+              <a:rPr lang="cs-CZ" sz="2000" b="1" dirty="0"/>
+              <a:t> 						R</a:t>
+            </a:r>
+            <a:r>
+              <a:rPr lang="en-US" sz="2000" b="1" dirty="0" err="1"/>
+              <a:t>eusable</a:t>
+            </a:r>
+            <a:endParaRPr lang="cs-CZ" sz="2000" b="1" dirty="0"/>
           </a:p>
           <a:p>
             <a:endParaRPr lang="cs-CZ" sz="2000" dirty="0"/>
@@ -25345,32 +25851,6 @@
               <a:rPr lang="en-US" sz="2000" b="1" dirty="0"/>
               <a:t>As open as possible, as closed as necessary</a:t>
             </a:r>
-          </a:p>
-          <a:p>
-            <a:pPr lvl="2"/>
-            <a:r>
-              <a:rPr lang="en-US" sz="2000" dirty="0"/>
-              <a:t> Enables data sharing and collaboration</a:t>
-            </a:r>
-          </a:p>
-          <a:p>
-            <a:pPr lvl="2"/>
-            <a:r>
-              <a:rPr lang="cs-CZ" sz="2000" dirty="0"/>
-              <a:t> </a:t>
-            </a:r>
-            <a:r>
-              <a:rPr lang="en-US" sz="2000" dirty="0"/>
-              <a:t>Facilitates reproducible research</a:t>
-            </a:r>
-          </a:p>
-          <a:p>
-            <a:pPr lvl="2"/>
-            <a:r>
-              <a:rPr lang="en-US" sz="2000" dirty="0"/>
-              <a:t> Balances transparency with privacy</a:t>
-            </a:r>
-            <a:endParaRPr lang="cs-CZ" sz="2000" dirty="0"/>
           </a:p>
           <a:p>
             <a:pPr marL="428400" lvl="2" indent="0">
@@ -25387,7 +25867,7 @@
                 <a:solidFill>
                   <a:schemeClr val="accent1"/>
                 </a:solidFill>
-                <a:hlinkClick r:id="rId2">
+                <a:hlinkClick r:id="rId3">
                   <a:extLst>
                     <a:ext uri="{A12FA001-AC4F-418D-AE19-62706E023703}">
                       <ahyp:hlinkClr xmlns:ahyp="http://schemas.microsoft.com/office/drawing/2018/hyperlinkcolor" val="tx"/>
@@ -25402,7 +25882,7 @@
                 <a:solidFill>
                   <a:schemeClr val="accent1"/>
                 </a:solidFill>
-                <a:hlinkClick r:id="rId2">
+                <a:hlinkClick r:id="rId3">
                   <a:extLst>
                     <a:ext uri="{A12FA001-AC4F-418D-AE19-62706E023703}">
                       <ahyp:hlinkClr xmlns:ahyp="http://schemas.microsoft.com/office/drawing/2018/hyperlinkcolor" val="tx"/>
@@ -25417,7 +25897,7 @@
                 <a:solidFill>
                   <a:schemeClr val="accent1"/>
                 </a:solidFill>
-                <a:hlinkClick r:id="rId2">
+                <a:hlinkClick r:id="rId3">
                   <a:extLst>
                     <a:ext uri="{A12FA001-AC4F-418D-AE19-62706E023703}">
                       <ahyp:hlinkClr xmlns:ahyp="http://schemas.microsoft.com/office/drawing/2018/hyperlinkcolor" val="tx"/>
@@ -25524,11 +26004,7 @@
           <a:p>
             <a:r>
               <a:rPr lang="en-US" sz="2800" dirty="0"/>
-              <a:t>Key Concepts</a:t>
-            </a:r>
-            <a:r>
-              <a:rPr lang="cs-CZ" sz="2800" dirty="0"/>
-              <a:t> </a:t>
+              <a:t>Key Concepts </a:t>
             </a:r>
             <a:endParaRPr lang="en-US" dirty="0"/>
           </a:p>
@@ -25557,47 +26033,23 @@
           <a:p>
             <a:pPr algn="l"/>
             <a:r>
-              <a:rPr lang="en-US" sz="2000" b="1" dirty="0"/>
+              <a:rPr lang="en-US" sz="2000" b="1"/>
               <a:t>Disclosure</a:t>
             </a:r>
-            <a:endParaRPr lang="en-US" sz="2000" dirty="0"/>
+            <a:endParaRPr lang="en-US" sz="2000"/>
           </a:p>
           <a:p>
             <a:pPr lvl="2"/>
             <a:r>
               <a:rPr lang="en-US" sz="2000" dirty="0"/>
-              <a:t> A disclosure occurs when a person or an </a:t>
-            </a:r>
-            <a:r>
-              <a:rPr lang="en-US" sz="2000" dirty="0" err="1"/>
-              <a:t>organisation</a:t>
-            </a:r>
+              <a:t> Disclosure occurs when new information is revealed via released data.</a:t>
+            </a:r>
+          </a:p>
+          <a:p>
+            <a:pPr lvl="2"/>
             <a:r>
               <a:rPr lang="en-US" sz="2000" dirty="0"/>
-              <a:t> </a:t>
-            </a:r>
-            <a:r>
-              <a:rPr lang="en-US" sz="2000" dirty="0" err="1"/>
-              <a:t>recognises</a:t>
-            </a:r>
-            <a:r>
-              <a:rPr lang="en-US" sz="2000" dirty="0"/>
-              <a:t> or learns something that they did not know already about another person or </a:t>
-            </a:r>
-            <a:r>
-              <a:rPr lang="en-US" sz="2000" dirty="0" err="1"/>
-              <a:t>organisation</a:t>
-            </a:r>
-            <a:r>
-              <a:rPr lang="en-US" sz="2000" dirty="0"/>
-              <a:t>, via released data.</a:t>
-            </a:r>
-          </a:p>
-          <a:p>
-            <a:pPr lvl="2"/>
-            <a:r>
-              <a:rPr lang="en-US" sz="2000" dirty="0"/>
-              <a:t>(1) </a:t>
+              <a:t> (1) </a:t>
             </a:r>
             <a:r>
               <a:rPr lang="en-US" sz="2000" b="1" dirty="0"/>
@@ -25612,7 +26064,7 @@
             <a:pPr lvl="2"/>
             <a:r>
               <a:rPr lang="en-US" sz="2000" dirty="0"/>
-              <a:t>(2) </a:t>
+              <a:t> (2) </a:t>
             </a:r>
             <a:r>
               <a:rPr lang="en-US" sz="2000" b="1" dirty="0"/>
@@ -25635,7 +26087,7 @@
             <a:pPr lvl="2"/>
             <a:r>
               <a:rPr lang="en-US" sz="2000" dirty="0"/>
-              <a:t>(3) </a:t>
+              <a:t> (3) </a:t>
             </a:r>
             <a:r>
               <a:rPr lang="en-US" sz="2000" b="1" dirty="0"/>
@@ -25650,7 +26102,7 @@
             <a:pPr lvl="2"/>
             <a:r>
               <a:rPr lang="en-US" sz="2000" dirty="0"/>
-              <a:t>(4) </a:t>
+              <a:t> (4) </a:t>
             </a:r>
             <a:r>
               <a:rPr lang="en-US" sz="2000" b="1" dirty="0"/>
@@ -25681,7 +26133,7 @@
             <a:pPr lvl="2"/>
             <a:r>
               <a:rPr lang="en-US" sz="2000" dirty="0"/>
-              <a:t>Re-identification risk is the risk that an intruder can link a record in the released data to a specific individual in the population.</a:t>
+              <a:t>Risk that an intruder can link a record in the released data to a specific individual in the population.</a:t>
             </a:r>
           </a:p>
           <a:p>
@@ -25704,7 +26156,7 @@
             <a:pPr lvl="2"/>
             <a:r>
               <a:rPr lang="en-US" sz="2000" dirty="0"/>
-              <a:t>Data utility is the usefulness of the data for the intended purpose.</a:t>
+              <a:t>Usefulness of the data for the intended purpose.</a:t>
             </a:r>
           </a:p>
         </p:txBody>
@@ -25790,7 +26242,7 @@
           <p:nvPr/>
         </p:nvPicPr>
         <p:blipFill>
-          <a:blip r:embed="rId2">
+          <a:blip r:embed="rId3">
             <a:extLst>
               <a:ext uri="{28A0092B-C50C-407E-A947-70E740481C1C}">
                 <a14:useLocalDpi xmlns:a14="http://schemas.microsoft.com/office/drawing/2010/main" val="0"/>
@@ -25813,111 +26265,29 @@
       </p:pic>
       <p:sp>
         <p:nvSpPr>
-          <p:cNvPr id="2" name="Titel 1">
-            <a:extLst>
-              <a:ext uri="{FF2B5EF4-FFF2-40B4-BE49-F238E27FC236}">
-                <a16:creationId xmlns:a16="http://schemas.microsoft.com/office/drawing/2014/main" id="{A432E69C-D288-FEB9-92D3-C3A1A05D46D1}"/>
-              </a:ext>
-            </a:extLst>
-          </p:cNvPr>
-          <p:cNvSpPr>
-            <a:spLocks noGrp="1"/>
-          </p:cNvSpPr>
-          <p:nvPr>
-            <p:ph type="title"/>
-          </p:nvPr>
-        </p:nvSpPr>
-        <p:spPr/>
+          <p:cNvPr id="3" name="Inhaltsplatzhalter 2">
+            <a:extLst>
+              <a:ext uri="{FF2B5EF4-FFF2-40B4-BE49-F238E27FC236}">
+                <a16:creationId xmlns:a16="http://schemas.microsoft.com/office/drawing/2014/main" id="{40343688-FEC1-3826-A71A-EBC8BB165E4B}"/>
+              </a:ext>
+            </a:extLst>
+          </p:cNvPr>
+          <p:cNvSpPr>
+            <a:spLocks noGrp="1"/>
+          </p:cNvSpPr>
+          <p:nvPr>
+            <p:ph idx="1"/>
+          </p:nvPr>
+        </p:nvSpPr>
+        <p:spPr>
+          <a:xfrm>
+            <a:off x="271461" y="870744"/>
+            <a:ext cx="5941539" cy="5150545"/>
+          </a:xfrm>
+        </p:spPr>
         <p:txBody>
           <a:bodyPr/>
           <a:lstStyle/>
-          <a:p>
-            <a:r>
-              <a:rPr lang="en-US" sz="2800" dirty="0"/>
-              <a:t>Risk and utility</a:t>
-            </a:r>
-            <a:r>
-              <a:rPr lang="cs-CZ" sz="2800" dirty="0"/>
-              <a:t> </a:t>
-            </a:r>
-            <a:endParaRPr lang="en-US" dirty="0"/>
-          </a:p>
-        </p:txBody>
-      </p:sp>
-      <p:sp>
-        <p:nvSpPr>
-          <p:cNvPr id="3" name="Inhaltsplatzhalter 2">
-            <a:extLst>
-              <a:ext uri="{FF2B5EF4-FFF2-40B4-BE49-F238E27FC236}">
-                <a16:creationId xmlns:a16="http://schemas.microsoft.com/office/drawing/2014/main" id="{40343688-FEC1-3826-A71A-EBC8BB165E4B}"/>
-              </a:ext>
-            </a:extLst>
-          </p:cNvPr>
-          <p:cNvSpPr>
-            <a:spLocks noGrp="1"/>
-          </p:cNvSpPr>
-          <p:nvPr>
-            <p:ph idx="1"/>
-          </p:nvPr>
-        </p:nvSpPr>
-        <p:spPr>
-          <a:xfrm>
-            <a:off x="271461" y="870744"/>
-            <a:ext cx="5941539" cy="5150545"/>
-          </a:xfrm>
-        </p:spPr>
-        <p:txBody>
-          <a:bodyPr/>
-          <a:lstStyle/>
-          <a:p>
-            <a:pPr algn="l"/>
-            <a:r>
-              <a:rPr lang="en-US" sz="2000" dirty="0"/>
-              <a:t>SDC seeks to </a:t>
-            </a:r>
-            <a:r>
-              <a:rPr lang="en-US" sz="2000" dirty="0" err="1"/>
-              <a:t>optimise</a:t>
-            </a:r>
-            <a:r>
-              <a:rPr lang="en-US" sz="2000" dirty="0"/>
-              <a:t> the trade-off between the disclosure risk and the utility of the</a:t>
-            </a:r>
-          </a:p>
-          <a:p>
-            <a:pPr algn="l"/>
-            <a:r>
-              <a:rPr lang="en-US" sz="2000" dirty="0"/>
-              <a:t>protected released data.</a:t>
-            </a:r>
-          </a:p>
-          <a:p>
-            <a:pPr lvl="2"/>
-            <a:r>
-              <a:rPr lang="en-US" sz="2000" b="1" dirty="0"/>
-              <a:t>Risk</a:t>
-            </a:r>
-            <a:r>
-              <a:rPr lang="en-US" sz="2000" dirty="0"/>
-              <a:t>: the probability of a disclosure event occurring.</a:t>
-            </a:r>
-          </a:p>
-          <a:p>
-            <a:pPr lvl="2"/>
-            <a:r>
-              <a:rPr lang="en-US" sz="2000" b="1" dirty="0"/>
-              <a:t>Utility</a:t>
-            </a:r>
-            <a:r>
-              <a:rPr lang="en-US" sz="2000" dirty="0"/>
-              <a:t>: the usefulness of the data for the intended purpose.</a:t>
-            </a:r>
-            <a:endParaRPr lang="cs-CZ" sz="2000" dirty="0"/>
-          </a:p>
-          <a:p>
-            <a:pPr lvl="2"/>
-            <a:endParaRPr lang="cs-CZ" sz="2000" dirty="0"/>
-          </a:p>
           <a:p>
             <a:pPr marL="0" lvl="2" indent="0">
               <a:spcBef>
@@ -25961,6 +26331,54 @@
             <a:endParaRPr lang="cs-CZ" sz="2000" dirty="0"/>
           </a:p>
           <a:p>
+            <a:pPr algn="l"/>
+            <a:endParaRPr lang="cs-CZ" sz="2000" dirty="0"/>
+          </a:p>
+          <a:p>
+            <a:pPr lvl="2"/>
+            <a:r>
+              <a:rPr lang="en-US" sz="2000" b="1" dirty="0"/>
+              <a:t>Risk</a:t>
+            </a:r>
+            <a:r>
+              <a:rPr lang="en-US" sz="2000" dirty="0"/>
+              <a:t>: the probability of a disclosure event occurring.</a:t>
+            </a:r>
+            <a:endParaRPr lang="cs-CZ" sz="2000" dirty="0"/>
+          </a:p>
+          <a:p>
+            <a:pPr lvl="2"/>
+            <a:endParaRPr lang="cs-CZ" sz="2000" dirty="0"/>
+          </a:p>
+          <a:p>
+            <a:pPr lvl="2"/>
+            <a:endParaRPr lang="cs-CZ" sz="2000" dirty="0"/>
+          </a:p>
+          <a:p>
+            <a:pPr lvl="2"/>
+            <a:endParaRPr lang="cs-CZ" sz="2000" dirty="0"/>
+          </a:p>
+          <a:p>
+            <a:pPr lvl="2"/>
+            <a:endParaRPr lang="en-US" sz="2000" dirty="0"/>
+          </a:p>
+          <a:p>
+            <a:pPr lvl="2"/>
+            <a:r>
+              <a:rPr lang="en-US" sz="2000" b="1" dirty="0"/>
+              <a:t>Utility</a:t>
+            </a:r>
+            <a:r>
+              <a:rPr lang="en-US" sz="2000" dirty="0"/>
+              <a:t>: the usefulness of the data for the intended purpose.</a:t>
+            </a:r>
+            <a:endParaRPr lang="cs-CZ" sz="2000" dirty="0"/>
+          </a:p>
+          <a:p>
+            <a:pPr lvl="2"/>
+            <a:endParaRPr lang="cs-CZ" sz="2000" dirty="0"/>
+          </a:p>
+          <a:p>
             <a:pPr lvl="2"/>
             <a:endParaRPr lang="en-US" sz="2000" dirty="0"/>
           </a:p>
@@ -26030,7 +26448,7 @@
                   <a:schemeClr val="accent1"/>
                 </a:solidFill>
                 <a:latin typeface="CMSS10"/>
-                <a:hlinkClick r:id="rId3">
+                <a:hlinkClick r:id="rId4">
                   <a:extLst>
                     <a:ext uri="{A12FA001-AC4F-418D-AE19-62706E023703}">
                       <ahyp:hlinkClr xmlns:ahyp="http://schemas.microsoft.com/office/drawing/2018/hyperlinkcolor" val="tx"/>
@@ -26048,6 +26466,77 @@
           </a:p>
         </p:txBody>
       </p:sp>
+      <p:sp>
+        <p:nvSpPr>
+          <p:cNvPr id="4" name="Title 3">
+            <a:extLst>
+              <a:ext uri="{FF2B5EF4-FFF2-40B4-BE49-F238E27FC236}">
+                <a16:creationId xmlns:a16="http://schemas.microsoft.com/office/drawing/2014/main" id="{7951FB66-6F65-BC2B-9CC1-B09184A04BEF}"/>
+              </a:ext>
+            </a:extLst>
+          </p:cNvPr>
+          <p:cNvSpPr>
+            <a:spLocks noGrp="1"/>
+          </p:cNvSpPr>
+          <p:nvPr>
+            <p:ph type="title"/>
+          </p:nvPr>
+        </p:nvSpPr>
+        <p:spPr/>
+        <p:txBody>
+          <a:bodyPr/>
+          <a:lstStyle/>
+          <a:p>
+            <a:r>
+              <a:rPr lang="en-US" sz="2400" dirty="0"/>
+              <a:t>Risk vs. Utility </a:t>
+            </a:r>
+            <a:endParaRPr lang="en-US" dirty="0"/>
+          </a:p>
+        </p:txBody>
+      </p:sp>
+      <p:pic>
+        <p:nvPicPr>
+          <p:cNvPr id="8" name="Obrázek 10">
+            <a:extLst>
+              <a:ext uri="{FF2B5EF4-FFF2-40B4-BE49-F238E27FC236}">
+                <a16:creationId xmlns:a16="http://schemas.microsoft.com/office/drawing/2014/main" id="{CEA02290-5092-9BF7-5907-834830FC79C7}"/>
+              </a:ext>
+            </a:extLst>
+          </p:cNvPr>
+          <p:cNvPicPr>
+            <a:picLocks noChangeAspect="1"/>
+          </p:cNvPicPr>
+          <p:nvPr/>
+        </p:nvPicPr>
+        <p:blipFill>
+          <a:blip r:embed="rId5">
+            <a:extLst>
+              <a:ext uri="{BEBA8EAE-BF5A-486C-A8C5-ECC9F3942E4B}">
+                <a14:imgProps xmlns:a14="http://schemas.microsoft.com/office/drawing/2010/main">
+                  <a14:imgLayer r:embed="rId6">
+                    <a14:imgEffect>
+                      <a14:saturation sat="0"/>
+                    </a14:imgEffect>
+                  </a14:imgLayer>
+                </a14:imgProps>
+              </a:ext>
+            </a:extLst>
+          </a:blip>
+          <a:stretch>
+            <a:fillRect/>
+          </a:stretch>
+        </p:blipFill>
+        <p:spPr>
+          <a:xfrm>
+            <a:off x="2351584" y="2863948"/>
+            <a:ext cx="1182641" cy="1114595"/>
+          </a:xfrm>
+          <a:prstGeom prst="rect">
+            <a:avLst/>
+          </a:prstGeom>
+        </p:spPr>
+      </p:pic>
     </p:spTree>
     <p:extLst>
       <p:ext uri="{BB962C8B-B14F-4D97-AF65-F5344CB8AC3E}">
@@ -26140,13 +26629,12 @@
           <a:p>
             <a:pPr marL="457200" indent="-457200" algn="l">
               <a:buFont typeface="+mj-lt"/>
-              <a:buAutoNum type="alphaLcParenR"/>
+              <a:buAutoNum type="arabicPeriod"/>
             </a:pPr>
             <a:r>
               <a:rPr lang="en-US" sz="2000" b="1" dirty="0"/>
               <a:t>Masking original data</a:t>
             </a:r>
-            <a:endParaRPr lang="cs-CZ" sz="2000" b="1" dirty="0"/>
           </a:p>
           <a:p>
             <a:pPr marL="684000" lvl="1" indent="-457200">
@@ -26157,18 +26645,18 @@
               <a:rPr lang="en-US" sz="2000" b="1" dirty="0"/>
               <a:t>Non-perturbative masking </a:t>
             </a:r>
+            <a:br>
+              <a:rPr lang="cs-CZ" sz="2000" dirty="0"/>
+            </a:br>
             <a:r>
               <a:rPr lang="en-US" sz="2000" dirty="0"/>
-              <a:t>- Methods that alter data to hide identities without</a:t>
+              <a:t>Generalize data to hide identities without changing actual values</a:t>
             </a:r>
             <a:r>
               <a:rPr lang="cs-CZ" sz="2000" dirty="0"/>
-              <a:t> </a:t>
-            </a:r>
-            <a:r>
-              <a:rPr lang="en-US" sz="2000" dirty="0"/>
-              <a:t>changing its actual values</a:t>
-            </a:r>
+              <a:t>.</a:t>
+            </a:r>
+            <a:endParaRPr lang="en-US" sz="2000" dirty="0"/>
           </a:p>
           <a:p>
             <a:pPr marL="684000" lvl="1" indent="-457200">
@@ -26179,37 +26667,35 @@
               <a:rPr lang="en-US" sz="2000" b="1" dirty="0"/>
               <a:t>Perturbative masking </a:t>
             </a:r>
+            <a:br>
+              <a:rPr lang="cs-CZ" sz="2000" dirty="0"/>
+            </a:br>
             <a:r>
               <a:rPr lang="en-US" sz="2000" dirty="0"/>
-              <a:t>- Methods that add noise or alter data values to prevent</a:t>
+              <a:t>Add noise or alter data values</a:t>
             </a:r>
             <a:r>
               <a:rPr lang="cs-CZ" sz="2000" dirty="0"/>
-              <a:t> i</a:t>
-            </a:r>
-            <a:r>
-              <a:rPr lang="en-US" sz="2000" dirty="0"/>
-              <a:t>dentification</a:t>
-            </a:r>
-            <a:endParaRPr lang="cs-CZ" sz="2000" dirty="0"/>
+              <a:t>.</a:t>
+            </a:r>
+            <a:endParaRPr lang="en-US" sz="2000" dirty="0"/>
           </a:p>
           <a:p>
             <a:pPr marL="457200" indent="-457200" algn="l">
               <a:buFont typeface="+mj-lt"/>
-              <a:buAutoNum type="alphaLcParenR"/>
+              <a:buAutoNum type="arabicPeriod"/>
             </a:pPr>
-            <a:endParaRPr lang="cs-CZ" sz="2000" b="1" dirty="0"/>
+            <a:endParaRPr lang="en-US" sz="2000" b="1" dirty="0"/>
           </a:p>
           <a:p>
             <a:pPr marL="457200" indent="-457200" algn="l">
               <a:buFont typeface="+mj-lt"/>
-              <a:buAutoNum type="alphaLcParenR"/>
+              <a:buAutoNum type="arabicPeriod"/>
             </a:pPr>
             <a:r>
               <a:rPr lang="en-US" sz="2000" b="1" dirty="0"/>
               <a:t>Generating synthetic data</a:t>
             </a:r>
-            <a:endParaRPr lang="cs-CZ" sz="2000" b="1" dirty="0"/>
           </a:p>
           <a:p>
             <a:pPr marL="684000" lvl="1" indent="-457200">
@@ -26220,25 +26706,12 @@
               <a:rPr lang="en-US" sz="2000" b="1" dirty="0"/>
               <a:t>Parametric methods </a:t>
             </a:r>
+            <a:br>
+              <a:rPr lang="cs-CZ" sz="2000" b="1" dirty="0"/>
+            </a:br>
             <a:r>
               <a:rPr lang="en-US" sz="2000" dirty="0"/>
-              <a:t>-</a:t>
-            </a:r>
-            <a:r>
-              <a:rPr lang="en-US" sz="2000" b="1" dirty="0"/>
-              <a:t> </a:t>
-            </a:r>
-            <a:r>
-              <a:rPr lang="en-US" sz="2000" dirty="0"/>
-              <a:t>Techniques that use statistical models based on the data’s</a:t>
-            </a:r>
-            <a:r>
-              <a:rPr lang="cs-CZ" sz="2000" dirty="0"/>
-              <a:t> </a:t>
-            </a:r>
-            <a:r>
-              <a:rPr lang="en-US" sz="2000" dirty="0"/>
-              <a:t>distribution to generate synthetic data.</a:t>
+              <a:t>Statistical models based on the data‘s assumed distribution</a:t>
             </a:r>
           </a:p>
           <a:p>
@@ -26248,31 +26721,14 @@
             </a:pPr>
             <a:r>
               <a:rPr lang="en-US" sz="2000" b="1" dirty="0"/>
-              <a:t>Non-parametric methods</a:t>
-            </a:r>
-            <a:r>
+              <a:t>Non-parametric methods </a:t>
+            </a:r>
+            <a:br>
               <a:rPr lang="cs-CZ" sz="2000" b="1" dirty="0"/>
-              <a:t> </a:t>
-            </a:r>
+            </a:br>
             <a:r>
               <a:rPr lang="en-US" sz="2000" dirty="0"/>
-              <a:t>-</a:t>
-            </a:r>
-            <a:r>
-              <a:rPr lang="en-US" sz="2000" b="1" dirty="0"/>
-              <a:t> </a:t>
-            </a:r>
-            <a:r>
-              <a:rPr lang="en-US" sz="2000" dirty="0"/>
-              <a:t>Techniques that do not assume an underlying</a:t>
-            </a:r>
-            <a:r>
-              <a:rPr lang="cs-CZ" sz="2000" dirty="0"/>
-              <a:t> </a:t>
-            </a:r>
-            <a:r>
-              <a:rPr lang="en-US" sz="2000" dirty="0"/>
-              <a:t>distribution, using methods like bootstrapping to generate synthetic data.</a:t>
+              <a:t>Techniques that do not assume an underlying distribution</a:t>
             </a:r>
           </a:p>
           <a:p>
@@ -26282,39 +26738,14 @@
             </a:pPr>
             <a:r>
               <a:rPr lang="en-US" sz="2000" b="1" dirty="0"/>
-              <a:t>Generative Adversarial Networks (GANs)</a:t>
-            </a:r>
-            <a:r>
+              <a:t>Generative Adversarial Networks (GANs) </a:t>
+            </a:r>
+            <a:br>
               <a:rPr lang="cs-CZ" sz="2000" b="1" dirty="0"/>
-              <a:t> </a:t>
-            </a:r>
+            </a:br>
             <a:r>
               <a:rPr lang="en-US" sz="2000" dirty="0"/>
-              <a:t>-</a:t>
-            </a:r>
-            <a:r>
-              <a:rPr lang="en-US" sz="2000" b="1" dirty="0"/>
-              <a:t> </a:t>
-            </a:r>
-            <a:r>
-              <a:rPr lang="en-US" sz="2000" dirty="0"/>
-              <a:t>Advanced machine learning models</a:t>
-            </a:r>
-            <a:r>
-              <a:rPr lang="cs-CZ" sz="2000" dirty="0"/>
-              <a:t> </a:t>
-            </a:r>
-            <a:r>
-              <a:rPr lang="en-US" sz="2000" dirty="0"/>
-              <a:t>that generate highly realistic synthetic data by training two neural networks in</a:t>
-            </a:r>
-            <a:r>
-              <a:rPr lang="cs-CZ" sz="2000" dirty="0"/>
-              <a:t> </a:t>
-            </a:r>
-            <a:r>
-              <a:rPr lang="en-US" sz="2000" dirty="0"/>
-              <a:t>tandem.</a:t>
+              <a:t>Machine learning models that generate synthetic data by training two neural networks in tandem.</a:t>
             </a:r>
           </a:p>
         </p:txBody>
@@ -26363,307 +26794,6 @@
 </file>
 
 <file path=ppt/slides/slide8.xml><?xml version="1.0" encoding="utf-8"?>
-<p:sld xmlns:a="http://schemas.openxmlformats.org/drawingml/2006/main" xmlns:r="http://schemas.openxmlformats.org/officeDocument/2006/relationships" xmlns:p="http://schemas.openxmlformats.org/presentationml/2006/main">
-  <p:cSld>
-    <p:spTree>
-      <p:nvGrpSpPr>
-        <p:cNvPr id="1" name="">
-          <a:extLst>
-            <a:ext uri="{FF2B5EF4-FFF2-40B4-BE49-F238E27FC236}">
-              <a16:creationId xmlns:a16="http://schemas.microsoft.com/office/drawing/2014/main" id="{A80B99F6-7AD3-E979-A6B3-1875B0549FA8}"/>
-            </a:ext>
-          </a:extLst>
-        </p:cNvPr>
-        <p:cNvGrpSpPr/>
-        <p:nvPr/>
-      </p:nvGrpSpPr>
-      <p:grpSpPr>
-        <a:xfrm>
-          <a:off x="0" y="0"/>
-          <a:ext cx="0" cy="0"/>
-          <a:chOff x="0" y="0"/>
-          <a:chExt cx="0" cy="0"/>
-        </a:xfrm>
-      </p:grpSpPr>
-      <p:sp>
-        <p:nvSpPr>
-          <p:cNvPr id="2" name="Titel 1">
-            <a:extLst>
-              <a:ext uri="{FF2B5EF4-FFF2-40B4-BE49-F238E27FC236}">
-                <a16:creationId xmlns:a16="http://schemas.microsoft.com/office/drawing/2014/main" id="{8EEF8AC4-D673-57B1-1097-6E204025CB7F}"/>
-              </a:ext>
-            </a:extLst>
-          </p:cNvPr>
-          <p:cNvSpPr>
-            <a:spLocks noGrp="1"/>
-          </p:cNvSpPr>
-          <p:nvPr>
-            <p:ph type="title"/>
-          </p:nvPr>
-        </p:nvSpPr>
-        <p:spPr/>
-        <p:txBody>
-          <a:bodyPr/>
-          <a:lstStyle/>
-          <a:p>
-            <a:r>
-              <a:rPr lang="en-US" sz="2800" dirty="0"/>
-              <a:t>Disclosure control methods</a:t>
-            </a:r>
-            <a:r>
-              <a:rPr lang="cs-CZ" sz="2800" dirty="0"/>
-              <a:t> </a:t>
-            </a:r>
-            <a:endParaRPr lang="en-US" dirty="0"/>
-          </a:p>
-        </p:txBody>
-      </p:sp>
-      <p:sp>
-        <p:nvSpPr>
-          <p:cNvPr id="3" name="Inhaltsplatzhalter 2">
-            <a:extLst>
-              <a:ext uri="{FF2B5EF4-FFF2-40B4-BE49-F238E27FC236}">
-                <a16:creationId xmlns:a16="http://schemas.microsoft.com/office/drawing/2014/main" id="{156B9EDA-78DC-11D6-E071-89D79A3E6058}"/>
-              </a:ext>
-            </a:extLst>
-          </p:cNvPr>
-          <p:cNvSpPr>
-            <a:spLocks noGrp="1"/>
-          </p:cNvSpPr>
-          <p:nvPr>
-            <p:ph idx="1"/>
-          </p:nvPr>
-        </p:nvSpPr>
-        <p:spPr/>
-        <p:txBody>
-          <a:bodyPr/>
-          <a:lstStyle/>
-          <a:p>
-            <a:pPr marL="457200" indent="-457200" algn="l">
-              <a:buFont typeface="+mj-lt"/>
-              <a:buAutoNum type="alphaLcParenR"/>
-            </a:pPr>
-            <a:r>
-              <a:rPr lang="en-US" sz="2000" b="1" dirty="0"/>
-              <a:t>Masking original data</a:t>
-            </a:r>
-            <a:endParaRPr lang="cs-CZ" sz="2000" b="1" dirty="0"/>
-          </a:p>
-          <a:p>
-            <a:pPr marL="684000" lvl="1" indent="-457200">
-              <a:buFont typeface="+mj-lt"/>
-              <a:buAutoNum type="alphaLcParenR"/>
-            </a:pPr>
-            <a:r>
-              <a:rPr lang="en-US" sz="2000" b="1" dirty="0"/>
-              <a:t>Non-perturbative masking </a:t>
-            </a:r>
-            <a:r>
-              <a:rPr lang="en-US" sz="2000" dirty="0"/>
-              <a:t>- Methods that alter data to hide identities without</a:t>
-            </a:r>
-            <a:r>
-              <a:rPr lang="cs-CZ" sz="2000" dirty="0"/>
-              <a:t> </a:t>
-            </a:r>
-            <a:r>
-              <a:rPr lang="en-US" sz="2000" dirty="0"/>
-              <a:t>changing its actual values</a:t>
-            </a:r>
-          </a:p>
-          <a:p>
-            <a:pPr marL="684000" lvl="1" indent="-457200">
-              <a:buFont typeface="+mj-lt"/>
-              <a:buAutoNum type="alphaLcParenR"/>
-            </a:pPr>
-            <a:r>
-              <a:rPr lang="en-US" sz="2000" b="1" dirty="0"/>
-              <a:t>Perturbative masking </a:t>
-            </a:r>
-            <a:r>
-              <a:rPr lang="en-US" sz="2000" dirty="0"/>
-              <a:t>- Methods that add noise or alter data values to prevent</a:t>
-            </a:r>
-            <a:r>
-              <a:rPr lang="cs-CZ" sz="2000" dirty="0"/>
-              <a:t> i</a:t>
-            </a:r>
-            <a:r>
-              <a:rPr lang="en-US" sz="2000" dirty="0"/>
-              <a:t>dentification</a:t>
-            </a:r>
-            <a:endParaRPr lang="cs-CZ" sz="2000" dirty="0"/>
-          </a:p>
-          <a:p>
-            <a:pPr marL="457200" indent="-457200" algn="l">
-              <a:buFont typeface="+mj-lt"/>
-              <a:buAutoNum type="alphaLcParenR"/>
-            </a:pPr>
-            <a:endParaRPr lang="cs-CZ" sz="2000" b="1" dirty="0"/>
-          </a:p>
-          <a:p>
-            <a:pPr marL="457200" indent="-457200" algn="l">
-              <a:buFont typeface="+mj-lt"/>
-              <a:buAutoNum type="alphaLcParenR"/>
-            </a:pPr>
-            <a:r>
-              <a:rPr lang="en-US" sz="2000" b="1" dirty="0"/>
-              <a:t>Generating synthetic data</a:t>
-            </a:r>
-            <a:endParaRPr lang="cs-CZ" sz="2000" b="1" dirty="0"/>
-          </a:p>
-          <a:p>
-            <a:pPr marL="684000" lvl="1" indent="-457200">
-              <a:buFont typeface="+mj-lt"/>
-              <a:buAutoNum type="alphaLcParenR"/>
-            </a:pPr>
-            <a:r>
-              <a:rPr lang="en-US" sz="2000" b="1" dirty="0"/>
-              <a:t>Parametric methods </a:t>
-            </a:r>
-            <a:r>
-              <a:rPr lang="en-US" sz="2000" dirty="0"/>
-              <a:t>-</a:t>
-            </a:r>
-            <a:r>
-              <a:rPr lang="en-US" sz="2000" b="1" dirty="0"/>
-              <a:t> </a:t>
-            </a:r>
-            <a:r>
-              <a:rPr lang="en-US" sz="2000" dirty="0"/>
-              <a:t>Techniques that use statistical models based on the data’s</a:t>
-            </a:r>
-            <a:r>
-              <a:rPr lang="cs-CZ" sz="2000" dirty="0"/>
-              <a:t> </a:t>
-            </a:r>
-            <a:r>
-              <a:rPr lang="en-US" sz="2000" dirty="0"/>
-              <a:t>distribution to generate synthetic data.</a:t>
-            </a:r>
-          </a:p>
-          <a:p>
-            <a:pPr marL="684000" lvl="1" indent="-457200">
-              <a:buFont typeface="+mj-lt"/>
-              <a:buAutoNum type="alphaLcParenR"/>
-            </a:pPr>
-            <a:r>
-              <a:rPr lang="en-US" sz="2000" b="1" dirty="0"/>
-              <a:t>Non-parametric methods</a:t>
-            </a:r>
-            <a:r>
-              <a:rPr lang="cs-CZ" sz="2000" b="1" dirty="0"/>
-              <a:t> </a:t>
-            </a:r>
-            <a:r>
-              <a:rPr lang="en-US" sz="2000" dirty="0"/>
-              <a:t>-</a:t>
-            </a:r>
-            <a:r>
-              <a:rPr lang="en-US" sz="2000" b="1" dirty="0"/>
-              <a:t> </a:t>
-            </a:r>
-            <a:r>
-              <a:rPr lang="en-US" sz="2000" dirty="0"/>
-              <a:t>Techniques that do not assume an underlying</a:t>
-            </a:r>
-            <a:r>
-              <a:rPr lang="cs-CZ" sz="2000" dirty="0"/>
-              <a:t> </a:t>
-            </a:r>
-            <a:r>
-              <a:rPr lang="en-US" sz="2000" dirty="0"/>
-              <a:t>distribution, using methods like bootstrapping to generate synthetic data.</a:t>
-            </a:r>
-          </a:p>
-          <a:p>
-            <a:pPr marL="684000" lvl="1" indent="-457200">
-              <a:buFont typeface="+mj-lt"/>
-              <a:buAutoNum type="alphaLcParenR"/>
-            </a:pPr>
-            <a:r>
-              <a:rPr lang="en-US" sz="2000" b="1" dirty="0"/>
-              <a:t>Generative Adversarial Networks (GANs)</a:t>
-            </a:r>
-            <a:r>
-              <a:rPr lang="cs-CZ" sz="2000" b="1" dirty="0"/>
-              <a:t> </a:t>
-            </a:r>
-            <a:r>
-              <a:rPr lang="en-US" sz="2000" dirty="0"/>
-              <a:t>-</a:t>
-            </a:r>
-            <a:r>
-              <a:rPr lang="en-US" sz="2000" b="1" dirty="0"/>
-              <a:t> </a:t>
-            </a:r>
-            <a:r>
-              <a:rPr lang="en-US" sz="2000" dirty="0"/>
-              <a:t>Advanced machine learning models</a:t>
-            </a:r>
-            <a:r>
-              <a:rPr lang="cs-CZ" sz="2000" dirty="0"/>
-              <a:t> </a:t>
-            </a:r>
-            <a:r>
-              <a:rPr lang="en-US" sz="2000" dirty="0"/>
-              <a:t>that generate highly realistic synthetic data by training two neural networks in</a:t>
-            </a:r>
-            <a:r>
-              <a:rPr lang="cs-CZ" sz="2000" dirty="0"/>
-              <a:t> </a:t>
-            </a:r>
-            <a:r>
-              <a:rPr lang="en-US" sz="2000" dirty="0"/>
-              <a:t>tandem.</a:t>
-            </a:r>
-          </a:p>
-        </p:txBody>
-      </p:sp>
-      <p:sp>
-        <p:nvSpPr>
-          <p:cNvPr id="6" name="Foliennummernplatzhalter 5">
-            <a:extLst>
-              <a:ext uri="{FF2B5EF4-FFF2-40B4-BE49-F238E27FC236}">
-                <a16:creationId xmlns:a16="http://schemas.microsoft.com/office/drawing/2014/main" id="{75BF577B-3E4B-3924-D241-72DD286FD2F6}"/>
-              </a:ext>
-            </a:extLst>
-          </p:cNvPr>
-          <p:cNvSpPr>
-            <a:spLocks noGrp="1"/>
-          </p:cNvSpPr>
-          <p:nvPr>
-            <p:ph type="sldNum" sz="quarter" idx="12"/>
-          </p:nvPr>
-        </p:nvSpPr>
-        <p:spPr/>
-        <p:txBody>
-          <a:bodyPr/>
-          <a:lstStyle/>
-          <a:p>
-            <a:fld id="{442AD375-037F-43D0-B059-5172DA06796A}" type="slidenum">
-              <a:rPr lang="en-GB" noProof="0" smtClean="0"/>
-              <a:pPr/>
-              <a:t>8</a:t>
-            </a:fld>
-            <a:endParaRPr lang="en-GB" noProof="0" dirty="0"/>
-          </a:p>
-        </p:txBody>
-      </p:sp>
-    </p:spTree>
-    <p:extLst>
-      <p:ext uri="{BB962C8B-B14F-4D97-AF65-F5344CB8AC3E}">
-        <p14:creationId xmlns:p14="http://schemas.microsoft.com/office/powerpoint/2010/main" val="2368037813"/>
-      </p:ext>
-    </p:extLst>
-  </p:cSld>
-  <p:clrMapOvr>
-    <a:masterClrMapping/>
-  </p:clrMapOvr>
-</p:sld>
-</file>
-
-<file path=ppt/slides/slide9.xml><?xml version="1.0" encoding="utf-8"?>
 <p:sld xmlns:a="http://schemas.openxmlformats.org/drawingml/2006/main" xmlns:r="http://schemas.openxmlformats.org/officeDocument/2006/relationships" xmlns:p="http://schemas.openxmlformats.org/presentationml/2006/main">
   <p:cSld>
     <p:spTree>
@@ -26818,7 +26948,7 @@
             <a:fld id="{442AD375-037F-43D0-B059-5172DA06796A}" type="slidenum">
               <a:rPr lang="en-GB" noProof="0" smtClean="0"/>
               <a:pPr/>
-              <a:t>9</a:t>
+              <a:t>8</a:t>
             </a:fld>
             <a:endParaRPr lang="en-GB" noProof="0" dirty="0"/>
           </a:p>
@@ -26864,6 +26994,438 @@
     <p:extLst>
       <p:ext uri="{BB962C8B-B14F-4D97-AF65-F5344CB8AC3E}">
         <p14:creationId xmlns:p14="http://schemas.microsoft.com/office/powerpoint/2010/main" val="16589321"/>
+      </p:ext>
+    </p:extLst>
+  </p:cSld>
+  <p:clrMapOvr>
+    <a:masterClrMapping/>
+  </p:clrMapOvr>
+</p:sld>
+</file>
+
+<file path=ppt/slides/slide9.xml><?xml version="1.0" encoding="utf-8"?>
+<p:sld xmlns:a="http://schemas.openxmlformats.org/drawingml/2006/main" xmlns:r="http://schemas.openxmlformats.org/officeDocument/2006/relationships" xmlns:p="http://schemas.openxmlformats.org/presentationml/2006/main">
+  <p:cSld>
+    <p:spTree>
+      <p:nvGrpSpPr>
+        <p:cNvPr id="1" name="">
+          <a:extLst>
+            <a:ext uri="{FF2B5EF4-FFF2-40B4-BE49-F238E27FC236}">
+              <a16:creationId xmlns:a16="http://schemas.microsoft.com/office/drawing/2014/main" id="{820A47FF-E134-872C-FA23-71B81DAB4831}"/>
+            </a:ext>
+          </a:extLst>
+        </p:cNvPr>
+        <p:cNvGrpSpPr/>
+        <p:nvPr/>
+      </p:nvGrpSpPr>
+      <p:grpSpPr>
+        <a:xfrm>
+          <a:off x="0" y="0"/>
+          <a:ext cx="0" cy="0"/>
+          <a:chOff x="0" y="0"/>
+          <a:chExt cx="0" cy="0"/>
+        </a:xfrm>
+      </p:grpSpPr>
+      <p:sp>
+        <p:nvSpPr>
+          <p:cNvPr id="2" name="Titel 1">
+            <a:extLst>
+              <a:ext uri="{FF2B5EF4-FFF2-40B4-BE49-F238E27FC236}">
+                <a16:creationId xmlns:a16="http://schemas.microsoft.com/office/drawing/2014/main" id="{54D85752-ED02-1D0F-99CB-414EAE9913ED}"/>
+              </a:ext>
+            </a:extLst>
+          </p:cNvPr>
+          <p:cNvSpPr>
+            <a:spLocks noGrp="1"/>
+          </p:cNvSpPr>
+          <p:nvPr>
+            <p:ph type="title"/>
+          </p:nvPr>
+        </p:nvSpPr>
+        <p:spPr/>
+        <p:txBody>
+          <a:bodyPr/>
+          <a:lstStyle/>
+          <a:p>
+            <a:r>
+              <a:rPr lang="cs-CZ" sz="2800" dirty="0" err="1"/>
+              <a:t>Libraries</a:t>
+            </a:r>
+            <a:r>
+              <a:rPr lang="cs-CZ" sz="2800" dirty="0"/>
+              <a:t> </a:t>
+            </a:r>
+            <a:r>
+              <a:rPr lang="cs-CZ" sz="2800" dirty="0" err="1"/>
+              <a:t>used</a:t>
+            </a:r>
+            <a:endParaRPr lang="en-US" dirty="0"/>
+          </a:p>
+        </p:txBody>
+      </p:sp>
+      <p:sp>
+        <p:nvSpPr>
+          <p:cNvPr id="3" name="Inhaltsplatzhalter 2">
+            <a:extLst>
+              <a:ext uri="{FF2B5EF4-FFF2-40B4-BE49-F238E27FC236}">
+                <a16:creationId xmlns:a16="http://schemas.microsoft.com/office/drawing/2014/main" id="{71289D85-E930-C0F0-CD9B-F530647CBB1C}"/>
+              </a:ext>
+            </a:extLst>
+          </p:cNvPr>
+          <p:cNvSpPr>
+            <a:spLocks noGrp="1"/>
+          </p:cNvSpPr>
+          <p:nvPr>
+            <p:ph idx="1"/>
+          </p:nvPr>
+        </p:nvSpPr>
+        <p:spPr/>
+        <p:txBody>
+          <a:bodyPr/>
+          <a:lstStyle/>
+          <a:p>
+            <a:pPr marL="457200" indent="-457200" algn="l">
+              <a:buFont typeface="+mj-lt"/>
+              <a:buAutoNum type="alphaLcParenR"/>
+            </a:pPr>
+            <a:r>
+              <a:rPr lang="en-US" sz="2000" b="1" dirty="0" err="1"/>
+              <a:t>os</a:t>
+            </a:r>
+            <a:r>
+              <a:rPr lang="en-US" sz="2000" b="1" dirty="0"/>
+              <a:t> and sys</a:t>
+            </a:r>
+          </a:p>
+          <a:p>
+            <a:pPr marL="684000" lvl="1" indent="-457200">
+              <a:buFont typeface="Arial" panose="020B0604020202020204" pitchFamily="34" charset="0"/>
+              <a:buChar char="•"/>
+            </a:pPr>
+            <a:r>
+              <a:rPr lang="en-US" sz="2000" dirty="0"/>
+              <a:t>Set the working directory to the folder</a:t>
+            </a:r>
+          </a:p>
+          <a:p>
+            <a:pPr marL="684000" lvl="1" indent="-457200">
+              <a:buFont typeface="Arial" panose="020B0604020202020204" pitchFamily="34" charset="0"/>
+              <a:buChar char="•"/>
+            </a:pPr>
+            <a:endParaRPr lang="en-US" sz="2000" dirty="0"/>
+          </a:p>
+          <a:p>
+            <a:pPr marL="457200" lvl="1" indent="-457200">
+              <a:spcBef>
+                <a:spcPts val="0"/>
+              </a:spcBef>
+              <a:buFont typeface="+mj-lt"/>
+              <a:buAutoNum type="alphaLcParenR"/>
+            </a:pPr>
+            <a:r>
+              <a:rPr lang="en-US" sz="2000" b="1" dirty="0"/>
+              <a:t>Matplotlib</a:t>
+            </a:r>
+          </a:p>
+          <a:p>
+            <a:pPr marL="684000" lvl="1" indent="-457200">
+              <a:buFont typeface="Arial" panose="020B0604020202020204" pitchFamily="34" charset="0"/>
+              <a:buChar char="•"/>
+            </a:pPr>
+            <a:r>
+              <a:rPr lang="en-US" sz="2000" dirty="0"/>
+              <a:t>For vi</a:t>
+            </a:r>
+            <a:r>
+              <a:rPr lang="cs-CZ" sz="2000" dirty="0"/>
+              <a:t>s</a:t>
+            </a:r>
+            <a:r>
+              <a:rPr lang="en-US" sz="2000" dirty="0" err="1"/>
+              <a:t>ualization</a:t>
+            </a:r>
+            <a:r>
+              <a:rPr lang="en-US" sz="2000" dirty="0"/>
+              <a:t> </a:t>
+            </a:r>
+          </a:p>
+          <a:p>
+            <a:pPr marL="684000" lvl="1" indent="-457200">
+              <a:buFont typeface="Arial" panose="020B0604020202020204" pitchFamily="34" charset="0"/>
+              <a:buChar char="•"/>
+            </a:pPr>
+            <a:endParaRPr lang="en-US" sz="2000" b="1" dirty="0"/>
+          </a:p>
+          <a:p>
+            <a:pPr marL="457200" indent="-457200" algn="l">
+              <a:buFont typeface="+mj-lt"/>
+              <a:buAutoNum type="alphaLcParenR"/>
+            </a:pPr>
+            <a:r>
+              <a:rPr lang="en-US" sz="2000" b="1" dirty="0"/>
+              <a:t>Pandas</a:t>
+            </a:r>
+          </a:p>
+          <a:p>
+            <a:pPr marL="684000" lvl="1" indent="-457200">
+              <a:buFont typeface="Arial" panose="020B0604020202020204" pitchFamily="34" charset="0"/>
+              <a:buChar char="•"/>
+            </a:pPr>
+            <a:r>
+              <a:rPr lang="en-US" sz="2000" dirty="0"/>
+              <a:t>For data manipulation</a:t>
+            </a:r>
+          </a:p>
+          <a:p>
+            <a:pPr marL="457200" indent="-457200" algn="l">
+              <a:buFont typeface="+mj-lt"/>
+              <a:buAutoNum type="alphaLcParenR"/>
+            </a:pPr>
+            <a:endParaRPr lang="en-US" sz="2000" b="1" dirty="0"/>
+          </a:p>
+          <a:p>
+            <a:pPr marL="457200" indent="-457200" algn="l">
+              <a:buFont typeface="+mj-lt"/>
+              <a:buAutoNum type="alphaLcParenR"/>
+            </a:pPr>
+            <a:r>
+              <a:rPr lang="en-US" sz="2000" b="1" dirty="0" err="1"/>
+              <a:t>MostlyAI</a:t>
+            </a:r>
+            <a:endParaRPr lang="en-US" sz="2000" b="1" dirty="0"/>
+          </a:p>
+          <a:p>
+            <a:pPr marL="684000" lvl="1" indent="-457200">
+              <a:buFont typeface="Arial" panose="020B0604020202020204" pitchFamily="34" charset="0"/>
+              <a:buChar char="•"/>
+            </a:pPr>
+            <a:r>
+              <a:rPr lang="en-US" sz="2000" dirty="0"/>
+              <a:t>Synthetize data with Mostly AI </a:t>
+            </a:r>
+          </a:p>
+          <a:p>
+            <a:pPr marL="457200" indent="-457200" algn="l">
+              <a:buFont typeface="+mj-lt"/>
+              <a:buAutoNum type="alphaLcParenR"/>
+            </a:pPr>
+            <a:endParaRPr lang="en-US" sz="2000" b="1" dirty="0"/>
+          </a:p>
+        </p:txBody>
+      </p:sp>
+      <p:sp>
+        <p:nvSpPr>
+          <p:cNvPr id="6" name="Foliennummernplatzhalter 5">
+            <a:extLst>
+              <a:ext uri="{FF2B5EF4-FFF2-40B4-BE49-F238E27FC236}">
+                <a16:creationId xmlns:a16="http://schemas.microsoft.com/office/drawing/2014/main" id="{5A245376-D620-5002-D5CA-D15A6818CACC}"/>
+              </a:ext>
+            </a:extLst>
+          </p:cNvPr>
+          <p:cNvSpPr>
+            <a:spLocks noGrp="1"/>
+          </p:cNvSpPr>
+          <p:nvPr>
+            <p:ph type="sldNum" sz="quarter" idx="12"/>
+          </p:nvPr>
+        </p:nvSpPr>
+        <p:spPr/>
+        <p:txBody>
+          <a:bodyPr/>
+          <a:lstStyle/>
+          <a:p>
+            <a:fld id="{442AD375-037F-43D0-B059-5172DA06796A}" type="slidenum">
+              <a:rPr lang="en-GB" noProof="0" smtClean="0"/>
+              <a:pPr/>
+              <a:t>9</a:t>
+            </a:fld>
+            <a:endParaRPr lang="en-GB" noProof="0" dirty="0"/>
+          </a:p>
+        </p:txBody>
+      </p:sp>
+      <p:pic>
+        <p:nvPicPr>
+          <p:cNvPr id="5" name="Picture 4" descr="A close-up of a logo&#10;&#10;Description automatically generated">
+            <a:extLst>
+              <a:ext uri="{FF2B5EF4-FFF2-40B4-BE49-F238E27FC236}">
+                <a16:creationId xmlns:a16="http://schemas.microsoft.com/office/drawing/2014/main" id="{7DE47300-D364-06CC-DC8A-605E6ADE5607}"/>
+              </a:ext>
+            </a:extLst>
+          </p:cNvPr>
+          <p:cNvPicPr>
+            <a:picLocks noChangeAspect="1"/>
+          </p:cNvPicPr>
+          <p:nvPr/>
+        </p:nvPicPr>
+        <p:blipFill>
+          <a:blip r:embed="rId2">
+            <a:extLst>
+              <a:ext uri="{28A0092B-C50C-407E-A947-70E740481C1C}">
+                <a14:useLocalDpi xmlns:a14="http://schemas.microsoft.com/office/drawing/2010/main" val="0"/>
+              </a:ext>
+            </a:extLst>
+          </a:blip>
+          <a:stretch>
+            <a:fillRect/>
+          </a:stretch>
+        </p:blipFill>
+        <p:spPr>
+          <a:xfrm>
+            <a:off x="6816080" y="2605886"/>
+            <a:ext cx="4169563" cy="1389854"/>
+          </a:xfrm>
+          <a:prstGeom prst="rect">
+            <a:avLst/>
+          </a:prstGeom>
+        </p:spPr>
+      </p:pic>
+      <p:pic>
+        <p:nvPicPr>
+          <p:cNvPr id="2050" name="Picture 2" descr="pandas (software) - Wikipedia">
+            <a:extLst>
+              <a:ext uri="{FF2B5EF4-FFF2-40B4-BE49-F238E27FC236}">
+                <a16:creationId xmlns:a16="http://schemas.microsoft.com/office/drawing/2014/main" id="{3BC11248-8550-3815-E482-F5A325530D0B}"/>
+              </a:ext>
+            </a:extLst>
+          </p:cNvPr>
+          <p:cNvPicPr>
+            <a:picLocks noChangeAspect="1" noChangeArrowheads="1"/>
+          </p:cNvPicPr>
+          <p:nvPr/>
+        </p:nvPicPr>
+        <p:blipFill>
+          <a:blip r:embed="rId3">
+            <a:extLst>
+              <a:ext uri="{28A0092B-C50C-407E-A947-70E740481C1C}">
+                <a14:useLocalDpi xmlns:a14="http://schemas.microsoft.com/office/drawing/2010/main" val="0"/>
+              </a:ext>
+            </a:extLst>
+          </a:blip>
+          <a:srcRect/>
+          <a:stretch>
+            <a:fillRect/>
+          </a:stretch>
+        </p:blipFill>
+        <p:spPr bwMode="auto">
+          <a:xfrm>
+            <a:off x="7032104" y="3830022"/>
+            <a:ext cx="3362325" cy="1362075"/>
+          </a:xfrm>
+          <a:prstGeom prst="rect">
+            <a:avLst/>
+          </a:prstGeom>
+          <a:noFill/>
+          <a:extLst>
+            <a:ext uri="{909E8E84-426E-40DD-AFC4-6F175D3DCCD1}">
+              <a14:hiddenFill xmlns:a14="http://schemas.microsoft.com/office/drawing/2010/main">
+                <a:solidFill>
+                  <a:srgbClr val="FFFFFF"/>
+                </a:solidFill>
+              </a14:hiddenFill>
+            </a:ext>
+          </a:extLst>
+        </p:spPr>
+      </p:pic>
+      <p:pic>
+        <p:nvPicPr>
+          <p:cNvPr id="7" name="Obrázek 4" descr="Obsah obrázku Písmo, Grafika, grafický design, logo&#10;&#10;Popis byl vytvořen automaticky">
+            <a:extLst>
+              <a:ext uri="{FF2B5EF4-FFF2-40B4-BE49-F238E27FC236}">
+                <a16:creationId xmlns:a16="http://schemas.microsoft.com/office/drawing/2014/main" id="{A92E905E-EC8E-CD34-670B-F11A791D9A80}"/>
+              </a:ext>
+            </a:extLst>
+          </p:cNvPr>
+          <p:cNvPicPr>
+            <a:picLocks noChangeAspect="1"/>
+          </p:cNvPicPr>
+          <p:nvPr/>
+        </p:nvPicPr>
+        <p:blipFill>
+          <a:blip r:embed="rId4">
+            <a:extLst>
+              <a:ext uri="{28A0092B-C50C-407E-A947-70E740481C1C}">
+                <a14:useLocalDpi xmlns:a14="http://schemas.microsoft.com/office/drawing/2010/main" val="0"/>
+              </a:ext>
+            </a:extLst>
+          </a:blip>
+          <a:stretch>
+            <a:fillRect/>
+          </a:stretch>
+        </p:blipFill>
+        <p:spPr>
+          <a:xfrm>
+            <a:off x="7104225" y="5404815"/>
+            <a:ext cx="3593272" cy="413226"/>
+          </a:xfrm>
+          <a:prstGeom prst="rect">
+            <a:avLst/>
+          </a:prstGeom>
+        </p:spPr>
+      </p:pic>
+      <p:pic>
+        <p:nvPicPr>
+          <p:cNvPr id="9" name="Picture 8">
+            <a:extLst>
+              <a:ext uri="{FF2B5EF4-FFF2-40B4-BE49-F238E27FC236}">
+                <a16:creationId xmlns:a16="http://schemas.microsoft.com/office/drawing/2014/main" id="{18BB89DE-68C1-8C51-A25F-CAD6E9E41914}"/>
+              </a:ext>
+            </a:extLst>
+          </p:cNvPr>
+          <p:cNvPicPr>
+            <a:picLocks noChangeAspect="1"/>
+          </p:cNvPicPr>
+          <p:nvPr/>
+        </p:nvPicPr>
+        <p:blipFill>
+          <a:blip r:embed="rId5"/>
+          <a:stretch>
+            <a:fillRect/>
+          </a:stretch>
+        </p:blipFill>
+        <p:spPr>
+          <a:xfrm>
+            <a:off x="6528048" y="2001877"/>
+            <a:ext cx="4807996" cy="749072"/>
+          </a:xfrm>
+          <a:prstGeom prst="rect">
+            <a:avLst/>
+          </a:prstGeom>
+        </p:spPr>
+      </p:pic>
+      <p:pic>
+        <p:nvPicPr>
+          <p:cNvPr id="11" name="Picture 10">
+            <a:extLst>
+              <a:ext uri="{FF2B5EF4-FFF2-40B4-BE49-F238E27FC236}">
+                <a16:creationId xmlns:a16="http://schemas.microsoft.com/office/drawing/2014/main" id="{35E2FE00-EA18-89E3-8ACA-07C54306A23E}"/>
+              </a:ext>
+            </a:extLst>
+          </p:cNvPr>
+          <p:cNvPicPr>
+            <a:picLocks noChangeAspect="1"/>
+          </p:cNvPicPr>
+          <p:nvPr/>
+        </p:nvPicPr>
+        <p:blipFill>
+          <a:blip r:embed="rId6"/>
+          <a:stretch>
+            <a:fillRect/>
+          </a:stretch>
+        </p:blipFill>
+        <p:spPr>
+          <a:xfrm>
+            <a:off x="7772927" y="472982"/>
+            <a:ext cx="2255868" cy="1331332"/>
+          </a:xfrm>
+          <a:prstGeom prst="rect">
+            <a:avLst/>
+          </a:prstGeom>
+        </p:spPr>
+      </p:pic>
+    </p:spTree>
+    <p:extLst>
+      <p:ext uri="{BB962C8B-B14F-4D97-AF65-F5344CB8AC3E}">
+        <p14:creationId xmlns:p14="http://schemas.microsoft.com/office/powerpoint/2010/main" val="569924924"/>
       </p:ext>
     </p:extLst>
   </p:cSld>
